--- a/docs/lectures/lecture_06/06_01_lecture_powerpoint.pptx
+++ b/docs/lectures/lecture_06/06_01_lecture_powerpoint.pptx
@@ -30,8 +30,6 @@
     <p:sldId id="278" r:id="rId24"/>
     <p:sldId id="279" r:id="rId25"/>
     <p:sldId id="280" r:id="rId26"/>
-    <p:sldId id="281" r:id="rId27"/>
-    <p:sldId id="282" r:id="rId28"/>
   </p:sldIdLst>
   <p:sldSz cx="9144000" cy="5143500" type="screen16x9"/>
   <p:notesSz cx="6858000" cy="9144000"/>
@@ -3406,7 +3404,7 @@
             </a:pPr>
             <a:r>
               <a:rPr/>
-              <a:t>Homework take-up</a:t>
+              <a:t>Statistical vs. biological significance</a:t>
             </a:r>
           </a:p>
         </p:txBody>
@@ -3429,87 +3427,74 @@
             <a:pPr lvl="0"/>
             <a:r>
               <a:rPr/>
-              <a:t>Perform 2-sample t-test:</a:t>
+              <a:t>Statistical significance: difference unlikely due to chance</a:t>
+            </a:r>
+          </a:p>
+          <a:p>
+            <a:pPr lvl="0"/>
+            <a:r>
+              <a:rPr/>
+              <a:t>Says nothing about biological significance of difference!</a:t>
+            </a:r>
+          </a:p>
+          <a:p>
+            <a:pPr lvl="0"/>
+            <a:r>
+              <a:rPr/>
+              <a:t>With large sample size can detect very small differences between populations</a:t>
+            </a:r>
+          </a:p>
+          <a:p>
+            <a:pPr lvl="0"/>
+            <a:r>
+              <a:rPr/>
+              <a:t>E.g.: consider 2 snail populations,</a:t>
             </a:r>
           </a:p>
           <a:p>
             <a:pPr lvl="1"/>
             <a:r>
               <a:rPr/>
-              <a:t>pop A: 5.3, 5.6, 4.3, 4.9, 5.3, 4.1, 5.2, 5.0 cm</a:t>
-            </a:r>
-          </a:p>
-          <a:p>
-            <a:pPr lvl="1"/>
-            <a:r>
-              <a:rPr/>
-              <a:t>pop B: 6.1, 4.7, 5.9, 4.7, 6.2, 6.0, 5.4, 4.9 cm</a:t>
-            </a:r>
-          </a:p>
-          <a:p>
-            <a:pPr lvl="0"/>
-            <a:r>
-              <a:rPr/>
-              <a:t>ȳ</a:t>
-            </a:r>
-            <a:r>
-              <a:rPr baseline="-25000"/>
-              <a:t>popA</a:t>
-            </a:r>
-            <a:r>
-              <a:rPr/>
-              <a:t> - ȳ</a:t>
-            </a:r>
-            <a:r>
-              <a:rPr baseline="-25000"/>
-              <a:t>popB</a:t>
-            </a:r>
-            <a:r>
-              <a:rPr/>
-              <a:t> = -0.53</a:t>
-            </a:r>
-          </a:p>
-          <a:p>
-            <a:pPr lvl="0"/>
-            <a:r>
-              <a:rPr/>
-              <a:t>s</a:t>
-            </a:r>
-            <a:r>
-              <a:rPr baseline="-25000"/>
-              <a:t>ȳopA-ȳopB</a:t>
-            </a:r>
-            <a:r>
-              <a:rPr/>
-              <a:t> = 0.29</a:t>
-            </a:r>
-          </a:p>
-          <a:p>
-            <a:pPr lvl="0"/>
-            <a:r>
-              <a:rPr/>
-              <a:t>t = -1.80</a:t>
-            </a:r>
-          </a:p>
-          <a:p>
-            <a:pPr lvl="0"/>
-            <a:r>
-              <a:rPr/>
-              <a:t>df = 14</a:t>
-            </a:r>
-          </a:p>
-          <a:p>
-            <a:pPr lvl="0"/>
-            <a:r>
-              <a:rPr/>
-              <a:t>p (estimated from t-table) = 0.05 &lt; p &lt; 0.1</a:t>
-            </a:r>
-          </a:p>
-          <a:p>
-            <a:pPr lvl="0"/>
-            <a:r>
-              <a:rPr/>
-              <a:t>Writeup: “a 2-tailed, independent 2-sampe t-test showed no significant difference bw beak length of pop A (4.96 cm ± 0.52 SD) and pop B (5.49 ± 0.64) at á=0.05: t(14) =-1.80, p = 0.094”</a:t>
+              <a:t>A and B:</a:t>
+            </a:r>
+          </a:p>
+          <a:p>
+            <a:pPr lvl="2"/>
+            <a:r>
+              <a:rPr/>
+              <a:t>Ho: µ~size A~ = µ~size B~</a:t>
+            </a:r>
+          </a:p>
+          <a:p>
+            <a:pPr lvl="2"/>
+            <a:r>
+              <a:rPr/>
+              <a:t>Ha: µ~size A~ ≠ µ~size B~</a:t>
+            </a:r>
+          </a:p>
+        </p:txBody>
+      </p:sp>
+      <p:sp>
+        <p:nvSpPr>
+          <p:cNvPr id="4" name="Content Placeholder 3"/>
+          <p:cNvSpPr>
+            <a:spLocks noGrp="1"/>
+          </p:cNvSpPr>
+          <p:nvPr>
+            <p:ph idx="2" sz="half"/>
+          </p:nvPr>
+        </p:nvSpPr>
+        <p:spPr/>
+        <p:txBody>
+          <a:bodyPr/>
+          <a:lstStyle/>
+          <a:p>
+            <a:pPr lvl="0" indent="0" marL="0">
+              <a:buNone/>
+            </a:pPr>
+            <a:r>
+              <a:rPr/>
+              <a:t>&lt;!–  –&gt;</a:t>
             </a:r>
           </a:p>
         </p:txBody>
@@ -3564,7 +3549,7 @@
             </a:pPr>
             <a:r>
               <a:rPr/>
-              <a:t>Homework take-up</a:t>
+              <a:t>Statistical vs. biological significance</a:t>
             </a:r>
           </a:p>
         </p:txBody>
@@ -3587,35 +3572,39 @@
             <a:pPr lvl="0"/>
             <a:r>
               <a:rPr/>
-              <a:t>Look through the ecological literature and find an example of a published manuscript that uses either a t-test of one of the tests mentioned in Q2. Provide the following information:</a:t>
+              <a:t>Size of A: 5.05 (± 2.00 SD)mm, size of B: 5.00 (± 2.00 SD)mm</a:t>
+            </a:r>
+          </a:p>
+          <a:p>
+            <a:pPr lvl="0"/>
+            <a:r>
+              <a:rPr/>
+              <a:t>Sample 50, 200, 30,000 individuals from each pop:</a:t>
             </a:r>
           </a:p>
           <a:p>
             <a:pPr lvl="1"/>
             <a:r>
               <a:rPr/>
-              <a:t>Reference for paper</a:t>
+              <a:t>n = 50: t = 0.32, df = 98, p-value = 0.75</a:t>
             </a:r>
           </a:p>
           <a:p>
             <a:pPr lvl="1"/>
             <a:r>
               <a:rPr/>
-              <a:t>Scientific question being addressed</a:t>
+              <a:t>n = 200: t = 0.058, df = 398, p-value = 0.95</a:t>
             </a:r>
           </a:p>
           <a:p>
             <a:pPr lvl="1"/>
             <a:r>
               <a:rPr/>
-              <a:t>Specific hypothesis tested (in mathematical notation)</a:t>
-            </a:r>
-          </a:p>
-          <a:p>
-            <a:pPr lvl="1"/>
-            <a:r>
-              <a:rPr/>
-              <a:t>The results of the t test (t, df, p) and the author’s conclusions</a:t>
+              <a:t>n = 30,000: t = -4.47, df = 59998, p-value = 7.996*10</a:t>
+            </a:r>
+            <a:r>
+              <a:rPr baseline="30000"/>
+              <a:t>-6</a:t>
             </a:r>
           </a:p>
         </p:txBody>
@@ -3693,28 +3682,57 @@
             <a:pPr lvl="0"/>
             <a:r>
               <a:rPr/>
-              <a:t>Statistical significance: difference unlikely due to chance</a:t>
-            </a:r>
-          </a:p>
-          <a:p>
-            <a:pPr lvl="0"/>
-            <a:r>
-              <a:rPr/>
-              <a:t>Says nothing about biological significance of difference!</a:t>
-            </a:r>
-          </a:p>
-          <a:p>
-            <a:pPr lvl="0"/>
-            <a:r>
-              <a:rPr/>
-              <a:t>With large sample size can detect very small differences between populations</a:t>
-            </a:r>
-          </a:p>
-          <a:p>
-            <a:pPr lvl="0"/>
-            <a:r>
-              <a:rPr/>
-              <a:t>E.g.: consider 2 snail populations, A and B: Ho: µ~size A~ = µ~size B~; Ha: µ~size A~ ≠ µ~size B~</a:t>
+              <a:t>Finally, statistically significant difference…</a:t>
+            </a:r>
+          </a:p>
+          <a:p>
+            <a:pPr lvl="0"/>
+            <a:r>
+              <a:rPr/>
+              <a:t>Meaningful? Ecologically significant? Statistics can’t answer this question</a:t>
+            </a:r>
+          </a:p>
+          <a:p>
+            <a:pPr lvl="0"/>
+            <a:r>
+              <a:rPr b="1"/>
+              <a:t>IMPORTANT</a:t>
+            </a:r>
+            <a:r>
+              <a:rPr/>
+              <a:t> to report info that can assess biological significance</a:t>
+            </a:r>
+          </a:p>
+          <a:p>
+            <a:pPr lvl="0"/>
+            <a:r>
+              <a:rPr/>
+              <a:t>“A two-tailed, two-sample independent t-test showed significant difference in size between pop. A (4.99 mm ± 1.99 SD) and pop. B (5.06 mm ± 1.99 SD) at á=0.05 (t = -4.47, df = 59998, p-value &lt; 0.0001).”</a:t>
+            </a:r>
+          </a:p>
+        </p:txBody>
+      </p:sp>
+      <p:sp>
+        <p:nvSpPr>
+          <p:cNvPr id="4" name="Content Placeholder 3"/>
+          <p:cNvSpPr>
+            <a:spLocks noGrp="1"/>
+          </p:cNvSpPr>
+          <p:nvPr>
+            <p:ph idx="2" sz="half"/>
+          </p:nvPr>
+        </p:nvSpPr>
+        <p:spPr/>
+        <p:txBody>
+          <a:bodyPr/>
+          <a:lstStyle/>
+          <a:p>
+            <a:pPr lvl="0" indent="0" marL="0">
+              <a:buNone/>
+            </a:pPr>
+            <a:r>
+              <a:rPr/>
+              <a:t>&lt;!– –&gt;</a:t>
             </a:r>
           </a:p>
         </p:txBody>
@@ -3769,7 +3787,7 @@
             </a:pPr>
             <a:r>
               <a:rPr/>
-              <a:t>Statistical vs. biological significance</a:t>
+              <a:t>Assumptions of parametric tests</a:t>
             </a:r>
           </a:p>
         </p:txBody>
@@ -3792,39 +3810,46 @@
             <a:pPr lvl="0"/>
             <a:r>
               <a:rPr/>
-              <a:t>Size of A: 5.05 (± 2.00 SD)mm, size of B: 5.00 (± 2.00 SD)mm</a:t>
-            </a:r>
-          </a:p>
-          <a:p>
-            <a:pPr lvl="0"/>
-            <a:r>
-              <a:rPr/>
-              <a:t>Sample 50, 200, 30,000 individuals from each pop:</a:t>
-            </a:r>
-          </a:p>
-          <a:p>
-            <a:pPr lvl="1"/>
-            <a:r>
-              <a:rPr/>
-              <a:t>n = 50: t = 0.32, df = 98, p-value = 0.75</a:t>
-            </a:r>
-          </a:p>
-          <a:p>
-            <a:pPr lvl="1"/>
-            <a:r>
-              <a:rPr/>
-              <a:t>n = 200: t = 0.058, df = 398, p-value = 0.95</a:t>
-            </a:r>
-          </a:p>
-          <a:p>
-            <a:pPr lvl="1"/>
-            <a:r>
-              <a:rPr/>
-              <a:t>n = 30,000: t = -4.47, df = 59998, p-value = 7.996*10</a:t>
-            </a:r>
-            <a:r>
-              <a:rPr baseline="30000"/>
-              <a:t>-6</a:t>
+              <a:t>Basic assumptions of parametric t-tests:</a:t>
+            </a:r>
+          </a:p>
+          <a:p>
+            <a:pPr lvl="0"/>
+            <a:r>
+              <a:rPr/>
+              <a:t>Normality, equal variance, random sampling, no outliers</a:t>
+            </a:r>
+          </a:p>
+          <a:p>
+            <a:pPr lvl="0"/>
+            <a:r>
+              <a:rPr/>
+              <a:t>What to do if assumptions are violated?</a:t>
+            </a:r>
+          </a:p>
+        </p:txBody>
+      </p:sp>
+      <p:sp>
+        <p:nvSpPr>
+          <p:cNvPr id="4" name="Content Placeholder 3"/>
+          <p:cNvSpPr>
+            <a:spLocks noGrp="1"/>
+          </p:cNvSpPr>
+          <p:nvPr>
+            <p:ph idx="2" sz="half"/>
+          </p:nvPr>
+        </p:nvSpPr>
+        <p:spPr/>
+        <p:txBody>
+          <a:bodyPr/>
+          <a:lstStyle/>
+          <a:p>
+            <a:pPr lvl="0" indent="0" marL="0">
+              <a:buNone/>
+            </a:pPr>
+            <a:r>
+              <a:rPr/>
+              <a:t>&lt;&gt;</a:t>
             </a:r>
           </a:p>
         </p:txBody>
@@ -3879,7 +3904,7 @@
             </a:pPr>
             <a:r>
               <a:rPr/>
-              <a:t>Statistical vs. biological significance</a:t>
+              <a:t>Homework take-up</a:t>
             </a:r>
           </a:p>
         </p:txBody>
@@ -3902,32 +3927,65 @@
             <a:pPr lvl="0"/>
             <a:r>
               <a:rPr/>
-              <a:t>Finally, statistically significant difference…</a:t>
-            </a:r>
-          </a:p>
-          <a:p>
-            <a:pPr lvl="0"/>
-            <a:r>
-              <a:rPr/>
-              <a:t>Meaningful? Ecologically significant? Statistics can’t answer this question</a:t>
-            </a:r>
-          </a:p>
-          <a:p>
-            <a:pPr lvl="0"/>
-            <a:r>
-              <a:rPr b="1"/>
-              <a:t>IMPORTANT</a:t>
-            </a:r>
-            <a:r>
-              <a:rPr/>
-              <a:t> to report info that can assess biological significance</a:t>
-            </a:r>
-          </a:p>
-          <a:p>
-            <a:pPr lvl="0"/>
-            <a:r>
-              <a:rPr/>
-              <a:t>“A two-tailed, two-sample independent t-test showed significant difference in size between pop. A (4.99 mm ± 1.99 SD) and pop. B (5.06 mm ± 1.99 SD) at á=0.05 (t = -4.47, df = 59998, p-value &lt; 0.0001).”</a:t>
+              <a:t>t-tests have several assumptions. Alternative tests, with more relaxed assumptions, are available to statisticians. In which case would you use the following tests?</a:t>
+            </a:r>
+          </a:p>
+          <a:p>
+            <a:pPr lvl="1"/>
+            <a:r>
+              <a:rPr/>
+              <a:t>Welch’s t-test: </a:t>
+            </a:r>
+            <a:r>
+              <a:rPr i="1"/>
+              <a:t>when distribution normal but variance unequal</a:t>
+            </a:r>
+          </a:p>
+          <a:p>
+            <a:pPr lvl="1"/>
+            <a:r>
+              <a:rPr/>
+              <a:t>Permutation test for two samples: </a:t>
+            </a:r>
+            <a:r>
+              <a:rPr i="1"/>
+              <a:t>when distribution not normal (but both groups should still have similar distributions and ~equal variance)</a:t>
+            </a:r>
+          </a:p>
+          <a:p>
+            <a:pPr lvl="1"/>
+            <a:r>
+              <a:rPr/>
+              <a:t>Mann-Whitney-Wilcoxon test: </a:t>
+            </a:r>
+            <a:r>
+              <a:rPr i="1"/>
+              <a:t>when distribution not normal and/or outliers are present (but both groups should still have similar distributions and ~equal variance)</a:t>
+            </a:r>
+          </a:p>
+        </p:txBody>
+      </p:sp>
+      <p:sp>
+        <p:nvSpPr>
+          <p:cNvPr id="4" name="Content Placeholder 3"/>
+          <p:cNvSpPr>
+            <a:spLocks noGrp="1"/>
+          </p:cNvSpPr>
+          <p:nvPr>
+            <p:ph idx="2" sz="half"/>
+          </p:nvPr>
+        </p:nvSpPr>
+        <p:spPr/>
+        <p:txBody>
+          <a:bodyPr/>
+          <a:lstStyle/>
+          <a:p>
+            <a:pPr lvl="0" indent="0" marL="0">
+              <a:buNone/>
+            </a:pPr>
+            <a:r>
+              <a:rPr/>
+              <a:t>&lt; –&gt;</a:t>
             </a:r>
           </a:p>
         </p:txBody>
@@ -4005,21 +4063,53 @@
             <a:pPr lvl="0"/>
             <a:r>
               <a:rPr/>
-              <a:t>Basic assumptions of parametric t-tests:</a:t>
-            </a:r>
-          </a:p>
-          <a:p>
-            <a:pPr lvl="0"/>
-            <a:r>
-              <a:rPr/>
-              <a:t>Normality, equal variance, random sampling, no outliers</a:t>
-            </a:r>
-          </a:p>
-          <a:p>
-            <a:pPr lvl="0"/>
-            <a:r>
-              <a:rPr/>
-              <a:t>What to do if assumptions are violated?</a:t>
+              <a:t>QQ-plots: tool for assessing normality</a:t>
+            </a:r>
+          </a:p>
+          <a:p>
+            <a:pPr lvl="0"/>
+            <a:r>
+              <a:rPr/>
+              <a:t>On x- theoretical quantiles from SND</a:t>
+            </a:r>
+          </a:p>
+          <a:p>
+            <a:pPr lvl="0"/>
+            <a:r>
+              <a:rPr/>
+              <a:t>On y- ordered sample values</a:t>
+            </a:r>
+          </a:p>
+          <a:p>
+            <a:pPr lvl="0"/>
+            <a:r>
+              <a:rPr/>
+              <a:t>Deviation from normal can be detected as deviation from straight line</a:t>
+            </a:r>
+          </a:p>
+        </p:txBody>
+      </p:sp>
+      <p:sp>
+        <p:nvSpPr>
+          <p:cNvPr id="4" name="Content Placeholder 3"/>
+          <p:cNvSpPr>
+            <a:spLocks noGrp="1"/>
+          </p:cNvSpPr>
+          <p:nvPr>
+            <p:ph idx="2" sz="half"/>
+          </p:nvPr>
+        </p:nvSpPr>
+        <p:spPr/>
+        <p:txBody>
+          <a:bodyPr/>
+          <a:lstStyle/>
+          <a:p>
+            <a:pPr lvl="0" indent="0" marL="0">
+              <a:buNone/>
+            </a:pPr>
+            <a:r>
+              <a:rPr/>
+              <a:t>&lt;!– –&gt;</a:t>
             </a:r>
           </a:p>
         </p:txBody>
@@ -4074,7 +4164,7 @@
             </a:pPr>
             <a:r>
               <a:rPr/>
-              <a:t>Homework take-up</a:t>
+              <a:t>Assumptions of parametric tests</a:t>
             </a:r>
           </a:p>
         </p:txBody>
@@ -4097,40 +4187,7 @@
             <a:pPr lvl="0"/>
             <a:r>
               <a:rPr/>
-              <a:t>t-tests have several assumptions. Alternative tests, with more relaxed assumptions, are available to statisticians. In which case would you use the following tests?</a:t>
-            </a:r>
-          </a:p>
-          <a:p>
-            <a:pPr lvl="1"/>
-            <a:r>
-              <a:rPr/>
-              <a:t>Welch’s t-test: </a:t>
-            </a:r>
-            <a:r>
-              <a:rPr i="1"/>
-              <a:t>when distribution normal but variance unequal</a:t>
-            </a:r>
-          </a:p>
-          <a:p>
-            <a:pPr lvl="1"/>
-            <a:r>
-              <a:rPr/>
-              <a:t>Permutation test for two samples: </a:t>
-            </a:r>
-            <a:r>
-              <a:rPr i="1"/>
-              <a:t>when distribution not normal (but both groups should still have similar distributions and ~equal variance)</a:t>
-            </a:r>
-          </a:p>
-          <a:p>
-            <a:pPr lvl="1"/>
-            <a:r>
-              <a:rPr/>
-              <a:t>Mann-Whitney-Wilcoxon test: </a:t>
-            </a:r>
-            <a:r>
-              <a:rPr i="1"/>
-              <a:t>when distribution not normal and/or outliers are present (but both groups should still have similar distributions and ~equal variance)</a:t>
+              <a:t>In some cases, data can be mathematically “transformed” to meet assumptions of parametric tests</a:t>
             </a:r>
           </a:p>
         </p:txBody>
@@ -4185,7 +4242,7 @@
             </a:pPr>
             <a:r>
               <a:rPr/>
-              <a:t>Assumptions of parametric tests</a:t>
+              <a:t>Robust tests</a:t>
             </a:r>
           </a:p>
         </p:txBody>
@@ -4208,28 +4265,53 @@
             <a:pPr lvl="0"/>
             <a:r>
               <a:rPr/>
-              <a:t>QQ-plots: tool for assessing normality</a:t>
-            </a:r>
-          </a:p>
-          <a:p>
-            <a:pPr lvl="0"/>
-            <a:r>
-              <a:rPr/>
-              <a:t>On x- theoretical quantiles from SND</a:t>
-            </a:r>
-          </a:p>
-          <a:p>
-            <a:pPr lvl="0"/>
-            <a:r>
-              <a:rPr/>
-              <a:t>On y- ordered sample values</a:t>
-            </a:r>
-          </a:p>
-          <a:p>
-            <a:pPr lvl="0"/>
-            <a:r>
-              <a:rPr/>
-              <a:t>Deviation from normal can be detected as deviation from straight line</a:t>
+              <a:t>Welch’s t-test: common “robust” test for means of two populations</a:t>
+            </a:r>
+          </a:p>
+          <a:p>
+            <a:pPr lvl="0"/>
+            <a:r>
+              <a:rPr/>
+              <a:t>Robust to violation of equal variance assumption, deals better with unequal sample size</a:t>
+            </a:r>
+          </a:p>
+          <a:p>
+            <a:pPr lvl="0"/>
+            <a:r>
+              <a:rPr/>
+              <a:t>Parametric test (assumes normal distribution)</a:t>
+            </a:r>
+          </a:p>
+          <a:p>
+            <a:pPr lvl="0"/>
+            <a:r>
+              <a:rPr/>
+              <a:t>Calculates a t statistic but recalculates df based on samples sizes and s</a:t>
+            </a:r>
+          </a:p>
+        </p:txBody>
+      </p:sp>
+      <p:sp>
+        <p:nvSpPr>
+          <p:cNvPr id="4" name="Content Placeholder 3"/>
+          <p:cNvSpPr>
+            <a:spLocks noGrp="1"/>
+          </p:cNvSpPr>
+          <p:nvPr>
+            <p:ph idx="2" sz="half"/>
+          </p:nvPr>
+        </p:nvSpPr>
+        <p:spPr/>
+        <p:txBody>
+          <a:bodyPr/>
+          <a:lstStyle/>
+          <a:p>
+            <a:pPr lvl="0" indent="0" marL="0">
+              <a:buNone/>
+            </a:pPr>
+            <a:r>
+              <a:rPr/>
+              <a:t>&lt;!– –&gt;</a:t>
             </a:r>
           </a:p>
         </p:txBody>
@@ -4284,7 +4366,7 @@
             </a:pPr>
             <a:r>
               <a:rPr/>
-              <a:t>Assumptions of parametric tests</a:t>
+              <a:t>Robust tests</a:t>
             </a:r>
           </a:p>
         </p:txBody>
@@ -4307,7 +4389,88 @@
             <a:pPr lvl="0"/>
             <a:r>
               <a:rPr/>
-              <a:t>In some cases, data can be mathematically “transformed” to meet assumptions of parametric tests</a:t>
+              <a:t>In R:</a:t>
+            </a:r>
+          </a:p>
+          <a:p>
+            <a:pPr lvl="0"/>
+            <a:r>
+              <a:rPr/>
+              <a:t>t.test(y1, y2, var.equal = FALSE, paired = FALSE)</a:t>
+            </a:r>
+          </a:p>
+          <a:p>
+            <a:pPr lvl="0"/>
+            <a:r>
+              <a:rPr/>
+              <a:t>will use the Welch approach</a:t>
+            </a:r>
+          </a:p>
+          <a:p>
+            <a:pPr lvl="0"/>
+            <a:r>
+              <a:rPr/>
+              <a:t>T-test</a:t>
+            </a:r>
+            <a:br/>
+            <a:r>
+              <a:rPr/>
+              <a:t>AvB df= 38 t= -3.62 p= 0.0009</a:t>
+            </a:r>
+          </a:p>
+          <a:p>
+            <a:pPr lvl="0"/>
+            <a:r>
+              <a:rPr/>
+              <a:t>AvC df= 38 t= -2.91 p= 0.005</a:t>
+            </a:r>
+          </a:p>
+          <a:p>
+            <a:pPr lvl="0" indent="0" marL="0">
+              <a:buNone/>
+            </a:pPr>
+            <a:r>
+              <a:rPr/>
+              <a:t>Welch’s</a:t>
+            </a:r>
+          </a:p>
+          <a:p>
+            <a:pPr lvl="0"/>
+            <a:r>
+              <a:rPr/>
+              <a:t>AvB df= 37.9 t= -3.62 p= 0.0009</a:t>
+            </a:r>
+          </a:p>
+          <a:p>
+            <a:pPr lvl="0"/>
+            <a:r>
+              <a:rPr/>
+              <a:t>AvC df= 26.1 t= -2.91 p= 0.007</a:t>
+            </a:r>
+          </a:p>
+        </p:txBody>
+      </p:sp>
+      <p:sp>
+        <p:nvSpPr>
+          <p:cNvPr id="4" name="Content Placeholder 3"/>
+          <p:cNvSpPr>
+            <a:spLocks noGrp="1"/>
+          </p:cNvSpPr>
+          <p:nvPr>
+            <p:ph idx="2" sz="half"/>
+          </p:nvPr>
+        </p:nvSpPr>
+        <p:spPr/>
+        <p:txBody>
+          <a:bodyPr/>
+          <a:lstStyle/>
+          <a:p>
+            <a:pPr lvl="0" indent="0" marL="0">
+              <a:buNone/>
+            </a:pPr>
+            <a:r>
+              <a:rPr/>
+              <a:t>&lt;!–  –&gt;</a:t>
             </a:r>
           </a:p>
         </p:txBody>
@@ -4362,7 +4525,7 @@
             </a:pPr>
             <a:r>
               <a:rPr/>
-              <a:t>Robust tests</a:t>
+              <a:t>Rank based tests</a:t>
             </a:r>
           </a:p>
         </p:txBody>
@@ -4385,28 +4548,36 @@
             <a:pPr lvl="0"/>
             <a:r>
               <a:rPr/>
-              <a:t>Welch’s t-test: common “robust” test for means of two populations</a:t>
-            </a:r>
-          </a:p>
-          <a:p>
-            <a:pPr lvl="0"/>
-            <a:r>
-              <a:rPr/>
-              <a:t>Robust to violation of equal variance assumption, deals better with unequal sample size</a:t>
-            </a:r>
-          </a:p>
-          <a:p>
-            <a:pPr lvl="0"/>
-            <a:r>
-              <a:rPr/>
-              <a:t>Parametric test (assumes normal distribution)</a:t>
-            </a:r>
-          </a:p>
-          <a:p>
-            <a:pPr lvl="0"/>
-            <a:r>
-              <a:rPr/>
-              <a:t>Calculates a t statistic but recalculates df based on samples sizes and s</a:t>
+              <a:t>Rank-based tests: no assumptions about distribution (non-parametric)</a:t>
+            </a:r>
+          </a:p>
+          <a:p>
+            <a:pPr lvl="0"/>
+            <a:r>
+              <a:rPr/>
+              <a:t>Ranks of data: observations assigned ranks, sums (and signs for paired tests) of ranks for groups compared</a:t>
+            </a:r>
+          </a:p>
+          <a:p>
+            <a:pPr lvl="0"/>
+            <a:r>
+              <a:rPr b="1"/>
+              <a:t>Mann-Whitney U test</a:t>
+            </a:r>
+            <a:r>
+              <a:rPr/>
+              <a:t> common alternative to independent samples t-test</a:t>
+            </a:r>
+          </a:p>
+          <a:p>
+            <a:pPr lvl="0"/>
+            <a:r>
+              <a:rPr b="1"/>
+              <a:t>Wilcoxon signed-rank</a:t>
+            </a:r>
+            <a:r>
+              <a:rPr/>
+              <a:t> test is alternative to paired t-test</a:t>
             </a:r>
           </a:p>
         </p:txBody>
@@ -4590,7 +4761,7 @@
             </a:pPr>
             <a:r>
               <a:rPr/>
-              <a:t>Robust tests</a:t>
+              <a:t>Rank based tests</a:t>
             </a:r>
           </a:p>
         </p:txBody>
@@ -4613,7 +4784,48 @@
             <a:pPr lvl="0"/>
             <a:r>
               <a:rPr/>
-              <a:t>In R: t.test(y1, y2, var.equal = FALSE, paired = FALSE) will use the Welch approach</a:t>
+              <a:t>Assumptions: similar distributions for groups, equal variance</a:t>
+            </a:r>
+          </a:p>
+          <a:p>
+            <a:pPr lvl="0"/>
+            <a:r>
+              <a:rPr/>
+              <a:t>Less power than parametric tests</a:t>
+            </a:r>
+          </a:p>
+          <a:p>
+            <a:pPr lvl="0"/>
+            <a:r>
+              <a:rPr/>
+              <a:t>Best when normality assumption can not be met by transformation (weird distribution) or large outliers</a:t>
+            </a:r>
+          </a:p>
+          <a:p>
+            <a:pPr lvl="0" indent="0" marL="0">
+              <a:buNone/>
+            </a:pPr>
+            <a:r>
+              <a:rPr/>
+              <a:t>A: n= 15, y= 8, s= 4 B : n= 15, y= 10, s= 5</a:t>
+            </a:r>
+          </a:p>
+          <a:p>
+            <a:pPr lvl="0" indent="0" marL="0">
+              <a:buNone/>
+            </a:pPr>
+            <a:r>
+              <a:rPr/>
+              <a:t>Approach A vs. B</a:t>
+            </a:r>
+          </a:p>
+          <a:p>
+            <a:pPr lvl="0" indent="0" marL="0">
+              <a:buNone/>
+            </a:pPr>
+            <a:r>
+              <a:rPr/>
+              <a:t>T-test df= 28 t= -3.53 p= 0.0014 M-W U (Wilcoxon’s) W= 41 p= 0.002</a:t>
             </a:r>
           </a:p>
         </p:txBody>
@@ -4668,7 +4880,7 @@
             </a:pPr>
             <a:r>
               <a:rPr/>
-              <a:t>Rank based tests</a:t>
+              <a:t>Permutation tests</a:t>
             </a:r>
           </a:p>
         </p:txBody>
@@ -4691,28 +4903,21 @@
             <a:pPr lvl="0"/>
             <a:r>
               <a:rPr/>
-              <a:t>Rank-based tests: no assumptions about distribution (non-parametric)</a:t>
-            </a:r>
-          </a:p>
-          <a:p>
-            <a:pPr lvl="0"/>
-            <a:r>
-              <a:rPr/>
-              <a:t>Ranks of data: observations assigned ranks, sums (and signs for paired tests) of ranks for groups comparted</a:t>
-            </a:r>
-          </a:p>
-          <a:p>
-            <a:pPr lvl="0"/>
-            <a:r>
-              <a:rPr/>
-              <a:t>Mann-Whitney U test common alternative to independent samples t-test</a:t>
-            </a:r>
-          </a:p>
-          <a:p>
-            <a:pPr lvl="0"/>
-            <a:r>
-              <a:rPr/>
-              <a:t>Wilcoxon signed-rank test is alternative to paired t-test</a:t>
+              <a:t>Permutation tests based on resampling: reshuffling of original data</a:t>
+            </a:r>
+          </a:p>
+          <a:p>
+            <a:pPr lvl="0"/>
+            <a:r>
+              <a:rPr/>
+              <a:t>Resampling allows parameter estimation when distribution unknown, including SEs and CIs of statistics (means, medians)</a:t>
+            </a:r>
+          </a:p>
+          <a:p>
+            <a:pPr lvl="0"/>
+            <a:r>
+              <a:rPr/>
+              <a:t>Common approach is bootstrap: resample sample with replacement many times, recalculate sample stats</a:t>
             </a:r>
           </a:p>
         </p:txBody>
@@ -4767,7 +4972,7 @@
             </a:pPr>
             <a:r>
               <a:rPr/>
-              <a:t>Rank based tests</a:t>
+              <a:t>Permutation tests</a:t>
             </a:r>
           </a:p>
         </p:txBody>
@@ -4790,21 +4995,81 @@
             <a:pPr lvl="0"/>
             <a:r>
               <a:rPr/>
-              <a:t>Assumptions: similar distributions for groups, equal variance</a:t>
-            </a:r>
-          </a:p>
-          <a:p>
-            <a:pPr lvl="0"/>
-            <a:r>
-              <a:rPr/>
-              <a:t>Less power than parametric tests</a:t>
-            </a:r>
-          </a:p>
-          <a:p>
-            <a:pPr lvl="0"/>
-            <a:r>
-              <a:rPr/>
-              <a:t>Best when normality assumption can not be met by transformation (weird distribution) or large outliers</a:t>
+              <a:t>Sample A: n = 40, ȳ= 1.72, s = 4.17</a:t>
+            </a:r>
+          </a:p>
+          <a:p>
+            <a:pPr lvl="0"/>
+            <a:r>
+              <a:rPr/>
+              <a:t>Sample B: n = 35, ȳ= 4.50, s = 4.83</a:t>
+            </a:r>
+          </a:p>
+          <a:p>
+            <a:pPr lvl="0"/>
+            <a:r>
+              <a:rPr/>
+              <a:t>Ho: µ</a:t>
+            </a:r>
+            <a:r>
+              <a:rPr baseline="-25000"/>
+              <a:t>A</a:t>
+            </a:r>
+            <a:r>
+              <a:rPr/>
+              <a:t> = µ</a:t>
+            </a:r>
+            <a:r>
+              <a:rPr baseline="-25000"/>
+              <a:t>B</a:t>
+            </a:r>
+            <a:r>
+              <a:rPr/>
+              <a:t>, Ha: µ</a:t>
+            </a:r>
+            <a:r>
+              <a:rPr baseline="-25000"/>
+              <a:t>A</a:t>
+            </a:r>
+            <a:r>
+              <a:rPr/>
+              <a:t> ≠µ</a:t>
+            </a:r>
+            <a:r>
+              <a:rPr baseline="-25000"/>
+              <a:t>B</a:t>
+            </a:r>
+          </a:p>
+          <a:p>
+            <a:pPr lvl="0"/>
+            <a:r>
+              <a:rPr/>
+              <a:t>Calculate ∆ in means between two groups (2.78)</a:t>
+            </a:r>
+          </a:p>
+        </p:txBody>
+      </p:sp>
+      <p:sp>
+        <p:nvSpPr>
+          <p:cNvPr id="4" name="Content Placeholder 3"/>
+          <p:cNvSpPr>
+            <a:spLocks noGrp="1"/>
+          </p:cNvSpPr>
+          <p:nvPr>
+            <p:ph idx="2" sz="half"/>
+          </p:nvPr>
+        </p:nvSpPr>
+        <p:spPr/>
+        <p:txBody>
+          <a:bodyPr/>
+          <a:lstStyle/>
+          <a:p>
+            <a:pPr lvl="0" indent="0" marL="0">
+              <a:buNone/>
+            </a:pPr>
+            <a:r>
+              <a:rPr/>
+              <a:t>&lt;!– –&gt;</a:t>
             </a:r>
           </a:p>
         </p:txBody>
@@ -4882,21 +5147,60 @@
             <a:pPr lvl="0"/>
             <a:r>
               <a:rPr/>
-              <a:t>Permutation tests based on resampling: reshuffling of original data</a:t>
-            </a:r>
-          </a:p>
-          <a:p>
-            <a:pPr lvl="0"/>
-            <a:r>
-              <a:rPr/>
-              <a:t>Resampling allows parameter estimation when distribution unknown, including SEs and CIs of statistics (means, medians)</a:t>
-            </a:r>
-          </a:p>
-          <a:p>
-            <a:pPr lvl="0"/>
-            <a:r>
-              <a:rPr/>
-              <a:t>Common approach is bootstrap: resample sample with replacement many times, recalculate sample stats</a:t>
+              <a:t>Randomly reshuffle observations between groups (keeping n</a:t>
+            </a:r>
+            <a:r>
+              <a:rPr baseline="-25000"/>
+              <a:t>A</a:t>
+            </a:r>
+            <a:r>
+              <a:rPr/>
+              <a:t>=40 and n</a:t>
+            </a:r>
+            <a:r>
+              <a:rPr baseline="-25000"/>
+              <a:t>B</a:t>
+            </a:r>
+            <a:r>
+              <a:rPr/>
+              <a:t>=35), calculate ∆</a:t>
+            </a:r>
+          </a:p>
+          <a:p>
+            <a:pPr lvl="0"/>
+            <a:r>
+              <a:rPr/>
+              <a:t>Repeat &gt;1,000 times</a:t>
+            </a:r>
+          </a:p>
+          <a:p>
+            <a:pPr lvl="0"/>
+            <a:r>
+              <a:rPr/>
+              <a:t>Record proportion of the ∆means is ≥2.94 µmol</a:t>
+            </a:r>
+          </a:p>
+          <a:p>
+            <a:pPr lvl="0"/>
+            <a:r>
+              <a:rPr/>
+              <a:t>This is equivalent to p-value and can be used in “traditional” H test framework</a:t>
+            </a:r>
+          </a:p>
+          <a:p>
+            <a:pPr lvl="0"/>
+            <a:r>
+              <a:rPr/>
+              <a:t>For a graphical explanation:</a:t>
+            </a:r>
+          </a:p>
+          <a:p>
+            <a:pPr lvl="1"/>
+            <a:r>
+              <a:rPr>
+                <a:hlinkClick r:id="rId2"/>
+              </a:rPr>
+              <a:t>Graphical Explanation</a:t>
             </a:r>
           </a:p>
         </p:txBody>
@@ -4974,56 +5278,21 @@
             <a:pPr lvl="0"/>
             <a:r>
               <a:rPr/>
-              <a:t>Sample A: n = 40, ȳ= 1.72, s = 4.17</a:t>
-            </a:r>
-          </a:p>
-          <a:p>
-            <a:pPr lvl="0"/>
-            <a:r>
-              <a:rPr/>
-              <a:t>Sample B: n = 35, ȳ= 4.50, s = 4.83</a:t>
-            </a:r>
-          </a:p>
-          <a:p>
-            <a:pPr lvl="0"/>
-            <a:r>
-              <a:rPr/>
-              <a:t>Ho: µ</a:t>
-            </a:r>
-            <a:r>
-              <a:rPr baseline="-25000"/>
-              <a:t>A</a:t>
-            </a:r>
-            <a:r>
-              <a:rPr/>
-              <a:t> = µ</a:t>
-            </a:r>
-            <a:r>
-              <a:rPr baseline="-25000"/>
-              <a:t>B</a:t>
-            </a:r>
-            <a:r>
-              <a:rPr/>
-              <a:t>, Ha: µ</a:t>
-            </a:r>
-            <a:r>
-              <a:rPr baseline="-25000"/>
-              <a:t>A</a:t>
-            </a:r>
-            <a:r>
-              <a:rPr/>
-              <a:t> ≠µ</a:t>
-            </a:r>
-            <a:r>
-              <a:rPr baseline="-25000"/>
-              <a:t>B</a:t>
-            </a:r>
-          </a:p>
-          <a:p>
-            <a:pPr lvl="0"/>
-            <a:r>
-              <a:rPr/>
-              <a:t>Calculate ∆ in means bw two groups (2.78)</a:t>
+              <a:t>In R (using ‘perm’ package):</a:t>
+            </a:r>
+          </a:p>
+          <a:p>
+            <a:pPr lvl="0"/>
+            <a:r>
+              <a:rPr/>
+              <a:t>permTS(y1, y2, alternative = “two.sided”, method = “exact.mc”, control = permControl(nmc = 10000))</a:t>
+            </a:r>
+          </a:p>
+          <a:p>
+            <a:pPr lvl="0"/>
+            <a:r>
+              <a:rPr/>
+              <a:t>Assumptions: both groups have similar distribution; equal variance</a:t>
             </a:r>
           </a:p>
         </p:txBody>
@@ -5034,220 +5303,6 @@
 </file>
 
 <file path=ppt/slides/slide25.xml><?xml version="1.0" encoding="utf-8"?>
-<p:sld xmlns:a="http://schemas.openxmlformats.org/drawingml/2006/main" xmlns:r="http://schemas.openxmlformats.org/officeDocument/2006/relationships" xmlns:p="http://schemas.openxmlformats.org/presentationml/2006/main">
-  <p:cSld>
-    <p:spTree>
-      <p:nvGrpSpPr>
-        <p:cNvPr id="1" name=""/>
-        <p:cNvGrpSpPr/>
-        <p:nvPr/>
-      </p:nvGrpSpPr>
-      <p:grpSpPr>
-        <a:xfrm>
-          <a:off x="0" y="0"/>
-          <a:ext cx="0" cy="0"/>
-          <a:chOff x="0" y="0"/>
-          <a:chExt cx="0" cy="0"/>
-        </a:xfrm>
-      </p:grpSpPr>
-      <p:sp>
-        <p:nvSpPr>
-          <p:cNvPr id="2" name="Title 1"/>
-          <p:cNvSpPr>
-            <a:spLocks noGrp="1"/>
-          </p:cNvSpPr>
-          <p:nvPr>
-            <p:ph type="title"/>
-          </p:nvPr>
-        </p:nvSpPr>
-        <p:spPr>
-          <a:xfrm>
-            <a:off x="0" y="0"/>
-            <a:ext cx="9144000" cy="602780"/>
-          </a:xfrm>
-          <a:solidFill>
-            <a:srgbClr val="70121D"/>
-          </a:solidFill>
-        </p:spPr>
-        <p:txBody>
-          <a:bodyPr/>
-          <a:lstStyle/>
-          <a:p>
-            <a:pPr lvl="0" indent="0" marL="0">
-              <a:buNone/>
-            </a:pPr>
-            <a:r>
-              <a:rPr/>
-              <a:t>Permutation tests</a:t>
-            </a:r>
-          </a:p>
-        </p:txBody>
-      </p:sp>
-      <p:sp>
-        <p:nvSpPr>
-          <p:cNvPr id="3" name="Content Placeholder 2"/>
-          <p:cNvSpPr>
-            <a:spLocks noGrp="1"/>
-          </p:cNvSpPr>
-          <p:nvPr>
-            <p:ph idx="1" sz="half"/>
-          </p:nvPr>
-        </p:nvSpPr>
-        <p:spPr/>
-        <p:txBody>
-          <a:bodyPr/>
-          <a:lstStyle/>
-          <a:p>
-            <a:pPr lvl="0"/>
-            <a:r>
-              <a:rPr/>
-              <a:t>Randomly reshuffle observations bw groups (keeping n</a:t>
-            </a:r>
-            <a:r>
-              <a:rPr baseline="-25000"/>
-              <a:t>A</a:t>
-            </a:r>
-            <a:r>
-              <a:rPr/>
-              <a:t>=40 and n</a:t>
-            </a:r>
-            <a:r>
-              <a:rPr baseline="-25000"/>
-              <a:t>B</a:t>
-            </a:r>
-            <a:r>
-              <a:rPr/>
-              <a:t>=35), calculate ∆</a:t>
-            </a:r>
-          </a:p>
-          <a:p>
-            <a:pPr lvl="0"/>
-            <a:r>
-              <a:rPr/>
-              <a:t>Repeat &gt;1,000 times</a:t>
-            </a:r>
-          </a:p>
-          <a:p>
-            <a:pPr lvl="0"/>
-            <a:r>
-              <a:rPr/>
-              <a:t>Record proportion of the ∆means is ≥2.94 µmol</a:t>
-            </a:r>
-          </a:p>
-          <a:p>
-            <a:pPr lvl="0"/>
-            <a:r>
-              <a:rPr/>
-              <a:t>This is equivalent to p-value and can be used in “traditional” H test framework</a:t>
-            </a:r>
-          </a:p>
-          <a:p>
-            <a:pPr lvl="0"/>
-            <a:r>
-              <a:rPr/>
-              <a:t>For a graphical explanation: https://www.jwilber.me/permutationtest/</a:t>
-            </a:r>
-          </a:p>
-        </p:txBody>
-      </p:sp>
-    </p:spTree>
-  </p:cSld>
-</p:sld>
-</file>
-
-<file path=ppt/slides/slide26.xml><?xml version="1.0" encoding="utf-8"?>
-<p:sld xmlns:a="http://schemas.openxmlformats.org/drawingml/2006/main" xmlns:r="http://schemas.openxmlformats.org/officeDocument/2006/relationships" xmlns:p="http://schemas.openxmlformats.org/presentationml/2006/main">
-  <p:cSld>
-    <p:spTree>
-      <p:nvGrpSpPr>
-        <p:cNvPr id="1" name=""/>
-        <p:cNvGrpSpPr/>
-        <p:nvPr/>
-      </p:nvGrpSpPr>
-      <p:grpSpPr>
-        <a:xfrm>
-          <a:off x="0" y="0"/>
-          <a:ext cx="0" cy="0"/>
-          <a:chOff x="0" y="0"/>
-          <a:chExt cx="0" cy="0"/>
-        </a:xfrm>
-      </p:grpSpPr>
-      <p:sp>
-        <p:nvSpPr>
-          <p:cNvPr id="2" name="Title 1"/>
-          <p:cNvSpPr>
-            <a:spLocks noGrp="1"/>
-          </p:cNvSpPr>
-          <p:nvPr>
-            <p:ph type="title"/>
-          </p:nvPr>
-        </p:nvSpPr>
-        <p:spPr>
-          <a:xfrm>
-            <a:off x="0" y="0"/>
-            <a:ext cx="9144000" cy="602780"/>
-          </a:xfrm>
-          <a:solidFill>
-            <a:srgbClr val="70121D"/>
-          </a:solidFill>
-        </p:spPr>
-        <p:txBody>
-          <a:bodyPr/>
-          <a:lstStyle/>
-          <a:p>
-            <a:pPr lvl="0" indent="0" marL="0">
-              <a:buNone/>
-            </a:pPr>
-            <a:r>
-              <a:rPr/>
-              <a:t>Permutation tests</a:t>
-            </a:r>
-          </a:p>
-        </p:txBody>
-      </p:sp>
-      <p:sp>
-        <p:nvSpPr>
-          <p:cNvPr id="3" name="Content Placeholder 2"/>
-          <p:cNvSpPr>
-            <a:spLocks noGrp="1"/>
-          </p:cNvSpPr>
-          <p:nvPr>
-            <p:ph idx="1" sz="half"/>
-          </p:nvPr>
-        </p:nvSpPr>
-        <p:spPr/>
-        <p:txBody>
-          <a:bodyPr/>
-          <a:lstStyle/>
-          <a:p>
-            <a:pPr lvl="0"/>
-            <a:r>
-              <a:rPr/>
-              <a:t>In R (using ‘perm’ package):</a:t>
-            </a:r>
-          </a:p>
-          <a:p>
-            <a:pPr lvl="0"/>
-            <a:r>
-              <a:rPr/>
-              <a:t>permTS(y1, y2, alternative = “two.sided”, method = “exact.mc”, control = permControl(nmc = 10000))</a:t>
-            </a:r>
-          </a:p>
-          <a:p>
-            <a:pPr lvl="0"/>
-            <a:r>
-              <a:rPr/>
-              <a:t>Assumptions: both groups have similar distribution; equal variance</a:t>
-            </a:r>
-          </a:p>
-        </p:txBody>
-      </p:sp>
-    </p:spTree>
-  </p:cSld>
-</p:sld>
-</file>
-
-<file path=ppt/slides/slide27.xml><?xml version="1.0" encoding="utf-8"?>
 <p:sld xmlns:a="http://schemas.openxmlformats.org/drawingml/2006/main" xmlns:r="http://schemas.openxmlformats.org/officeDocument/2006/relationships" xmlns:p="http://schemas.openxmlformats.org/presentationml/2006/main">
   <p:cSld>
     <p:spTree>
@@ -6049,14 +6104,14 @@
             </a:r>
           </a:p>
           <a:p>
-            <a:pPr lvl="0"/>
+            <a:pPr lvl="1"/>
             <a:r>
               <a:rPr/>
               <a:t>Graphical tests: boxplots</a:t>
             </a:r>
           </a:p>
           <a:p>
-            <a:pPr lvl="0"/>
+            <a:pPr lvl="1"/>
             <a:r>
               <a:rPr/>
               <a:t>“Formal” tests: F-ratio test</a:t>

--- a/docs/lectures/lecture_06/06_01_lecture_powerpoint.pptx
+++ b/docs/lectures/lecture_06/06_01_lecture_powerpoint.pptx
@@ -30,6 +30,7 @@
     <p:sldId id="278" r:id="rId24"/>
     <p:sldId id="279" r:id="rId25"/>
     <p:sldId id="280" r:id="rId26"/>
+    <p:sldId id="281" r:id="rId27"/>
   </p:sldIdLst>
   <p:sldSz cx="9144000" cy="5143500" type="screen16x9"/>
   <p:notesSz cx="6858000" cy="9144000"/>
@@ -3388,12 +3389,9 @@
         </p:nvSpPr>
         <p:spPr>
           <a:xfrm>
-            <a:off x="0" y="0"/>
-            <a:ext cx="9144000" cy="602780"/>
+            <a:off x="139485" y="78119"/>
+            <a:ext cx="8229600" cy="607682"/>
           </a:xfrm>
-          <a:solidFill>
-            <a:srgbClr val="70121D"/>
-          </a:solidFill>
         </p:spPr>
         <p:txBody>
           <a:bodyPr/>
@@ -3404,19 +3402,19 @@
             </a:pPr>
             <a:r>
               <a:rPr/>
-              <a:t>Statistical vs. biological significance</a:t>
-            </a:r>
-          </a:p>
-        </p:txBody>
-      </p:sp>
-      <p:sp>
-        <p:nvSpPr>
-          <p:cNvPr id="3" name="Content Placeholder 2"/>
-          <p:cNvSpPr>
-            <a:spLocks noGrp="1"/>
-          </p:cNvSpPr>
-          <p:nvPr>
-            <p:ph idx="1" sz="half"/>
+              <a:t>Assumptions of parametric tests</a:t>
+            </a:r>
+          </a:p>
+        </p:txBody>
+      </p:sp>
+      <p:sp>
+        <p:nvSpPr>
+          <p:cNvPr id="3" name="Text Placeholder 2"/>
+          <p:cNvSpPr>
+            <a:spLocks noGrp="1"/>
+          </p:cNvSpPr>
+          <p:nvPr>
+            <p:ph idx="1" type="body"/>
           </p:nvPr>
         </p:nvSpPr>
         <p:spPr/>
@@ -3427,61 +3425,47 @@
             <a:pPr lvl="0"/>
             <a:r>
               <a:rPr/>
-              <a:t>Statistical significance: difference unlikely due to chance</a:t>
+              <a:t>Normality, equal variance, random sampling, no outliers</a:t>
             </a:r>
           </a:p>
           <a:p>
             <a:pPr lvl="0"/>
             <a:r>
               <a:rPr/>
-              <a:t>Says nothing about biological significance of difference!</a:t>
-            </a:r>
-          </a:p>
-          <a:p>
-            <a:pPr lvl="0"/>
-            <a:r>
-              <a:rPr/>
-              <a:t>With large sample size can detect very small differences between populations</a:t>
-            </a:r>
-          </a:p>
-          <a:p>
-            <a:pPr lvl="0"/>
-            <a:r>
-              <a:rPr/>
-              <a:t>E.g.: consider 2 snail populations,</a:t>
+              <a:t>No outliers: no “extreme” values that are very different from rest of sample</a:t>
             </a:r>
           </a:p>
           <a:p>
             <a:pPr lvl="1"/>
             <a:r>
               <a:rPr/>
-              <a:t>A and B:</a:t>
-            </a:r>
-          </a:p>
-          <a:p>
-            <a:pPr lvl="2"/>
-            <a:r>
-              <a:rPr/>
-              <a:t>Ho: µ~size A~ = µ~size B~</a:t>
-            </a:r>
-          </a:p>
-          <a:p>
-            <a:pPr lvl="2"/>
-            <a:r>
-              <a:rPr/>
-              <a:t>Ha: µ~size A~ ≠ µ~size B~</a:t>
-            </a:r>
-          </a:p>
-        </p:txBody>
-      </p:sp>
-      <p:sp>
-        <p:nvSpPr>
-          <p:cNvPr id="4" name="Content Placeholder 3"/>
-          <p:cNvSpPr>
-            <a:spLocks noGrp="1"/>
-          </p:cNvSpPr>
-          <p:nvPr>
-            <p:ph idx="2" sz="half"/>
+              <a:t>Graphical tests: boxplots, histograms</a:t>
+            </a:r>
+          </a:p>
+          <a:p>
+            <a:pPr lvl="1"/>
+            <a:r>
+              <a:rPr/>
+              <a:t>“Formal tests”: Grubb’s test - no one really does this</a:t>
+            </a:r>
+          </a:p>
+          <a:p>
+            <a:pPr lvl="1"/>
+            <a:r>
+              <a:rPr b="1"/>
+              <a:t>Note: outliers also problem for non-parametric tests</a:t>
+            </a:r>
+          </a:p>
+        </p:txBody>
+      </p:sp>
+      <p:sp>
+        <p:nvSpPr>
+          <p:cNvPr id="5" name="Text Placeholder 4"/>
+          <p:cNvSpPr>
+            <a:spLocks noGrp="1"/>
+          </p:cNvSpPr>
+          <p:nvPr>
+            <p:ph idx="3" sz="quarter" type="body"/>
           </p:nvPr>
         </p:nvSpPr>
         <p:spPr/>
@@ -3489,16 +3473,132 @@
           <a:bodyPr/>
           <a:lstStyle/>
           <a:p>
-            <a:pPr lvl="0" indent="0" marL="0">
+            <a:pPr lvl="0" indent="0">
               <a:buNone/>
             </a:pPr>
             <a:r>
-              <a:rPr/>
-              <a:t>&lt;!–  –&gt;</a:t>
-            </a:r>
-          </a:p>
-        </p:txBody>
-      </p:sp>
+              <a:rPr>
+                <a:solidFill>
+                  <a:srgbClr val="003B4F"/>
+                </a:solidFill>
+                <a:latin typeface="Courier"/>
+              </a:rPr>
+              <a:t>ne12_histo_plot</a:t>
+            </a:r>
+            <a:r>
+              <a:rPr>
+                <a:solidFill>
+                  <a:srgbClr val="5E5E5E"/>
+                </a:solidFill>
+                <a:latin typeface="Courier"/>
+              </a:rPr>
+              <a:t>+</a:t>
+            </a:r>
+            <a:r>
+              <a:rPr>
+                <a:solidFill>
+                  <a:srgbClr val="003B4F"/>
+                </a:solidFill>
+                <a:latin typeface="Courier"/>
+              </a:rPr>
+              <a:t>ne12_box_plot</a:t>
+            </a:r>
+            <a:r>
+              <a:rPr>
+                <a:solidFill>
+                  <a:srgbClr val="5E5E5E"/>
+                </a:solidFill>
+                <a:latin typeface="Courier"/>
+              </a:rPr>
+              <a:t>+</a:t>
+            </a:r>
+            <a:r>
+              <a:rPr>
+                <a:solidFill>
+                  <a:srgbClr val="003B4F"/>
+                </a:solidFill>
+                <a:latin typeface="Courier"/>
+              </a:rPr>
+              <a:t> </a:t>
+            </a:r>
+            <a:r>
+              <a:rPr>
+                <a:solidFill>
+                  <a:srgbClr val="4758AB"/>
+                </a:solidFill>
+                <a:latin typeface="Courier"/>
+              </a:rPr>
+              <a:t>plot_layout</a:t>
+            </a:r>
+            <a:r>
+              <a:rPr>
+                <a:solidFill>
+                  <a:srgbClr val="003B4F"/>
+                </a:solidFill>
+                <a:latin typeface="Courier"/>
+              </a:rPr>
+              <a:t>(</a:t>
+            </a:r>
+            <a:r>
+              <a:rPr>
+                <a:solidFill>
+                  <a:srgbClr val="657422"/>
+                </a:solidFill>
+                <a:latin typeface="Courier"/>
+              </a:rPr>
+              <a:t>ncol=</a:t>
+            </a:r>
+            <a:r>
+              <a:rPr>
+                <a:solidFill>
+                  <a:srgbClr val="AD0000"/>
+                </a:solidFill>
+                <a:latin typeface="Courier"/>
+              </a:rPr>
+              <a:t>1</a:t>
+            </a:r>
+            <a:r>
+              <a:rPr>
+                <a:solidFill>
+                  <a:srgbClr val="003B4F"/>
+                </a:solidFill>
+                <a:latin typeface="Courier"/>
+              </a:rPr>
+              <a:t>)</a:t>
+            </a:r>
+          </a:p>
+        </p:txBody>
+      </p:sp>
+      <p:pic>
+        <p:nvPicPr>
+          <p:cNvPr descr="06_01_lecture_powerpoint_files/figure-pptx/unnamed-chunk-4-1.png" id="0" name="Picture 1"/>
+          <p:cNvPicPr>
+            <a:picLocks noGrp="1" noChangeAspect="1"/>
+          </p:cNvPicPr>
+          <p:nvPr/>
+        </p:nvPicPr>
+        <p:blipFill>
+          <a:blip r:embed="rId2"/>
+          <a:stretch>
+            <a:fillRect/>
+          </a:stretch>
+        </p:blipFill>
+        <p:spPr bwMode="auto">
+          <a:xfrm>
+            <a:off x="5130800" y="1295400"/>
+            <a:ext cx="3276600" cy="3276600"/>
+          </a:xfrm>
+          <a:prstGeom prst="rect">
+            <a:avLst/>
+          </a:prstGeom>
+          <a:noFill/>
+          <a:ln w="9525">
+            <a:noFill/>
+            <a:headEnd/>
+            <a:tailEnd/>
+          </a:ln>
+        </p:spPr>
+      </p:pic>
     </p:spTree>
   </p:cSld>
 </p:sld>
@@ -3572,43 +3672,83 @@
             <a:pPr lvl="0"/>
             <a:r>
               <a:rPr/>
-              <a:t>Size of A: 5.05 (± 2.00 SD)mm, size of B: 5.00 (± 2.00 SD)mm</a:t>
+              <a:t>Statistical significance: difference unlikely due to chance</a:t>
             </a:r>
           </a:p>
           <a:p>
             <a:pPr lvl="0"/>
             <a:r>
               <a:rPr/>
-              <a:t>Sample 50, 200, 30,000 individuals from each pop:</a:t>
+              <a:t>Says nothing about biological significance of difference!</a:t>
+            </a:r>
+          </a:p>
+          <a:p>
+            <a:pPr lvl="0"/>
+            <a:r>
+              <a:rPr/>
+              <a:t>With large sample size can detect very small differences between populations</a:t>
+            </a:r>
+          </a:p>
+          <a:p>
+            <a:pPr lvl="0"/>
+            <a:r>
+              <a:rPr/>
+              <a:t>E.g.: consider 2 lake trout populations are the lengths the same</a:t>
             </a:r>
           </a:p>
           <a:p>
             <a:pPr lvl="1"/>
             <a:r>
               <a:rPr/>
-              <a:t>n = 50: t = 0.32, df = 98, p-value = 0.75</a:t>
-            </a:r>
-          </a:p>
-          <a:p>
-            <a:pPr lvl="1"/>
-            <a:r>
-              <a:rPr/>
-              <a:t>n = 200: t = 0.058, df = 398, p-value = 0.95</a:t>
-            </a:r>
-          </a:p>
-          <a:p>
-            <a:pPr lvl="1"/>
-            <a:r>
-              <a:rPr/>
-              <a:t>n = 30,000: t = -4.47, df = 59998, p-value = 7.996*10</a:t>
-            </a:r>
-            <a:r>
-              <a:rPr baseline="30000"/>
-              <a:t>-6</a:t>
-            </a:r>
-          </a:p>
-        </p:txBody>
-      </p:sp>
+              <a:t>Island Lake and NE 12</a:t>
+            </a:r>
+          </a:p>
+          <a:p>
+            <a:pPr lvl="2"/>
+            <a:r>
+              <a:rPr/>
+              <a:t>Ho: µ~size A~ = µ~size B~</a:t>
+            </a:r>
+          </a:p>
+          <a:p>
+            <a:pPr lvl="2"/>
+            <a:r>
+              <a:rPr/>
+              <a:t>Ha: µ~size A~ ≠ µ~size B~</a:t>
+            </a:r>
+          </a:p>
+        </p:txBody>
+      </p:sp>
+      <p:pic>
+        <p:nvPicPr>
+          <p:cNvPr descr="06_01_lecture_powerpoint_files/figure-pptx/unnamed-chunk-5-1.png" id="0" name="Picture 1"/>
+          <p:cNvPicPr>
+            <a:picLocks noGrp="1" noChangeAspect="1"/>
+          </p:cNvPicPr>
+          <p:nvPr/>
+        </p:nvPicPr>
+        <p:blipFill>
+          <a:blip r:embed="rId2"/>
+          <a:stretch>
+            <a:fillRect/>
+          </a:stretch>
+        </p:blipFill>
+        <p:spPr bwMode="auto">
+          <a:xfrm>
+            <a:off x="6121400" y="1498600"/>
+            <a:ext cx="2781300" cy="2781300"/>
+          </a:xfrm>
+          <a:prstGeom prst="rect">
+            <a:avLst/>
+          </a:prstGeom>
+          <a:noFill/>
+          <a:ln w="9525">
+            <a:noFill/>
+            <a:headEnd/>
+            <a:tailEnd/>
+          </a:ln>
+        </p:spPr>
+      </p:pic>
     </p:spTree>
   </p:cSld>
 </p:sld>
@@ -3682,61 +3822,73 @@
             <a:pPr lvl="0"/>
             <a:r>
               <a:rPr/>
-              <a:t>Finally, statistically significant difference…</a:t>
+              <a:t>Size of A: 5.05 (± 2.00 SD)mm, size of B: 5.00 (± 2.00 SD)mm</a:t>
             </a:r>
           </a:p>
           <a:p>
             <a:pPr lvl="0"/>
             <a:r>
               <a:rPr/>
-              <a:t>Meaningful? Ecologically significant? Statistics can’t answer this question</a:t>
-            </a:r>
-          </a:p>
-          <a:p>
-            <a:pPr lvl="0"/>
-            <a:r>
-              <a:rPr b="1"/>
-              <a:t>IMPORTANT</a:t>
-            </a:r>
-            <a:r>
-              <a:rPr/>
-              <a:t> to report info that can assess biological significance</a:t>
-            </a:r>
-          </a:p>
-          <a:p>
-            <a:pPr lvl="0"/>
-            <a:r>
-              <a:rPr/>
-              <a:t>“A two-tailed, two-sample independent t-test showed significant difference in size between pop. A (4.99 mm ± 1.99 SD) and pop. B (5.06 mm ± 1.99 SD) at á=0.05 (t = -4.47, df = 59998, p-value &lt; 0.0001).”</a:t>
-            </a:r>
-          </a:p>
-        </p:txBody>
-      </p:sp>
-      <p:sp>
-        <p:nvSpPr>
-          <p:cNvPr id="4" name="Content Placeholder 3"/>
-          <p:cNvSpPr>
-            <a:spLocks noGrp="1"/>
-          </p:cNvSpPr>
-          <p:nvPr>
-            <p:ph idx="2" sz="half"/>
-          </p:nvPr>
-        </p:nvSpPr>
-        <p:spPr/>
-        <p:txBody>
-          <a:bodyPr/>
-          <a:lstStyle/>
-          <a:p>
-            <a:pPr lvl="0" indent="0" marL="0">
-              <a:buNone/>
-            </a:pPr>
-            <a:r>
-              <a:rPr/>
-              <a:t>&lt;!– –&gt;</a:t>
-            </a:r>
-          </a:p>
-        </p:txBody>
-      </p:sp>
+              <a:t>Sample 50, 200, 30,000 individuals from each pop:</a:t>
+            </a:r>
+          </a:p>
+          <a:p>
+            <a:pPr lvl="1"/>
+            <a:r>
+              <a:rPr/>
+              <a:t>n = 50: t = 0.32, df = 98, p-value = 0.75</a:t>
+            </a:r>
+          </a:p>
+          <a:p>
+            <a:pPr lvl="1"/>
+            <a:r>
+              <a:rPr/>
+              <a:t>n = 200: t = 0.058, df = 398, p-value = 0.95</a:t>
+            </a:r>
+          </a:p>
+          <a:p>
+            <a:pPr lvl="1"/>
+            <a:r>
+              <a:rPr/>
+              <a:t>n = 30,000: t = -4.47, df = 59998, p-value = 7.996*10</a:t>
+            </a:r>
+            <a:r>
+              <a:rPr baseline="30000"/>
+              <a:t>-6</a:t>
+            </a:r>
+          </a:p>
+        </p:txBody>
+      </p:sp>
+      <p:pic>
+        <p:nvPicPr>
+          <p:cNvPr descr="06_01_lecture_powerpoint_files/figure-pptx/unnamed-chunk-6-1.png" id="0" name="Picture 1"/>
+          <p:cNvPicPr>
+            <a:picLocks noGrp="1" noChangeAspect="1"/>
+          </p:cNvPicPr>
+          <p:nvPr/>
+        </p:nvPicPr>
+        <p:blipFill>
+          <a:blip r:embed="rId2"/>
+          <a:stretch>
+            <a:fillRect/>
+          </a:stretch>
+        </p:blipFill>
+        <p:spPr bwMode="auto">
+          <a:xfrm>
+            <a:off x="6121400" y="1498600"/>
+            <a:ext cx="2781300" cy="2781300"/>
+          </a:xfrm>
+          <a:prstGeom prst="rect">
+            <a:avLst/>
+          </a:prstGeom>
+          <a:noFill/>
+          <a:ln w="9525">
+            <a:noFill/>
+            <a:headEnd/>
+            <a:tailEnd/>
+          </a:ln>
+        </p:spPr>
+      </p:pic>
     </p:spTree>
   </p:cSld>
 </p:sld>
@@ -3787,7 +3939,7 @@
             </a:pPr>
             <a:r>
               <a:rPr/>
-              <a:t>Assumptions of parametric tests</a:t>
+              <a:t>Statistical vs. biological significance</a:t>
             </a:r>
           </a:p>
         </p:txBody>
@@ -3810,21 +3962,46 @@
             <a:pPr lvl="0"/>
             <a:r>
               <a:rPr/>
-              <a:t>Basic assumptions of parametric t-tests:</a:t>
+              <a:t>Finally, statistically significant difference…</a:t>
+            </a:r>
+          </a:p>
+          <a:p>
+            <a:pPr lvl="1"/>
+            <a:r>
+              <a:rPr/>
+              <a:t>Meaningful?</a:t>
+            </a:r>
+          </a:p>
+          <a:p>
+            <a:pPr lvl="1"/>
+            <a:r>
+              <a:rPr/>
+              <a:t>Ecologically significant?</a:t>
+            </a:r>
+          </a:p>
+          <a:p>
+            <a:pPr lvl="1"/>
+            <a:r>
+              <a:rPr/>
+              <a:t>Statistics can’t answer this question</a:t>
             </a:r>
           </a:p>
           <a:p>
             <a:pPr lvl="0"/>
             <a:r>
-              <a:rPr/>
-              <a:t>Normality, equal variance, random sampling, no outliers</a:t>
+              <a:rPr b="1"/>
+              <a:t>IMPORTANT</a:t>
+            </a:r>
+            <a:r>
+              <a:rPr/>
+              <a:t> to report info that can assess biological significance</a:t>
             </a:r>
           </a:p>
           <a:p>
             <a:pPr lvl="0"/>
             <a:r>
               <a:rPr/>
-              <a:t>What to do if assumptions are violated?</a:t>
+              <a:t>“A two-tailed, two-sample independent t-test showed significant difference in size between pop. A (4.99 mm ± 1.99 SD) and pop. B (5.06 mm ± 1.99 SD) at á=0.05 (t = -4.47, df = 59998, p-value &lt; 0.0001).”</a:t>
             </a:r>
           </a:p>
         </p:txBody>
@@ -3849,7 +4026,7 @@
             </a:pPr>
             <a:r>
               <a:rPr/>
-              <a:t>&lt;&gt;</a:t>
+              <a:t>&lt;!– –&gt;</a:t>
             </a:r>
           </a:p>
         </p:txBody>
@@ -3888,12 +4065,9 @@
         </p:nvSpPr>
         <p:spPr>
           <a:xfrm>
-            <a:off x="0" y="0"/>
-            <a:ext cx="9144000" cy="602780"/>
+            <a:off x="139485" y="78119"/>
+            <a:ext cx="8229600" cy="607682"/>
           </a:xfrm>
-          <a:solidFill>
-            <a:srgbClr val="70121D"/>
-          </a:solidFill>
         </p:spPr>
         <p:txBody>
           <a:bodyPr/>
@@ -3904,19 +4078,19 @@
             </a:pPr>
             <a:r>
               <a:rPr/>
-              <a:t>Homework take-up</a:t>
-            </a:r>
-          </a:p>
-        </p:txBody>
-      </p:sp>
-      <p:sp>
-        <p:nvSpPr>
-          <p:cNvPr id="3" name="Content Placeholder 2"/>
-          <p:cNvSpPr>
-            <a:spLocks noGrp="1"/>
-          </p:cNvSpPr>
-          <p:nvPr>
-            <p:ph idx="1" sz="half"/>
+              <a:t>Assumptions of parametric tests</a:t>
+            </a:r>
+          </a:p>
+        </p:txBody>
+      </p:sp>
+      <p:sp>
+        <p:nvSpPr>
+          <p:cNvPr id="3" name="Text Placeholder 2"/>
+          <p:cNvSpPr>
+            <a:spLocks noGrp="1"/>
+          </p:cNvSpPr>
+          <p:nvPr>
+            <p:ph idx="1" type="body"/>
           </p:nvPr>
         </p:nvSpPr>
         <p:spPr/>
@@ -3927,52 +4101,33 @@
             <a:pPr lvl="0"/>
             <a:r>
               <a:rPr/>
-              <a:t>t-tests have several assumptions. Alternative tests, with more relaxed assumptions, are available to statisticians. In which case would you use the following tests?</a:t>
-            </a:r>
-          </a:p>
-          <a:p>
-            <a:pPr lvl="1"/>
-            <a:r>
-              <a:rPr/>
-              <a:t>Welch’s t-test: </a:t>
-            </a:r>
-            <a:r>
-              <a:rPr i="1"/>
-              <a:t>when distribution normal but variance unequal</a:t>
-            </a:r>
-          </a:p>
-          <a:p>
-            <a:pPr lvl="1"/>
-            <a:r>
-              <a:rPr/>
-              <a:t>Permutation test for two samples: </a:t>
-            </a:r>
-            <a:r>
-              <a:rPr i="1"/>
-              <a:t>when distribution not normal (but both groups should still have similar distributions and ~equal variance)</a:t>
-            </a:r>
-          </a:p>
-          <a:p>
-            <a:pPr lvl="1"/>
-            <a:r>
-              <a:rPr/>
-              <a:t>Mann-Whitney-Wilcoxon test: </a:t>
-            </a:r>
-            <a:r>
-              <a:rPr i="1"/>
-              <a:t>when distribution not normal and/or outliers are present (but both groups should still have similar distributions and ~equal variance)</a:t>
-            </a:r>
-          </a:p>
-        </p:txBody>
-      </p:sp>
-      <p:sp>
-        <p:nvSpPr>
-          <p:cNvPr id="4" name="Content Placeholder 3"/>
-          <p:cNvSpPr>
-            <a:spLocks noGrp="1"/>
-          </p:cNvSpPr>
-          <p:nvPr>
-            <p:ph idx="2" sz="half"/>
+              <a:t>Basic assumptions of parametric t-tests:</a:t>
+            </a:r>
+          </a:p>
+          <a:p>
+            <a:pPr lvl="0"/>
+            <a:r>
+              <a:rPr/>
+              <a:t>Normality, equal variance, random sampling, no outliers</a:t>
+            </a:r>
+          </a:p>
+          <a:p>
+            <a:pPr lvl="0"/>
+            <a:r>
+              <a:rPr/>
+              <a:t>What to do if assumptions are violated?</a:t>
+            </a:r>
+          </a:p>
+        </p:txBody>
+      </p:sp>
+      <p:sp>
+        <p:nvSpPr>
+          <p:cNvPr id="5" name="Text Placeholder 4"/>
+          <p:cNvSpPr>
+            <a:spLocks noGrp="1"/>
+          </p:cNvSpPr>
+          <p:nvPr>
+            <p:ph idx="3" sz="quarter" type="body"/>
           </p:nvPr>
         </p:nvSpPr>
         <p:spPr/>
@@ -3980,16 +4135,132 @@
           <a:bodyPr/>
           <a:lstStyle/>
           <a:p>
-            <a:pPr lvl="0" indent="0" marL="0">
+            <a:pPr lvl="0" indent="0">
               <a:buNone/>
             </a:pPr>
             <a:r>
-              <a:rPr/>
-              <a:t>&lt; –&gt;</a:t>
-            </a:r>
-          </a:p>
-        </p:txBody>
-      </p:sp>
+              <a:rPr>
+                <a:solidFill>
+                  <a:srgbClr val="003B4F"/>
+                </a:solidFill>
+                <a:latin typeface="Courier"/>
+              </a:rPr>
+              <a:t>ne12_histo_plot</a:t>
+            </a:r>
+            <a:r>
+              <a:rPr>
+                <a:solidFill>
+                  <a:srgbClr val="5E5E5E"/>
+                </a:solidFill>
+                <a:latin typeface="Courier"/>
+              </a:rPr>
+              <a:t>+</a:t>
+            </a:r>
+            <a:r>
+              <a:rPr>
+                <a:solidFill>
+                  <a:srgbClr val="003B4F"/>
+                </a:solidFill>
+                <a:latin typeface="Courier"/>
+              </a:rPr>
+              <a:t>ne12_box_plot</a:t>
+            </a:r>
+            <a:r>
+              <a:rPr>
+                <a:solidFill>
+                  <a:srgbClr val="5E5E5E"/>
+                </a:solidFill>
+                <a:latin typeface="Courier"/>
+              </a:rPr>
+              <a:t>+</a:t>
+            </a:r>
+            <a:r>
+              <a:rPr>
+                <a:solidFill>
+                  <a:srgbClr val="003B4F"/>
+                </a:solidFill>
+                <a:latin typeface="Courier"/>
+              </a:rPr>
+              <a:t> </a:t>
+            </a:r>
+            <a:r>
+              <a:rPr>
+                <a:solidFill>
+                  <a:srgbClr val="4758AB"/>
+                </a:solidFill>
+                <a:latin typeface="Courier"/>
+              </a:rPr>
+              <a:t>plot_layout</a:t>
+            </a:r>
+            <a:r>
+              <a:rPr>
+                <a:solidFill>
+                  <a:srgbClr val="003B4F"/>
+                </a:solidFill>
+                <a:latin typeface="Courier"/>
+              </a:rPr>
+              <a:t>(</a:t>
+            </a:r>
+            <a:r>
+              <a:rPr>
+                <a:solidFill>
+                  <a:srgbClr val="657422"/>
+                </a:solidFill>
+                <a:latin typeface="Courier"/>
+              </a:rPr>
+              <a:t>ncol=</a:t>
+            </a:r>
+            <a:r>
+              <a:rPr>
+                <a:solidFill>
+                  <a:srgbClr val="AD0000"/>
+                </a:solidFill>
+                <a:latin typeface="Courier"/>
+              </a:rPr>
+              <a:t>1</a:t>
+            </a:r>
+            <a:r>
+              <a:rPr>
+                <a:solidFill>
+                  <a:srgbClr val="003B4F"/>
+                </a:solidFill>
+                <a:latin typeface="Courier"/>
+              </a:rPr>
+              <a:t>)</a:t>
+            </a:r>
+          </a:p>
+        </p:txBody>
+      </p:sp>
+      <p:pic>
+        <p:nvPicPr>
+          <p:cNvPr descr="06_01_lecture_powerpoint_files/figure-pptx/unnamed-chunk-7-1.png" id="0" name="Picture 1"/>
+          <p:cNvPicPr>
+            <a:picLocks noGrp="1" noChangeAspect="1"/>
+          </p:cNvPicPr>
+          <p:nvPr/>
+        </p:nvPicPr>
+        <p:blipFill>
+          <a:blip r:embed="rId2"/>
+          <a:stretch>
+            <a:fillRect/>
+          </a:stretch>
+        </p:blipFill>
+        <p:spPr bwMode="auto">
+          <a:xfrm>
+            <a:off x="5130800" y="1295400"/>
+            <a:ext cx="3276600" cy="3276600"/>
+          </a:xfrm>
+          <a:prstGeom prst="rect">
+            <a:avLst/>
+          </a:prstGeom>
+          <a:noFill/>
+          <a:ln w="9525">
+            <a:noFill/>
+            <a:headEnd/>
+            <a:tailEnd/>
+          </a:ln>
+        </p:spPr>
+      </p:pic>
     </p:spTree>
   </p:cSld>
 </p:sld>
@@ -4024,12 +4295,9 @@
         </p:nvSpPr>
         <p:spPr>
           <a:xfrm>
-            <a:off x="0" y="0"/>
-            <a:ext cx="9144000" cy="602780"/>
+            <a:off x="139485" y="78119"/>
+            <a:ext cx="8229600" cy="607682"/>
           </a:xfrm>
-          <a:solidFill>
-            <a:srgbClr val="70121D"/>
-          </a:solidFill>
         </p:spPr>
         <p:txBody>
           <a:bodyPr/>
@@ -4040,19 +4308,19 @@
             </a:pPr>
             <a:r>
               <a:rPr/>
-              <a:t>Assumptions of parametric tests</a:t>
-            </a:r>
-          </a:p>
-        </p:txBody>
-      </p:sp>
-      <p:sp>
-        <p:nvSpPr>
-          <p:cNvPr id="3" name="Content Placeholder 2"/>
-          <p:cNvSpPr>
-            <a:spLocks noGrp="1"/>
-          </p:cNvSpPr>
-          <p:nvPr>
-            <p:ph idx="1" sz="half"/>
+              <a:t>Nonparametric test</a:t>
+            </a:r>
+          </a:p>
+        </p:txBody>
+      </p:sp>
+      <p:sp>
+        <p:nvSpPr>
+          <p:cNvPr id="3" name="Text Placeholder 2"/>
+          <p:cNvSpPr>
+            <a:spLocks noGrp="1"/>
+          </p:cNvSpPr>
+          <p:nvPr>
+            <p:ph idx="1" type="body"/>
           </p:nvPr>
         </p:nvSpPr>
         <p:spPr/>
@@ -4063,40 +4331,66 @@
             <a:pPr lvl="0"/>
             <a:r>
               <a:rPr/>
-              <a:t>QQ-plots: tool for assessing normality</a:t>
+              <a:t>t-tests have several assumptions.</a:t>
             </a:r>
           </a:p>
           <a:p>
             <a:pPr lvl="0"/>
             <a:r>
               <a:rPr/>
-              <a:t>On x- theoretical quantiles from SND</a:t>
+              <a:t>Alternative tests, with more relaxed assumptions, are available to statisticians.</a:t>
             </a:r>
           </a:p>
           <a:p>
             <a:pPr lvl="0"/>
             <a:r>
               <a:rPr/>
-              <a:t>On y- ordered sample values</a:t>
-            </a:r>
-          </a:p>
-          <a:p>
-            <a:pPr lvl="0"/>
-            <a:r>
-              <a:rPr/>
-              <a:t>Deviation from normal can be detected as deviation from straight line</a:t>
-            </a:r>
-          </a:p>
-        </p:txBody>
-      </p:sp>
-      <p:sp>
-        <p:nvSpPr>
-          <p:cNvPr id="4" name="Content Placeholder 3"/>
-          <p:cNvSpPr>
-            <a:spLocks noGrp="1"/>
-          </p:cNvSpPr>
-          <p:nvPr>
-            <p:ph idx="2" sz="half"/>
+              <a:t>In which case would you use the following tests?</a:t>
+            </a:r>
+          </a:p>
+          <a:p>
+            <a:pPr lvl="1"/>
+            <a:r>
+              <a:rPr/>
+              <a:t>Welch’s t-test: </a:t>
+            </a:r>
+            <a:r>
+              <a:rPr i="1"/>
+              <a:t>when distribution normal but variance unequal</a:t>
+            </a:r>
+          </a:p>
+          <a:p>
+            <a:pPr lvl="1"/>
+            <a:r>
+              <a:rPr/>
+              <a:t>Permutation test for two samples: </a:t>
+            </a:r>
+            <a:r>
+              <a:rPr i="1"/>
+              <a:t>when distribution not normal (but both groups should still have similar distributions and ~equal variance)</a:t>
+            </a:r>
+          </a:p>
+          <a:p>
+            <a:pPr lvl="1"/>
+            <a:r>
+              <a:rPr/>
+              <a:t>Mann-Whitney-Wilcoxon test: </a:t>
+            </a:r>
+            <a:r>
+              <a:rPr i="1"/>
+              <a:t>when distribution not normal and/or outliers are present (but both groups should still have similar distributions and ~equal variance)</a:t>
+            </a:r>
+          </a:p>
+        </p:txBody>
+      </p:sp>
+      <p:sp>
+        <p:nvSpPr>
+          <p:cNvPr id="5" name="Text Placeholder 4"/>
+          <p:cNvSpPr>
+            <a:spLocks noGrp="1"/>
+          </p:cNvSpPr>
+          <p:nvPr>
+            <p:ph idx="3" sz="quarter" type="body"/>
           </p:nvPr>
         </p:nvSpPr>
         <p:spPr/>
@@ -4109,11 +4403,154 @@
             </a:pPr>
             <a:r>
               <a:rPr/>
-              <a:t>&lt;!– –&gt;</a:t>
-            </a:r>
-          </a:p>
-        </p:txBody>
-      </p:sp>
+              <a:t>&lt; –</a:t>
+            </a:r>
+          </a:p>
+          <a:p>
+            <a:pPr lvl="0" indent="0">
+              <a:buNone/>
+            </a:pPr>
+            <a:r>
+              <a:rPr>
+                <a:solidFill>
+                  <a:srgbClr val="003B4F"/>
+                </a:solidFill>
+                <a:latin typeface="Courier"/>
+              </a:rPr>
+              <a:t>ne12_histo_plot</a:t>
+            </a:r>
+            <a:r>
+              <a:rPr>
+                <a:solidFill>
+                  <a:srgbClr val="5E5E5E"/>
+                </a:solidFill>
+                <a:latin typeface="Courier"/>
+              </a:rPr>
+              <a:t>+</a:t>
+            </a:r>
+            <a:r>
+              <a:rPr>
+                <a:solidFill>
+                  <a:srgbClr val="003B4F"/>
+                </a:solidFill>
+                <a:latin typeface="Courier"/>
+              </a:rPr>
+              <a:t>ne12_box_plot </a:t>
+            </a:r>
+            <a:r>
+              <a:rPr>
+                <a:solidFill>
+                  <a:srgbClr val="5E5E5E"/>
+                </a:solidFill>
+                <a:latin typeface="Courier"/>
+              </a:rPr>
+              <a:t>+</a:t>
+            </a:r>
+            <a:r>
+              <a:rPr>
+                <a:solidFill>
+                  <a:srgbClr val="003B4F"/>
+                </a:solidFill>
+                <a:latin typeface="Courier"/>
+              </a:rPr>
+              <a:t> ne12_qq_plot </a:t>
+            </a:r>
+            <a:r>
+              <a:rPr>
+                <a:solidFill>
+                  <a:srgbClr val="5E5E5E"/>
+                </a:solidFill>
+                <a:latin typeface="Courier"/>
+              </a:rPr>
+              <a:t>+</a:t>
+            </a:r>
+            <a:r>
+              <a:rPr>
+                <a:solidFill>
+                  <a:srgbClr val="003B4F"/>
+                </a:solidFill>
+                <a:latin typeface="Courier"/>
+              </a:rPr>
+              <a:t> </a:t>
+            </a:r>
+            <a:r>
+              <a:rPr>
+                <a:solidFill>
+                  <a:srgbClr val="4758AB"/>
+                </a:solidFill>
+                <a:latin typeface="Courier"/>
+              </a:rPr>
+              <a:t>plot_layout</a:t>
+            </a:r>
+            <a:r>
+              <a:rPr>
+                <a:solidFill>
+                  <a:srgbClr val="003B4F"/>
+                </a:solidFill>
+                <a:latin typeface="Courier"/>
+              </a:rPr>
+              <a:t>(</a:t>
+            </a:r>
+            <a:r>
+              <a:rPr>
+                <a:solidFill>
+                  <a:srgbClr val="657422"/>
+                </a:solidFill>
+                <a:latin typeface="Courier"/>
+              </a:rPr>
+              <a:t>ncol=</a:t>
+            </a:r>
+            <a:r>
+              <a:rPr>
+                <a:solidFill>
+                  <a:srgbClr val="AD0000"/>
+                </a:solidFill>
+                <a:latin typeface="Courier"/>
+              </a:rPr>
+              <a:t>1</a:t>
+            </a:r>
+            <a:r>
+              <a:rPr>
+                <a:solidFill>
+                  <a:srgbClr val="003B4F"/>
+                </a:solidFill>
+                <a:latin typeface="Courier"/>
+              </a:rPr>
+              <a:t>)</a:t>
+            </a:r>
+          </a:p>
+        </p:txBody>
+      </p:sp>
+      <p:pic>
+        <p:nvPicPr>
+          <p:cNvPr descr="06_01_lecture_powerpoint_files/figure-pptx/unnamed-chunk-8-1.png" id="0" name="Picture 1"/>
+          <p:cNvPicPr>
+            <a:picLocks noGrp="1" noChangeAspect="1"/>
+          </p:cNvPicPr>
+          <p:nvPr/>
+        </p:nvPicPr>
+        <p:blipFill>
+          <a:blip r:embed="rId2"/>
+          <a:stretch>
+            <a:fillRect/>
+          </a:stretch>
+        </p:blipFill>
+        <p:spPr bwMode="auto">
+          <a:xfrm>
+            <a:off x="5130800" y="1295400"/>
+            <a:ext cx="3276600" cy="3276600"/>
+          </a:xfrm>
+          <a:prstGeom prst="rect">
+            <a:avLst/>
+          </a:prstGeom>
+          <a:noFill/>
+          <a:ln w="9525">
+            <a:noFill/>
+            <a:headEnd/>
+            <a:tailEnd/>
+          </a:ln>
+        </p:spPr>
+      </p:pic>
     </p:spTree>
   </p:cSld>
 </p:sld>
@@ -4148,12 +4585,9 @@
         </p:nvSpPr>
         <p:spPr>
           <a:xfrm>
-            <a:off x="0" y="0"/>
-            <a:ext cx="9144000" cy="602780"/>
+            <a:off x="139485" y="78119"/>
+            <a:ext cx="8229600" cy="607682"/>
           </a:xfrm>
-          <a:solidFill>
-            <a:srgbClr val="70121D"/>
-          </a:solidFill>
         </p:spPr>
         <p:txBody>
           <a:bodyPr/>
@@ -4171,12 +4605,12 @@
       </p:sp>
       <p:sp>
         <p:nvSpPr>
-          <p:cNvPr id="3" name="Content Placeholder 2"/>
-          <p:cNvSpPr>
-            <a:spLocks noGrp="1"/>
-          </p:cNvSpPr>
-          <p:nvPr>
-            <p:ph idx="1" sz="half"/>
+          <p:cNvPr id="3" name="Text Placeholder 2"/>
+          <p:cNvSpPr>
+            <a:spLocks noGrp="1"/>
+          </p:cNvSpPr>
+          <p:nvPr>
+            <p:ph idx="1" type="body"/>
           </p:nvPr>
         </p:nvSpPr>
         <p:spPr/>
@@ -4187,11 +4621,909 @@
             <a:pPr lvl="0"/>
             <a:r>
               <a:rPr/>
-              <a:t>In some cases, data can be mathematically “transformed” to meet assumptions of parametric tests</a:t>
-            </a:r>
-          </a:p>
-        </p:txBody>
-      </p:sp>
+              <a:t>QQ-plots: tool for assessing normality</a:t>
+            </a:r>
+          </a:p>
+          <a:p>
+            <a:pPr lvl="1"/>
+            <a:r>
+              <a:rPr/>
+              <a:t>On x- theoretical quantiles from SND</a:t>
+            </a:r>
+          </a:p>
+          <a:p>
+            <a:pPr lvl="1"/>
+            <a:r>
+              <a:rPr/>
+              <a:t>On y- ordered sample values</a:t>
+            </a:r>
+          </a:p>
+          <a:p>
+            <a:pPr lvl="1"/>
+            <a:r>
+              <a:rPr/>
+              <a:t>Deviation from normal can be detected as deviation from straight line</a:t>
+            </a:r>
+          </a:p>
+        </p:txBody>
+      </p:sp>
+      <p:sp>
+        <p:nvSpPr>
+          <p:cNvPr id="5" name="Text Placeholder 4"/>
+          <p:cNvSpPr>
+            <a:spLocks noGrp="1"/>
+          </p:cNvSpPr>
+          <p:nvPr>
+            <p:ph idx="3" sz="quarter" type="body"/>
+          </p:nvPr>
+        </p:nvSpPr>
+        <p:spPr/>
+        <p:txBody>
+          <a:bodyPr/>
+          <a:lstStyle/>
+          <a:p>
+            <a:pPr lvl="0" indent="0">
+              <a:buNone/>
+            </a:pPr>
+            <a:r>
+              <a:rPr>
+                <a:solidFill>
+                  <a:srgbClr val="003B4F"/>
+                </a:solidFill>
+                <a:latin typeface="Courier"/>
+              </a:rPr>
+              <a:t>length_ne12_box_plot &lt;- isl_ne12_df </a:t>
+            </a:r>
+            <a:r>
+              <a:rPr>
+                <a:solidFill>
+                  <a:srgbClr val="5E5E5E"/>
+                </a:solidFill>
+                <a:latin typeface="Courier"/>
+              </a:rPr>
+              <a:t>%&gt;%</a:t>
+            </a:r>
+            <a:r>
+              <a:rPr>
+                <a:solidFill>
+                  <a:srgbClr val="003B4F"/>
+                </a:solidFill>
+                <a:latin typeface="Courier"/>
+              </a:rPr>
+              <a:t> </a:t>
+            </a:r>
+            <a:r>
+              <a:rPr>
+                <a:solidFill>
+                  <a:srgbClr val="4758AB"/>
+                </a:solidFill>
+                <a:latin typeface="Courier"/>
+              </a:rPr>
+              <a:t>filter</a:t>
+            </a:r>
+            <a:r>
+              <a:rPr>
+                <a:solidFill>
+                  <a:srgbClr val="003B4F"/>
+                </a:solidFill>
+                <a:latin typeface="Courier"/>
+              </a:rPr>
+              <a:t>(lake </a:t>
+            </a:r>
+            <a:r>
+              <a:rPr>
+                <a:solidFill>
+                  <a:srgbClr val="5E5E5E"/>
+                </a:solidFill>
+                <a:latin typeface="Courier"/>
+              </a:rPr>
+              <a:t>==</a:t>
+            </a:r>
+            <a:r>
+              <a:rPr>
+                <a:solidFill>
+                  <a:srgbClr val="20794D"/>
+                </a:solidFill>
+                <a:latin typeface="Courier"/>
+              </a:rPr>
+              <a:t>"NE 12"</a:t>
+            </a:r>
+            <a:r>
+              <a:rPr>
+                <a:solidFill>
+                  <a:srgbClr val="003B4F"/>
+                </a:solidFill>
+                <a:latin typeface="Courier"/>
+              </a:rPr>
+              <a:t>) </a:t>
+            </a:r>
+            <a:r>
+              <a:rPr>
+                <a:solidFill>
+                  <a:srgbClr val="5E5E5E"/>
+                </a:solidFill>
+                <a:latin typeface="Courier"/>
+              </a:rPr>
+              <a:t>%&gt;%</a:t>
+            </a:r>
+            <a:r>
+              <a:rPr>
+                <a:solidFill>
+                  <a:srgbClr val="003B4F"/>
+                </a:solidFill>
+                <a:latin typeface="Courier"/>
+              </a:rPr>
+              <a:t> </a:t>
+            </a:r>
+            <a:r>
+              <a:rPr>
+                <a:solidFill>
+                  <a:srgbClr val="4758AB"/>
+                </a:solidFill>
+                <a:latin typeface="Courier"/>
+              </a:rPr>
+              <a:t>ggplot</a:t>
+            </a:r>
+            <a:r>
+              <a:rPr>
+                <a:solidFill>
+                  <a:srgbClr val="003B4F"/>
+                </a:solidFill>
+                <a:latin typeface="Courier"/>
+              </a:rPr>
+              <a:t>(</a:t>
+            </a:r>
+            <a:r>
+              <a:rPr>
+                <a:solidFill>
+                  <a:srgbClr val="4758AB"/>
+                </a:solidFill>
+                <a:latin typeface="Courier"/>
+              </a:rPr>
+              <a:t>aes</a:t>
+            </a:r>
+            <a:r>
+              <a:rPr>
+                <a:solidFill>
+                  <a:srgbClr val="003B4F"/>
+                </a:solidFill>
+                <a:latin typeface="Courier"/>
+              </a:rPr>
+              <a:t>(</a:t>
+            </a:r>
+            <a:r>
+              <a:rPr>
+                <a:solidFill>
+                  <a:srgbClr val="657422"/>
+                </a:solidFill>
+                <a:latin typeface="Courier"/>
+              </a:rPr>
+              <a:t>x=</a:t>
+            </a:r>
+            <a:r>
+              <a:rPr>
+                <a:solidFill>
+                  <a:srgbClr val="003B4F"/>
+                </a:solidFill>
+                <a:latin typeface="Courier"/>
+              </a:rPr>
+              <a:t>lake, </a:t>
+            </a:r>
+            <a:r>
+              <a:rPr>
+                <a:solidFill>
+                  <a:srgbClr val="657422"/>
+                </a:solidFill>
+                <a:latin typeface="Courier"/>
+              </a:rPr>
+              <a:t>y =</a:t>
+            </a:r>
+            <a:r>
+              <a:rPr>
+                <a:solidFill>
+                  <a:srgbClr val="003B4F"/>
+                </a:solidFill>
+                <a:latin typeface="Courier"/>
+              </a:rPr>
+              <a:t> length_mm)) </a:t>
+            </a:r>
+            <a:r>
+              <a:rPr>
+                <a:solidFill>
+                  <a:srgbClr val="5E5E5E"/>
+                </a:solidFill>
+                <a:latin typeface="Courier"/>
+              </a:rPr>
+              <a:t>+</a:t>
+            </a:r>
+            <a:r>
+              <a:rPr>
+                <a:solidFill>
+                  <a:srgbClr val="4758AB"/>
+                </a:solidFill>
+                <a:latin typeface="Courier"/>
+              </a:rPr>
+              <a:t>geom_boxplot</a:t>
+            </a:r>
+            <a:r>
+              <a:rPr>
+                <a:solidFill>
+                  <a:srgbClr val="003B4F"/>
+                </a:solidFill>
+                <a:latin typeface="Courier"/>
+              </a:rPr>
+              <a:t>() </a:t>
+            </a:r>
+            <a:r>
+              <a:rPr>
+                <a:solidFill>
+                  <a:srgbClr val="5E5E5E"/>
+                </a:solidFill>
+                <a:latin typeface="Courier"/>
+              </a:rPr>
+              <a:t>+</a:t>
+            </a:r>
+            <a:r>
+              <a:rPr>
+                <a:solidFill>
+                  <a:srgbClr val="003B4F"/>
+                </a:solidFill>
+                <a:latin typeface="Courier"/>
+              </a:rPr>
+              <a:t> </a:t>
+            </a:r>
+            <a:r>
+              <a:rPr>
+                <a:solidFill>
+                  <a:srgbClr val="4758AB"/>
+                </a:solidFill>
+                <a:latin typeface="Courier"/>
+              </a:rPr>
+              <a:t>coord_flip</a:t>
+            </a:r>
+            <a:r>
+              <a:rPr>
+                <a:solidFill>
+                  <a:srgbClr val="003B4F"/>
+                </a:solidFill>
+                <a:latin typeface="Courier"/>
+              </a:rPr>
+              <a:t>()</a:t>
+            </a:r>
+            <a:br/>
+            <a:r>
+              <a:rPr>
+                <a:solidFill>
+                  <a:srgbClr val="003B4F"/>
+                </a:solidFill>
+                <a:latin typeface="Courier"/>
+              </a:rPr>
+              <a:t>length_ne12_qq_plot &lt;- isl_ne12_df </a:t>
+            </a:r>
+            <a:r>
+              <a:rPr>
+                <a:solidFill>
+                  <a:srgbClr val="5E5E5E"/>
+                </a:solidFill>
+                <a:latin typeface="Courier"/>
+              </a:rPr>
+              <a:t>%&gt;%</a:t>
+            </a:r>
+            <a:r>
+              <a:rPr>
+                <a:solidFill>
+                  <a:srgbClr val="003B4F"/>
+                </a:solidFill>
+                <a:latin typeface="Courier"/>
+              </a:rPr>
+              <a:t>  </a:t>
+            </a:r>
+            <a:r>
+              <a:rPr>
+                <a:solidFill>
+                  <a:srgbClr val="4758AB"/>
+                </a:solidFill>
+                <a:latin typeface="Courier"/>
+              </a:rPr>
+              <a:t>filter</a:t>
+            </a:r>
+            <a:r>
+              <a:rPr>
+                <a:solidFill>
+                  <a:srgbClr val="003B4F"/>
+                </a:solidFill>
+                <a:latin typeface="Courier"/>
+              </a:rPr>
+              <a:t>(lake </a:t>
+            </a:r>
+            <a:r>
+              <a:rPr>
+                <a:solidFill>
+                  <a:srgbClr val="5E5E5E"/>
+                </a:solidFill>
+                <a:latin typeface="Courier"/>
+              </a:rPr>
+              <a:t>==</a:t>
+            </a:r>
+            <a:r>
+              <a:rPr>
+                <a:solidFill>
+                  <a:srgbClr val="20794D"/>
+                </a:solidFill>
+                <a:latin typeface="Courier"/>
+              </a:rPr>
+              <a:t>"NE 12"</a:t>
+            </a:r>
+            <a:r>
+              <a:rPr>
+                <a:solidFill>
+                  <a:srgbClr val="003B4F"/>
+                </a:solidFill>
+                <a:latin typeface="Courier"/>
+              </a:rPr>
+              <a:t>) </a:t>
+            </a:r>
+            <a:r>
+              <a:rPr>
+                <a:solidFill>
+                  <a:srgbClr val="5E5E5E"/>
+                </a:solidFill>
+                <a:latin typeface="Courier"/>
+              </a:rPr>
+              <a:t>%&gt;%</a:t>
+            </a:r>
+            <a:r>
+              <a:rPr>
+                <a:solidFill>
+                  <a:srgbClr val="4758AB"/>
+                </a:solidFill>
+                <a:latin typeface="Courier"/>
+              </a:rPr>
+              <a:t>ggplot</a:t>
+            </a:r>
+            <a:r>
+              <a:rPr>
+                <a:solidFill>
+                  <a:srgbClr val="003B4F"/>
+                </a:solidFill>
+                <a:latin typeface="Courier"/>
+              </a:rPr>
+              <a:t>(</a:t>
+            </a:r>
+            <a:r>
+              <a:rPr>
+                <a:solidFill>
+                  <a:srgbClr val="4758AB"/>
+                </a:solidFill>
+                <a:latin typeface="Courier"/>
+              </a:rPr>
+              <a:t>aes</a:t>
+            </a:r>
+            <a:r>
+              <a:rPr>
+                <a:solidFill>
+                  <a:srgbClr val="003B4F"/>
+                </a:solidFill>
+                <a:latin typeface="Courier"/>
+              </a:rPr>
+              <a:t>(</a:t>
+            </a:r>
+            <a:r>
+              <a:rPr>
+                <a:solidFill>
+                  <a:srgbClr val="657422"/>
+                </a:solidFill>
+                <a:latin typeface="Courier"/>
+              </a:rPr>
+              <a:t>sample =</a:t>
+            </a:r>
+            <a:r>
+              <a:rPr>
+                <a:solidFill>
+                  <a:srgbClr val="003B4F"/>
+                </a:solidFill>
+                <a:latin typeface="Courier"/>
+              </a:rPr>
+              <a:t> length_mm)) </a:t>
+            </a:r>
+            <a:r>
+              <a:rPr>
+                <a:solidFill>
+                  <a:srgbClr val="5E5E5E"/>
+                </a:solidFill>
+                <a:latin typeface="Courier"/>
+              </a:rPr>
+              <a:t>+</a:t>
+            </a:r>
+            <a:br/>
+            <a:r>
+              <a:rPr>
+                <a:solidFill>
+                  <a:srgbClr val="003B4F"/>
+                </a:solidFill>
+                <a:latin typeface="Courier"/>
+              </a:rPr>
+              <a:t>  </a:t>
+            </a:r>
+            <a:r>
+              <a:rPr>
+                <a:solidFill>
+                  <a:srgbClr val="4758AB"/>
+                </a:solidFill>
+                <a:latin typeface="Courier"/>
+              </a:rPr>
+              <a:t>stat_qq</a:t>
+            </a:r>
+            <a:r>
+              <a:rPr>
+                <a:solidFill>
+                  <a:srgbClr val="003B4F"/>
+                </a:solidFill>
+                <a:latin typeface="Courier"/>
+              </a:rPr>
+              <a:t>(</a:t>
+            </a:r>
+            <a:r>
+              <a:rPr>
+                <a:solidFill>
+                  <a:srgbClr val="657422"/>
+                </a:solidFill>
+                <a:latin typeface="Courier"/>
+              </a:rPr>
+              <a:t>color =</a:t>
+            </a:r>
+            <a:r>
+              <a:rPr>
+                <a:solidFill>
+                  <a:srgbClr val="003B4F"/>
+                </a:solidFill>
+                <a:latin typeface="Courier"/>
+              </a:rPr>
+              <a:t> </a:t>
+            </a:r>
+            <a:r>
+              <a:rPr>
+                <a:solidFill>
+                  <a:srgbClr val="20794D"/>
+                </a:solidFill>
+                <a:latin typeface="Courier"/>
+              </a:rPr>
+              <a:t>"steelblue"</a:t>
+            </a:r>
+            <a:r>
+              <a:rPr>
+                <a:solidFill>
+                  <a:srgbClr val="003B4F"/>
+                </a:solidFill>
+                <a:latin typeface="Courier"/>
+              </a:rPr>
+              <a:t>) </a:t>
+            </a:r>
+            <a:r>
+              <a:rPr>
+                <a:solidFill>
+                  <a:srgbClr val="5E5E5E"/>
+                </a:solidFill>
+                <a:latin typeface="Courier"/>
+              </a:rPr>
+              <a:t>+</a:t>
+            </a:r>
+            <a:br/>
+            <a:r>
+              <a:rPr>
+                <a:solidFill>
+                  <a:srgbClr val="003B4F"/>
+                </a:solidFill>
+                <a:latin typeface="Courier"/>
+              </a:rPr>
+              <a:t>  </a:t>
+            </a:r>
+            <a:r>
+              <a:rPr>
+                <a:solidFill>
+                  <a:srgbClr val="4758AB"/>
+                </a:solidFill>
+                <a:latin typeface="Courier"/>
+              </a:rPr>
+              <a:t>stat_qq_line</a:t>
+            </a:r>
+            <a:r>
+              <a:rPr>
+                <a:solidFill>
+                  <a:srgbClr val="003B4F"/>
+                </a:solidFill>
+                <a:latin typeface="Courier"/>
+              </a:rPr>
+              <a:t>() </a:t>
+            </a:r>
+            <a:r>
+              <a:rPr>
+                <a:solidFill>
+                  <a:srgbClr val="5E5E5E"/>
+                </a:solidFill>
+                <a:latin typeface="Courier"/>
+              </a:rPr>
+              <a:t>+</a:t>
+            </a:r>
+            <a:br/>
+            <a:r>
+              <a:rPr>
+                <a:solidFill>
+                  <a:srgbClr val="003B4F"/>
+                </a:solidFill>
+                <a:latin typeface="Courier"/>
+              </a:rPr>
+              <a:t>  </a:t>
+            </a:r>
+            <a:r>
+              <a:rPr>
+                <a:solidFill>
+                  <a:srgbClr val="4758AB"/>
+                </a:solidFill>
+                <a:latin typeface="Courier"/>
+              </a:rPr>
+              <a:t>labs</a:t>
+            </a:r>
+            <a:r>
+              <a:rPr>
+                <a:solidFill>
+                  <a:srgbClr val="003B4F"/>
+                </a:solidFill>
+                <a:latin typeface="Courier"/>
+              </a:rPr>
+              <a:t>(</a:t>
+            </a:r>
+            <a:r>
+              <a:rPr>
+                <a:solidFill>
+                  <a:srgbClr val="657422"/>
+                </a:solidFill>
+                <a:latin typeface="Courier"/>
+              </a:rPr>
+              <a:t>title =</a:t>
+            </a:r>
+            <a:r>
+              <a:rPr>
+                <a:solidFill>
+                  <a:srgbClr val="003B4F"/>
+                </a:solidFill>
+                <a:latin typeface="Courier"/>
+              </a:rPr>
+              <a:t> </a:t>
+            </a:r>
+            <a:r>
+              <a:rPr>
+                <a:solidFill>
+                  <a:srgbClr val="20794D"/>
+                </a:solidFill>
+                <a:latin typeface="Courier"/>
+              </a:rPr>
+              <a:t>"QQ Plot"</a:t>
+            </a:r>
+            <a:r>
+              <a:rPr>
+                <a:solidFill>
+                  <a:srgbClr val="003B4F"/>
+                </a:solidFill>
+                <a:latin typeface="Courier"/>
+              </a:rPr>
+              <a:t>, </a:t>
+            </a:r>
+            <a:r>
+              <a:rPr>
+                <a:solidFill>
+                  <a:srgbClr val="657422"/>
+                </a:solidFill>
+                <a:latin typeface="Courier"/>
+              </a:rPr>
+              <a:t>x =</a:t>
+            </a:r>
+            <a:r>
+              <a:rPr>
+                <a:solidFill>
+                  <a:srgbClr val="003B4F"/>
+                </a:solidFill>
+                <a:latin typeface="Courier"/>
+              </a:rPr>
+              <a:t> </a:t>
+            </a:r>
+            <a:r>
+              <a:rPr>
+                <a:solidFill>
+                  <a:srgbClr val="20794D"/>
+                </a:solidFill>
+                <a:latin typeface="Courier"/>
+              </a:rPr>
+              <a:t>"Theoretical Quantiles"</a:t>
+            </a:r>
+            <a:r>
+              <a:rPr>
+                <a:solidFill>
+                  <a:srgbClr val="003B4F"/>
+                </a:solidFill>
+                <a:latin typeface="Courier"/>
+              </a:rPr>
+              <a:t>, </a:t>
+            </a:r>
+            <a:r>
+              <a:rPr>
+                <a:solidFill>
+                  <a:srgbClr val="657422"/>
+                </a:solidFill>
+                <a:latin typeface="Courier"/>
+              </a:rPr>
+              <a:t>y =</a:t>
+            </a:r>
+            <a:r>
+              <a:rPr>
+                <a:solidFill>
+                  <a:srgbClr val="003B4F"/>
+                </a:solidFill>
+                <a:latin typeface="Courier"/>
+              </a:rPr>
+              <a:t> </a:t>
+            </a:r>
+            <a:r>
+              <a:rPr>
+                <a:solidFill>
+                  <a:srgbClr val="20794D"/>
+                </a:solidFill>
+                <a:latin typeface="Courier"/>
+              </a:rPr>
+              <a:t>"Sample Quantiles"</a:t>
+            </a:r>
+            <a:r>
+              <a:rPr>
+                <a:solidFill>
+                  <a:srgbClr val="003B4F"/>
+                </a:solidFill>
+                <a:latin typeface="Courier"/>
+              </a:rPr>
+              <a:t>) </a:t>
+            </a:r>
+            <a:r>
+              <a:rPr>
+                <a:solidFill>
+                  <a:srgbClr val="5E5E5E"/>
+                </a:solidFill>
+                <a:latin typeface="Courier"/>
+              </a:rPr>
+              <a:t>+</a:t>
+            </a:r>
+            <a:br/>
+            <a:r>
+              <a:rPr>
+                <a:solidFill>
+                  <a:srgbClr val="003B4F"/>
+                </a:solidFill>
+                <a:latin typeface="Courier"/>
+              </a:rPr>
+              <a:t>  </a:t>
+            </a:r>
+            <a:r>
+              <a:rPr>
+                <a:solidFill>
+                  <a:srgbClr val="4758AB"/>
+                </a:solidFill>
+                <a:latin typeface="Courier"/>
+              </a:rPr>
+              <a:t>theme_minimal</a:t>
+            </a:r>
+            <a:r>
+              <a:rPr>
+                <a:solidFill>
+                  <a:srgbClr val="003B4F"/>
+                </a:solidFill>
+                <a:latin typeface="Courier"/>
+              </a:rPr>
+              <a:t>() </a:t>
+            </a:r>
+            <a:r>
+              <a:rPr>
+                <a:solidFill>
+                  <a:srgbClr val="5E5E5E"/>
+                </a:solidFill>
+                <a:latin typeface="Courier"/>
+              </a:rPr>
+              <a:t>+</a:t>
+            </a:r>
+            <a:br/>
+            <a:r>
+              <a:rPr>
+                <a:solidFill>
+                  <a:srgbClr val="003B4F"/>
+                </a:solidFill>
+                <a:latin typeface="Courier"/>
+              </a:rPr>
+              <a:t>  </a:t>
+            </a:r>
+            <a:r>
+              <a:rPr>
+                <a:solidFill>
+                  <a:srgbClr val="4758AB"/>
+                </a:solidFill>
+                <a:latin typeface="Courier"/>
+              </a:rPr>
+              <a:t>theme</a:t>
+            </a:r>
+            <a:r>
+              <a:rPr>
+                <a:solidFill>
+                  <a:srgbClr val="003B4F"/>
+                </a:solidFill>
+                <a:latin typeface="Courier"/>
+              </a:rPr>
+              <a:t>(</a:t>
+            </a:r>
+            <a:r>
+              <a:rPr>
+                <a:solidFill>
+                  <a:srgbClr val="657422"/>
+                </a:solidFill>
+                <a:latin typeface="Courier"/>
+              </a:rPr>
+              <a:t>plot.title =</a:t>
+            </a:r>
+            <a:r>
+              <a:rPr>
+                <a:solidFill>
+                  <a:srgbClr val="003B4F"/>
+                </a:solidFill>
+                <a:latin typeface="Courier"/>
+              </a:rPr>
+              <a:t> </a:t>
+            </a:r>
+            <a:r>
+              <a:rPr>
+                <a:solidFill>
+                  <a:srgbClr val="4758AB"/>
+                </a:solidFill>
+                <a:latin typeface="Courier"/>
+              </a:rPr>
+              <a:t>element_text</a:t>
+            </a:r>
+            <a:r>
+              <a:rPr>
+                <a:solidFill>
+                  <a:srgbClr val="003B4F"/>
+                </a:solidFill>
+                <a:latin typeface="Courier"/>
+              </a:rPr>
+              <a:t>(</a:t>
+            </a:r>
+            <a:r>
+              <a:rPr>
+                <a:solidFill>
+                  <a:srgbClr val="657422"/>
+                </a:solidFill>
+                <a:latin typeface="Courier"/>
+              </a:rPr>
+              <a:t>hjust =</a:t>
+            </a:r>
+            <a:r>
+              <a:rPr>
+                <a:solidFill>
+                  <a:srgbClr val="003B4F"/>
+                </a:solidFill>
+                <a:latin typeface="Courier"/>
+              </a:rPr>
+              <a:t> </a:t>
+            </a:r>
+            <a:r>
+              <a:rPr>
+                <a:solidFill>
+                  <a:srgbClr val="AD0000"/>
+                </a:solidFill>
+                <a:latin typeface="Courier"/>
+              </a:rPr>
+              <a:t>0.5</a:t>
+            </a:r>
+            <a:r>
+              <a:rPr>
+                <a:solidFill>
+                  <a:srgbClr val="003B4F"/>
+                </a:solidFill>
+                <a:latin typeface="Courier"/>
+              </a:rPr>
+              <a:t>))</a:t>
+            </a:r>
+            <a:br/>
+            <a:r>
+              <a:rPr>
+                <a:solidFill>
+                  <a:srgbClr val="003B4F"/>
+                </a:solidFill>
+                <a:latin typeface="Courier"/>
+              </a:rPr>
+              <a:t>(length_ne12_box_plot</a:t>
+            </a:r>
+            <a:r>
+              <a:rPr>
+                <a:solidFill>
+                  <a:srgbClr val="5E5E5E"/>
+                </a:solidFill>
+                <a:latin typeface="Courier"/>
+              </a:rPr>
+              <a:t>+</a:t>
+            </a:r>
+            <a:r>
+              <a:rPr>
+                <a:solidFill>
+                  <a:srgbClr val="003B4F"/>
+                </a:solidFill>
+                <a:latin typeface="Courier"/>
+              </a:rPr>
+              <a:t> length_ne12_qq_plot) </a:t>
+            </a:r>
+            <a:r>
+              <a:rPr>
+                <a:solidFill>
+                  <a:srgbClr val="5E5E5E"/>
+                </a:solidFill>
+                <a:latin typeface="Courier"/>
+              </a:rPr>
+              <a:t>/</a:t>
+            </a:r>
+            <a:r>
+              <a:rPr>
+                <a:solidFill>
+                  <a:srgbClr val="003B4F"/>
+                </a:solidFill>
+                <a:latin typeface="Courier"/>
+              </a:rPr>
+              <a:t> (ne12_box_plot </a:t>
+            </a:r>
+            <a:r>
+              <a:rPr>
+                <a:solidFill>
+                  <a:srgbClr val="5E5E5E"/>
+                </a:solidFill>
+                <a:latin typeface="Courier"/>
+              </a:rPr>
+              <a:t>+</a:t>
+            </a:r>
+            <a:r>
+              <a:rPr>
+                <a:solidFill>
+                  <a:srgbClr val="003B4F"/>
+                </a:solidFill>
+                <a:latin typeface="Courier"/>
+              </a:rPr>
+              <a:t> ne12_qq_plot) </a:t>
+            </a:r>
+          </a:p>
+        </p:txBody>
+      </p:sp>
+      <p:pic>
+        <p:nvPicPr>
+          <p:cNvPr descr="06_01_lecture_powerpoint_files/figure-pptx/unnamed-chunk-9-1.png" id="0" name="Picture 1"/>
+          <p:cNvPicPr>
+            <a:picLocks noGrp="1" noChangeAspect="1"/>
+          </p:cNvPicPr>
+          <p:nvPr/>
+        </p:nvPicPr>
+        <p:blipFill>
+          <a:blip r:embed="rId2"/>
+          <a:stretch>
+            <a:fillRect/>
+          </a:stretch>
+        </p:blipFill>
+        <p:spPr bwMode="auto">
+          <a:xfrm>
+            <a:off x="5130800" y="1295400"/>
+            <a:ext cx="3276600" cy="3276600"/>
+          </a:xfrm>
+          <a:prstGeom prst="rect">
+            <a:avLst/>
+          </a:prstGeom>
+          <a:noFill/>
+          <a:ln w="9525">
+            <a:noFill/>
+            <a:headEnd/>
+            <a:tailEnd/>
+          </a:ln>
+        </p:spPr>
+      </p:pic>
     </p:spTree>
   </p:cSld>
 </p:sld>
@@ -4242,7 +5574,7 @@
             </a:pPr>
             <a:r>
               <a:rPr/>
-              <a:t>Robust tests</a:t>
+              <a:t>Assumptions of parametric tests</a:t>
             </a:r>
           </a:p>
         </p:txBody>
@@ -4265,28 +5597,35 @@
             <a:pPr lvl="0"/>
             <a:r>
               <a:rPr/>
-              <a:t>Welch’s t-test: common “robust” test for means of two populations</a:t>
+              <a:t>In some cases, data can be mathematically “transformed” to meet assumptions of parametric tests</a:t>
             </a:r>
           </a:p>
           <a:p>
             <a:pPr lvl="0"/>
             <a:r>
               <a:rPr/>
-              <a:t>Robust to violation of equal variance assumption, deals better with unequal sample size</a:t>
-            </a:r>
-          </a:p>
-          <a:p>
-            <a:pPr lvl="0"/>
-            <a:r>
-              <a:rPr/>
-              <a:t>Parametric test (assumes normal distribution)</a:t>
-            </a:r>
-          </a:p>
-          <a:p>
-            <a:pPr lvl="0"/>
-            <a:r>
-              <a:rPr/>
-              <a:t>Calculates a t statistic but recalculates df based on samples sizes and s</a:t>
+              <a:t>this can be done in r and usually involves</a:t>
+            </a:r>
+          </a:p>
+          <a:p>
+            <a:pPr lvl="1"/>
+            <a:r>
+              <a:rPr/>
+              <a:t>log10 transformations</a:t>
+            </a:r>
+          </a:p>
+          <a:p>
+            <a:pPr lvl="1"/>
+            <a:r>
+              <a:rPr/>
+              <a:t>square root transformations</a:t>
+            </a:r>
+          </a:p>
+          <a:p>
+            <a:pPr lvl="1"/>
+            <a:r>
+              <a:rPr/>
+              <a:t>and many others… I will have a description soon</a:t>
             </a:r>
           </a:p>
         </p:txBody>
@@ -4311,7 +5650,18 @@
             </a:pPr>
             <a:r>
               <a:rPr/>
-              <a:t>&lt;!– –&gt;</a:t>
+              <a:t>&lt;&gt;</a:t>
+            </a:r>
+          </a:p>
+          <a:p>
+            <a:pPr lvl="0" indent="0" marL="0">
+              <a:buNone/>
+            </a:pPr>
+            <a:r>
+              <a:rPr>
+                <a:hlinkClick r:id="rId2"/>
+              </a:rPr>
+              <a:t>source</a:t>
             </a:r>
           </a:p>
         </p:txBody>
@@ -4350,12 +5700,9 @@
         </p:nvSpPr>
         <p:spPr>
           <a:xfrm>
-            <a:off x="0" y="0"/>
-            <a:ext cx="9144000" cy="602780"/>
+            <a:off x="139485" y="78119"/>
+            <a:ext cx="8229600" cy="607682"/>
           </a:xfrm>
-          <a:solidFill>
-            <a:srgbClr val="70121D"/>
-          </a:solidFill>
         </p:spPr>
         <p:txBody>
           <a:bodyPr/>
@@ -4373,12 +5720,12 @@
       </p:sp>
       <p:sp>
         <p:nvSpPr>
-          <p:cNvPr id="3" name="Content Placeholder 2"/>
-          <p:cNvSpPr>
-            <a:spLocks noGrp="1"/>
-          </p:cNvSpPr>
-          <p:nvPr>
-            <p:ph idx="1" sz="half"/>
+          <p:cNvPr id="3" name="Text Placeholder 2"/>
+          <p:cNvSpPr>
+            <a:spLocks noGrp="1"/>
+          </p:cNvSpPr>
+          <p:nvPr>
+            <p:ph idx="1" type="body"/>
           </p:nvPr>
         </p:nvSpPr>
         <p:spPr/>
@@ -4388,76 +5735,48 @@
           <a:p>
             <a:pPr lvl="0"/>
             <a:r>
-              <a:rPr/>
-              <a:t>In R:</a:t>
-            </a:r>
-          </a:p>
-          <a:p>
-            <a:pPr lvl="0"/>
-            <a:r>
-              <a:rPr/>
-              <a:t>t.test(y1, y2, var.equal = FALSE, paired = FALSE)</a:t>
-            </a:r>
-          </a:p>
-          <a:p>
-            <a:pPr lvl="0"/>
-            <a:r>
-              <a:rPr/>
-              <a:t>will use the Welch approach</a:t>
-            </a:r>
-          </a:p>
-          <a:p>
-            <a:pPr lvl="0"/>
-            <a:r>
-              <a:rPr/>
-              <a:t>T-test</a:t>
-            </a:r>
-            <a:br/>
-            <a:r>
-              <a:rPr/>
-              <a:t>AvB df= 38 t= -3.62 p= 0.0009</a:t>
-            </a:r>
-          </a:p>
-          <a:p>
-            <a:pPr lvl="0"/>
-            <a:r>
-              <a:rPr/>
-              <a:t>AvC df= 38 t= -2.91 p= 0.005</a:t>
-            </a:r>
-          </a:p>
-          <a:p>
-            <a:pPr lvl="0" indent="0" marL="0">
-              <a:buNone/>
-            </a:pPr>
-            <a:r>
-              <a:rPr/>
-              <a:t>Welch’s</a:t>
-            </a:r>
-          </a:p>
-          <a:p>
-            <a:pPr lvl="0"/>
-            <a:r>
-              <a:rPr/>
-              <a:t>AvB df= 37.9 t= -3.62 p= 0.0009</a:t>
-            </a:r>
-          </a:p>
-          <a:p>
-            <a:pPr lvl="0"/>
-            <a:r>
-              <a:rPr/>
-              <a:t>AvC df= 26.1 t= -2.91 p= 0.007</a:t>
-            </a:r>
-          </a:p>
-        </p:txBody>
-      </p:sp>
-      <p:sp>
-        <p:nvSpPr>
-          <p:cNvPr id="4" name="Content Placeholder 3"/>
-          <p:cNvSpPr>
-            <a:spLocks noGrp="1"/>
-          </p:cNvSpPr>
-          <p:nvPr>
-            <p:ph idx="2" sz="half"/>
+              <a:rPr b="1"/>
+              <a:t>Welch’s t-test</a:t>
+            </a:r>
+          </a:p>
+          <a:p>
+            <a:pPr lvl="1"/>
+            <a:r>
+              <a:rPr/>
+              <a:t>common “robust” test for means of two populations</a:t>
+            </a:r>
+          </a:p>
+          <a:p>
+            <a:pPr lvl="1"/>
+            <a:r>
+              <a:rPr/>
+              <a:t>Robust to violation of equal variance assumption, deals better with unequal sample size</a:t>
+            </a:r>
+          </a:p>
+          <a:p>
+            <a:pPr lvl="1"/>
+            <a:r>
+              <a:rPr/>
+              <a:t>Parametric test (assumes normal distribution)</a:t>
+            </a:r>
+          </a:p>
+          <a:p>
+            <a:pPr lvl="1"/>
+            <a:r>
+              <a:rPr/>
+              <a:t>Calculates a t statistic but recalculates df based on samples sizes and s</a:t>
+            </a:r>
+          </a:p>
+        </p:txBody>
+      </p:sp>
+      <p:sp>
+        <p:nvSpPr>
+          <p:cNvPr id="5" name="Text Placeholder 4"/>
+          <p:cNvSpPr>
+            <a:spLocks noGrp="1"/>
+          </p:cNvSpPr>
+          <p:nvPr>
+            <p:ph idx="3" sz="quarter" type="body"/>
           </p:nvPr>
         </p:nvSpPr>
         <p:spPr/>
@@ -4465,16 +5784,51 @@
           <a:bodyPr/>
           <a:lstStyle/>
           <a:p>
-            <a:pPr lvl="0" indent="0" marL="0">
+            <a:pPr lvl="0" indent="0">
               <a:buNone/>
             </a:pPr>
             <a:r>
-              <a:rPr/>
-              <a:t>&lt;!–  –&gt;</a:t>
-            </a:r>
-          </a:p>
-        </p:txBody>
-      </p:sp>
+              <a:rPr>
+                <a:solidFill>
+                  <a:srgbClr val="003B4F"/>
+                </a:solidFill>
+                <a:latin typeface="Courier"/>
+              </a:rPr>
+              <a:t>mass_ne12_plot</a:t>
+            </a:r>
+          </a:p>
+        </p:txBody>
+      </p:sp>
+      <p:pic>
+        <p:nvPicPr>
+          <p:cNvPr descr="06_01_lecture_powerpoint_files/figure-pptx/unnamed-chunk-10-1.png" id="0" name="Picture 1"/>
+          <p:cNvPicPr>
+            <a:picLocks noGrp="1" noChangeAspect="1"/>
+          </p:cNvPicPr>
+          <p:nvPr/>
+        </p:nvPicPr>
+        <p:blipFill>
+          <a:blip r:embed="rId2"/>
+          <a:stretch>
+            <a:fillRect/>
+          </a:stretch>
+        </p:blipFill>
+        <p:spPr bwMode="auto">
+          <a:xfrm>
+            <a:off x="5130800" y="1295400"/>
+            <a:ext cx="3276600" cy="3276600"/>
+          </a:xfrm>
+          <a:prstGeom prst="rect">
+            <a:avLst/>
+          </a:prstGeom>
+          <a:noFill/>
+          <a:ln w="9525">
+            <a:noFill/>
+            <a:headEnd/>
+            <a:tailEnd/>
+          </a:ln>
+        </p:spPr>
+      </p:pic>
     </p:spTree>
   </p:cSld>
 </p:sld>
@@ -4525,7 +5879,7 @@
             </a:pPr>
             <a:r>
               <a:rPr/>
-              <a:t>Rank based tests</a:t>
+              <a:t>Robust tests</a:t>
             </a:r>
           </a:p>
         </p:txBody>
@@ -4547,37 +5901,441 @@
           <a:p>
             <a:pPr lvl="0"/>
             <a:r>
-              <a:rPr/>
-              <a:t>Rank-based tests: no assumptions about distribution (non-parametric)</a:t>
+              <a:rPr b="1"/>
+              <a:t>Welch’s t-test</a:t>
+            </a:r>
+          </a:p>
+          <a:p>
+            <a:pPr lvl="1"/>
+            <a:r>
+              <a:rPr b="1"/>
+              <a:t>t.test(y1, y2, var.equal = FALSE, paired = FALSE)</a:t>
+            </a:r>
+          </a:p>
+          <a:p>
+            <a:pPr lvl="1"/>
+            <a:r>
+              <a:rPr/>
+              <a:t>will use the Welch approach</a:t>
             </a:r>
           </a:p>
           <a:p>
             <a:pPr lvl="0"/>
             <a:r>
               <a:rPr/>
-              <a:t>Ranks of data: observations assigned ranks, sums (and signs for paired tests) of ranks for groups compared</a:t>
-            </a:r>
-          </a:p>
-          <a:p>
-            <a:pPr lvl="0"/>
-            <a:r>
-              <a:rPr b="1"/>
-              <a:t>Mann-Whitney U test</a:t>
-            </a:r>
-            <a:r>
-              <a:rPr/>
-              <a:t> common alternative to independent samples t-test</a:t>
-            </a:r>
-          </a:p>
-          <a:p>
-            <a:pPr lvl="0"/>
-            <a:r>
-              <a:rPr b="1"/>
-              <a:t>Wilcoxon signed-rank</a:t>
-            </a:r>
-            <a:r>
-              <a:rPr/>
-              <a:t> test is alternative to paired t-test</a:t>
+              <a:t>T-test</a:t>
+            </a:r>
+            <a:br/>
+          </a:p>
+          <a:p>
+            <a:pPr lvl="0" indent="0">
+              <a:buNone/>
+            </a:pPr>
+            <a:r>
+              <a:rPr>
+                <a:solidFill>
+                  <a:srgbClr val="5E5E5E"/>
+                </a:solidFill>
+                <a:latin typeface="Courier"/>
+              </a:rPr>
+              <a:t># T test for lenght</a:t>
+            </a:r>
+            <a:br/>
+            <a:r>
+              <a:rPr>
+                <a:solidFill>
+                  <a:srgbClr val="5E5E5E"/>
+                </a:solidFill>
+                <a:latin typeface="Courier"/>
+              </a:rPr>
+              <a:t># Perform standard t-test</a:t>
+            </a:r>
+            <a:br/>
+            <a:r>
+              <a:rPr>
+                <a:solidFill>
+                  <a:srgbClr val="003B4F"/>
+                </a:solidFill>
+                <a:latin typeface="Courier"/>
+              </a:rPr>
+              <a:t>t_test_length_result &lt;- </a:t>
+            </a:r>
+            <a:r>
+              <a:rPr>
+                <a:solidFill>
+                  <a:srgbClr val="4758AB"/>
+                </a:solidFill>
+                <a:latin typeface="Courier"/>
+              </a:rPr>
+              <a:t>t.test</a:t>
+            </a:r>
+            <a:r>
+              <a:rPr>
+                <a:solidFill>
+                  <a:srgbClr val="003B4F"/>
+                </a:solidFill>
+                <a:latin typeface="Courier"/>
+              </a:rPr>
+              <a:t>(</a:t>
+            </a:r>
+            <a:br/>
+            <a:r>
+              <a:rPr>
+                <a:solidFill>
+                  <a:srgbClr val="003B4F"/>
+                </a:solidFill>
+                <a:latin typeface="Courier"/>
+              </a:rPr>
+              <a:t>  length_mm </a:t>
+            </a:r>
+            <a:r>
+              <a:rPr>
+                <a:solidFill>
+                  <a:srgbClr val="5E5E5E"/>
+                </a:solidFill>
+                <a:latin typeface="Courier"/>
+              </a:rPr>
+              <a:t>~</a:t>
+            </a:r>
+            <a:r>
+              <a:rPr>
+                <a:solidFill>
+                  <a:srgbClr val="003B4F"/>
+                </a:solidFill>
+                <a:latin typeface="Courier"/>
+              </a:rPr>
+              <a:t> lake, </a:t>
+            </a:r>
+            <a:br/>
+            <a:r>
+              <a:rPr>
+                <a:solidFill>
+                  <a:srgbClr val="003B4F"/>
+                </a:solidFill>
+                <a:latin typeface="Courier"/>
+              </a:rPr>
+              <a:t>  </a:t>
+            </a:r>
+            <a:r>
+              <a:rPr>
+                <a:solidFill>
+                  <a:srgbClr val="657422"/>
+                </a:solidFill>
+                <a:latin typeface="Courier"/>
+              </a:rPr>
+              <a:t>data =</a:t>
+            </a:r>
+            <a:r>
+              <a:rPr>
+                <a:solidFill>
+                  <a:srgbClr val="003B4F"/>
+                </a:solidFill>
+                <a:latin typeface="Courier"/>
+              </a:rPr>
+              <a:t> isl_ne12_df,</a:t>
+            </a:r>
+            <a:br/>
+            <a:r>
+              <a:rPr>
+                <a:solidFill>
+                  <a:srgbClr val="003B4F"/>
+                </a:solidFill>
+                <a:latin typeface="Courier"/>
+              </a:rPr>
+              <a:t>  </a:t>
+            </a:r>
+            <a:r>
+              <a:rPr>
+                <a:solidFill>
+                  <a:srgbClr val="657422"/>
+                </a:solidFill>
+                <a:latin typeface="Courier"/>
+              </a:rPr>
+              <a:t>var.equal =</a:t>
+            </a:r>
+            <a:r>
+              <a:rPr>
+                <a:solidFill>
+                  <a:srgbClr val="003B4F"/>
+                </a:solidFill>
+                <a:latin typeface="Courier"/>
+              </a:rPr>
+              <a:t> </a:t>
+            </a:r>
+            <a:r>
+              <a:rPr>
+                <a:solidFill>
+                  <a:srgbClr val="8F5902"/>
+                </a:solidFill>
+                <a:latin typeface="Courier"/>
+              </a:rPr>
+              <a:t>TRUE</a:t>
+            </a:r>
+            <a:r>
+              <a:rPr>
+                <a:solidFill>
+                  <a:srgbClr val="003B4F"/>
+                </a:solidFill>
+                <a:latin typeface="Courier"/>
+              </a:rPr>
+              <a:t>  </a:t>
+            </a:r>
+            <a:r>
+              <a:rPr>
+                <a:solidFill>
+                  <a:srgbClr val="5E5E5E"/>
+                </a:solidFill>
+                <a:latin typeface="Courier"/>
+              </a:rPr>
+              <a:t># Standard t-test with equal variance assumption</a:t>
+            </a:r>
+            <a:br/>
+            <a:r>
+              <a:rPr>
+                <a:solidFill>
+                  <a:srgbClr val="003B4F"/>
+                </a:solidFill>
+                <a:latin typeface="Courier"/>
+              </a:rPr>
+              <a:t>)</a:t>
+            </a:r>
+            <a:br/>
+            <a:br/>
+            <a:r>
+              <a:rPr>
+                <a:solidFill>
+                  <a:srgbClr val="5E5E5E"/>
+                </a:solidFill>
+                <a:latin typeface="Courier"/>
+              </a:rPr>
+              <a:t># Perform Welch's t-test (unequal variances)</a:t>
+            </a:r>
+            <a:br/>
+            <a:r>
+              <a:rPr>
+                <a:solidFill>
+                  <a:srgbClr val="003B4F"/>
+                </a:solidFill>
+                <a:latin typeface="Courier"/>
+              </a:rPr>
+              <a:t>welch_test_length_result &lt;- </a:t>
+            </a:r>
+            <a:r>
+              <a:rPr>
+                <a:solidFill>
+                  <a:srgbClr val="4758AB"/>
+                </a:solidFill>
+                <a:latin typeface="Courier"/>
+              </a:rPr>
+              <a:t>t.test</a:t>
+            </a:r>
+            <a:r>
+              <a:rPr>
+                <a:solidFill>
+                  <a:srgbClr val="003B4F"/>
+                </a:solidFill>
+                <a:latin typeface="Courier"/>
+              </a:rPr>
+              <a:t>(</a:t>
+            </a:r>
+            <a:br/>
+            <a:r>
+              <a:rPr>
+                <a:solidFill>
+                  <a:srgbClr val="003B4F"/>
+                </a:solidFill>
+                <a:latin typeface="Courier"/>
+              </a:rPr>
+              <a:t>  length_mm </a:t>
+            </a:r>
+            <a:r>
+              <a:rPr>
+                <a:solidFill>
+                  <a:srgbClr val="5E5E5E"/>
+                </a:solidFill>
+                <a:latin typeface="Courier"/>
+              </a:rPr>
+              <a:t>~</a:t>
+            </a:r>
+            <a:r>
+              <a:rPr>
+                <a:solidFill>
+                  <a:srgbClr val="003B4F"/>
+                </a:solidFill>
+                <a:latin typeface="Courier"/>
+              </a:rPr>
+              <a:t> lake, </a:t>
+            </a:r>
+            <a:br/>
+            <a:r>
+              <a:rPr>
+                <a:solidFill>
+                  <a:srgbClr val="003B4F"/>
+                </a:solidFill>
+                <a:latin typeface="Courier"/>
+              </a:rPr>
+              <a:t>  </a:t>
+            </a:r>
+            <a:r>
+              <a:rPr>
+                <a:solidFill>
+                  <a:srgbClr val="657422"/>
+                </a:solidFill>
+                <a:latin typeface="Courier"/>
+              </a:rPr>
+              <a:t>data =</a:t>
+            </a:r>
+            <a:r>
+              <a:rPr>
+                <a:solidFill>
+                  <a:srgbClr val="003B4F"/>
+                </a:solidFill>
+                <a:latin typeface="Courier"/>
+              </a:rPr>
+              <a:t> isl_ne12_df,</a:t>
+            </a:r>
+            <a:br/>
+            <a:r>
+              <a:rPr>
+                <a:solidFill>
+                  <a:srgbClr val="003B4F"/>
+                </a:solidFill>
+                <a:latin typeface="Courier"/>
+              </a:rPr>
+              <a:t>  </a:t>
+            </a:r>
+            <a:r>
+              <a:rPr>
+                <a:solidFill>
+                  <a:srgbClr val="657422"/>
+                </a:solidFill>
+                <a:latin typeface="Courier"/>
+              </a:rPr>
+              <a:t>var.equal =</a:t>
+            </a:r>
+            <a:r>
+              <a:rPr>
+                <a:solidFill>
+                  <a:srgbClr val="003B4F"/>
+                </a:solidFill>
+                <a:latin typeface="Courier"/>
+              </a:rPr>
+              <a:t> </a:t>
+            </a:r>
+            <a:r>
+              <a:rPr>
+                <a:solidFill>
+                  <a:srgbClr val="8F5902"/>
+                </a:solidFill>
+                <a:latin typeface="Courier"/>
+              </a:rPr>
+              <a:t>FALSE</a:t>
+            </a:r>
+            <a:r>
+              <a:rPr>
+                <a:solidFill>
+                  <a:srgbClr val="003B4F"/>
+                </a:solidFill>
+                <a:latin typeface="Courier"/>
+              </a:rPr>
+              <a:t>  </a:t>
+            </a:r>
+            <a:r>
+              <a:rPr>
+                <a:solidFill>
+                  <a:srgbClr val="5E5E5E"/>
+                </a:solidFill>
+                <a:latin typeface="Courier"/>
+              </a:rPr>
+              <a:t># Welch's t-test</a:t>
+            </a:r>
+            <a:br/>
+            <a:r>
+              <a:rPr>
+                <a:solidFill>
+                  <a:srgbClr val="003B4F"/>
+                </a:solidFill>
+                <a:latin typeface="Courier"/>
+              </a:rPr>
+              <a:t>)</a:t>
+            </a:r>
+          </a:p>
+        </p:txBody>
+      </p:sp>
+      <p:sp>
+        <p:nvSpPr>
+          <p:cNvPr id="4" name="Content Placeholder 3"/>
+          <p:cNvSpPr>
+            <a:spLocks noGrp="1"/>
+          </p:cNvSpPr>
+          <p:nvPr>
+            <p:ph idx="2" sz="half"/>
+          </p:nvPr>
+        </p:nvSpPr>
+        <p:spPr/>
+        <p:txBody>
+          <a:bodyPr/>
+          <a:lstStyle/>
+          <a:p>
+            <a:pPr lvl="0" indent="0">
+              <a:buNone/>
+            </a:pPr>
+            <a:r>
+              <a:rPr>
+                <a:latin typeface="Courier"/>
+              </a:rPr>
+              <a:t>[1] "Standard t-test results for lenght_mm:"</a:t>
+            </a:r>
+          </a:p>
+          <a:p>
+            <a:pPr lvl="0" indent="0">
+              <a:buNone/>
+            </a:pPr>
+            <a:r>
+              <a:rPr>
+                <a:latin typeface="Courier"/>
+              </a:rPr>
+              <a:t>
+    Two Sample t-test
+data:  length_mm by lake
+t = 8.616, df = 331, p-value = 2.888e-16
+alternative hypothesis: true difference in means between group Island Lake and group NE 12 is not equal to 0
+95 percent confidence interval:
+ 270.1939 430.0761
+sample estimates:
+mean in group Island Lake       mean in group NE 12 
+                  698.200                   348.065 </a:t>
+            </a:r>
+          </a:p>
+          <a:p>
+            <a:pPr lvl="0" indent="0">
+              <a:buNone/>
+            </a:pPr>
+            <a:r>
+              <a:rPr>
+                <a:latin typeface="Courier"/>
+              </a:rPr>
+              <a:t>[1] "Welch's t-test results for lenght_mm:"</a:t>
+            </a:r>
+          </a:p>
+          <a:p>
+            <a:pPr lvl="0" indent="0">
+              <a:buNone/>
+            </a:pPr>
+            <a:r>
+              <a:rPr>
+                <a:latin typeface="Courier"/>
+              </a:rPr>
+              <a:t>
+    Welch Two Sample t-test
+data:  length_mm by lake
+t = 9.0183, df = 9.6241, p-value = 5.309e-06
+alternative hypothesis: true difference in means between group Island Lake and group NE 12 is not equal to 0
+95 percent confidence interval:
+ 263.1673 437.1026
+sample estimates:
+mean in group Island Lake       mean in group NE 12 
+                  698.200                   348.065 </a:t>
             </a:r>
           </a:p>
         </p:txBody>
@@ -4632,7 +6390,7 @@
             </a:pPr>
             <a:r>
               <a:rPr/>
-              <a:t>Brief review</a:t>
+              <a:t>Lecture 5 - A Brief review</a:t>
             </a:r>
           </a:p>
         </p:txBody>
@@ -4675,7 +6433,7 @@
           <a:p>
             <a:pPr lvl="0"/>
             <a:r>
-              <a:rPr/>
+              <a:rPr b="1"/>
               <a:t>Assumptions of parametric tests</a:t>
             </a:r>
           </a:p>
@@ -4735,97 +6493,411 @@
       </p:grpSpPr>
       <p:sp>
         <p:nvSpPr>
-          <p:cNvPr id="2" name="Title 1"/>
-          <p:cNvSpPr>
-            <a:spLocks noGrp="1"/>
-          </p:cNvSpPr>
-          <p:nvPr>
-            <p:ph type="title"/>
-          </p:nvPr>
-        </p:nvSpPr>
-        <p:spPr>
-          <a:xfrm>
-            <a:off x="0" y="0"/>
-            <a:ext cx="9144000" cy="602780"/>
-          </a:xfrm>
-          <a:solidFill>
-            <a:srgbClr val="70121D"/>
-          </a:solidFill>
-        </p:spPr>
+          <p:cNvPr id="3" name="Content Placeholder 2"/>
+          <p:cNvSpPr>
+            <a:spLocks noGrp="1"/>
+          </p:cNvSpPr>
+          <p:nvPr>
+            <p:ph idx="1"/>
+          </p:nvPr>
+        </p:nvSpPr>
+        <p:spPr/>
         <p:txBody>
           <a:bodyPr/>
           <a:lstStyle/>
           <a:p>
-            <a:pPr lvl="0" indent="0" marL="0">
+            <a:pPr lvl="0" indent="0">
               <a:buNone/>
             </a:pPr>
             <a:r>
-              <a:rPr/>
-              <a:t>Rank based tests</a:t>
-            </a:r>
-          </a:p>
-        </p:txBody>
-      </p:sp>
-      <p:sp>
-        <p:nvSpPr>
-          <p:cNvPr id="3" name="Content Placeholder 2"/>
-          <p:cNvSpPr>
-            <a:spLocks noGrp="1"/>
-          </p:cNvSpPr>
-          <p:nvPr>
-            <p:ph idx="1" sz="half"/>
-          </p:nvPr>
-        </p:nvSpPr>
-        <p:spPr/>
-        <p:txBody>
-          <a:bodyPr/>
-          <a:lstStyle/>
-          <a:p>
-            <a:pPr lvl="0"/>
-            <a:r>
-              <a:rPr/>
-              <a:t>Assumptions: similar distributions for groups, equal variance</a:t>
-            </a:r>
-          </a:p>
-          <a:p>
-            <a:pPr lvl="0"/>
-            <a:r>
-              <a:rPr/>
-              <a:t>Less power than parametric tests</a:t>
-            </a:r>
-          </a:p>
-          <a:p>
-            <a:pPr lvl="0"/>
-            <a:r>
-              <a:rPr/>
-              <a:t>Best when normality assumption can not be met by transformation (weird distribution) or large outliers</a:t>
-            </a:r>
-          </a:p>
-          <a:p>
-            <a:pPr lvl="0" indent="0" marL="0">
+              <a:rPr>
+                <a:solidFill>
+                  <a:srgbClr val="5E5E5E"/>
+                </a:solidFill>
+                <a:latin typeface="Courier"/>
+              </a:rPr>
+              <a:t># T test for lenght</a:t>
+            </a:r>
+            <a:br/>
+            <a:r>
+              <a:rPr>
+                <a:solidFill>
+                  <a:srgbClr val="5E5E5E"/>
+                </a:solidFill>
+                <a:latin typeface="Courier"/>
+              </a:rPr>
+              <a:t># Perform standard t-test</a:t>
+            </a:r>
+            <a:br/>
+            <a:r>
+              <a:rPr>
+                <a:solidFill>
+                  <a:srgbClr val="003B4F"/>
+                </a:solidFill>
+                <a:latin typeface="Courier"/>
+              </a:rPr>
+              <a:t>t_test_mass_result &lt;- </a:t>
+            </a:r>
+            <a:r>
+              <a:rPr>
+                <a:solidFill>
+                  <a:srgbClr val="4758AB"/>
+                </a:solidFill>
+                <a:latin typeface="Courier"/>
+              </a:rPr>
+              <a:t>t.test</a:t>
+            </a:r>
+            <a:r>
+              <a:rPr>
+                <a:solidFill>
+                  <a:srgbClr val="003B4F"/>
+                </a:solidFill>
+                <a:latin typeface="Courier"/>
+              </a:rPr>
+              <a:t>(</a:t>
+            </a:r>
+            <a:br/>
+            <a:r>
+              <a:rPr>
+                <a:solidFill>
+                  <a:srgbClr val="003B4F"/>
+                </a:solidFill>
+                <a:latin typeface="Courier"/>
+              </a:rPr>
+              <a:t>  mass_g </a:t>
+            </a:r>
+            <a:r>
+              <a:rPr>
+                <a:solidFill>
+                  <a:srgbClr val="5E5E5E"/>
+                </a:solidFill>
+                <a:latin typeface="Courier"/>
+              </a:rPr>
+              <a:t>~</a:t>
+            </a:r>
+            <a:r>
+              <a:rPr>
+                <a:solidFill>
+                  <a:srgbClr val="003B4F"/>
+                </a:solidFill>
+                <a:latin typeface="Courier"/>
+              </a:rPr>
+              <a:t> lake, </a:t>
+            </a:r>
+            <a:br/>
+            <a:r>
+              <a:rPr>
+                <a:solidFill>
+                  <a:srgbClr val="003B4F"/>
+                </a:solidFill>
+                <a:latin typeface="Courier"/>
+              </a:rPr>
+              <a:t>  </a:t>
+            </a:r>
+            <a:r>
+              <a:rPr>
+                <a:solidFill>
+                  <a:srgbClr val="657422"/>
+                </a:solidFill>
+                <a:latin typeface="Courier"/>
+              </a:rPr>
+              <a:t>data =</a:t>
+            </a:r>
+            <a:r>
+              <a:rPr>
+                <a:solidFill>
+                  <a:srgbClr val="003B4F"/>
+                </a:solidFill>
+                <a:latin typeface="Courier"/>
+              </a:rPr>
+              <a:t> isl_ne12_df,</a:t>
+            </a:r>
+            <a:br/>
+            <a:r>
+              <a:rPr>
+                <a:solidFill>
+                  <a:srgbClr val="003B4F"/>
+                </a:solidFill>
+                <a:latin typeface="Courier"/>
+              </a:rPr>
+              <a:t>  </a:t>
+            </a:r>
+            <a:r>
+              <a:rPr>
+                <a:solidFill>
+                  <a:srgbClr val="657422"/>
+                </a:solidFill>
+                <a:latin typeface="Courier"/>
+              </a:rPr>
+              <a:t>var.equal =</a:t>
+            </a:r>
+            <a:r>
+              <a:rPr>
+                <a:solidFill>
+                  <a:srgbClr val="003B4F"/>
+                </a:solidFill>
+                <a:latin typeface="Courier"/>
+              </a:rPr>
+              <a:t> </a:t>
+            </a:r>
+            <a:r>
+              <a:rPr>
+                <a:solidFill>
+                  <a:srgbClr val="8F5902"/>
+                </a:solidFill>
+                <a:latin typeface="Courier"/>
+              </a:rPr>
+              <a:t>TRUE</a:t>
+            </a:r>
+            <a:r>
+              <a:rPr>
+                <a:solidFill>
+                  <a:srgbClr val="003B4F"/>
+                </a:solidFill>
+                <a:latin typeface="Courier"/>
+              </a:rPr>
+              <a:t>  </a:t>
+            </a:r>
+            <a:r>
+              <a:rPr>
+                <a:solidFill>
+                  <a:srgbClr val="5E5E5E"/>
+                </a:solidFill>
+                <a:latin typeface="Courier"/>
+              </a:rPr>
+              <a:t># Standard t-test with equal variance assumption</a:t>
+            </a:r>
+            <a:br/>
+            <a:r>
+              <a:rPr>
+                <a:solidFill>
+                  <a:srgbClr val="003B4F"/>
+                </a:solidFill>
+                <a:latin typeface="Courier"/>
+              </a:rPr>
+              <a:t>)</a:t>
+            </a:r>
+            <a:br/>
+            <a:br/>
+            <a:r>
+              <a:rPr>
+                <a:solidFill>
+                  <a:srgbClr val="5E5E5E"/>
+                </a:solidFill>
+                <a:latin typeface="Courier"/>
+              </a:rPr>
+              <a:t># Perform Welch's t-test (unequal variances)</a:t>
+            </a:r>
+            <a:br/>
+            <a:r>
+              <a:rPr>
+                <a:solidFill>
+                  <a:srgbClr val="003B4F"/>
+                </a:solidFill>
+                <a:latin typeface="Courier"/>
+              </a:rPr>
+              <a:t>welch_test_mass_result &lt;- </a:t>
+            </a:r>
+            <a:r>
+              <a:rPr>
+                <a:solidFill>
+                  <a:srgbClr val="4758AB"/>
+                </a:solidFill>
+                <a:latin typeface="Courier"/>
+              </a:rPr>
+              <a:t>t.test</a:t>
+            </a:r>
+            <a:r>
+              <a:rPr>
+                <a:solidFill>
+                  <a:srgbClr val="003B4F"/>
+                </a:solidFill>
+                <a:latin typeface="Courier"/>
+              </a:rPr>
+              <a:t>(</a:t>
+            </a:r>
+            <a:br/>
+            <a:r>
+              <a:rPr>
+                <a:solidFill>
+                  <a:srgbClr val="003B4F"/>
+                </a:solidFill>
+                <a:latin typeface="Courier"/>
+              </a:rPr>
+              <a:t>  mass_g </a:t>
+            </a:r>
+            <a:r>
+              <a:rPr>
+                <a:solidFill>
+                  <a:srgbClr val="5E5E5E"/>
+                </a:solidFill>
+                <a:latin typeface="Courier"/>
+              </a:rPr>
+              <a:t>~</a:t>
+            </a:r>
+            <a:r>
+              <a:rPr>
+                <a:solidFill>
+                  <a:srgbClr val="003B4F"/>
+                </a:solidFill>
+                <a:latin typeface="Courier"/>
+              </a:rPr>
+              <a:t> lake, </a:t>
+            </a:r>
+            <a:br/>
+            <a:r>
+              <a:rPr>
+                <a:solidFill>
+                  <a:srgbClr val="003B4F"/>
+                </a:solidFill>
+                <a:latin typeface="Courier"/>
+              </a:rPr>
+              <a:t>  </a:t>
+            </a:r>
+            <a:r>
+              <a:rPr>
+                <a:solidFill>
+                  <a:srgbClr val="657422"/>
+                </a:solidFill>
+                <a:latin typeface="Courier"/>
+              </a:rPr>
+              <a:t>data =</a:t>
+            </a:r>
+            <a:r>
+              <a:rPr>
+                <a:solidFill>
+                  <a:srgbClr val="003B4F"/>
+                </a:solidFill>
+                <a:latin typeface="Courier"/>
+              </a:rPr>
+              <a:t> isl_ne12_df,</a:t>
+            </a:r>
+            <a:br/>
+            <a:r>
+              <a:rPr>
+                <a:solidFill>
+                  <a:srgbClr val="003B4F"/>
+                </a:solidFill>
+                <a:latin typeface="Courier"/>
+              </a:rPr>
+              <a:t>  </a:t>
+            </a:r>
+            <a:r>
+              <a:rPr>
+                <a:solidFill>
+                  <a:srgbClr val="657422"/>
+                </a:solidFill>
+                <a:latin typeface="Courier"/>
+              </a:rPr>
+              <a:t>var.equal =</a:t>
+            </a:r>
+            <a:r>
+              <a:rPr>
+                <a:solidFill>
+                  <a:srgbClr val="003B4F"/>
+                </a:solidFill>
+                <a:latin typeface="Courier"/>
+              </a:rPr>
+              <a:t> </a:t>
+            </a:r>
+            <a:r>
+              <a:rPr>
+                <a:solidFill>
+                  <a:srgbClr val="8F5902"/>
+                </a:solidFill>
+                <a:latin typeface="Courier"/>
+              </a:rPr>
+              <a:t>FALSE</a:t>
+            </a:r>
+            <a:r>
+              <a:rPr>
+                <a:solidFill>
+                  <a:srgbClr val="003B4F"/>
+                </a:solidFill>
+                <a:latin typeface="Courier"/>
+              </a:rPr>
+              <a:t>  </a:t>
+            </a:r>
+            <a:r>
+              <a:rPr>
+                <a:solidFill>
+                  <a:srgbClr val="5E5E5E"/>
+                </a:solidFill>
+                <a:latin typeface="Courier"/>
+              </a:rPr>
+              <a:t># Welch's t-test</a:t>
+            </a:r>
+            <a:br/>
+            <a:r>
+              <a:rPr>
+                <a:solidFill>
+                  <a:srgbClr val="003B4F"/>
+                </a:solidFill>
+                <a:latin typeface="Courier"/>
+              </a:rPr>
+              <a:t>)</a:t>
+            </a:r>
+          </a:p>
+          <a:p>
+            <a:pPr lvl="0" indent="0">
               <a:buNone/>
             </a:pPr>
             <a:r>
-              <a:rPr/>
-              <a:t>A: n= 15, y= 8, s= 4 B : n= 15, y= 10, s= 5</a:t>
-            </a:r>
-          </a:p>
-          <a:p>
-            <a:pPr lvl="0" indent="0" marL="0">
+              <a:rPr>
+                <a:latin typeface="Courier"/>
+              </a:rPr>
+              <a:t>[1] "Standard t-test results for mass_g:"</a:t>
+            </a:r>
+          </a:p>
+          <a:p>
+            <a:pPr lvl="0" indent="0">
               <a:buNone/>
             </a:pPr>
             <a:r>
-              <a:rPr/>
-              <a:t>Approach A vs. B</a:t>
-            </a:r>
-          </a:p>
-          <a:p>
-            <a:pPr lvl="0" indent="0" marL="0">
+              <a:rPr>
+                <a:latin typeface="Courier"/>
+              </a:rPr>
+              <a:t>
+    Two Sample t-test
+data:  mass_g by lake
+t = 14.181, df = 330, p-value &lt; 2.2e-16
+alternative hypothesis: true difference in means between group Island Lake and group NE 12 is not equal to 0
+95 percent confidence interval:
+ 2266.304 2996.360
+sample estimates:
+mean in group Island Lake       mean in group NE 12 
+                3165.0000                  533.6677 </a:t>
+            </a:r>
+          </a:p>
+          <a:p>
+            <a:pPr lvl="0" indent="0">
               <a:buNone/>
             </a:pPr>
             <a:r>
-              <a:rPr/>
-              <a:t>T-test df= 28 t= -3.53 p= 0.0014 M-W U (Wilcoxon’s) W= 41 p= 0.002</a:t>
+              <a:rPr>
+                <a:latin typeface="Courier"/>
+              </a:rPr>
+              <a:t>[1] "Welch's t-test results for mass_g:"</a:t>
+            </a:r>
+          </a:p>
+          <a:p>
+            <a:pPr lvl="0" indent="0">
+              <a:buNone/>
+            </a:pPr>
+            <a:r>
+              <a:rPr>
+                <a:latin typeface="Courier"/>
+              </a:rPr>
+              <a:t>
+    Welch Two Sample t-test
+data:  mass_g by lake
+t = 5.1368, df = 9.0578, p-value = 0.0006016
+alternative hypothesis: true difference in means between group Island Lake and group NE 12 is not equal to 0
+95 percent confidence interval:
+ 1473.676 3788.989
+sample estimates:
+mean in group Island Lake       mean in group NE 12 
+                3165.0000                  533.6677 </a:t>
             </a:r>
           </a:p>
         </p:txBody>
@@ -4880,7 +6952,7 @@
             </a:pPr>
             <a:r>
               <a:rPr/>
-              <a:t>Permutation tests</a:t>
+              <a:t>Rank based tests</a:t>
             </a:r>
           </a:p>
         </p:txBody>
@@ -4903,21 +6975,310 @@
             <a:pPr lvl="0"/>
             <a:r>
               <a:rPr/>
-              <a:t>Permutation tests based on resampling: reshuffling of original data</a:t>
+              <a:t>Rank-based tests: no assumptions about distribution (non-parametric)</a:t>
             </a:r>
           </a:p>
           <a:p>
             <a:pPr lvl="0"/>
             <a:r>
               <a:rPr/>
-              <a:t>Resampling allows parameter estimation when distribution unknown, including SEs and CIs of statistics (means, medians)</a:t>
+              <a:t>Ranks of data: observations assigned ranks, sums (and signs for paired tests) of ranks for groups compared</a:t>
             </a:r>
           </a:p>
           <a:p>
             <a:pPr lvl="0"/>
             <a:r>
-              <a:rPr/>
-              <a:t>Common approach is bootstrap: resample sample with replacement many times, recalculate sample stats</a:t>
+              <a:rPr b="1"/>
+              <a:t>Mann-Whitney U test</a:t>
+            </a:r>
+            <a:r>
+              <a:rPr/>
+              <a:t> common alternative to independent samples t-test</a:t>
+            </a:r>
+          </a:p>
+          <a:p>
+            <a:pPr lvl="0"/>
+            <a:r>
+              <a:rPr b="1"/>
+              <a:t>Wilcoxon signed-rank</a:t>
+            </a:r>
+            <a:r>
+              <a:rPr/>
+              <a:t> test is alternative to paired t-test</a:t>
+            </a:r>
+          </a:p>
+          <a:p>
+            <a:pPr lvl="0" indent="0">
+              <a:buNone/>
+            </a:pPr>
+            <a:r>
+              <a:rPr>
+                <a:solidFill>
+                  <a:srgbClr val="5E5E5E"/>
+                </a:solidFill>
+                <a:latin typeface="Courier"/>
+              </a:rPr>
+              <a:t># Perform Mann-Whitney U test (Wilcoxon rank-sum test)</a:t>
+            </a:r>
+            <a:br/>
+            <a:r>
+              <a:rPr>
+                <a:solidFill>
+                  <a:srgbClr val="003B4F"/>
+                </a:solidFill>
+                <a:latin typeface="Courier"/>
+              </a:rPr>
+              <a:t>mann_whitney_length_test &lt;- </a:t>
+            </a:r>
+            <a:r>
+              <a:rPr>
+                <a:solidFill>
+                  <a:srgbClr val="4758AB"/>
+                </a:solidFill>
+                <a:latin typeface="Courier"/>
+              </a:rPr>
+              <a:t>wilcox.test</a:t>
+            </a:r>
+            <a:r>
+              <a:rPr>
+                <a:solidFill>
+                  <a:srgbClr val="003B4F"/>
+                </a:solidFill>
+                <a:latin typeface="Courier"/>
+              </a:rPr>
+              <a:t>(</a:t>
+            </a:r>
+            <a:br/>
+            <a:r>
+              <a:rPr>
+                <a:solidFill>
+                  <a:srgbClr val="003B4F"/>
+                </a:solidFill>
+                <a:latin typeface="Courier"/>
+              </a:rPr>
+              <a:t>  length_mm </a:t>
+            </a:r>
+            <a:r>
+              <a:rPr>
+                <a:solidFill>
+                  <a:srgbClr val="5E5E5E"/>
+                </a:solidFill>
+                <a:latin typeface="Courier"/>
+              </a:rPr>
+              <a:t>~</a:t>
+            </a:r>
+            <a:r>
+              <a:rPr>
+                <a:solidFill>
+                  <a:srgbClr val="003B4F"/>
+                </a:solidFill>
+                <a:latin typeface="Courier"/>
+              </a:rPr>
+              <a:t> lake, </a:t>
+            </a:r>
+            <a:br/>
+            <a:r>
+              <a:rPr>
+                <a:solidFill>
+                  <a:srgbClr val="003B4F"/>
+                </a:solidFill>
+                <a:latin typeface="Courier"/>
+              </a:rPr>
+              <a:t>  </a:t>
+            </a:r>
+            <a:r>
+              <a:rPr>
+                <a:solidFill>
+                  <a:srgbClr val="657422"/>
+                </a:solidFill>
+                <a:latin typeface="Courier"/>
+              </a:rPr>
+              <a:t>data =</a:t>
+            </a:r>
+            <a:r>
+              <a:rPr>
+                <a:solidFill>
+                  <a:srgbClr val="003B4F"/>
+                </a:solidFill>
+                <a:latin typeface="Courier"/>
+              </a:rPr>
+              <a:t> isl_ne12_df,</a:t>
+            </a:r>
+            <a:br/>
+            <a:r>
+              <a:rPr>
+                <a:solidFill>
+                  <a:srgbClr val="003B4F"/>
+                </a:solidFill>
+                <a:latin typeface="Courier"/>
+              </a:rPr>
+              <a:t>  </a:t>
+            </a:r>
+            <a:r>
+              <a:rPr>
+                <a:solidFill>
+                  <a:srgbClr val="657422"/>
+                </a:solidFill>
+                <a:latin typeface="Courier"/>
+              </a:rPr>
+              <a:t>exact =</a:t>
+            </a:r>
+            <a:r>
+              <a:rPr>
+                <a:solidFill>
+                  <a:srgbClr val="003B4F"/>
+                </a:solidFill>
+                <a:latin typeface="Courier"/>
+              </a:rPr>
+              <a:t> </a:t>
+            </a:r>
+            <a:r>
+              <a:rPr>
+                <a:solidFill>
+                  <a:srgbClr val="8F5902"/>
+                </a:solidFill>
+                <a:latin typeface="Courier"/>
+              </a:rPr>
+              <a:t>FALSE</a:t>
+            </a:r>
+            <a:r>
+              <a:rPr>
+                <a:solidFill>
+                  <a:srgbClr val="003B4F"/>
+                </a:solidFill>
+                <a:latin typeface="Courier"/>
+              </a:rPr>
+              <a:t>,  </a:t>
+            </a:r>
+            <a:r>
+              <a:rPr>
+                <a:solidFill>
+                  <a:srgbClr val="5E5E5E"/>
+                </a:solidFill>
+                <a:latin typeface="Courier"/>
+              </a:rPr>
+              <a:t># Use approximation with ties</a:t>
+            </a:r>
+            <a:br/>
+            <a:r>
+              <a:rPr>
+                <a:solidFill>
+                  <a:srgbClr val="003B4F"/>
+                </a:solidFill>
+                <a:latin typeface="Courier"/>
+              </a:rPr>
+              <a:t>  </a:t>
+            </a:r>
+            <a:r>
+              <a:rPr>
+                <a:solidFill>
+                  <a:srgbClr val="657422"/>
+                </a:solidFill>
+                <a:latin typeface="Courier"/>
+              </a:rPr>
+              <a:t>conf.int =</a:t>
+            </a:r>
+            <a:r>
+              <a:rPr>
+                <a:solidFill>
+                  <a:srgbClr val="003B4F"/>
+                </a:solidFill>
+                <a:latin typeface="Courier"/>
+              </a:rPr>
+              <a:t> </a:t>
+            </a:r>
+            <a:r>
+              <a:rPr>
+                <a:solidFill>
+                  <a:srgbClr val="8F5902"/>
+                </a:solidFill>
+                <a:latin typeface="Courier"/>
+              </a:rPr>
+              <a:t>TRUE</a:t>
+            </a:r>
+            <a:r>
+              <a:rPr>
+                <a:solidFill>
+                  <a:srgbClr val="003B4F"/>
+                </a:solidFill>
+                <a:latin typeface="Courier"/>
+              </a:rPr>
+              <a:t>  </a:t>
+            </a:r>
+            <a:r>
+              <a:rPr>
+                <a:solidFill>
+                  <a:srgbClr val="5E5E5E"/>
+                </a:solidFill>
+                <a:latin typeface="Courier"/>
+              </a:rPr>
+              <a:t># Calculate confidence interval</a:t>
+            </a:r>
+            <a:br/>
+            <a:r>
+              <a:rPr>
+                <a:solidFill>
+                  <a:srgbClr val="003B4F"/>
+                </a:solidFill>
+                <a:latin typeface="Courier"/>
+              </a:rPr>
+              <a:t>)</a:t>
+            </a:r>
+          </a:p>
+        </p:txBody>
+      </p:sp>
+      <p:sp>
+        <p:nvSpPr>
+          <p:cNvPr id="4" name="Content Placeholder 3"/>
+          <p:cNvSpPr>
+            <a:spLocks noGrp="1"/>
+          </p:cNvSpPr>
+          <p:nvPr>
+            <p:ph idx="2" sz="half"/>
+          </p:nvPr>
+        </p:nvSpPr>
+        <p:spPr/>
+        <p:txBody>
+          <a:bodyPr/>
+          <a:lstStyle/>
+          <a:p>
+            <a:pPr lvl="0" indent="0" marL="0">
+              <a:buNone/>
+            </a:pPr>
+            <a:r>
+              <a:rPr/>
+              <a:t>&lt;</a:t>
+            </a:r>
+          </a:p>
+          <a:p>
+            <a:pPr lvl="0" indent="0">
+              <a:buNone/>
+            </a:pPr>
+            <a:r>
+              <a:rPr>
+                <a:latin typeface="Courier"/>
+              </a:rPr>
+              <a:t>[1] "Mann-Whitney U test results length:"</a:t>
+            </a:r>
+          </a:p>
+          <a:p>
+            <a:pPr lvl="0" indent="0">
+              <a:buNone/>
+            </a:pPr>
+            <a:r>
+              <a:rPr>
+                <a:latin typeface="Courier"/>
+              </a:rPr>
+              <a:t>
+    Wilcoxon rank sum test with continuity correction
+data:  length_mm by lake
+W = 3226, p-value = 7.814e-08
+alternative hypothesis: true location shift is not equal to 0
+95 percent confidence interval:
+ 262.0000 426.9999
+sample estimates:
+difference in location 
+                   357 </a:t>
             </a:r>
           </a:p>
         </p:txBody>
@@ -4972,7 +7333,7 @@
             </a:pPr>
             <a:r>
               <a:rPr/>
-              <a:t>Permutation tests</a:t>
+              <a:t>Rank based tests</a:t>
             </a:r>
           </a:p>
         </p:txBody>
@@ -4995,56 +7356,48 @@
             <a:pPr lvl="0"/>
             <a:r>
               <a:rPr/>
-              <a:t>Sample A: n = 40, ȳ= 1.72, s = 4.17</a:t>
+              <a:t>Assumptions: similar distributions for groups, equal variance</a:t>
             </a:r>
           </a:p>
           <a:p>
             <a:pPr lvl="0"/>
             <a:r>
               <a:rPr/>
-              <a:t>Sample B: n = 35, ȳ= 4.50, s = 4.83</a:t>
+              <a:t>Less power than parametric tests</a:t>
             </a:r>
           </a:p>
           <a:p>
             <a:pPr lvl="0"/>
             <a:r>
               <a:rPr/>
-              <a:t>Ho: µ</a:t>
-            </a:r>
-            <a:r>
-              <a:rPr baseline="-25000"/>
-              <a:t>A</a:t>
-            </a:r>
-            <a:r>
-              <a:rPr/>
-              <a:t> = µ</a:t>
-            </a:r>
-            <a:r>
-              <a:rPr baseline="-25000"/>
-              <a:t>B</a:t>
-            </a:r>
-            <a:r>
-              <a:rPr/>
-              <a:t>, Ha: µ</a:t>
-            </a:r>
-            <a:r>
-              <a:rPr baseline="-25000"/>
-              <a:t>A</a:t>
-            </a:r>
-            <a:r>
-              <a:rPr/>
-              <a:t> ≠µ</a:t>
-            </a:r>
-            <a:r>
-              <a:rPr baseline="-25000"/>
-              <a:t>B</a:t>
-            </a:r>
-          </a:p>
-          <a:p>
-            <a:pPr lvl="0"/>
-            <a:r>
-              <a:rPr/>
-              <a:t>Calculate ∆ in means between two groups (2.78)</a:t>
+              <a:t>Best when normality assumption can not be met by transformation (weird distribution) or large outliers</a:t>
+            </a:r>
+          </a:p>
+          <a:p>
+            <a:pPr lvl="0" indent="0" marL="0">
+              <a:buNone/>
+            </a:pPr>
+            <a:r>
+              <a:rPr/>
+              <a:t>A: n= 15, y= 8, s= 4 B : n= 15, y= 10, s= 5</a:t>
+            </a:r>
+          </a:p>
+          <a:p>
+            <a:pPr lvl="0" indent="0" marL="0">
+              <a:buNone/>
+            </a:pPr>
+            <a:r>
+              <a:rPr/>
+              <a:t>Approach A vs. B</a:t>
+            </a:r>
+          </a:p>
+          <a:p>
+            <a:pPr lvl="0" indent="0" marL="0">
+              <a:buNone/>
+            </a:pPr>
+            <a:r>
+              <a:rPr/>
+              <a:t>T-test df= 28 t= -3.53 p= 0.0014 M-W U (Wilcoxon’s) W= 41 p= 0.002</a:t>
             </a:r>
           </a:p>
         </p:txBody>
@@ -5069,7 +7422,69 @@
             </a:pPr>
             <a:r>
               <a:rPr/>
-              <a:t>&lt;!– –&gt;</a:t>
+              <a:t>&lt;</a:t>
+            </a:r>
+          </a:p>
+          <a:p>
+            <a:pPr lvl="0" indent="0">
+              <a:buNone/>
+            </a:pPr>
+            <a:r>
+              <a:rPr>
+                <a:latin typeface="Courier"/>
+              </a:rPr>
+              <a:t>[1] "Standard t-test results for lenght_mm:"</a:t>
+            </a:r>
+          </a:p>
+          <a:p>
+            <a:pPr lvl="0" indent="0">
+              <a:buNone/>
+            </a:pPr>
+            <a:r>
+              <a:rPr>
+                <a:latin typeface="Courier"/>
+              </a:rPr>
+              <a:t>
+    Two Sample t-test
+data:  length_mm by lake
+t = 8.616, df = 331, p-value = 2.888e-16
+alternative hypothesis: true difference in means between group Island Lake and group NE 12 is not equal to 0
+95 percent confidence interval:
+ 270.1939 430.0761
+sample estimates:
+mean in group Island Lake       mean in group NE 12 
+                  698.200                   348.065 </a:t>
+            </a:r>
+          </a:p>
+          <a:p>
+            <a:pPr lvl="0" indent="0">
+              <a:buNone/>
+            </a:pPr>
+            <a:r>
+              <a:rPr>
+                <a:latin typeface="Courier"/>
+              </a:rPr>
+              <a:t>[1] "Mann-Whitney U test results length:"</a:t>
+            </a:r>
+          </a:p>
+          <a:p>
+            <a:pPr lvl="0" indent="0">
+              <a:buNone/>
+            </a:pPr>
+            <a:r>
+              <a:rPr>
+                <a:latin typeface="Courier"/>
+              </a:rPr>
+              <a:t>
+    Wilcoxon rank sum test with continuity correction
+data:  length_mm by lake
+W = 3226, p-value = 7.814e-08
+alternative hypothesis: true location shift is not equal to 0
+95 percent confidence interval:
+ 262.0000 426.9999
+sample estimates:
+difference in location 
+                   357 </a:t>
             </a:r>
           </a:p>
         </p:txBody>
@@ -5109,11 +7524,8 @@
         <p:spPr>
           <a:xfrm>
             <a:off x="0" y="0"/>
-            <a:ext cx="9144000" cy="602780"/>
+            <a:ext cx="9144000" cy="582780"/>
           </a:xfrm>
-          <a:solidFill>
-            <a:srgbClr val="70121D"/>
-          </a:solidFill>
         </p:spPr>
         <p:txBody>
           <a:bodyPr/>
@@ -5136,7 +7548,7 @@
             <a:spLocks noGrp="1"/>
           </p:cNvSpPr>
           <p:nvPr>
-            <p:ph idx="1" sz="half"/>
+            <p:ph idx="1"/>
           </p:nvPr>
         </p:nvSpPr>
         <p:spPr/>
@@ -5147,60 +7559,38 @@
             <a:pPr lvl="0"/>
             <a:r>
               <a:rPr/>
-              <a:t>Randomly reshuffle observations between groups (keeping n</a:t>
-            </a:r>
-            <a:r>
-              <a:rPr baseline="-25000"/>
-              <a:t>A</a:t>
-            </a:r>
-            <a:r>
-              <a:rPr/>
-              <a:t>=40 and n</a:t>
-            </a:r>
-            <a:r>
-              <a:rPr baseline="-25000"/>
-              <a:t>B</a:t>
-            </a:r>
-            <a:r>
-              <a:rPr/>
-              <a:t>=35), calculate ∆</a:t>
+              <a:t>Permutation tests based on resampling: reshuffling of original data</a:t>
             </a:r>
           </a:p>
           <a:p>
             <a:pPr lvl="0"/>
             <a:r>
               <a:rPr/>
-              <a:t>Repeat &gt;1,000 times</a:t>
+              <a:t>Resampling allows parameter estimation when distribution unknown, including SEs and CIs of statistics (means, medians)</a:t>
             </a:r>
           </a:p>
           <a:p>
             <a:pPr lvl="0"/>
             <a:r>
               <a:rPr/>
-              <a:t>Record proportion of the ∆means is ≥2.94 µmol</a:t>
+              <a:t>Common approach is bootstrap: resample sample with replacement many times, recalculate sample stats</a:t>
             </a:r>
           </a:p>
           <a:p>
             <a:pPr lvl="0"/>
             <a:r>
               <a:rPr/>
-              <a:t>This is equivalent to p-value and can be used in “traditional” H test framework</a:t>
-            </a:r>
-          </a:p>
-          <a:p>
-            <a:pPr lvl="0"/>
-            <a:r>
-              <a:rPr/>
-              <a:t>For a graphical explanation:</a:t>
-            </a:r>
-          </a:p>
-          <a:p>
-            <a:pPr lvl="1"/>
-            <a:r>
-              <a:rPr>
-                <a:hlinkClick r:id="rId2"/>
-              </a:rPr>
-              <a:t>Graphical Explanation</a:t>
+              <a:t>Use the </a:t>
+            </a:r>
+            <a:r>
+              <a:rPr>
+                <a:latin typeface="Courier"/>
+              </a:rPr>
+              <a:t>perm</a:t>
+            </a:r>
+            <a:r>
+              <a:rPr/>
+              <a:t> package</a:t>
             </a:r>
           </a:p>
         </p:txBody>
@@ -5239,12 +7629,9 @@
         </p:nvSpPr>
         <p:spPr>
           <a:xfrm>
-            <a:off x="0" y="0"/>
-            <a:ext cx="9144000" cy="602780"/>
+            <a:off x="139485" y="78119"/>
+            <a:ext cx="8229600" cy="607682"/>
           </a:xfrm>
-          <a:solidFill>
-            <a:srgbClr val="70121D"/>
-          </a:solidFill>
         </p:spPr>
         <p:txBody>
           <a:bodyPr/>
@@ -5262,12 +7649,12 @@
       </p:sp>
       <p:sp>
         <p:nvSpPr>
-          <p:cNvPr id="3" name="Content Placeholder 2"/>
-          <p:cNvSpPr>
-            <a:spLocks noGrp="1"/>
-          </p:cNvSpPr>
-          <p:nvPr>
-            <p:ph idx="1" sz="half"/>
+          <p:cNvPr id="3" name="Text Placeholder 2"/>
+          <p:cNvSpPr>
+            <a:spLocks noGrp="1"/>
+          </p:cNvSpPr>
+          <p:nvPr>
+            <p:ph idx="1" type="body"/>
           </p:nvPr>
         </p:nvSpPr>
         <p:spPr/>
@@ -5278,25 +7665,101 @@
             <a:pPr lvl="0"/>
             <a:r>
               <a:rPr/>
-              <a:t>In R (using ‘perm’ package):</a:t>
+              <a:t>Ho: µ</a:t>
+            </a:r>
+            <a:r>
+              <a:rPr baseline="-25000"/>
+              <a:t>A</a:t>
+            </a:r>
+            <a:r>
+              <a:rPr/>
+              <a:t> = µ</a:t>
+            </a:r>
+            <a:r>
+              <a:rPr baseline="-25000"/>
+              <a:t>B</a:t>
+            </a:r>
+            <a:r>
+              <a:rPr/>
+              <a:t>, Ha: µ</a:t>
+            </a:r>
+            <a:r>
+              <a:rPr baseline="-25000"/>
+              <a:t>A</a:t>
+            </a:r>
+            <a:r>
+              <a:rPr/>
+              <a:t> ≠µ</a:t>
+            </a:r>
+            <a:r>
+              <a:rPr baseline="-25000"/>
+              <a:t>B</a:t>
             </a:r>
           </a:p>
           <a:p>
             <a:pPr lvl="0"/>
             <a:r>
               <a:rPr/>
-              <a:t>permTS(y1, y2, alternative = “two.sided”, method = “exact.mc”, control = permControl(nmc = 10000))</a:t>
-            </a:r>
-          </a:p>
-          <a:p>
-            <a:pPr lvl="0"/>
-            <a:r>
-              <a:rPr/>
-              <a:t>Assumptions: both groups have similar distribution; equal variance</a:t>
-            </a:r>
-          </a:p>
-        </p:txBody>
-      </p:sp>
+              <a:t>Calculates the differnce ∆ in means between two groups</a:t>
+            </a:r>
+          </a:p>
+        </p:txBody>
+      </p:sp>
+      <p:sp>
+        <p:nvSpPr>
+          <p:cNvPr id="5" name="Text Placeholder 4"/>
+          <p:cNvSpPr>
+            <a:spLocks noGrp="1"/>
+          </p:cNvSpPr>
+          <p:nvPr>
+            <p:ph idx="3" sz="quarter" type="body"/>
+          </p:nvPr>
+        </p:nvSpPr>
+        <p:spPr/>
+        <p:txBody>
+          <a:bodyPr/>
+          <a:lstStyle/>
+          <a:p>
+            <a:pPr lvl="0" indent="0" marL="0">
+              <a:buNone/>
+            </a:pPr>
+            <a:r>
+              <a:rPr/>
+              <a:t>&lt;!</a:t>
+            </a:r>
+          </a:p>
+        </p:txBody>
+      </p:sp>
+      <p:pic>
+        <p:nvPicPr>
+          <p:cNvPr descr="06_01_lecture_powerpoint_files/figure-pptx/unnamed-chunk-18-1.png" id="0" name="Picture 1"/>
+          <p:cNvPicPr>
+            <a:picLocks noGrp="1" noChangeAspect="1"/>
+          </p:cNvPicPr>
+          <p:nvPr/>
+        </p:nvPicPr>
+        <p:blipFill>
+          <a:blip r:embed="rId2"/>
+          <a:stretch>
+            <a:fillRect/>
+          </a:stretch>
+        </p:blipFill>
+        <p:spPr bwMode="auto">
+          <a:xfrm>
+            <a:off x="5130800" y="1295400"/>
+            <a:ext cx="3276600" cy="3276600"/>
+          </a:xfrm>
+          <a:prstGeom prst="rect">
+            <a:avLst/>
+          </a:prstGeom>
+          <a:noFill/>
+          <a:ln w="9525">
+            <a:noFill/>
+            <a:headEnd/>
+            <a:tailEnd/>
+          </a:ln>
+        </p:spPr>
+      </p:pic>
     </p:spTree>
   </p:cSld>
 </p:sld>
@@ -5347,7 +7810,7 @@
             </a:pPr>
             <a:r>
               <a:rPr/>
-              <a:t>R practice</a:t>
+              <a:t>Permutation tests</a:t>
             </a:r>
           </a:p>
         </p:txBody>
@@ -5370,39 +7833,973 @@
             <a:pPr lvl="0"/>
             <a:r>
               <a:rPr/>
-              <a:t>Get practice doing basic t-tests</a:t>
+              <a:t>Randomly reshuffle observations between groups (keeping n</a:t>
+            </a:r>
+            <a:r>
+              <a:rPr baseline="-25000"/>
+              <a:t>NE 12</a:t>
+            </a:r>
+            <a:r>
+              <a:rPr/>
+              <a:t>=323 and n</a:t>
+            </a:r>
+            <a:r>
+              <a:rPr baseline="-25000"/>
+              <a:t>Island</a:t>
+            </a:r>
+            <a:r>
+              <a:rPr/>
+              <a:t>=10), calculate ∆</a:t>
             </a:r>
           </a:p>
           <a:p>
             <a:pPr lvl="0"/>
             <a:r>
               <a:rPr/>
-              <a:t>Alternatives in next lecture</a:t>
+              <a:t>Repeat &gt;1,000 times</a:t>
             </a:r>
           </a:p>
           <a:p>
             <a:pPr lvl="0"/>
             <a:r>
               <a:rPr/>
-              <a:t>Dataset (squirrel_data.csv) and lab instructions on Canvas</a:t>
+              <a:t>Record proportion of the different means i</a:t>
             </a:r>
           </a:p>
           <a:p>
             <a:pPr lvl="0"/>
             <a:r>
               <a:rPr/>
-              <a:t>Answer questions in </a:t>
-            </a:r>
-            <a:r>
-              <a:rPr b="1"/>
-              <a:t>bold</a:t>
+              <a:t>This is equivalent to p-value and can be used in “traditional” H test framework</a:t>
             </a:r>
           </a:p>
           <a:p>
             <a:pPr lvl="0"/>
             <a:r>
               <a:rPr/>
-              <a:t>Due end of Thursday</a:t>
+              <a:t>For a graphical explanation:</a:t>
+            </a:r>
+          </a:p>
+          <a:p>
+            <a:pPr lvl="1"/>
+            <a:r>
+              <a:rPr>
+                <a:hlinkClick r:id="rId2"/>
+              </a:rPr>
+              <a:t>Graphical Explanation</a:t>
+            </a:r>
+          </a:p>
+        </p:txBody>
+      </p:sp>
+    </p:spTree>
+  </p:cSld>
+</p:sld>
+</file>
+
+<file path=ppt/slides/slide26.xml><?xml version="1.0" encoding="utf-8"?>
+<p:sld xmlns:a="http://schemas.openxmlformats.org/drawingml/2006/main" xmlns:r="http://schemas.openxmlformats.org/officeDocument/2006/relationships" xmlns:p="http://schemas.openxmlformats.org/presentationml/2006/main">
+  <p:cSld>
+    <p:spTree>
+      <p:nvGrpSpPr>
+        <p:cNvPr id="1" name=""/>
+        <p:cNvGrpSpPr/>
+        <p:nvPr/>
+      </p:nvGrpSpPr>
+      <p:grpSpPr>
+        <a:xfrm>
+          <a:off x="0" y="0"/>
+          <a:ext cx="0" cy="0"/>
+          <a:chOff x="0" y="0"/>
+          <a:chExt cx="0" cy="0"/>
+        </a:xfrm>
+      </p:grpSpPr>
+      <p:sp>
+        <p:nvSpPr>
+          <p:cNvPr id="2" name="Title 1"/>
+          <p:cNvSpPr>
+            <a:spLocks noGrp="1"/>
+          </p:cNvSpPr>
+          <p:nvPr>
+            <p:ph type="title"/>
+          </p:nvPr>
+        </p:nvSpPr>
+        <p:spPr>
+          <a:xfrm>
+            <a:off x="0" y="0"/>
+            <a:ext cx="9144000" cy="582780"/>
+          </a:xfrm>
+        </p:spPr>
+        <p:txBody>
+          <a:bodyPr/>
+          <a:lstStyle/>
+          <a:p>
+            <a:pPr lvl="0" indent="0" marL="0">
+              <a:buNone/>
+            </a:pPr>
+            <a:r>
+              <a:rPr/>
+              <a:t>Permutation tests</a:t>
+            </a:r>
+          </a:p>
+        </p:txBody>
+      </p:sp>
+      <p:sp>
+        <p:nvSpPr>
+          <p:cNvPr id="3" name="Content Placeholder 2"/>
+          <p:cNvSpPr>
+            <a:spLocks noGrp="1"/>
+          </p:cNvSpPr>
+          <p:nvPr>
+            <p:ph idx="1"/>
+          </p:nvPr>
+        </p:nvSpPr>
+        <p:spPr/>
+        <p:txBody>
+          <a:bodyPr/>
+          <a:lstStyle/>
+          <a:p>
+            <a:pPr lvl="0"/>
+            <a:r>
+              <a:rPr/>
+              <a:t>In R (using ‘perm’ package):</a:t>
+            </a:r>
+          </a:p>
+          <a:p>
+            <a:pPr lvl="0"/>
+            <a:r>
+              <a:rPr/>
+              <a:t>Assumptions: both groups have similar distribution; equal variance</a:t>
+            </a:r>
+          </a:p>
+          <a:p>
+            <a:pPr lvl="0" indent="0">
+              <a:buNone/>
+            </a:pPr>
+            <a:r>
+              <a:rPr>
+                <a:solidFill>
+                  <a:srgbClr val="4758AB"/>
+                </a:solidFill>
+                <a:latin typeface="Courier"/>
+              </a:rPr>
+              <a:t>library</a:t>
+            </a:r>
+            <a:r>
+              <a:rPr>
+                <a:solidFill>
+                  <a:srgbClr val="003B4F"/>
+                </a:solidFill>
+                <a:latin typeface="Courier"/>
+              </a:rPr>
+              <a:t>(perm) </a:t>
+            </a:r>
+            <a:br/>
+            <a:br/>
+            <a:r>
+              <a:rPr>
+                <a:solidFill>
+                  <a:srgbClr val="5E5E5E"/>
+                </a:solidFill>
+                <a:latin typeface="Courier"/>
+              </a:rPr>
+              <a:t># Prepare data for permutation test</a:t>
+            </a:r>
+            <a:br/>
+            <a:r>
+              <a:rPr>
+                <a:solidFill>
+                  <a:srgbClr val="003B4F"/>
+                </a:solidFill>
+                <a:latin typeface="Courier"/>
+              </a:rPr>
+              <a:t>ne12_perm_data &lt;- isl_ne12_df </a:t>
+            </a:r>
+            <a:r>
+              <a:rPr>
+                <a:solidFill>
+                  <a:srgbClr val="5E5E5E"/>
+                </a:solidFill>
+                <a:latin typeface="Courier"/>
+              </a:rPr>
+              <a:t>%&gt;%</a:t>
+            </a:r>
+            <a:r>
+              <a:rPr>
+                <a:solidFill>
+                  <a:srgbClr val="003B4F"/>
+                </a:solidFill>
+                <a:latin typeface="Courier"/>
+              </a:rPr>
+              <a:t> </a:t>
+            </a:r>
+            <a:br/>
+            <a:r>
+              <a:rPr>
+                <a:solidFill>
+                  <a:srgbClr val="003B4F"/>
+                </a:solidFill>
+                <a:latin typeface="Courier"/>
+              </a:rPr>
+              <a:t>  </a:t>
+            </a:r>
+            <a:r>
+              <a:rPr>
+                <a:solidFill>
+                  <a:srgbClr val="4758AB"/>
+                </a:solidFill>
+                <a:latin typeface="Courier"/>
+              </a:rPr>
+              <a:t>filter</a:t>
+            </a:r>
+            <a:r>
+              <a:rPr>
+                <a:solidFill>
+                  <a:srgbClr val="003B4F"/>
+                </a:solidFill>
+                <a:latin typeface="Courier"/>
+              </a:rPr>
+              <a:t>(lake </a:t>
+            </a:r>
+            <a:r>
+              <a:rPr>
+                <a:solidFill>
+                  <a:srgbClr val="5E5E5E"/>
+                </a:solidFill>
+                <a:latin typeface="Courier"/>
+              </a:rPr>
+              <a:t>==</a:t>
+            </a:r>
+            <a:r>
+              <a:rPr>
+                <a:solidFill>
+                  <a:srgbClr val="003B4F"/>
+                </a:solidFill>
+                <a:latin typeface="Courier"/>
+              </a:rPr>
+              <a:t> </a:t>
+            </a:r>
+            <a:r>
+              <a:rPr>
+                <a:solidFill>
+                  <a:srgbClr val="20794D"/>
+                </a:solidFill>
+                <a:latin typeface="Courier"/>
+              </a:rPr>
+              <a:t>"NE 12"</a:t>
+            </a:r>
+            <a:r>
+              <a:rPr>
+                <a:solidFill>
+                  <a:srgbClr val="003B4F"/>
+                </a:solidFill>
+                <a:latin typeface="Courier"/>
+              </a:rPr>
+              <a:t>) </a:t>
+            </a:r>
+            <a:r>
+              <a:rPr>
+                <a:solidFill>
+                  <a:srgbClr val="5E5E5E"/>
+                </a:solidFill>
+                <a:latin typeface="Courier"/>
+              </a:rPr>
+              <a:t>%&gt;%</a:t>
+            </a:r>
+            <a:r>
+              <a:rPr>
+                <a:solidFill>
+                  <a:srgbClr val="003B4F"/>
+                </a:solidFill>
+                <a:latin typeface="Courier"/>
+              </a:rPr>
+              <a:t> </a:t>
+            </a:r>
+            <a:br/>
+            <a:r>
+              <a:rPr>
+                <a:solidFill>
+                  <a:srgbClr val="003B4F"/>
+                </a:solidFill>
+                <a:latin typeface="Courier"/>
+              </a:rPr>
+              <a:t>  </a:t>
+            </a:r>
+            <a:r>
+              <a:rPr>
+                <a:solidFill>
+                  <a:srgbClr val="4758AB"/>
+                </a:solidFill>
+                <a:latin typeface="Courier"/>
+              </a:rPr>
+              <a:t>pull</a:t>
+            </a:r>
+            <a:r>
+              <a:rPr>
+                <a:solidFill>
+                  <a:srgbClr val="003B4F"/>
+                </a:solidFill>
+                <a:latin typeface="Courier"/>
+              </a:rPr>
+              <a:t>(length_mm)</a:t>
+            </a:r>
+            <a:br/>
+            <a:br/>
+            <a:r>
+              <a:rPr>
+                <a:solidFill>
+                  <a:srgbClr val="5E5E5E"/>
+                </a:solidFill>
+                <a:latin typeface="Courier"/>
+              </a:rPr>
+              <a:t># Randomly sample exactly 25 observations from NE 12 (set seed for reproducibility)</a:t>
+            </a:r>
+            <a:br/>
+            <a:r>
+              <a:rPr>
+                <a:solidFill>
+                  <a:srgbClr val="4758AB"/>
+                </a:solidFill>
+                <a:latin typeface="Courier"/>
+              </a:rPr>
+              <a:t>set.seed</a:t>
+            </a:r>
+            <a:r>
+              <a:rPr>
+                <a:solidFill>
+                  <a:srgbClr val="003B4F"/>
+                </a:solidFill>
+                <a:latin typeface="Courier"/>
+              </a:rPr>
+              <a:t>(</a:t>
+            </a:r>
+            <a:r>
+              <a:rPr>
+                <a:solidFill>
+                  <a:srgbClr val="AD0000"/>
+                </a:solidFill>
+                <a:latin typeface="Courier"/>
+              </a:rPr>
+              <a:t>123</a:t>
+            </a:r>
+            <a:r>
+              <a:rPr>
+                <a:solidFill>
+                  <a:srgbClr val="003B4F"/>
+                </a:solidFill>
+                <a:latin typeface="Courier"/>
+              </a:rPr>
+              <a:t>)</a:t>
+            </a:r>
+            <a:br/>
+            <a:r>
+              <a:rPr>
+                <a:solidFill>
+                  <a:srgbClr val="003B4F"/>
+                </a:solidFill>
+                <a:latin typeface="Courier"/>
+              </a:rPr>
+              <a:t>ne12_perm_data &lt;- </a:t>
+            </a:r>
+            <a:r>
+              <a:rPr>
+                <a:solidFill>
+                  <a:srgbClr val="4758AB"/>
+                </a:solidFill>
+                <a:latin typeface="Courier"/>
+              </a:rPr>
+              <a:t>sample</a:t>
+            </a:r>
+            <a:r>
+              <a:rPr>
+                <a:solidFill>
+                  <a:srgbClr val="003B4F"/>
+                </a:solidFill>
+                <a:latin typeface="Courier"/>
+              </a:rPr>
+              <a:t>(ne12_perm_data, </a:t>
+            </a:r>
+            <a:r>
+              <a:rPr>
+                <a:solidFill>
+                  <a:srgbClr val="657422"/>
+                </a:solidFill>
+                <a:latin typeface="Courier"/>
+              </a:rPr>
+              <a:t>size =</a:t>
+            </a:r>
+            <a:r>
+              <a:rPr>
+                <a:solidFill>
+                  <a:srgbClr val="003B4F"/>
+                </a:solidFill>
+                <a:latin typeface="Courier"/>
+              </a:rPr>
+              <a:t> </a:t>
+            </a:r>
+            <a:r>
+              <a:rPr>
+                <a:solidFill>
+                  <a:srgbClr val="AD0000"/>
+                </a:solidFill>
+                <a:latin typeface="Courier"/>
+              </a:rPr>
+              <a:t>25</a:t>
+            </a:r>
+            <a:r>
+              <a:rPr>
+                <a:solidFill>
+                  <a:srgbClr val="003B4F"/>
+                </a:solidFill>
+                <a:latin typeface="Courier"/>
+              </a:rPr>
+              <a:t>, </a:t>
+            </a:r>
+            <a:r>
+              <a:rPr>
+                <a:solidFill>
+                  <a:srgbClr val="657422"/>
+                </a:solidFill>
+                <a:latin typeface="Courier"/>
+              </a:rPr>
+              <a:t>replace =</a:t>
+            </a:r>
+            <a:r>
+              <a:rPr>
+                <a:solidFill>
+                  <a:srgbClr val="003B4F"/>
+                </a:solidFill>
+                <a:latin typeface="Courier"/>
+              </a:rPr>
+              <a:t> </a:t>
+            </a:r>
+            <a:r>
+              <a:rPr>
+                <a:solidFill>
+                  <a:srgbClr val="8F5902"/>
+                </a:solidFill>
+                <a:latin typeface="Courier"/>
+              </a:rPr>
+              <a:t>FALSE</a:t>
+            </a:r>
+            <a:r>
+              <a:rPr>
+                <a:solidFill>
+                  <a:srgbClr val="003B4F"/>
+                </a:solidFill>
+                <a:latin typeface="Courier"/>
+              </a:rPr>
+              <a:t>)</a:t>
+            </a:r>
+            <a:br/>
+            <a:br/>
+            <a:r>
+              <a:rPr>
+                <a:solidFill>
+                  <a:srgbClr val="003B4F"/>
+                </a:solidFill>
+                <a:latin typeface="Courier"/>
+              </a:rPr>
+              <a:t>island_perm_data &lt;- isl_ne12_df </a:t>
+            </a:r>
+            <a:r>
+              <a:rPr>
+                <a:solidFill>
+                  <a:srgbClr val="5E5E5E"/>
+                </a:solidFill>
+                <a:latin typeface="Courier"/>
+              </a:rPr>
+              <a:t>%&gt;%</a:t>
+            </a:r>
+            <a:r>
+              <a:rPr>
+                <a:solidFill>
+                  <a:srgbClr val="003B4F"/>
+                </a:solidFill>
+                <a:latin typeface="Courier"/>
+              </a:rPr>
+              <a:t> </a:t>
+            </a:r>
+            <a:br/>
+            <a:r>
+              <a:rPr>
+                <a:solidFill>
+                  <a:srgbClr val="003B4F"/>
+                </a:solidFill>
+                <a:latin typeface="Courier"/>
+              </a:rPr>
+              <a:t>  </a:t>
+            </a:r>
+            <a:r>
+              <a:rPr>
+                <a:solidFill>
+                  <a:srgbClr val="4758AB"/>
+                </a:solidFill>
+                <a:latin typeface="Courier"/>
+              </a:rPr>
+              <a:t>filter</a:t>
+            </a:r>
+            <a:r>
+              <a:rPr>
+                <a:solidFill>
+                  <a:srgbClr val="003B4F"/>
+                </a:solidFill>
+                <a:latin typeface="Courier"/>
+              </a:rPr>
+              <a:t>(lake </a:t>
+            </a:r>
+            <a:r>
+              <a:rPr>
+                <a:solidFill>
+                  <a:srgbClr val="5E5E5E"/>
+                </a:solidFill>
+                <a:latin typeface="Courier"/>
+              </a:rPr>
+              <a:t>==</a:t>
+            </a:r>
+            <a:r>
+              <a:rPr>
+                <a:solidFill>
+                  <a:srgbClr val="003B4F"/>
+                </a:solidFill>
+                <a:latin typeface="Courier"/>
+              </a:rPr>
+              <a:t> </a:t>
+            </a:r>
+            <a:r>
+              <a:rPr>
+                <a:solidFill>
+                  <a:srgbClr val="20794D"/>
+                </a:solidFill>
+                <a:latin typeface="Courier"/>
+              </a:rPr>
+              <a:t>"Island Lake"</a:t>
+            </a:r>
+            <a:r>
+              <a:rPr>
+                <a:solidFill>
+                  <a:srgbClr val="003B4F"/>
+                </a:solidFill>
+                <a:latin typeface="Courier"/>
+              </a:rPr>
+              <a:t>) </a:t>
+            </a:r>
+            <a:r>
+              <a:rPr>
+                <a:solidFill>
+                  <a:srgbClr val="5E5E5E"/>
+                </a:solidFill>
+                <a:latin typeface="Courier"/>
+              </a:rPr>
+              <a:t>%&gt;%</a:t>
+            </a:r>
+            <a:r>
+              <a:rPr>
+                <a:solidFill>
+                  <a:srgbClr val="003B4F"/>
+                </a:solidFill>
+                <a:latin typeface="Courier"/>
+              </a:rPr>
+              <a:t> </a:t>
+            </a:r>
+            <a:br/>
+            <a:r>
+              <a:rPr>
+                <a:solidFill>
+                  <a:srgbClr val="003B4F"/>
+                </a:solidFill>
+                <a:latin typeface="Courier"/>
+              </a:rPr>
+              <a:t>  </a:t>
+            </a:r>
+            <a:r>
+              <a:rPr>
+                <a:solidFill>
+                  <a:srgbClr val="4758AB"/>
+                </a:solidFill>
+                <a:latin typeface="Courier"/>
+              </a:rPr>
+              <a:t>pull</a:t>
+            </a:r>
+            <a:r>
+              <a:rPr>
+                <a:solidFill>
+                  <a:srgbClr val="003B4F"/>
+                </a:solidFill>
+                <a:latin typeface="Courier"/>
+              </a:rPr>
+              <a:t>(length_mm)</a:t>
+            </a:r>
+            <a:br/>
+            <a:br/>
+            <a:r>
+              <a:rPr>
+                <a:solidFill>
+                  <a:srgbClr val="5E5E5E"/>
+                </a:solidFill>
+                <a:latin typeface="Courier"/>
+              </a:rPr>
+              <a:t># Calculate the observed difference in means</a:t>
+            </a:r>
+            <a:br/>
+            <a:r>
+              <a:rPr>
+                <a:solidFill>
+                  <a:srgbClr val="003B4F"/>
+                </a:solidFill>
+                <a:latin typeface="Courier"/>
+              </a:rPr>
+              <a:t>observed_diff &lt;- </a:t>
+            </a:r>
+            <a:r>
+              <a:rPr>
+                <a:solidFill>
+                  <a:srgbClr val="4758AB"/>
+                </a:solidFill>
+                <a:latin typeface="Courier"/>
+              </a:rPr>
+              <a:t>mean</a:t>
+            </a:r>
+            <a:r>
+              <a:rPr>
+                <a:solidFill>
+                  <a:srgbClr val="003B4F"/>
+                </a:solidFill>
+                <a:latin typeface="Courier"/>
+              </a:rPr>
+              <a:t>(ne12_perm_data, </a:t>
+            </a:r>
+            <a:r>
+              <a:rPr>
+                <a:solidFill>
+                  <a:srgbClr val="657422"/>
+                </a:solidFill>
+                <a:latin typeface="Courier"/>
+              </a:rPr>
+              <a:t>na.rm =</a:t>
+            </a:r>
+            <a:r>
+              <a:rPr>
+                <a:solidFill>
+                  <a:srgbClr val="003B4F"/>
+                </a:solidFill>
+                <a:latin typeface="Courier"/>
+              </a:rPr>
+              <a:t> </a:t>
+            </a:r>
+            <a:r>
+              <a:rPr>
+                <a:solidFill>
+                  <a:srgbClr val="8F5902"/>
+                </a:solidFill>
+                <a:latin typeface="Courier"/>
+              </a:rPr>
+              <a:t>TRUE</a:t>
+            </a:r>
+            <a:r>
+              <a:rPr>
+                <a:solidFill>
+                  <a:srgbClr val="003B4F"/>
+                </a:solidFill>
+                <a:latin typeface="Courier"/>
+              </a:rPr>
+              <a:t>) </a:t>
+            </a:r>
+            <a:r>
+              <a:rPr>
+                <a:solidFill>
+                  <a:srgbClr val="5E5E5E"/>
+                </a:solidFill>
+                <a:latin typeface="Courier"/>
+              </a:rPr>
+              <a:t>-</a:t>
+            </a:r>
+            <a:r>
+              <a:rPr>
+                <a:solidFill>
+                  <a:srgbClr val="003B4F"/>
+                </a:solidFill>
+                <a:latin typeface="Courier"/>
+              </a:rPr>
+              <a:t> </a:t>
+            </a:r>
+            <a:r>
+              <a:rPr>
+                <a:solidFill>
+                  <a:srgbClr val="4758AB"/>
+                </a:solidFill>
+                <a:latin typeface="Courier"/>
+              </a:rPr>
+              <a:t>mean</a:t>
+            </a:r>
+            <a:r>
+              <a:rPr>
+                <a:solidFill>
+                  <a:srgbClr val="003B4F"/>
+                </a:solidFill>
+                <a:latin typeface="Courier"/>
+              </a:rPr>
+              <a:t>(island_perm_data, </a:t>
+            </a:r>
+            <a:r>
+              <a:rPr>
+                <a:solidFill>
+                  <a:srgbClr val="657422"/>
+                </a:solidFill>
+                <a:latin typeface="Courier"/>
+              </a:rPr>
+              <a:t>na.rm =</a:t>
+            </a:r>
+            <a:r>
+              <a:rPr>
+                <a:solidFill>
+                  <a:srgbClr val="003B4F"/>
+                </a:solidFill>
+                <a:latin typeface="Courier"/>
+              </a:rPr>
+              <a:t> </a:t>
+            </a:r>
+            <a:r>
+              <a:rPr>
+                <a:solidFill>
+                  <a:srgbClr val="8F5902"/>
+                </a:solidFill>
+                <a:latin typeface="Courier"/>
+              </a:rPr>
+              <a:t>TRUE</a:t>
+            </a:r>
+            <a:r>
+              <a:rPr>
+                <a:solidFill>
+                  <a:srgbClr val="003B4F"/>
+                </a:solidFill>
+                <a:latin typeface="Courier"/>
+              </a:rPr>
+              <a:t>)</a:t>
+            </a:r>
+            <a:br/>
+            <a:br/>
+            <a:r>
+              <a:rPr>
+                <a:solidFill>
+                  <a:srgbClr val="5E5E5E"/>
+                </a:solidFill>
+                <a:latin typeface="Courier"/>
+              </a:rPr>
+              <a:t># Perform permutation test for difference in means using perm package</a:t>
+            </a:r>
+            <a:br/>
+            <a:r>
+              <a:rPr>
+                <a:solidFill>
+                  <a:srgbClr val="4758AB"/>
+                </a:solidFill>
+                <a:latin typeface="Courier"/>
+              </a:rPr>
+              <a:t>permTS</a:t>
+            </a:r>
+            <a:r>
+              <a:rPr>
+                <a:solidFill>
+                  <a:srgbClr val="003B4F"/>
+                </a:solidFill>
+                <a:latin typeface="Courier"/>
+              </a:rPr>
+              <a:t>(ne12_perm_data, island_perm_data, </a:t>
+            </a:r>
+            <a:br/>
+            <a:r>
+              <a:rPr>
+                <a:solidFill>
+                  <a:srgbClr val="003B4F"/>
+                </a:solidFill>
+                <a:latin typeface="Courier"/>
+              </a:rPr>
+              <a:t>       </a:t>
+            </a:r>
+            <a:r>
+              <a:rPr>
+                <a:solidFill>
+                  <a:srgbClr val="657422"/>
+                </a:solidFill>
+                <a:latin typeface="Courier"/>
+              </a:rPr>
+              <a:t>alternative =</a:t>
+            </a:r>
+            <a:r>
+              <a:rPr>
+                <a:solidFill>
+                  <a:srgbClr val="003B4F"/>
+                </a:solidFill>
+                <a:latin typeface="Courier"/>
+              </a:rPr>
+              <a:t> </a:t>
+            </a:r>
+            <a:r>
+              <a:rPr>
+                <a:solidFill>
+                  <a:srgbClr val="20794D"/>
+                </a:solidFill>
+                <a:latin typeface="Courier"/>
+              </a:rPr>
+              <a:t>"two.sided"</a:t>
+            </a:r>
+            <a:r>
+              <a:rPr>
+                <a:solidFill>
+                  <a:srgbClr val="003B4F"/>
+                </a:solidFill>
+                <a:latin typeface="Courier"/>
+              </a:rPr>
+              <a:t>, </a:t>
+            </a:r>
+            <a:br/>
+            <a:r>
+              <a:rPr>
+                <a:solidFill>
+                  <a:srgbClr val="003B4F"/>
+                </a:solidFill>
+                <a:latin typeface="Courier"/>
+              </a:rPr>
+              <a:t>       </a:t>
+            </a:r>
+            <a:r>
+              <a:rPr>
+                <a:solidFill>
+                  <a:srgbClr val="657422"/>
+                </a:solidFill>
+                <a:latin typeface="Courier"/>
+              </a:rPr>
+              <a:t>method =</a:t>
+            </a:r>
+            <a:r>
+              <a:rPr>
+                <a:solidFill>
+                  <a:srgbClr val="003B4F"/>
+                </a:solidFill>
+                <a:latin typeface="Courier"/>
+              </a:rPr>
+              <a:t> </a:t>
+            </a:r>
+            <a:r>
+              <a:rPr>
+                <a:solidFill>
+                  <a:srgbClr val="20794D"/>
+                </a:solidFill>
+                <a:latin typeface="Courier"/>
+              </a:rPr>
+              <a:t>"exact.mc"</a:t>
+            </a:r>
+            <a:r>
+              <a:rPr>
+                <a:solidFill>
+                  <a:srgbClr val="003B4F"/>
+                </a:solidFill>
+                <a:latin typeface="Courier"/>
+              </a:rPr>
+              <a:t>, </a:t>
+            </a:r>
+            <a:br/>
+            <a:r>
+              <a:rPr>
+                <a:solidFill>
+                  <a:srgbClr val="003B4F"/>
+                </a:solidFill>
+                <a:latin typeface="Courier"/>
+              </a:rPr>
+              <a:t>       </a:t>
+            </a:r>
+            <a:r>
+              <a:rPr>
+                <a:solidFill>
+                  <a:srgbClr val="657422"/>
+                </a:solidFill>
+                <a:latin typeface="Courier"/>
+              </a:rPr>
+              <a:t>control =</a:t>
+            </a:r>
+            <a:r>
+              <a:rPr>
+                <a:solidFill>
+                  <a:srgbClr val="003B4F"/>
+                </a:solidFill>
+                <a:latin typeface="Courier"/>
+              </a:rPr>
+              <a:t> </a:t>
+            </a:r>
+            <a:r>
+              <a:rPr>
+                <a:solidFill>
+                  <a:srgbClr val="4758AB"/>
+                </a:solidFill>
+                <a:latin typeface="Courier"/>
+              </a:rPr>
+              <a:t>permControl</a:t>
+            </a:r>
+            <a:r>
+              <a:rPr>
+                <a:solidFill>
+                  <a:srgbClr val="003B4F"/>
+                </a:solidFill>
+                <a:latin typeface="Courier"/>
+              </a:rPr>
+              <a:t>(</a:t>
+            </a:r>
+            <a:r>
+              <a:rPr>
+                <a:solidFill>
+                  <a:srgbClr val="657422"/>
+                </a:solidFill>
+                <a:latin typeface="Courier"/>
+              </a:rPr>
+              <a:t>nmc =</a:t>
+            </a:r>
+            <a:r>
+              <a:rPr>
+                <a:solidFill>
+                  <a:srgbClr val="003B4F"/>
+                </a:solidFill>
+                <a:latin typeface="Courier"/>
+              </a:rPr>
+              <a:t> </a:t>
+            </a:r>
+            <a:r>
+              <a:rPr>
+                <a:solidFill>
+                  <a:srgbClr val="AD0000"/>
+                </a:solidFill>
+                <a:latin typeface="Courier"/>
+              </a:rPr>
+              <a:t>10000</a:t>
+            </a:r>
+            <a:r>
+              <a:rPr>
+                <a:solidFill>
+                  <a:srgbClr val="003B4F"/>
+                </a:solidFill>
+                <a:latin typeface="Courier"/>
+              </a:rPr>
+              <a:t>))</a:t>
+            </a:r>
+          </a:p>
+          <a:p>
+            <a:pPr lvl="0" indent="0">
+              <a:buNone/>
+            </a:pPr>
+            <a:r>
+              <a:rPr>
+                <a:latin typeface="Courier"/>
+              </a:rPr>
+              <a:t>
+    Exact Permutation Test Estimated by Monte Carlo
+data:  GROUP 1 and GROUP 2
+p-value = 2e-04
+alternative hypothesis: true mean GROUP 1 - mean GROUP 2 is not equal to 0
+sample estimates:
+mean GROUP 1 - mean GROUP 2 
+                    -333.08 
+p-value estimated from 10000 Monte Carlo replications
+99 percent confidence interval on p-value:
+ 0.000000000 0.001059383 </a:t>
             </a:r>
           </a:p>
         </p:txBody>
@@ -5454,7 +8851,7 @@
             </a:pPr>
             <a:r>
               <a:rPr/>
-              <a:t>Lecture 5 overview</a:t>
+              <a:t>Lecture 6 overview</a:t>
             </a:r>
           </a:p>
         </p:txBody>
@@ -5474,45 +8871,54 @@
           <a:bodyPr/>
           <a:lstStyle/>
           <a:p>
+            <a:pPr lvl="0" indent="0" marL="0">
+              <a:buNone/>
+            </a:pPr>
+            <a:r>
+              <a:rPr/>
+              <a:t>What we will cover today:</a:t>
+            </a:r>
+          </a:p>
+          <a:p>
             <a:pPr lvl="0"/>
             <a:r>
               <a:rPr/>
-              <a:t>Assumptions of parametric tests</a:t>
+              <a:t>Assumptions of parametric tests and how to run them</a:t>
             </a:r>
           </a:p>
           <a:p>
             <a:pPr lvl="0"/>
             <a:r>
               <a:rPr/>
-              <a:t>Statistical vs. biological significance</a:t>
+              <a:t>Statistical vs. biological significance - is there a difference</a:t>
             </a:r>
           </a:p>
           <a:p>
             <a:pPr lvl="0"/>
             <a:r>
               <a:rPr/>
+              <a:t>What to do when assumptions fail</a:t>
+            </a:r>
+          </a:p>
+          <a:p>
+            <a:pPr lvl="1"/>
+            <a:r>
+              <a:rPr/>
               <a:t>Robust tests</a:t>
             </a:r>
           </a:p>
           <a:p>
-            <a:pPr lvl="0"/>
+            <a:pPr lvl="1"/>
             <a:r>
               <a:rPr/>
               <a:t>Rank-based tests</a:t>
             </a:r>
           </a:p>
           <a:p>
-            <a:pPr lvl="0"/>
+            <a:pPr lvl="1"/>
             <a:r>
               <a:rPr/>
               <a:t>Permutation tests</a:t>
-            </a:r>
-          </a:p>
-          <a:p>
-            <a:pPr lvl="0"/>
-            <a:r>
-              <a:rPr/>
-              <a:t>Assignment 1</a:t>
             </a:r>
           </a:p>
         </p:txBody>
@@ -5537,7 +8943,25 @@
             </a:pPr>
             <a:r>
               <a:rPr/>
-              <a:t>Lake Trout</a:t>
+              <a:t>Lets work with the Lake Trout data as the weights are pretty cool in this one and will bakc up the main points of this lecture.</a:t>
+            </a:r>
+          </a:p>
+          <a:p>
+            <a:pPr lvl="0" indent="0" marL="0">
+              <a:buNone/>
+            </a:pPr>
+            <a:r>
+              <a:rPr/>
+              <a:t>This is easily translated into the mice weight data from Vancouver or the pine needle data and we could do those too on the fly if you want….</a:t>
+            </a:r>
+          </a:p>
+          <a:p>
+            <a:pPr lvl="0" indent="0" marL="0">
+              <a:buNone/>
+            </a:pPr>
+            <a:r>
+              <a:rPr/>
+              <a:t>lake trout</a:t>
             </a:r>
           </a:p>
         </p:txBody>
@@ -5572,99 +8996,6 @@
           </a:ln>
         </p:spPr>
       </p:pic>
-      <p:sp>
-        <p:nvSpPr>
-          <p:cNvPr id="6" name="Content Placeholder 5"/>
-          <p:cNvSpPr>
-            <a:spLocks noGrp="1"/>
-          </p:cNvSpPr>
-          <p:nvPr>
-            <p:ph idx="4" sz="quarter"/>
-          </p:nvPr>
-        </p:nvSpPr>
-        <p:spPr/>
-        <p:txBody>
-          <a:bodyPr/>
-          <a:lstStyle/>
-          <a:p>
-            <a:pPr lvl="0" indent="0" marL="0">
-              <a:buNone/>
-            </a:pPr>
-            <a:r>
-              <a:rPr>
-                <a:hlinkClick r:id="rId3"/>
-              </a:rPr>
-              <a:t>source</a:t>
-            </a:r>
-          </a:p>
-          <a:p>
-            <a:pPr lvl="0" indent="0" marL="0">
-              <a:spcBef>
-                <a:spcPts val="3000"/>
-              </a:spcBef>
-              <a:buNone/>
-            </a:pPr>
-            <a:r>
-              <a:rPr b="1"/>
-              <a:t>Grayling</a:t>
-            </a:r>
-          </a:p>
-        </p:txBody>
-      </p:sp>
-      <p:pic>
-        <p:nvPicPr>
-          <p:cNvPr descr="images/grayling.jpeg" id="0" name="Picture 1"/>
-          <p:cNvPicPr>
-            <a:picLocks noGrp="1" noChangeAspect="1"/>
-          </p:cNvPicPr>
-          <p:nvPr/>
-        </p:nvPicPr>
-        <p:blipFill>
-          <a:blip r:embed="rId4"/>
-          <a:stretch>
-            <a:fillRect/>
-          </a:stretch>
-        </p:blipFill>
-        <p:spPr bwMode="auto">
-          <a:xfrm>
-            <a:off x="4749800" y="2197100"/>
-            <a:ext cx="4038600" cy="1485900"/>
-          </a:xfrm>
-          <a:prstGeom prst="rect">
-            <a:avLst/>
-          </a:prstGeom>
-          <a:noFill/>
-          <a:ln w="9525">
-            <a:noFill/>
-            <a:headEnd/>
-            <a:tailEnd/>
-          </a:ln>
-        </p:spPr>
-      </p:pic>
-      <p:sp>
-        <p:nvSpPr>
-          <p:cNvPr id="6" name="Content Placeholder 5"/>
-          <p:cNvSpPr>
-            <a:spLocks noGrp="1"/>
-          </p:cNvSpPr>
-          <p:nvPr>
-            <p:ph idx="4" sz="quarter"/>
-          </p:nvPr>
-        </p:nvSpPr>
-        <p:spPr/>
-        <p:txBody>
-          <a:bodyPr/>
-          <a:lstStyle/>
-          <a:p>
-            <a:pPr lvl="0" indent="0" marL="0">
-              <a:spcBef>
-                <a:spcPts val="3000"/>
-              </a:spcBef>
-              <a:buNone/>
-            </a:pPr>
-          </a:p>
-        </p:txBody>
-      </p:sp>
     </p:spTree>
   </p:cSld>
 </p:sld>
@@ -5689,6 +9020,313 @@
       </p:grpSpPr>
       <p:sp>
         <p:nvSpPr>
+          <p:cNvPr id="3" name="Content Placeholder 2"/>
+          <p:cNvSpPr>
+            <a:spLocks noGrp="1"/>
+          </p:cNvSpPr>
+          <p:nvPr>
+            <p:ph idx="1"/>
+          </p:nvPr>
+        </p:nvSpPr>
+        <p:spPr/>
+        <p:txBody>
+          <a:bodyPr/>
+          <a:lstStyle/>
+          <a:p>
+            <a:pPr lvl="0" indent="0">
+              <a:buNone/>
+            </a:pPr>
+            <a:r>
+              <a:rPr>
+                <a:solidFill>
+                  <a:srgbClr val="5E5E5E"/>
+                </a:solidFill>
+                <a:latin typeface="Courier"/>
+              </a:rPr>
+              <a:t># Install packages if needed (uncomment if necessary)</a:t>
+            </a:r>
+            <a:br/>
+            <a:r>
+              <a:rPr>
+                <a:solidFill>
+                  <a:srgbClr val="5E5E5E"/>
+                </a:solidFill>
+                <a:latin typeface="Courier"/>
+              </a:rPr>
+              <a:t># install.packages("readr")</a:t>
+            </a:r>
+            <a:br/>
+            <a:r>
+              <a:rPr>
+                <a:solidFill>
+                  <a:srgbClr val="5E5E5E"/>
+                </a:solidFill>
+                <a:latin typeface="Courier"/>
+              </a:rPr>
+              <a:t># install.packages("tidyverse")</a:t>
+            </a:r>
+            <a:br/>
+            <a:r>
+              <a:rPr>
+                <a:solidFill>
+                  <a:srgbClr val="5E5E5E"/>
+                </a:solidFill>
+                <a:latin typeface="Courier"/>
+              </a:rPr>
+              <a:t># install.packages("car")</a:t>
+            </a:r>
+            <a:br/>
+            <a:r>
+              <a:rPr>
+                <a:solidFill>
+                  <a:srgbClr val="5E5E5E"/>
+                </a:solidFill>
+                <a:latin typeface="Courier"/>
+              </a:rPr>
+              <a:t># install.packages("here")</a:t>
+            </a:r>
+            <a:br/>
+            <a:br/>
+            <a:r>
+              <a:rPr>
+                <a:solidFill>
+                  <a:srgbClr val="5E5E5E"/>
+                </a:solidFill>
+                <a:latin typeface="Courier"/>
+              </a:rPr>
+              <a:t># Load libraries</a:t>
+            </a:r>
+            <a:br/>
+            <a:r>
+              <a:rPr>
+                <a:solidFill>
+                  <a:srgbClr val="4758AB"/>
+                </a:solidFill>
+                <a:latin typeface="Courier"/>
+              </a:rPr>
+              <a:t>library</a:t>
+            </a:r>
+            <a:r>
+              <a:rPr>
+                <a:solidFill>
+                  <a:srgbClr val="003B4F"/>
+                </a:solidFill>
+                <a:latin typeface="Courier"/>
+              </a:rPr>
+              <a:t>(car)          </a:t>
+            </a:r>
+            <a:r>
+              <a:rPr>
+                <a:solidFill>
+                  <a:srgbClr val="5E5E5E"/>
+                </a:solidFill>
+                <a:latin typeface="Courier"/>
+              </a:rPr>
+              <a:t># For diagnostic tests</a:t>
+            </a:r>
+            <a:br/>
+            <a:r>
+              <a:rPr>
+                <a:solidFill>
+                  <a:srgbClr val="4758AB"/>
+                </a:solidFill>
+                <a:latin typeface="Courier"/>
+              </a:rPr>
+              <a:t>library</a:t>
+            </a:r>
+            <a:r>
+              <a:rPr>
+                <a:solidFill>
+                  <a:srgbClr val="003B4F"/>
+                </a:solidFill>
+                <a:latin typeface="Courier"/>
+              </a:rPr>
+              <a:t>(patchwork)</a:t>
+            </a:r>
+            <a:br/>
+            <a:r>
+              <a:rPr>
+                <a:solidFill>
+                  <a:srgbClr val="4758AB"/>
+                </a:solidFill>
+                <a:latin typeface="Courier"/>
+              </a:rPr>
+              <a:t>library</a:t>
+            </a:r>
+            <a:r>
+              <a:rPr>
+                <a:solidFill>
+                  <a:srgbClr val="003B4F"/>
+                </a:solidFill>
+                <a:latin typeface="Courier"/>
+              </a:rPr>
+              <a:t>(tidyverse)    </a:t>
+            </a:r>
+            <a:r>
+              <a:rPr>
+                <a:solidFill>
+                  <a:srgbClr val="5E5E5E"/>
+                </a:solidFill>
+                <a:latin typeface="Courier"/>
+              </a:rPr>
+              <a:t># For data manipulation and visualization</a:t>
+            </a:r>
+          </a:p>
+          <a:p>
+            <a:pPr lvl="0" indent="0">
+              <a:buNone/>
+            </a:pPr>
+            <a:r>
+              <a:rPr>
+                <a:solidFill>
+                  <a:srgbClr val="5E5E5E"/>
+                </a:solidFill>
+                <a:latin typeface="Courier"/>
+              </a:rPr>
+              <a:t># the stuff above controls the output and is also set at the top so dont need here</a:t>
+            </a:r>
+            <a:br/>
+            <a:r>
+              <a:rPr>
+                <a:solidFill>
+                  <a:srgbClr val="5E5E5E"/>
+                </a:solidFill>
+                <a:latin typeface="Courier"/>
+              </a:rPr>
+              <a:t># Load the pine needle data</a:t>
+            </a:r>
+            <a:br/>
+            <a:r>
+              <a:rPr>
+                <a:solidFill>
+                  <a:srgbClr val="5E5E5E"/>
+                </a:solidFill>
+                <a:latin typeface="Courier"/>
+              </a:rPr>
+              <a:t># Use here() function to specify the path</a:t>
+            </a:r>
+            <a:br/>
+            <a:r>
+              <a:rPr>
+                <a:solidFill>
+                  <a:srgbClr val="003B4F"/>
+                </a:solidFill>
+                <a:latin typeface="Courier"/>
+              </a:rPr>
+              <a:t>df &lt;- </a:t>
+            </a:r>
+            <a:r>
+              <a:rPr>
+                <a:solidFill>
+                  <a:srgbClr val="4758AB"/>
+                </a:solidFill>
+                <a:latin typeface="Courier"/>
+              </a:rPr>
+              <a:t>read_csv</a:t>
+            </a:r>
+            <a:r>
+              <a:rPr>
+                <a:solidFill>
+                  <a:srgbClr val="003B4F"/>
+                </a:solidFill>
+                <a:latin typeface="Courier"/>
+              </a:rPr>
+              <a:t>(</a:t>
+            </a:r>
+            <a:r>
+              <a:rPr>
+                <a:solidFill>
+                  <a:srgbClr val="20794D"/>
+                </a:solidFill>
+                <a:latin typeface="Courier"/>
+              </a:rPr>
+              <a:t>"data/lake_trout.csv"</a:t>
+            </a:r>
+            <a:r>
+              <a:rPr>
+                <a:solidFill>
+                  <a:srgbClr val="003B4F"/>
+                </a:solidFill>
+                <a:latin typeface="Courier"/>
+              </a:rPr>
+              <a:t>)</a:t>
+            </a:r>
+            <a:br/>
+            <a:br/>
+            <a:r>
+              <a:rPr>
+                <a:solidFill>
+                  <a:srgbClr val="5E5E5E"/>
+                </a:solidFill>
+                <a:latin typeface="Courier"/>
+              </a:rPr>
+              <a:t># Examine the first few rows</a:t>
+            </a:r>
+            <a:br/>
+            <a:r>
+              <a:rPr>
+                <a:solidFill>
+                  <a:srgbClr val="4758AB"/>
+                </a:solidFill>
+                <a:latin typeface="Courier"/>
+              </a:rPr>
+              <a:t>head</a:t>
+            </a:r>
+            <a:r>
+              <a:rPr>
+                <a:solidFill>
+                  <a:srgbClr val="003B4F"/>
+                </a:solidFill>
+                <a:latin typeface="Courier"/>
+              </a:rPr>
+              <a:t>(df)</a:t>
+            </a:r>
+          </a:p>
+          <a:p>
+            <a:pPr lvl="0" indent="0">
+              <a:buNone/>
+            </a:pPr>
+            <a:r>
+              <a:rPr>
+                <a:latin typeface="Courier"/>
+              </a:rPr>
+              <a:t># A tibble: 6 × 5
+  sampling_site species    length_mm mass_g lake 
+  &lt;chr&gt;         &lt;chr&gt;          &lt;dbl&gt;  &lt;dbl&gt; &lt;chr&gt;
+1 I8            lake trout       515   1400 I8   
+2 I8            lake trout       468   1100 I8   
+3 I8            lake trout       527   1550 I8   
+4 I8            lake trout       525   1350 I8   
+5 I8            lake trout       517   1300 I8   
+6 I8            lake trout       607   2100 I8   </a:t>
+            </a:r>
+          </a:p>
+        </p:txBody>
+      </p:sp>
+    </p:spTree>
+  </p:cSld>
+</p:sld>
+</file>
+
+<file path=ppt/slides/slide5.xml><?xml version="1.0" encoding="utf-8"?>
+<p:sld xmlns:a="http://schemas.openxmlformats.org/drawingml/2006/main" xmlns:r="http://schemas.openxmlformats.org/officeDocument/2006/relationships" xmlns:p="http://schemas.openxmlformats.org/presentationml/2006/main">
+  <p:cSld>
+    <p:spTree>
+      <p:nvGrpSpPr>
+        <p:cNvPr id="1" name=""/>
+        <p:cNvGrpSpPr/>
+        <p:nvPr/>
+      </p:nvGrpSpPr>
+      <p:grpSpPr>
+        <a:xfrm>
+          <a:off x="0" y="0"/>
+          <a:ext cx="0" cy="0"/>
+          <a:chOff x="0" y="0"/>
+          <a:chExt cx="0" cy="0"/>
+        </a:xfrm>
+      </p:grpSpPr>
+      <p:sp>
+        <p:nvSpPr>
           <p:cNvPr id="2" name="Title 1"/>
           <p:cNvSpPr>
             <a:spLocks noGrp="1"/>
@@ -5747,7 +9385,7 @@
             </a:r>
           </a:p>
           <a:p>
-            <a:pPr lvl="0"/>
+            <a:pPr lvl="1"/>
             <a:r>
               <a:rPr/>
               <a:t>Parametric tests: specify/assume probability distribution from which parameters came</a:t>
@@ -5779,7 +9417,7 @@
 </p:sld>
 </file>
 
-<file path=ppt/slides/slide5.xml><?xml version="1.0" encoding="utf-8"?>
+<file path=ppt/slides/slide6.xml><?xml version="1.0" encoding="utf-8"?>
 <p:sld xmlns:a="http://schemas.openxmlformats.org/drawingml/2006/main" xmlns:r="http://schemas.openxmlformats.org/officeDocument/2006/relationships" xmlns:p="http://schemas.openxmlformats.org/presentationml/2006/main">
   <p:cSld>
     <p:spTree>
@@ -5901,137 +9539,6 @@
 </p:sld>
 </file>
 
-<file path=ppt/slides/slide6.xml><?xml version="1.0" encoding="utf-8"?>
-<p:sld xmlns:a="http://schemas.openxmlformats.org/drawingml/2006/main" xmlns:r="http://schemas.openxmlformats.org/officeDocument/2006/relationships" xmlns:p="http://schemas.openxmlformats.org/presentationml/2006/main">
-  <p:cSld>
-    <p:spTree>
-      <p:nvGrpSpPr>
-        <p:cNvPr id="1" name=""/>
-        <p:cNvGrpSpPr/>
-        <p:nvPr/>
-      </p:nvGrpSpPr>
-      <p:grpSpPr>
-        <a:xfrm>
-          <a:off x="0" y="0"/>
-          <a:ext cx="0" cy="0"/>
-          <a:chOff x="0" y="0"/>
-          <a:chExt cx="0" cy="0"/>
-        </a:xfrm>
-      </p:grpSpPr>
-      <p:sp>
-        <p:nvSpPr>
-          <p:cNvPr id="2" name="Title 1"/>
-          <p:cNvSpPr>
-            <a:spLocks noGrp="1"/>
-          </p:cNvSpPr>
-          <p:nvPr>
-            <p:ph type="title"/>
-          </p:nvPr>
-        </p:nvSpPr>
-        <p:spPr>
-          <a:xfrm>
-            <a:off x="0" y="0"/>
-            <a:ext cx="9144000" cy="602780"/>
-          </a:xfrm>
-          <a:solidFill>
-            <a:srgbClr val="70121D"/>
-          </a:solidFill>
-        </p:spPr>
-        <p:txBody>
-          <a:bodyPr/>
-          <a:lstStyle/>
-          <a:p>
-            <a:pPr lvl="0" indent="0" marL="0">
-              <a:buNone/>
-            </a:pPr>
-            <a:r>
-              <a:rPr/>
-              <a:t>Assumptions of parametric tests</a:t>
-            </a:r>
-          </a:p>
-        </p:txBody>
-      </p:sp>
-      <p:sp>
-        <p:nvSpPr>
-          <p:cNvPr id="3" name="Content Placeholder 2"/>
-          <p:cNvSpPr>
-            <a:spLocks noGrp="1"/>
-          </p:cNvSpPr>
-          <p:nvPr>
-            <p:ph idx="1" sz="half"/>
-          </p:nvPr>
-        </p:nvSpPr>
-        <p:spPr/>
-        <p:txBody>
-          <a:bodyPr/>
-          <a:lstStyle/>
-          <a:p>
-            <a:pPr lvl="0"/>
-            <a:r>
-              <a:rPr/>
-              <a:t>Basic assumptions of parametric t-tests:</a:t>
-            </a:r>
-          </a:p>
-          <a:p>
-            <a:pPr lvl="0"/>
-            <a:r>
-              <a:rPr/>
-              <a:t>Normality, equal variance, random sampling, no outliers</a:t>
-            </a:r>
-          </a:p>
-          <a:p>
-            <a:pPr lvl="0"/>
-            <a:r>
-              <a:rPr/>
-              <a:t>Normality: Samples from normally distributed population</a:t>
-            </a:r>
-          </a:p>
-          <a:p>
-            <a:pPr lvl="1"/>
-            <a:r>
-              <a:rPr/>
-              <a:t>Graphical tests: histograms, dotplots, boxplots, qq-plots</a:t>
-            </a:r>
-          </a:p>
-          <a:p>
-            <a:pPr lvl="1"/>
-            <a:r>
-              <a:rPr/>
-              <a:t>“Formal” tests: Shapiro-Wilk test</a:t>
-            </a:r>
-          </a:p>
-        </p:txBody>
-      </p:sp>
-      <p:sp>
-        <p:nvSpPr>
-          <p:cNvPr id="4" name="Content Placeholder 3"/>
-          <p:cNvSpPr>
-            <a:spLocks noGrp="1"/>
-          </p:cNvSpPr>
-          <p:nvPr>
-            <p:ph idx="2" sz="half"/>
-          </p:nvPr>
-        </p:nvSpPr>
-        <p:spPr/>
-        <p:txBody>
-          <a:bodyPr/>
-          <a:lstStyle/>
-          <a:p>
-            <a:pPr lvl="0" indent="0" marL="0">
-              <a:buNone/>
-            </a:pPr>
-            <a:r>
-              <a:rPr/>
-              <a:t>&lt;</a:t>
-            </a:r>
-          </a:p>
-        </p:txBody>
-      </p:sp>
-    </p:spTree>
-  </p:cSld>
-</p:sld>
-</file>
-
 <file path=ppt/slides/slide7.xml><?xml version="1.0" encoding="utf-8"?>
 <p:sld xmlns:a="http://schemas.openxmlformats.org/drawingml/2006/main" xmlns:r="http://schemas.openxmlformats.org/officeDocument/2006/relationships" xmlns:p="http://schemas.openxmlformats.org/presentationml/2006/main">
   <p:cSld>
@@ -6100,35 +9607,42 @@
             <a:pPr lvl="0"/>
             <a:r>
               <a:rPr/>
-              <a:t>Equal variance: samples are from populations with similar degree of variability</a:t>
+              <a:t>Basic assumptions of parametric t-tests:</a:t>
+            </a:r>
+          </a:p>
+          <a:p>
+            <a:pPr lvl="0"/>
+            <a:r>
+              <a:rPr/>
+              <a:t>Normality, equal variance, random sampling, no outliers</a:t>
+            </a:r>
+          </a:p>
+          <a:p>
+            <a:pPr lvl="0"/>
+            <a:r>
+              <a:rPr/>
+              <a:t>Normality: Samples from normally distributed population</a:t>
             </a:r>
           </a:p>
           <a:p>
             <a:pPr lvl="1"/>
             <a:r>
               <a:rPr/>
-              <a:t>Graphical tests: boxplots</a:t>
+              <a:t>Graphical tests: histograms, dotplots, boxplots, qq-plots</a:t>
             </a:r>
           </a:p>
           <a:p>
             <a:pPr lvl="1"/>
             <a:r>
               <a:rPr/>
-              <a:t>“Formal” tests: F-ratio test</a:t>
-            </a:r>
-          </a:p>
-          <a:p>
-            <a:pPr lvl="0"/>
-            <a:r>
-              <a:rPr/>
-              <a:t>Parametric tests most robust to violations of normality and equal var. assumptions when samples sizes equal</a:t>
+              <a:t>“Formal” tests: Shapiro-Wilk test - sometimes not useful</a:t>
             </a:r>
           </a:p>
         </p:txBody>
       </p:sp>
       <p:pic>
         <p:nvPicPr>
-          <p:cNvPr descr="images/clipboard-1564914628.png" id="0" name="Picture 1"/>
+          <p:cNvPr descr="06_01_lecture_powerpoint_files/figure-pptx/unnamed-chunk-2-1.png" id="0" name="Picture 1"/>
           <p:cNvPicPr>
             <a:picLocks noGrp="1" noChangeAspect="1"/>
           </p:cNvPicPr>
@@ -6142,8 +9656,8 @@
         </p:blipFill>
         <p:spPr bwMode="auto">
           <a:xfrm>
-            <a:off x="6121400" y="749300"/>
-            <a:ext cx="2781300" cy="4279900"/>
+            <a:off x="6121400" y="1498600"/>
+            <a:ext cx="2781300" cy="2781300"/>
           </a:xfrm>
           <a:prstGeom prst="rect">
             <a:avLst/>
@@ -6190,12 +9704,9 @@
         </p:nvSpPr>
         <p:spPr>
           <a:xfrm>
-            <a:off x="0" y="0"/>
-            <a:ext cx="9144000" cy="602780"/>
+            <a:off x="139485" y="78119"/>
+            <a:ext cx="8229600" cy="607682"/>
           </a:xfrm>
-          <a:solidFill>
-            <a:srgbClr val="70121D"/>
-          </a:solidFill>
         </p:spPr>
         <p:txBody>
           <a:bodyPr/>
@@ -6213,12 +9724,12 @@
       </p:sp>
       <p:sp>
         <p:nvSpPr>
-          <p:cNvPr id="3" name="Content Placeholder 2"/>
-          <p:cNvSpPr>
-            <a:spLocks noGrp="1"/>
-          </p:cNvSpPr>
-          <p:nvPr>
-            <p:ph idx="1" sz="half"/>
+          <p:cNvPr id="3" name="Text Placeholder 2"/>
+          <p:cNvSpPr>
+            <a:spLocks noGrp="1"/>
+          </p:cNvSpPr>
+          <p:nvPr>
+            <p:ph idx="1" type="body"/>
           </p:nvPr>
         </p:nvSpPr>
         <p:spPr/>
@@ -6229,33 +9740,40 @@
             <a:pPr lvl="0"/>
             <a:r>
               <a:rPr/>
-              <a:t>Normality, equal variance, random sampling, no outliers</a:t>
+              <a:t>Equal variance: samples are from populations with similar degree of variability</a:t>
+            </a:r>
+          </a:p>
+          <a:p>
+            <a:pPr lvl="1"/>
+            <a:r>
+              <a:rPr/>
+              <a:t>Graphical tests: boxplots</a:t>
+            </a:r>
+          </a:p>
+          <a:p>
+            <a:pPr lvl="1"/>
+            <a:r>
+              <a:rPr/>
+              <a:t>“Formal” tests: F-ratio test</a:t>
             </a:r>
           </a:p>
           <a:p>
             <a:pPr lvl="0"/>
             <a:r>
               <a:rPr/>
-              <a:t>Random sampling: samples are randomly collected from populations; part of experimental design</a:t>
-            </a:r>
-          </a:p>
-          <a:p>
-            <a:pPr lvl="0"/>
-            <a:r>
-              <a:rPr/>
-              <a:t>Necessary for sample -&gt; population inference</a:t>
-            </a:r>
-          </a:p>
-        </p:txBody>
-      </p:sp>
-      <p:sp>
-        <p:nvSpPr>
-          <p:cNvPr id="4" name="Content Placeholder 3"/>
-          <p:cNvSpPr>
-            <a:spLocks noGrp="1"/>
-          </p:cNvSpPr>
-          <p:nvPr>
-            <p:ph idx="2" sz="half"/>
+              <a:t>Parametric tests most robust to violations of normality and equal var. assumptions when samples sizes equal</a:t>
+            </a:r>
+          </a:p>
+        </p:txBody>
+      </p:sp>
+      <p:sp>
+        <p:nvSpPr>
+          <p:cNvPr id="5" name="Text Placeholder 4"/>
+          <p:cNvSpPr>
+            <a:spLocks noGrp="1"/>
+          </p:cNvSpPr>
+          <p:nvPr>
+            <p:ph idx="3" sz="quarter" type="body"/>
           </p:nvPr>
         </p:nvSpPr>
         <p:spPr/>
@@ -6263,16 +9781,386 @@
           <a:bodyPr/>
           <a:lstStyle/>
           <a:p>
-            <a:pPr lvl="0" indent="0" marL="0">
+            <a:pPr lvl="0" indent="0">
               <a:buNone/>
             </a:pPr>
             <a:r>
-              <a:rPr/>
-              <a:t>&lt;&gt;</a:t>
-            </a:r>
-          </a:p>
-        </p:txBody>
-      </p:sp>
+              <a:rPr>
+                <a:solidFill>
+                  <a:srgbClr val="003B4F"/>
+                </a:solidFill>
+                <a:latin typeface="Courier"/>
+              </a:rPr>
+              <a:t>length_plot &lt;- ne12_data </a:t>
+            </a:r>
+            <a:r>
+              <a:rPr>
+                <a:solidFill>
+                  <a:srgbClr val="5E5E5E"/>
+                </a:solidFill>
+                <a:latin typeface="Courier"/>
+              </a:rPr>
+              <a:t>%&gt;%</a:t>
+            </a:r>
+            <a:r>
+              <a:rPr>
+                <a:solidFill>
+                  <a:srgbClr val="003B4F"/>
+                </a:solidFill>
+                <a:latin typeface="Courier"/>
+              </a:rPr>
+              <a:t> </a:t>
+            </a:r>
+            <a:r>
+              <a:rPr>
+                <a:solidFill>
+                  <a:srgbClr val="4758AB"/>
+                </a:solidFill>
+                <a:latin typeface="Courier"/>
+              </a:rPr>
+              <a:t>ggplot</a:t>
+            </a:r>
+            <a:r>
+              <a:rPr>
+                <a:solidFill>
+                  <a:srgbClr val="003B4F"/>
+                </a:solidFill>
+                <a:latin typeface="Courier"/>
+              </a:rPr>
+              <a:t>(</a:t>
+            </a:r>
+            <a:r>
+              <a:rPr>
+                <a:solidFill>
+                  <a:srgbClr val="4758AB"/>
+                </a:solidFill>
+                <a:latin typeface="Courier"/>
+              </a:rPr>
+              <a:t>aes</a:t>
+            </a:r>
+            <a:r>
+              <a:rPr>
+                <a:solidFill>
+                  <a:srgbClr val="003B4F"/>
+                </a:solidFill>
+                <a:latin typeface="Courier"/>
+              </a:rPr>
+              <a:t>(</a:t>
+            </a:r>
+            <a:r>
+              <a:rPr>
+                <a:solidFill>
+                  <a:srgbClr val="657422"/>
+                </a:solidFill>
+                <a:latin typeface="Courier"/>
+              </a:rPr>
+              <a:t>x=</a:t>
+            </a:r>
+            <a:r>
+              <a:rPr>
+                <a:solidFill>
+                  <a:srgbClr val="003B4F"/>
+                </a:solidFill>
+                <a:latin typeface="Courier"/>
+              </a:rPr>
+              <a:t>lake, </a:t>
+            </a:r>
+            <a:r>
+              <a:rPr>
+                <a:solidFill>
+                  <a:srgbClr val="657422"/>
+                </a:solidFill>
+                <a:latin typeface="Courier"/>
+              </a:rPr>
+              <a:t>y =</a:t>
+            </a:r>
+            <a:r>
+              <a:rPr>
+                <a:solidFill>
+                  <a:srgbClr val="003B4F"/>
+                </a:solidFill>
+                <a:latin typeface="Courier"/>
+              </a:rPr>
+              <a:t> length_mm)) </a:t>
+            </a:r>
+            <a:r>
+              <a:rPr>
+                <a:solidFill>
+                  <a:srgbClr val="5E5E5E"/>
+                </a:solidFill>
+                <a:latin typeface="Courier"/>
+              </a:rPr>
+              <a:t>+</a:t>
+            </a:r>
+            <a:r>
+              <a:rPr>
+                <a:solidFill>
+                  <a:srgbClr val="4758AB"/>
+                </a:solidFill>
+                <a:latin typeface="Courier"/>
+              </a:rPr>
+              <a:t>geom_boxplot</a:t>
+            </a:r>
+            <a:r>
+              <a:rPr>
+                <a:solidFill>
+                  <a:srgbClr val="003B4F"/>
+                </a:solidFill>
+                <a:latin typeface="Courier"/>
+              </a:rPr>
+              <a:t>() </a:t>
+            </a:r>
+            <a:br/>
+            <a:r>
+              <a:rPr>
+                <a:solidFill>
+                  <a:srgbClr val="003B4F"/>
+                </a:solidFill>
+                <a:latin typeface="Courier"/>
+              </a:rPr>
+              <a:t>mass_plot &lt;- ne12_data </a:t>
+            </a:r>
+            <a:r>
+              <a:rPr>
+                <a:solidFill>
+                  <a:srgbClr val="5E5E5E"/>
+                </a:solidFill>
+                <a:latin typeface="Courier"/>
+              </a:rPr>
+              <a:t>%&gt;%</a:t>
+            </a:r>
+            <a:r>
+              <a:rPr>
+                <a:solidFill>
+                  <a:srgbClr val="003B4F"/>
+                </a:solidFill>
+                <a:latin typeface="Courier"/>
+              </a:rPr>
+              <a:t> </a:t>
+            </a:r>
+            <a:r>
+              <a:rPr>
+                <a:solidFill>
+                  <a:srgbClr val="4758AB"/>
+                </a:solidFill>
+                <a:latin typeface="Courier"/>
+              </a:rPr>
+              <a:t>ggplot</a:t>
+            </a:r>
+            <a:r>
+              <a:rPr>
+                <a:solidFill>
+                  <a:srgbClr val="003B4F"/>
+                </a:solidFill>
+                <a:latin typeface="Courier"/>
+              </a:rPr>
+              <a:t>(</a:t>
+            </a:r>
+            <a:r>
+              <a:rPr>
+                <a:solidFill>
+                  <a:srgbClr val="4758AB"/>
+                </a:solidFill>
+                <a:latin typeface="Courier"/>
+              </a:rPr>
+              <a:t>aes</a:t>
+            </a:r>
+            <a:r>
+              <a:rPr>
+                <a:solidFill>
+                  <a:srgbClr val="003B4F"/>
+                </a:solidFill>
+                <a:latin typeface="Courier"/>
+              </a:rPr>
+              <a:t>(</a:t>
+            </a:r>
+            <a:r>
+              <a:rPr>
+                <a:solidFill>
+                  <a:srgbClr val="657422"/>
+                </a:solidFill>
+                <a:latin typeface="Courier"/>
+              </a:rPr>
+              <a:t>x=</a:t>
+            </a:r>
+            <a:r>
+              <a:rPr>
+                <a:solidFill>
+                  <a:srgbClr val="003B4F"/>
+                </a:solidFill>
+                <a:latin typeface="Courier"/>
+              </a:rPr>
+              <a:t>lake, </a:t>
+            </a:r>
+            <a:r>
+              <a:rPr>
+                <a:solidFill>
+                  <a:srgbClr val="657422"/>
+                </a:solidFill>
+                <a:latin typeface="Courier"/>
+              </a:rPr>
+              <a:t>y =</a:t>
+            </a:r>
+            <a:r>
+              <a:rPr>
+                <a:solidFill>
+                  <a:srgbClr val="003B4F"/>
+                </a:solidFill>
+                <a:latin typeface="Courier"/>
+              </a:rPr>
+              <a:t> mass_g)) </a:t>
+            </a:r>
+            <a:r>
+              <a:rPr>
+                <a:solidFill>
+                  <a:srgbClr val="5E5E5E"/>
+                </a:solidFill>
+                <a:latin typeface="Courier"/>
+              </a:rPr>
+              <a:t>+</a:t>
+            </a:r>
+            <a:r>
+              <a:rPr>
+                <a:solidFill>
+                  <a:srgbClr val="4758AB"/>
+                </a:solidFill>
+                <a:latin typeface="Courier"/>
+              </a:rPr>
+              <a:t>geom_boxplot</a:t>
+            </a:r>
+            <a:r>
+              <a:rPr>
+                <a:solidFill>
+                  <a:srgbClr val="003B4F"/>
+                </a:solidFill>
+                <a:latin typeface="Courier"/>
+              </a:rPr>
+              <a:t>()</a:t>
+            </a:r>
+            <a:br/>
+            <a:r>
+              <a:rPr>
+                <a:solidFill>
+                  <a:srgbClr val="003B4F"/>
+                </a:solidFill>
+                <a:latin typeface="Courier"/>
+              </a:rPr>
+              <a:t>length_plot </a:t>
+            </a:r>
+            <a:r>
+              <a:rPr>
+                <a:solidFill>
+                  <a:srgbClr val="5E5E5E"/>
+                </a:solidFill>
+                <a:latin typeface="Courier"/>
+              </a:rPr>
+              <a:t>+</a:t>
+            </a:r>
+            <a:r>
+              <a:rPr>
+                <a:solidFill>
+                  <a:srgbClr val="003B4F"/>
+                </a:solidFill>
+                <a:latin typeface="Courier"/>
+              </a:rPr>
+              <a:t> mass_plot </a:t>
+            </a:r>
+            <a:r>
+              <a:rPr>
+                <a:solidFill>
+                  <a:srgbClr val="5E5E5E"/>
+                </a:solidFill>
+                <a:latin typeface="Courier"/>
+              </a:rPr>
+              <a:t>+</a:t>
+            </a:r>
+            <a:r>
+              <a:rPr>
+                <a:solidFill>
+                  <a:srgbClr val="003B4F"/>
+                </a:solidFill>
+                <a:latin typeface="Courier"/>
+              </a:rPr>
+              <a:t> </a:t>
+            </a:r>
+            <a:r>
+              <a:rPr>
+                <a:solidFill>
+                  <a:srgbClr val="4758AB"/>
+                </a:solidFill>
+                <a:latin typeface="Courier"/>
+              </a:rPr>
+              <a:t>plot_layout</a:t>
+            </a:r>
+            <a:r>
+              <a:rPr>
+                <a:solidFill>
+                  <a:srgbClr val="003B4F"/>
+                </a:solidFill>
+                <a:latin typeface="Courier"/>
+              </a:rPr>
+              <a:t>(</a:t>
+            </a:r>
+            <a:r>
+              <a:rPr>
+                <a:solidFill>
+                  <a:srgbClr val="657422"/>
+                </a:solidFill>
+                <a:latin typeface="Courier"/>
+              </a:rPr>
+              <a:t>ncol=</a:t>
+            </a:r>
+            <a:r>
+              <a:rPr>
+                <a:solidFill>
+                  <a:srgbClr val="AD0000"/>
+                </a:solidFill>
+                <a:latin typeface="Courier"/>
+              </a:rPr>
+              <a:t>1</a:t>
+            </a:r>
+            <a:r>
+              <a:rPr>
+                <a:solidFill>
+                  <a:srgbClr val="003B4F"/>
+                </a:solidFill>
+                <a:latin typeface="Courier"/>
+              </a:rPr>
+              <a:t>)</a:t>
+            </a:r>
+          </a:p>
+        </p:txBody>
+      </p:sp>
+      <p:pic>
+        <p:nvPicPr>
+          <p:cNvPr descr="06_01_lecture_powerpoint_files/figure-pptx/unnamed-chunk-3-1.png" id="0" name="Picture 1"/>
+          <p:cNvPicPr>
+            <a:picLocks noGrp="1" noChangeAspect="1"/>
+          </p:cNvPicPr>
+          <p:nvPr/>
+        </p:nvPicPr>
+        <p:blipFill>
+          <a:blip r:embed="rId2"/>
+          <a:stretch>
+            <a:fillRect/>
+          </a:stretch>
+        </p:blipFill>
+        <p:spPr bwMode="auto">
+          <a:xfrm>
+            <a:off x="5130800" y="1295400"/>
+            <a:ext cx="3276600" cy="3276600"/>
+          </a:xfrm>
+          <a:prstGeom prst="rect">
+            <a:avLst/>
+          </a:prstGeom>
+          <a:noFill/>
+          <a:ln w="9525">
+            <a:noFill/>
+            <a:headEnd/>
+            <a:tailEnd/>
+          </a:ln>
+        </p:spPr>
+      </p:pic>
     </p:spTree>
   </p:cSld>
 </p:sld>
@@ -6353,28 +10241,21 @@
             <a:pPr lvl="0"/>
             <a:r>
               <a:rPr/>
-              <a:t>No outliers: no “extreme” values that are very different from rest of sample</a:t>
+              <a:t>Random sampling:</a:t>
+            </a:r>
+          </a:p>
+          <a:p>
+            <a:pPr lvl="1"/>
+            <a:r>
+              <a:rPr/>
+              <a:t>samples are randomly collected from populations; part of experimental design</a:t>
             </a:r>
           </a:p>
           <a:p>
             <a:pPr lvl="0"/>
             <a:r>
               <a:rPr/>
-              <a:t>Graphical tests: boxplots, histograms</a:t>
-            </a:r>
-          </a:p>
-          <a:p>
-            <a:pPr lvl="0"/>
-            <a:r>
-              <a:rPr/>
-              <a:t>“Formal tests”: Grubb’s test</a:t>
-            </a:r>
-          </a:p>
-          <a:p>
-            <a:pPr lvl="0"/>
-            <a:r>
-              <a:rPr/>
-              <a:t>Note: outliers also problem for non-parametric tests</a:t>
+              <a:t>Necessary for sample -&gt; population inference</a:t>
             </a:r>
           </a:p>
         </p:txBody>

--- a/docs/lectures/lecture_06/06_01_lecture_powerpoint.pptx
+++ b/docs/lectures/lecture_06/06_01_lecture_powerpoint.pptx
@@ -57,6 +57,26 @@
     <p:sldId id="305" r:id="rId51"/>
     <p:sldId id="306" r:id="rId52"/>
     <p:sldId id="307" r:id="rId53"/>
+    <p:sldId id="308" r:id="rId54"/>
+    <p:sldId id="309" r:id="rId55"/>
+    <p:sldId id="310" r:id="rId56"/>
+    <p:sldId id="311" r:id="rId57"/>
+    <p:sldId id="312" r:id="rId58"/>
+    <p:sldId id="313" r:id="rId59"/>
+    <p:sldId id="314" r:id="rId60"/>
+    <p:sldId id="315" r:id="rId61"/>
+    <p:sldId id="316" r:id="rId62"/>
+    <p:sldId id="317" r:id="rId63"/>
+    <p:sldId id="318" r:id="rId64"/>
+    <p:sldId id="319" r:id="rId65"/>
+    <p:sldId id="320" r:id="rId66"/>
+    <p:sldId id="321" r:id="rId67"/>
+    <p:sldId id="322" r:id="rId68"/>
+    <p:sldId id="323" r:id="rId69"/>
+    <p:sldId id="324" r:id="rId70"/>
+    <p:sldId id="325" r:id="rId71"/>
+    <p:sldId id="326" r:id="rId72"/>
+    <p:sldId id="327" r:id="rId73"/>
   </p:sldIdLst>
   <p:sldSz cx="9144000" cy="5143500" type="screen16x9"/>
   <p:notesSz cx="6858000" cy="9144000"/>
@@ -5672,6 +5692,56 @@
 6 3/20/25 cephalopods n     lee         1     16</a:t>
             </a:r>
           </a:p>
+          <a:p>
+            <a:pPr lvl="0" indent="0">
+              <a:buNone/>
+            </a:pPr>
+            <a:r>
+              <a:rPr>
+                <a:solidFill>
+                  <a:srgbClr val="003B4F"/>
+                </a:solidFill>
+                <a:latin typeface="Courier"/>
+              </a:rPr>
+              <a:t>grayling_df &lt;- </a:t>
+            </a:r>
+            <a:r>
+              <a:rPr>
+                <a:solidFill>
+                  <a:srgbClr val="4758AB"/>
+                </a:solidFill>
+                <a:latin typeface="Courier"/>
+              </a:rPr>
+              <a:t>read_csv</a:t>
+            </a:r>
+            <a:r>
+              <a:rPr>
+                <a:solidFill>
+                  <a:srgbClr val="003B4F"/>
+                </a:solidFill>
+                <a:latin typeface="Courier"/>
+              </a:rPr>
+              <a:t>(</a:t>
+            </a:r>
+            <a:r>
+              <a:rPr>
+                <a:solidFill>
+                  <a:srgbClr val="20794D"/>
+                </a:solidFill>
+                <a:latin typeface="Courier"/>
+              </a:rPr>
+              <a:t>"data/gray_I3_I8.csv"</a:t>
+            </a:r>
+            <a:r>
+              <a:rPr>
+                <a:solidFill>
+                  <a:srgbClr val="003B4F"/>
+                </a:solidFill>
+                <a:latin typeface="Courier"/>
+              </a:rPr>
+              <a:t>)</a:t>
+            </a:r>
+          </a:p>
         </p:txBody>
       </p:sp>
     </p:spTree>
@@ -14378,6 +14448,3982 @@
 </p:sld>
 </file>
 
+<file path=ppt/slides/slide53.xml><?xml version="1.0" encoding="utf-8"?>
+<p:sld xmlns:a="http://schemas.openxmlformats.org/drawingml/2006/main" xmlns:r="http://schemas.openxmlformats.org/officeDocument/2006/relationships" xmlns:p="http://schemas.openxmlformats.org/presentationml/2006/main">
+  <p:cSld>
+    <p:spTree>
+      <p:nvGrpSpPr>
+        <p:cNvPr id="1" name=""/>
+        <p:cNvGrpSpPr/>
+        <p:nvPr/>
+      </p:nvGrpSpPr>
+      <p:grpSpPr>
+        <a:xfrm>
+          <a:off x="0" y="0"/>
+          <a:ext cx="0" cy="0"/>
+          <a:chOff x="0" y="0"/>
+          <a:chExt cx="0" cy="0"/>
+        </a:xfrm>
+      </p:grpSpPr>
+      <p:sp>
+        <p:nvSpPr>
+          <p:cNvPr id="2" name="Title 1"/>
+          <p:cNvSpPr>
+            <a:spLocks noGrp="1"/>
+          </p:cNvSpPr>
+          <p:nvPr>
+            <p:ph type="title"/>
+          </p:nvPr>
+        </p:nvSpPr>
+        <p:spPr>
+          <a:xfrm>
+            <a:off x="0" y="0"/>
+            <a:ext cx="9144000" cy="602780"/>
+          </a:xfrm>
+          <a:solidFill>
+            <a:srgbClr val="70121D"/>
+          </a:solidFill>
+        </p:spPr>
+        <p:txBody>
+          <a:bodyPr/>
+          <a:lstStyle/>
+          <a:p>
+            <a:pPr lvl="0" indent="0" marL="0">
+              <a:buNone/>
+            </a:pPr>
+            <a:r>
+              <a:rPr b="1"/>
+              <a:t>Lecture 5:</a:t>
+            </a:r>
+            <a:r>
+              <a:rPr/>
+              <a:t> Understanding P-values</a:t>
+            </a:r>
+          </a:p>
+        </p:txBody>
+      </p:sp>
+      <p:sp>
+        <p:nvSpPr>
+          <p:cNvPr id="3" name="Content Placeholder 2"/>
+          <p:cNvSpPr>
+            <a:spLocks noGrp="1"/>
+          </p:cNvSpPr>
+          <p:nvPr>
+            <p:ph idx="1" sz="half"/>
+          </p:nvPr>
+        </p:nvSpPr>
+        <p:spPr/>
+        <p:txBody>
+          <a:bodyPr/>
+          <a:lstStyle/>
+          <a:p>
+            <a:pPr lvl="0" indent="0" marL="0">
+              <a:buNone/>
+            </a:pPr>
+            <a:r>
+              <a:rPr/>
+              <a:t>A </a:t>
+            </a:r>
+            <a:r>
+              <a:rPr b="1"/>
+              <a:t>p-value</a:t>
+            </a:r>
+            <a:r>
+              <a:rPr/>
+              <a:t> is the probability of observing the sample result (or something more extreme) if the null hypothesis is true.</a:t>
+            </a:r>
+          </a:p>
+          <a:p>
+            <a:pPr lvl="0" indent="0" marL="0">
+              <a:buNone/>
+            </a:pPr>
+            <a:r>
+              <a:rPr b="1"/>
+              <a:t>Common interpretations:</a:t>
+            </a:r>
+            <a:r>
+              <a:rPr/>
+              <a:t> - p &lt; 0.05: Strong evidence against H₀ - 0.05 ≤ p &lt; 0.10: Moderate evidence against H₀ - p ≥ 0.10: Insufficient evidence against H₀</a:t>
+            </a:r>
+          </a:p>
+          <a:p>
+            <a:pPr lvl="0" indent="0" marL="0">
+              <a:buNone/>
+            </a:pPr>
+            <a:r>
+              <a:rPr b="1"/>
+              <a:t>Common misinterpretations:</a:t>
+            </a:r>
+            <a:r>
+              <a:rPr/>
+              <a:t> - p-value is NOT the probability that H₀ is true - p-value is NOT the probability that results occurred by chance - Statistical significance ≠ practical significance</a:t>
+            </a:r>
+          </a:p>
+        </p:txBody>
+      </p:sp>
+      <p:pic>
+        <p:nvPicPr>
+          <p:cNvPr descr="06_01_lecture_powerpoint_files/figure-pptx/unnamed-chunk-14-1.png" id="0" name="Picture 1"/>
+          <p:cNvPicPr>
+            <a:picLocks noGrp="1" noChangeAspect="1"/>
+          </p:cNvPicPr>
+          <p:nvPr/>
+        </p:nvPicPr>
+        <p:blipFill>
+          <a:blip r:embed="rId2"/>
+          <a:stretch>
+            <a:fillRect/>
+          </a:stretch>
+        </p:blipFill>
+        <p:spPr bwMode="auto">
+          <a:xfrm>
+            <a:off x="6121400" y="1041400"/>
+            <a:ext cx="2781300" cy="3708400"/>
+          </a:xfrm>
+          <a:prstGeom prst="rect">
+            <a:avLst/>
+          </a:prstGeom>
+          <a:noFill/>
+          <a:ln w="9525">
+            <a:noFill/>
+            <a:headEnd/>
+            <a:tailEnd/>
+          </a:ln>
+        </p:spPr>
+      </p:pic>
+    </p:spTree>
+  </p:cSld>
+</p:sld>
+</file>
+
+<file path=ppt/slides/slide54.xml><?xml version="1.0" encoding="utf-8"?>
+<p:sld xmlns:a="http://schemas.openxmlformats.org/drawingml/2006/main" xmlns:r="http://schemas.openxmlformats.org/officeDocument/2006/relationships" xmlns:p="http://schemas.openxmlformats.org/presentationml/2006/main">
+  <p:cSld>
+    <p:spTree>
+      <p:nvGrpSpPr>
+        <p:cNvPr id="1" name=""/>
+        <p:cNvGrpSpPr/>
+        <p:nvPr/>
+      </p:nvGrpSpPr>
+      <p:grpSpPr>
+        <a:xfrm>
+          <a:off x="0" y="0"/>
+          <a:ext cx="0" cy="0"/>
+          <a:chOff x="0" y="0"/>
+          <a:chExt cx="0" cy="0"/>
+        </a:xfrm>
+      </p:grpSpPr>
+      <p:sp>
+        <p:nvSpPr>
+          <p:cNvPr id="2" name="Title 1"/>
+          <p:cNvSpPr>
+            <a:spLocks noGrp="1"/>
+          </p:cNvSpPr>
+          <p:nvPr>
+            <p:ph type="title"/>
+          </p:nvPr>
+        </p:nvSpPr>
+        <p:spPr>
+          <a:xfrm>
+            <a:off x="0" y="0"/>
+            <a:ext cx="9144000" cy="602780"/>
+          </a:xfrm>
+          <a:solidFill>
+            <a:srgbClr val="70121D"/>
+          </a:solidFill>
+        </p:spPr>
+        <p:txBody>
+          <a:bodyPr/>
+          <a:lstStyle/>
+          <a:p>
+            <a:pPr lvl="0" indent="0" marL="0">
+              <a:buNone/>
+            </a:pPr>
+            <a:r>
+              <a:rPr b="1"/>
+              <a:t>Lecture 5:</a:t>
+            </a:r>
+            <a:r>
+              <a:rPr/>
+              <a:t> Type I and Type II Errors</a:t>
+            </a:r>
+          </a:p>
+        </p:txBody>
+      </p:sp>
+      <p:sp>
+        <p:nvSpPr>
+          <p:cNvPr id="3" name="Content Placeholder 2"/>
+          <p:cNvSpPr>
+            <a:spLocks noGrp="1"/>
+          </p:cNvSpPr>
+          <p:nvPr>
+            <p:ph idx="1" sz="half"/>
+          </p:nvPr>
+        </p:nvSpPr>
+        <p:spPr/>
+        <p:txBody>
+          <a:bodyPr/>
+          <a:lstStyle/>
+          <a:p>
+            <a:pPr lvl="0" indent="0" marL="0">
+              <a:buNone/>
+            </a:pPr>
+            <a:r>
+              <a:rPr/>
+              <a:t>When making decisions based on hypothesis tests, two types of errors can occur:</a:t>
+            </a:r>
+          </a:p>
+          <a:p>
+            <a:pPr lvl="0" indent="0" marL="0">
+              <a:buNone/>
+            </a:pPr>
+            <a:r>
+              <a:rPr b="1"/>
+              <a:t>Type I Error (False Positive)</a:t>
+            </a:r>
+            <a:r>
+              <a:rPr/>
+              <a:t> - Rejecting H₀ when it’s actually true - Probability = α (significance level) - “Finding an effect that isn’t real”</a:t>
+            </a:r>
+          </a:p>
+          <a:p>
+            <a:pPr lvl="0" indent="0" marL="0">
+              <a:buNone/>
+            </a:pPr>
+            <a:r>
+              <a:rPr b="1"/>
+              <a:t>Type II Error (False Negative)</a:t>
+            </a:r>
+            <a:r>
+              <a:rPr/>
+              <a:t> - Failing to reject H₀ when it’s actually false - Probability = β - “Missing an effect that is real”</a:t>
+            </a:r>
+          </a:p>
+          <a:p>
+            <a:pPr lvl="0" indent="0" marL="0">
+              <a:buNone/>
+            </a:pPr>
+            <a:r>
+              <a:rPr b="1"/>
+              <a:t>Statistical Power = 1 - β</a:t>
+            </a:r>
+            <a:r>
+              <a:rPr/>
+              <a:t> - Probability of correctly rejecting a false H₀ - Increases with: - Larger sample size - Larger effect size - Lower variability - Higher α level</a:t>
+            </a:r>
+          </a:p>
+        </p:txBody>
+      </p:sp>
+      <p:pic>
+        <p:nvPicPr>
+          <p:cNvPr descr="06_01_lecture_powerpoint_files/figure-pptx/unnamed-chunk-15-1.png" id="0" name="Picture 1"/>
+          <p:cNvPicPr>
+            <a:picLocks noGrp="1" noChangeAspect="1"/>
+          </p:cNvPicPr>
+          <p:nvPr/>
+        </p:nvPicPr>
+        <p:blipFill>
+          <a:blip r:embed="rId2"/>
+          <a:stretch>
+            <a:fillRect/>
+          </a:stretch>
+        </p:blipFill>
+        <p:spPr bwMode="auto">
+          <a:xfrm>
+            <a:off x="6121400" y="1155700"/>
+            <a:ext cx="2781300" cy="3479800"/>
+          </a:xfrm>
+          <a:prstGeom prst="rect">
+            <a:avLst/>
+          </a:prstGeom>
+          <a:noFill/>
+          <a:ln w="9525">
+            <a:noFill/>
+            <a:headEnd/>
+            <a:tailEnd/>
+          </a:ln>
+        </p:spPr>
+      </p:pic>
+    </p:spTree>
+  </p:cSld>
+</p:sld>
+</file>
+
+<file path=ppt/slides/slide55.xml><?xml version="1.0" encoding="utf-8"?>
+<p:sld xmlns:a="http://schemas.openxmlformats.org/drawingml/2006/main" xmlns:r="http://schemas.openxmlformats.org/officeDocument/2006/relationships" xmlns:p="http://schemas.openxmlformats.org/presentationml/2006/main">
+  <p:cSld>
+    <p:spTree>
+      <p:nvGrpSpPr>
+        <p:cNvPr id="1" name=""/>
+        <p:cNvGrpSpPr/>
+        <p:nvPr/>
+      </p:nvGrpSpPr>
+      <p:grpSpPr>
+        <a:xfrm>
+          <a:off x="0" y="0"/>
+          <a:ext cx="0" cy="0"/>
+          <a:chOff x="0" y="0"/>
+          <a:chExt cx="0" cy="0"/>
+        </a:xfrm>
+      </p:grpSpPr>
+      <p:sp>
+        <p:nvSpPr>
+          <p:cNvPr id="3" name="Content Placeholder 2"/>
+          <p:cNvSpPr>
+            <a:spLocks noGrp="1"/>
+          </p:cNvSpPr>
+          <p:nvPr>
+            <p:ph idx="1"/>
+          </p:nvPr>
+        </p:nvSpPr>
+        <p:spPr/>
+        <p:txBody>
+          <a:bodyPr/>
+          <a:lstStyle/>
+          <a:p>
+            <a:pPr lvl="0" indent="0" marL="1270000">
+              <a:buNone/>
+            </a:pPr>
+            <a:r>
+              <a:rPr sz="2000" b="1"/>
+              <a:t>Practice Exercise 6: Interpreting P-values and Errors</a:t>
+            </a:r>
+          </a:p>
+          <a:p>
+            <a:pPr lvl="0" indent="0" marL="1270000">
+              <a:buNone/>
+            </a:pPr>
+            <a:r>
+              <a:rPr sz="2000"/>
+              <a:t>Given the following scenarios, identify whether a Type I or Type II error might have occurred:</a:t>
+            </a:r>
+          </a:p>
+          <a:p>
+            <a:pPr lvl="0" indent="-342900" marL="342900">
+              <a:buAutoNum type="arabicPeriod"/>
+            </a:pPr>
+            <a:r>
+              <a:rPr sz="2000"/>
+              <a:t>A researcher concludes that a new fishing regulation increased grayling size, when in fact it had no effect.</a:t>
+            </a:r>
+          </a:p>
+          <a:p>
+            <a:pPr lvl="0" indent="-342900" marL="342900">
+              <a:buAutoNum type="arabicPeriod"/>
+            </a:pPr>
+            <a:r>
+              <a:rPr sz="2000"/>
+              <a:t>A study fails to detect a real decline in grayling population due to warming water, concluding there was no effect.</a:t>
+            </a:r>
+          </a:p>
+          <a:p>
+            <a:pPr lvl="0" indent="-342900" marL="342900">
+              <a:buAutoNum type="arabicPeriod"/>
+            </a:pPr>
+            <a:r>
+              <a:rPr sz="2000"/>
+              <a:t>Let’s calculate the power of our t-test to detect a 30 mm difference in length between lakes:</a:t>
+            </a:r>
+          </a:p>
+          <a:p>
+            <a:pPr lvl="0" indent="0">
+              <a:buNone/>
+            </a:pPr>
+            <a:r>
+              <a:rPr>
+                <a:solidFill>
+                  <a:srgbClr val="5E5E5E"/>
+                </a:solidFill>
+                <a:latin typeface="Courier"/>
+              </a:rPr>
+              <a:t># Calculate power for detecting a 30 mm difference</a:t>
+            </a:r>
+            <a:br/>
+            <a:r>
+              <a:rPr>
+                <a:solidFill>
+                  <a:srgbClr val="5E5E5E"/>
+                </a:solidFill>
+                <a:latin typeface="Courier"/>
+              </a:rPr>
+              <a:t># First determine parameters</a:t>
+            </a:r>
+            <a:br/>
+            <a:r>
+              <a:rPr>
+                <a:solidFill>
+                  <a:srgbClr val="003B4F"/>
+                </a:solidFill>
+                <a:latin typeface="Courier"/>
+              </a:rPr>
+              <a:t>lake_I3 &lt;- grayling_df </a:t>
+            </a:r>
+            <a:r>
+              <a:rPr>
+                <a:solidFill>
+                  <a:srgbClr val="5E5E5E"/>
+                </a:solidFill>
+                <a:latin typeface="Courier"/>
+              </a:rPr>
+              <a:t>%&gt;%</a:t>
+            </a:r>
+            <a:r>
+              <a:rPr>
+                <a:solidFill>
+                  <a:srgbClr val="003B4F"/>
+                </a:solidFill>
+                <a:latin typeface="Courier"/>
+              </a:rPr>
+              <a:t> </a:t>
+            </a:r>
+            <a:r>
+              <a:rPr>
+                <a:solidFill>
+                  <a:srgbClr val="4758AB"/>
+                </a:solidFill>
+                <a:latin typeface="Courier"/>
+              </a:rPr>
+              <a:t>filter</a:t>
+            </a:r>
+            <a:r>
+              <a:rPr>
+                <a:solidFill>
+                  <a:srgbClr val="003B4F"/>
+                </a:solidFill>
+                <a:latin typeface="Courier"/>
+              </a:rPr>
+              <a:t>(lake </a:t>
+            </a:r>
+            <a:r>
+              <a:rPr>
+                <a:solidFill>
+                  <a:srgbClr val="5E5E5E"/>
+                </a:solidFill>
+                <a:latin typeface="Courier"/>
+              </a:rPr>
+              <a:t>==</a:t>
+            </a:r>
+            <a:r>
+              <a:rPr>
+                <a:solidFill>
+                  <a:srgbClr val="003B4F"/>
+                </a:solidFill>
+                <a:latin typeface="Courier"/>
+              </a:rPr>
+              <a:t> </a:t>
+            </a:r>
+            <a:r>
+              <a:rPr>
+                <a:solidFill>
+                  <a:srgbClr val="20794D"/>
+                </a:solidFill>
+                <a:latin typeface="Courier"/>
+              </a:rPr>
+              <a:t>"I3"</a:t>
+            </a:r>
+            <a:r>
+              <a:rPr>
+                <a:solidFill>
+                  <a:srgbClr val="003B4F"/>
+                </a:solidFill>
+                <a:latin typeface="Courier"/>
+              </a:rPr>
+              <a:t>)</a:t>
+            </a:r>
+            <a:br/>
+            <a:r>
+              <a:rPr>
+                <a:solidFill>
+                  <a:srgbClr val="003B4F"/>
+                </a:solidFill>
+                <a:latin typeface="Courier"/>
+              </a:rPr>
+              <a:t>lake_I8 &lt;- grayling_df </a:t>
+            </a:r>
+            <a:r>
+              <a:rPr>
+                <a:solidFill>
+                  <a:srgbClr val="5E5E5E"/>
+                </a:solidFill>
+                <a:latin typeface="Courier"/>
+              </a:rPr>
+              <a:t>%&gt;%</a:t>
+            </a:r>
+            <a:r>
+              <a:rPr>
+                <a:solidFill>
+                  <a:srgbClr val="003B4F"/>
+                </a:solidFill>
+                <a:latin typeface="Courier"/>
+              </a:rPr>
+              <a:t> </a:t>
+            </a:r>
+            <a:r>
+              <a:rPr>
+                <a:solidFill>
+                  <a:srgbClr val="4758AB"/>
+                </a:solidFill>
+                <a:latin typeface="Courier"/>
+              </a:rPr>
+              <a:t>filter</a:t>
+            </a:r>
+            <a:r>
+              <a:rPr>
+                <a:solidFill>
+                  <a:srgbClr val="003B4F"/>
+                </a:solidFill>
+                <a:latin typeface="Courier"/>
+              </a:rPr>
+              <a:t>(lake </a:t>
+            </a:r>
+            <a:r>
+              <a:rPr>
+                <a:solidFill>
+                  <a:srgbClr val="5E5E5E"/>
+                </a:solidFill>
+                <a:latin typeface="Courier"/>
+              </a:rPr>
+              <a:t>==</a:t>
+            </a:r>
+            <a:r>
+              <a:rPr>
+                <a:solidFill>
+                  <a:srgbClr val="003B4F"/>
+                </a:solidFill>
+                <a:latin typeface="Courier"/>
+              </a:rPr>
+              <a:t> </a:t>
+            </a:r>
+            <a:r>
+              <a:rPr>
+                <a:solidFill>
+                  <a:srgbClr val="20794D"/>
+                </a:solidFill>
+                <a:latin typeface="Courier"/>
+              </a:rPr>
+              <a:t>"I8"</a:t>
+            </a:r>
+            <a:r>
+              <a:rPr>
+                <a:solidFill>
+                  <a:srgbClr val="003B4F"/>
+                </a:solidFill>
+                <a:latin typeface="Courier"/>
+              </a:rPr>
+              <a:t>) </a:t>
+            </a:r>
+            <a:br/>
+            <a:br/>
+            <a:r>
+              <a:rPr>
+                <a:solidFill>
+                  <a:srgbClr val="003B4F"/>
+                </a:solidFill>
+                <a:latin typeface="Courier"/>
+              </a:rPr>
+              <a:t>n1 &lt;- </a:t>
+            </a:r>
+            <a:r>
+              <a:rPr>
+                <a:solidFill>
+                  <a:srgbClr val="4758AB"/>
+                </a:solidFill>
+                <a:latin typeface="Courier"/>
+              </a:rPr>
+              <a:t>nrow</a:t>
+            </a:r>
+            <a:r>
+              <a:rPr>
+                <a:solidFill>
+                  <a:srgbClr val="003B4F"/>
+                </a:solidFill>
+                <a:latin typeface="Courier"/>
+              </a:rPr>
+              <a:t>(lake_I3)</a:t>
+            </a:r>
+            <a:br/>
+            <a:r>
+              <a:rPr>
+                <a:solidFill>
+                  <a:srgbClr val="003B4F"/>
+                </a:solidFill>
+                <a:latin typeface="Courier"/>
+              </a:rPr>
+              <a:t>n2 &lt;- </a:t>
+            </a:r>
+            <a:r>
+              <a:rPr>
+                <a:solidFill>
+                  <a:srgbClr val="4758AB"/>
+                </a:solidFill>
+                <a:latin typeface="Courier"/>
+              </a:rPr>
+              <a:t>nrow</a:t>
+            </a:r>
+            <a:r>
+              <a:rPr>
+                <a:solidFill>
+                  <a:srgbClr val="003B4F"/>
+                </a:solidFill>
+                <a:latin typeface="Courier"/>
+              </a:rPr>
+              <a:t>(lake_I8)</a:t>
+            </a:r>
+            <a:br/>
+            <a:r>
+              <a:rPr>
+                <a:solidFill>
+                  <a:srgbClr val="003B4F"/>
+                </a:solidFill>
+                <a:latin typeface="Courier"/>
+              </a:rPr>
+              <a:t>sd_pooled &lt;- </a:t>
+            </a:r>
+            <a:r>
+              <a:rPr>
+                <a:solidFill>
+                  <a:srgbClr val="4758AB"/>
+                </a:solidFill>
+                <a:latin typeface="Courier"/>
+              </a:rPr>
+              <a:t>sqrt</a:t>
+            </a:r>
+            <a:r>
+              <a:rPr>
+                <a:solidFill>
+                  <a:srgbClr val="003B4F"/>
+                </a:solidFill>
+                <a:latin typeface="Courier"/>
+              </a:rPr>
+              <a:t>((</a:t>
+            </a:r>
+            <a:r>
+              <a:rPr>
+                <a:solidFill>
+                  <a:srgbClr val="4758AB"/>
+                </a:solidFill>
+                <a:latin typeface="Courier"/>
+              </a:rPr>
+              <a:t>var</a:t>
+            </a:r>
+            <a:r>
+              <a:rPr>
+                <a:solidFill>
+                  <a:srgbClr val="003B4F"/>
+                </a:solidFill>
+                <a:latin typeface="Courier"/>
+              </a:rPr>
+              <a:t>(lake_I3</a:t>
+            </a:r>
+            <a:r>
+              <a:rPr>
+                <a:solidFill>
+                  <a:srgbClr val="5E5E5E"/>
+                </a:solidFill>
+                <a:latin typeface="Courier"/>
+              </a:rPr>
+              <a:t>$</a:t>
+            </a:r>
+            <a:r>
+              <a:rPr>
+                <a:solidFill>
+                  <a:srgbClr val="003B4F"/>
+                </a:solidFill>
+                <a:latin typeface="Courier"/>
+              </a:rPr>
+              <a:t>total_length_mm) </a:t>
+            </a:r>
+            <a:r>
+              <a:rPr>
+                <a:solidFill>
+                  <a:srgbClr val="5E5E5E"/>
+                </a:solidFill>
+                <a:latin typeface="Courier"/>
+              </a:rPr>
+              <a:t>*</a:t>
+            </a:r>
+            <a:r>
+              <a:rPr>
+                <a:solidFill>
+                  <a:srgbClr val="003B4F"/>
+                </a:solidFill>
+                <a:latin typeface="Courier"/>
+              </a:rPr>
+              <a:t> (n1</a:t>
+            </a:r>
+            <a:r>
+              <a:rPr>
+                <a:solidFill>
+                  <a:srgbClr val="AD0000"/>
+                </a:solidFill>
+                <a:latin typeface="Courier"/>
+              </a:rPr>
+              <a:t>-1</a:t>
+            </a:r>
+            <a:r>
+              <a:rPr>
+                <a:solidFill>
+                  <a:srgbClr val="003B4F"/>
+                </a:solidFill>
+                <a:latin typeface="Courier"/>
+              </a:rPr>
+              <a:t>) </a:t>
+            </a:r>
+            <a:r>
+              <a:rPr>
+                <a:solidFill>
+                  <a:srgbClr val="5E5E5E"/>
+                </a:solidFill>
+                <a:latin typeface="Courier"/>
+              </a:rPr>
+              <a:t>+</a:t>
+            </a:r>
+            <a:r>
+              <a:rPr>
+                <a:solidFill>
+                  <a:srgbClr val="003B4F"/>
+                </a:solidFill>
+                <a:latin typeface="Courier"/>
+              </a:rPr>
+              <a:t> </a:t>
+            </a:r>
+            <a:br/>
+            <a:r>
+              <a:rPr>
+                <a:solidFill>
+                  <a:srgbClr val="003B4F"/>
+                </a:solidFill>
+                <a:latin typeface="Courier"/>
+              </a:rPr>
+              <a:t>                  </a:t>
+            </a:r>
+            <a:r>
+              <a:rPr>
+                <a:solidFill>
+                  <a:srgbClr val="4758AB"/>
+                </a:solidFill>
+                <a:latin typeface="Courier"/>
+              </a:rPr>
+              <a:t>var</a:t>
+            </a:r>
+            <a:r>
+              <a:rPr>
+                <a:solidFill>
+                  <a:srgbClr val="003B4F"/>
+                </a:solidFill>
+                <a:latin typeface="Courier"/>
+              </a:rPr>
+              <a:t>(lake_I8</a:t>
+            </a:r>
+            <a:r>
+              <a:rPr>
+                <a:solidFill>
+                  <a:srgbClr val="5E5E5E"/>
+                </a:solidFill>
+                <a:latin typeface="Courier"/>
+              </a:rPr>
+              <a:t>$</a:t>
+            </a:r>
+            <a:r>
+              <a:rPr>
+                <a:solidFill>
+                  <a:srgbClr val="003B4F"/>
+                </a:solidFill>
+                <a:latin typeface="Courier"/>
+              </a:rPr>
+              <a:t>total_length_mm) </a:t>
+            </a:r>
+            <a:r>
+              <a:rPr>
+                <a:solidFill>
+                  <a:srgbClr val="5E5E5E"/>
+                </a:solidFill>
+                <a:latin typeface="Courier"/>
+              </a:rPr>
+              <a:t>*</a:t>
+            </a:r>
+            <a:r>
+              <a:rPr>
+                <a:solidFill>
+                  <a:srgbClr val="003B4F"/>
+                </a:solidFill>
+                <a:latin typeface="Courier"/>
+              </a:rPr>
+              <a:t> (n2</a:t>
+            </a:r>
+            <a:r>
+              <a:rPr>
+                <a:solidFill>
+                  <a:srgbClr val="AD0000"/>
+                </a:solidFill>
+                <a:latin typeface="Courier"/>
+              </a:rPr>
+              <a:t>-1</a:t>
+            </a:r>
+            <a:r>
+              <a:rPr>
+                <a:solidFill>
+                  <a:srgbClr val="003B4F"/>
+                </a:solidFill>
+                <a:latin typeface="Courier"/>
+              </a:rPr>
+              <a:t>)) </a:t>
+            </a:r>
+            <a:r>
+              <a:rPr>
+                <a:solidFill>
+                  <a:srgbClr val="5E5E5E"/>
+                </a:solidFill>
+                <a:latin typeface="Courier"/>
+              </a:rPr>
+              <a:t>/</a:t>
+            </a:r>
+            <a:r>
+              <a:rPr>
+                <a:solidFill>
+                  <a:srgbClr val="003B4F"/>
+                </a:solidFill>
+                <a:latin typeface="Courier"/>
+              </a:rPr>
+              <a:t> </a:t>
+            </a:r>
+            <a:br/>
+            <a:r>
+              <a:rPr>
+                <a:solidFill>
+                  <a:srgbClr val="003B4F"/>
+                </a:solidFill>
+                <a:latin typeface="Courier"/>
+              </a:rPr>
+              <a:t>                  (n1 </a:t>
+            </a:r>
+            <a:r>
+              <a:rPr>
+                <a:solidFill>
+                  <a:srgbClr val="5E5E5E"/>
+                </a:solidFill>
+                <a:latin typeface="Courier"/>
+              </a:rPr>
+              <a:t>+</a:t>
+            </a:r>
+            <a:r>
+              <a:rPr>
+                <a:solidFill>
+                  <a:srgbClr val="003B4F"/>
+                </a:solidFill>
+                <a:latin typeface="Courier"/>
+              </a:rPr>
+              <a:t> n2 </a:t>
+            </a:r>
+            <a:r>
+              <a:rPr>
+                <a:solidFill>
+                  <a:srgbClr val="5E5E5E"/>
+                </a:solidFill>
+                <a:latin typeface="Courier"/>
+              </a:rPr>
+              <a:t>-</a:t>
+            </a:r>
+            <a:r>
+              <a:rPr>
+                <a:solidFill>
+                  <a:srgbClr val="003B4F"/>
+                </a:solidFill>
+                <a:latin typeface="Courier"/>
+              </a:rPr>
+              <a:t> </a:t>
+            </a:r>
+            <a:r>
+              <a:rPr>
+                <a:solidFill>
+                  <a:srgbClr val="AD0000"/>
+                </a:solidFill>
+                <a:latin typeface="Courier"/>
+              </a:rPr>
+              <a:t>2</a:t>
+            </a:r>
+            <a:r>
+              <a:rPr>
+                <a:solidFill>
+                  <a:srgbClr val="003B4F"/>
+                </a:solidFill>
+                <a:latin typeface="Courier"/>
+              </a:rPr>
+              <a:t>))</a:t>
+            </a:r>
+            <a:br/>
+            <a:br/>
+            <a:r>
+              <a:rPr>
+                <a:solidFill>
+                  <a:srgbClr val="5E5E5E"/>
+                </a:solidFill>
+                <a:latin typeface="Courier"/>
+              </a:rPr>
+              <a:t># Calculate power</a:t>
+            </a:r>
+            <a:br/>
+            <a:r>
+              <a:rPr>
+                <a:solidFill>
+                  <a:srgbClr val="003B4F"/>
+                </a:solidFill>
+                <a:latin typeface="Courier"/>
+              </a:rPr>
+              <a:t>effect_size &lt;- </a:t>
+            </a:r>
+            <a:r>
+              <a:rPr>
+                <a:solidFill>
+                  <a:srgbClr val="AD0000"/>
+                </a:solidFill>
+                <a:latin typeface="Courier"/>
+              </a:rPr>
+              <a:t>30</a:t>
+            </a:r>
+            <a:r>
+              <a:rPr>
+                <a:solidFill>
+                  <a:srgbClr val="003B4F"/>
+                </a:solidFill>
+                <a:latin typeface="Courier"/>
+              </a:rPr>
+              <a:t> </a:t>
+            </a:r>
+            <a:r>
+              <a:rPr>
+                <a:solidFill>
+                  <a:srgbClr val="5E5E5E"/>
+                </a:solidFill>
+                <a:latin typeface="Courier"/>
+              </a:rPr>
+              <a:t>/</a:t>
+            </a:r>
+            <a:r>
+              <a:rPr>
+                <a:solidFill>
+                  <a:srgbClr val="003B4F"/>
+                </a:solidFill>
+                <a:latin typeface="Courier"/>
+              </a:rPr>
+              <a:t> sd_pooled  </a:t>
+            </a:r>
+            <a:r>
+              <a:rPr>
+                <a:solidFill>
+                  <a:srgbClr val="5E5E5E"/>
+                </a:solidFill>
+                <a:latin typeface="Courier"/>
+              </a:rPr>
+              <a:t># Cohen's d</a:t>
+            </a:r>
+            <a:br/>
+            <a:r>
+              <a:rPr>
+                <a:solidFill>
+                  <a:srgbClr val="003B4F"/>
+                </a:solidFill>
+                <a:latin typeface="Courier"/>
+              </a:rPr>
+              <a:t>df &lt;- n1 </a:t>
+            </a:r>
+            <a:r>
+              <a:rPr>
+                <a:solidFill>
+                  <a:srgbClr val="5E5E5E"/>
+                </a:solidFill>
+                <a:latin typeface="Courier"/>
+              </a:rPr>
+              <a:t>+</a:t>
+            </a:r>
+            <a:r>
+              <a:rPr>
+                <a:solidFill>
+                  <a:srgbClr val="003B4F"/>
+                </a:solidFill>
+                <a:latin typeface="Courier"/>
+              </a:rPr>
+              <a:t> n2 </a:t>
+            </a:r>
+            <a:r>
+              <a:rPr>
+                <a:solidFill>
+                  <a:srgbClr val="5E5E5E"/>
+                </a:solidFill>
+                <a:latin typeface="Courier"/>
+              </a:rPr>
+              <a:t>-</a:t>
+            </a:r>
+            <a:r>
+              <a:rPr>
+                <a:solidFill>
+                  <a:srgbClr val="003B4F"/>
+                </a:solidFill>
+                <a:latin typeface="Courier"/>
+              </a:rPr>
+              <a:t> </a:t>
+            </a:r>
+            <a:r>
+              <a:rPr>
+                <a:solidFill>
+                  <a:srgbClr val="AD0000"/>
+                </a:solidFill>
+                <a:latin typeface="Courier"/>
+              </a:rPr>
+              <a:t>2</a:t>
+            </a:r>
+            <a:br/>
+            <a:r>
+              <a:rPr>
+                <a:solidFill>
+                  <a:srgbClr val="003B4F"/>
+                </a:solidFill>
+                <a:latin typeface="Courier"/>
+              </a:rPr>
+              <a:t>alpha &lt;- </a:t>
+            </a:r>
+            <a:r>
+              <a:rPr>
+                <a:solidFill>
+                  <a:srgbClr val="AD0000"/>
+                </a:solidFill>
+                <a:latin typeface="Courier"/>
+              </a:rPr>
+              <a:t>0.05</a:t>
+            </a:r>
+            <a:br/>
+            <a:r>
+              <a:rPr>
+                <a:solidFill>
+                  <a:srgbClr val="003B4F"/>
+                </a:solidFill>
+                <a:latin typeface="Courier"/>
+              </a:rPr>
+              <a:t>power &lt;- </a:t>
+            </a:r>
+            <a:r>
+              <a:rPr>
+                <a:solidFill>
+                  <a:srgbClr val="4758AB"/>
+                </a:solidFill>
+                <a:latin typeface="Courier"/>
+              </a:rPr>
+              <a:t>power.t.test</a:t>
+            </a:r>
+            <a:r>
+              <a:rPr>
+                <a:solidFill>
+                  <a:srgbClr val="003B4F"/>
+                </a:solidFill>
+                <a:latin typeface="Courier"/>
+              </a:rPr>
+              <a:t>(</a:t>
+            </a:r>
+            <a:r>
+              <a:rPr>
+                <a:solidFill>
+                  <a:srgbClr val="657422"/>
+                </a:solidFill>
+                <a:latin typeface="Courier"/>
+              </a:rPr>
+              <a:t>n =</a:t>
+            </a:r>
+            <a:r>
+              <a:rPr>
+                <a:solidFill>
+                  <a:srgbClr val="003B4F"/>
+                </a:solidFill>
+                <a:latin typeface="Courier"/>
+              </a:rPr>
+              <a:t> </a:t>
+            </a:r>
+            <a:r>
+              <a:rPr>
+                <a:solidFill>
+                  <a:srgbClr val="4758AB"/>
+                </a:solidFill>
+                <a:latin typeface="Courier"/>
+              </a:rPr>
+              <a:t>min</a:t>
+            </a:r>
+            <a:r>
+              <a:rPr>
+                <a:solidFill>
+                  <a:srgbClr val="003B4F"/>
+                </a:solidFill>
+                <a:latin typeface="Courier"/>
+              </a:rPr>
+              <a:t>(n1, n2), </a:t>
+            </a:r>
+            <a:br/>
+            <a:r>
+              <a:rPr>
+                <a:solidFill>
+                  <a:srgbClr val="003B4F"/>
+                </a:solidFill>
+                <a:latin typeface="Courier"/>
+              </a:rPr>
+              <a:t>                     </a:t>
+            </a:r>
+            <a:r>
+              <a:rPr>
+                <a:solidFill>
+                  <a:srgbClr val="657422"/>
+                </a:solidFill>
+                <a:latin typeface="Courier"/>
+              </a:rPr>
+              <a:t>delta =</a:t>
+            </a:r>
+            <a:r>
+              <a:rPr>
+                <a:solidFill>
+                  <a:srgbClr val="003B4F"/>
+                </a:solidFill>
+                <a:latin typeface="Courier"/>
+              </a:rPr>
+              <a:t> effect_size,</a:t>
+            </a:r>
+            <a:br/>
+            <a:r>
+              <a:rPr>
+                <a:solidFill>
+                  <a:srgbClr val="003B4F"/>
+                </a:solidFill>
+                <a:latin typeface="Courier"/>
+              </a:rPr>
+              <a:t>                     </a:t>
+            </a:r>
+            <a:r>
+              <a:rPr>
+                <a:solidFill>
+                  <a:srgbClr val="657422"/>
+                </a:solidFill>
+                <a:latin typeface="Courier"/>
+              </a:rPr>
+              <a:t>sd =</a:t>
+            </a:r>
+            <a:r>
+              <a:rPr>
+                <a:solidFill>
+                  <a:srgbClr val="003B4F"/>
+                </a:solidFill>
+                <a:latin typeface="Courier"/>
+              </a:rPr>
+              <a:t> </a:t>
+            </a:r>
+            <a:r>
+              <a:rPr>
+                <a:solidFill>
+                  <a:srgbClr val="AD0000"/>
+                </a:solidFill>
+                <a:latin typeface="Courier"/>
+              </a:rPr>
+              <a:t>1</a:t>
+            </a:r>
+            <a:r>
+              <a:rPr>
+                <a:solidFill>
+                  <a:srgbClr val="003B4F"/>
+                </a:solidFill>
+                <a:latin typeface="Courier"/>
+              </a:rPr>
+              <a:t>,  </a:t>
+            </a:r>
+            <a:r>
+              <a:rPr>
+                <a:solidFill>
+                  <a:srgbClr val="5E5E5E"/>
+                </a:solidFill>
+                <a:latin typeface="Courier"/>
+              </a:rPr>
+              <a:t># Using standardized effect size</a:t>
+            </a:r>
+            <a:br/>
+            <a:r>
+              <a:rPr>
+                <a:solidFill>
+                  <a:srgbClr val="003B4F"/>
+                </a:solidFill>
+                <a:latin typeface="Courier"/>
+              </a:rPr>
+              <a:t>                     </a:t>
+            </a:r>
+            <a:r>
+              <a:rPr>
+                <a:solidFill>
+                  <a:srgbClr val="657422"/>
+                </a:solidFill>
+                <a:latin typeface="Courier"/>
+              </a:rPr>
+              <a:t>sig.level =</a:t>
+            </a:r>
+            <a:r>
+              <a:rPr>
+                <a:solidFill>
+                  <a:srgbClr val="003B4F"/>
+                </a:solidFill>
+                <a:latin typeface="Courier"/>
+              </a:rPr>
+              <a:t> alpha,</a:t>
+            </a:r>
+            <a:br/>
+            <a:r>
+              <a:rPr>
+                <a:solidFill>
+                  <a:srgbClr val="003B4F"/>
+                </a:solidFill>
+                <a:latin typeface="Courier"/>
+              </a:rPr>
+              <a:t>                     </a:t>
+            </a:r>
+            <a:r>
+              <a:rPr>
+                <a:solidFill>
+                  <a:srgbClr val="657422"/>
+                </a:solidFill>
+                <a:latin typeface="Courier"/>
+              </a:rPr>
+              <a:t>type =</a:t>
+            </a:r>
+            <a:r>
+              <a:rPr>
+                <a:solidFill>
+                  <a:srgbClr val="003B4F"/>
+                </a:solidFill>
+                <a:latin typeface="Courier"/>
+              </a:rPr>
+              <a:t> </a:t>
+            </a:r>
+            <a:r>
+              <a:rPr>
+                <a:solidFill>
+                  <a:srgbClr val="20794D"/>
+                </a:solidFill>
+                <a:latin typeface="Courier"/>
+              </a:rPr>
+              <a:t>"two.sample"</a:t>
+            </a:r>
+            <a:r>
+              <a:rPr>
+                <a:solidFill>
+                  <a:srgbClr val="003B4F"/>
+                </a:solidFill>
+                <a:latin typeface="Courier"/>
+              </a:rPr>
+              <a:t>,</a:t>
+            </a:r>
+            <a:br/>
+            <a:r>
+              <a:rPr>
+                <a:solidFill>
+                  <a:srgbClr val="003B4F"/>
+                </a:solidFill>
+                <a:latin typeface="Courier"/>
+              </a:rPr>
+              <a:t>                     </a:t>
+            </a:r>
+            <a:r>
+              <a:rPr>
+                <a:solidFill>
+                  <a:srgbClr val="657422"/>
+                </a:solidFill>
+                <a:latin typeface="Courier"/>
+              </a:rPr>
+              <a:t>alternative =</a:t>
+            </a:r>
+            <a:r>
+              <a:rPr>
+                <a:solidFill>
+                  <a:srgbClr val="003B4F"/>
+                </a:solidFill>
+                <a:latin typeface="Courier"/>
+              </a:rPr>
+              <a:t> </a:t>
+            </a:r>
+            <a:r>
+              <a:rPr>
+                <a:solidFill>
+                  <a:srgbClr val="20794D"/>
+                </a:solidFill>
+                <a:latin typeface="Courier"/>
+              </a:rPr>
+              <a:t>"two.sided"</a:t>
+            </a:r>
+            <a:r>
+              <a:rPr>
+                <a:solidFill>
+                  <a:srgbClr val="003B4F"/>
+                </a:solidFill>
+                <a:latin typeface="Courier"/>
+              </a:rPr>
+              <a:t>)</a:t>
+            </a:r>
+            <a:br/>
+            <a:br/>
+            <a:r>
+              <a:rPr>
+                <a:solidFill>
+                  <a:srgbClr val="5E5E5E"/>
+                </a:solidFill>
+                <a:latin typeface="Courier"/>
+              </a:rPr>
+              <a:t># Display results</a:t>
+            </a:r>
+            <a:br/>
+            <a:r>
+              <a:rPr>
+                <a:solidFill>
+                  <a:srgbClr val="003B4F"/>
+                </a:solidFill>
+                <a:latin typeface="Courier"/>
+              </a:rPr>
+              <a:t>power</a:t>
+            </a:r>
+          </a:p>
+          <a:p>
+            <a:pPr lvl="0" indent="0">
+              <a:buNone/>
+            </a:pPr>
+            <a:r>
+              <a:rPr sz="2000">
+                <a:latin typeface="Courier"/>
+              </a:rPr>
+              <a:t>
+     Two-sample t test power calculation 
+              n = 66
+          delta = 0.6741298
+             sd = 1
+      sig.level = 0.05
+          power = 0.9702076
+    alternative = two.sided
+NOTE: n is number in *each* group</a:t>
+            </a:r>
+          </a:p>
+        </p:txBody>
+      </p:sp>
+    </p:spTree>
+  </p:cSld>
+</p:sld>
+</file>
+
+<file path=ppt/slides/slide56.xml><?xml version="1.0" encoding="utf-8"?>
+<p:sld xmlns:a="http://schemas.openxmlformats.org/drawingml/2006/main" xmlns:r="http://schemas.openxmlformats.org/officeDocument/2006/relationships" xmlns:p="http://schemas.openxmlformats.org/presentationml/2006/main">
+  <p:cSld>
+    <p:spTree>
+      <p:nvGrpSpPr>
+        <p:cNvPr id="1" name=""/>
+        <p:cNvGrpSpPr/>
+        <p:nvPr/>
+      </p:nvGrpSpPr>
+      <p:grpSpPr>
+        <a:xfrm>
+          <a:off x="0" y="0"/>
+          <a:ext cx="0" cy="0"/>
+          <a:chOff x="0" y="0"/>
+          <a:chExt cx="0" cy="0"/>
+        </a:xfrm>
+      </p:grpSpPr>
+      <p:sp>
+        <p:nvSpPr>
+          <p:cNvPr id="2" name="Title 1"/>
+          <p:cNvSpPr>
+            <a:spLocks noGrp="1"/>
+          </p:cNvSpPr>
+          <p:nvPr>
+            <p:ph type="title"/>
+          </p:nvPr>
+        </p:nvSpPr>
+        <p:spPr>
+          <a:xfrm>
+            <a:off x="0" y="0"/>
+            <a:ext cx="9144000" cy="602780"/>
+          </a:xfrm>
+          <a:solidFill>
+            <a:srgbClr val="70121D"/>
+          </a:solidFill>
+        </p:spPr>
+        <p:txBody>
+          <a:bodyPr/>
+          <a:lstStyle/>
+          <a:p>
+            <a:pPr lvl="0" indent="0" marL="0">
+              <a:buNone/>
+            </a:pPr>
+            <a:r>
+              <a:rPr b="1"/>
+              <a:t>Lecture 5:</a:t>
+            </a:r>
+            <a:r>
+              <a:rPr/>
+              <a:t> Summary</a:t>
+            </a:r>
+          </a:p>
+        </p:txBody>
+      </p:sp>
+      <p:sp>
+        <p:nvSpPr>
+          <p:cNvPr id="3" name="Content Placeholder 2"/>
+          <p:cNvSpPr>
+            <a:spLocks noGrp="1"/>
+          </p:cNvSpPr>
+          <p:nvPr>
+            <p:ph idx="1" sz="half"/>
+          </p:nvPr>
+        </p:nvSpPr>
+        <p:spPr/>
+        <p:txBody>
+          <a:bodyPr/>
+          <a:lstStyle/>
+          <a:p>
+            <a:pPr lvl="0" indent="0" marL="0">
+              <a:buNone/>
+            </a:pPr>
+            <a:r>
+              <a:rPr b="1"/>
+              <a:t>Key concepts covered:</a:t>
+            </a:r>
+          </a:p>
+          <a:p>
+            <a:pPr lvl="0" indent="-342900" marL="342900">
+              <a:buAutoNum type="arabicPeriod"/>
+            </a:pPr>
+            <a:r>
+              <a:rPr b="1"/>
+              <a:t>Probability distributions</a:t>
+            </a:r>
+            <a:r>
+              <a:rPr/>
+              <a:t> model random phenomena</a:t>
+            </a:r>
+          </a:p>
+          <a:p>
+            <a:pPr lvl="1"/>
+            <a:r>
+              <a:rPr/>
+              <a:t>Normal distribution is especially important</a:t>
+            </a:r>
+          </a:p>
+          <a:p>
+            <a:pPr lvl="1"/>
+            <a:r>
+              <a:rPr/>
+              <a:t>Z-scores standardize measurements</a:t>
+            </a:r>
+          </a:p>
+          <a:p>
+            <a:pPr lvl="0" indent="-342900" marL="342900">
+              <a:buAutoNum type="arabicPeriod"/>
+            </a:pPr>
+            <a:r>
+              <a:rPr b="1"/>
+              <a:t>Standard error</a:t>
+            </a:r>
+            <a:r>
+              <a:rPr/>
+              <a:t> measures precision of estimates</a:t>
+            </a:r>
+          </a:p>
+          <a:p>
+            <a:pPr lvl="1"/>
+            <a:r>
+              <a:rPr/>
+              <a:t>Decreases with larger sample sizes</a:t>
+            </a:r>
+          </a:p>
+          <a:p>
+            <a:pPr lvl="1"/>
+            <a:r>
+              <a:rPr/>
+              <a:t>Used to construct confidence intervals</a:t>
+            </a:r>
+          </a:p>
+          <a:p>
+            <a:pPr lvl="0" indent="-342900" marL="342900">
+              <a:buAutoNum type="arabicPeriod"/>
+            </a:pPr>
+            <a:r>
+              <a:rPr b="1"/>
+              <a:t>Confidence intervals</a:t>
+            </a:r>
+            <a:r>
+              <a:rPr/>
+              <a:t> express uncertainty</a:t>
+            </a:r>
+          </a:p>
+          <a:p>
+            <a:pPr lvl="1"/>
+            <a:r>
+              <a:rPr/>
+              <a:t>Provide plausible range for parameters</a:t>
+            </a:r>
+          </a:p>
+          <a:p>
+            <a:pPr lvl="1"/>
+            <a:r>
+              <a:rPr/>
+              <a:t>95% CI: </a:t>
+            </a:r>
+            <a:r>
+              <a:rPr>
+                <a:latin typeface="Courier"/>
+              </a:rPr>
+              <a:t>mean ± 1.96 × SE</a:t>
+            </a:r>
+          </a:p>
+          <a:p>
+            <a:pPr lvl="0" indent="-342900" marL="342900">
+              <a:buAutoNum type="arabicPeriod"/>
+            </a:pPr>
+            <a:r>
+              <a:rPr b="1"/>
+              <a:t>Hypothesis testing</a:t>
+            </a:r>
+            <a:r>
+              <a:rPr/>
+              <a:t> evaluates claims</a:t>
+            </a:r>
+          </a:p>
+          <a:p>
+            <a:pPr lvl="1"/>
+            <a:r>
+              <a:rPr/>
+              <a:t>Null vs. alternative hypotheses</a:t>
+            </a:r>
+          </a:p>
+          <a:p>
+            <a:pPr lvl="1"/>
+            <a:r>
+              <a:rPr/>
+              <a:t>P-values quantify evidence against H₀</a:t>
+            </a:r>
+          </a:p>
+          <a:p>
+            <a:pPr lvl="1"/>
+            <a:r>
+              <a:rPr/>
+              <a:t>Consider both statistical and practical significance</a:t>
+            </a:r>
+          </a:p>
+        </p:txBody>
+      </p:sp>
+      <p:pic>
+        <p:nvPicPr>
+          <p:cNvPr descr="06_01_lecture_powerpoint_files/figure-pptx/unnamed-chunk-17-1.png" id="0" name="Picture 1"/>
+          <p:cNvPicPr>
+            <a:picLocks noGrp="1" noChangeAspect="1"/>
+          </p:cNvPicPr>
+          <p:nvPr/>
+        </p:nvPicPr>
+        <p:blipFill>
+          <a:blip r:embed="rId2"/>
+          <a:stretch>
+            <a:fillRect/>
+          </a:stretch>
+        </p:blipFill>
+        <p:spPr bwMode="auto">
+          <a:xfrm>
+            <a:off x="6121400" y="1155700"/>
+            <a:ext cx="2781300" cy="3479800"/>
+          </a:xfrm>
+          <a:prstGeom prst="rect">
+            <a:avLst/>
+          </a:prstGeom>
+          <a:noFill/>
+          <a:ln w="9525">
+            <a:noFill/>
+            <a:headEnd/>
+            <a:tailEnd/>
+          </a:ln>
+        </p:spPr>
+      </p:pic>
+    </p:spTree>
+  </p:cSld>
+</p:sld>
+</file>
+
+<file path=ppt/slides/slide57.xml><?xml version="1.0" encoding="utf-8"?>
+<p:sld xmlns:a="http://schemas.openxmlformats.org/drawingml/2006/main" xmlns:r="http://schemas.openxmlformats.org/officeDocument/2006/relationships" xmlns:p="http://schemas.openxmlformats.org/presentationml/2006/main">
+  <p:cSld>
+    <p:spTree>
+      <p:nvGrpSpPr>
+        <p:cNvPr id="1" name=""/>
+        <p:cNvGrpSpPr/>
+        <p:nvPr/>
+      </p:nvGrpSpPr>
+      <p:grpSpPr>
+        <a:xfrm>
+          <a:off x="0" y="0"/>
+          <a:ext cx="0" cy="0"/>
+          <a:chOff x="0" y="0"/>
+          <a:chExt cx="0" cy="0"/>
+        </a:xfrm>
+      </p:grpSpPr>
+      <p:sp>
+        <p:nvSpPr>
+          <p:cNvPr id="3" name="Content Placeholder 2"/>
+          <p:cNvSpPr>
+            <a:spLocks noGrp="1"/>
+          </p:cNvSpPr>
+          <p:nvPr>
+            <p:ph idx="1"/>
+          </p:nvPr>
+        </p:nvSpPr>
+        <p:spPr/>
+        <p:txBody>
+          <a:bodyPr/>
+          <a:lstStyle/>
+          <a:p>
+            <a:pPr lvl="0" indent="0" marL="1270000">
+              <a:buNone/>
+            </a:pPr>
+            <a:r>
+              <a:rPr sz="2000" b="1"/>
+              <a:t>Final Exercise: Comprehensive Analysis</a:t>
+            </a:r>
+          </a:p>
+          <a:p>
+            <a:pPr lvl="0" indent="0" marL="1270000">
+              <a:buNone/>
+            </a:pPr>
+            <a:r>
+              <a:rPr sz="2000"/>
+              <a:t>Now that we’ve covered the key concepts, let’s perform a complete analysis of the Arctic grayling data:</a:t>
+            </a:r>
+          </a:p>
+          <a:p>
+            <a:pPr lvl="0" indent="0">
+              <a:buNone/>
+            </a:pPr>
+            <a:r>
+              <a:rPr>
+                <a:solidFill>
+                  <a:srgbClr val="5E5E5E"/>
+                </a:solidFill>
+                <a:latin typeface="Courier"/>
+              </a:rPr>
+              <a:t># Comprehensive analysis of Arctic grayling data</a:t>
+            </a:r>
+            <a:br/>
+            <a:r>
+              <a:rPr>
+                <a:solidFill>
+                  <a:srgbClr val="5E5E5E"/>
+                </a:solidFill>
+                <a:latin typeface="Courier"/>
+              </a:rPr>
+              <a:t># 1. Data visualization</a:t>
+            </a:r>
+            <a:br/>
+            <a:r>
+              <a:rPr>
+                <a:solidFill>
+                  <a:srgbClr val="003B4F"/>
+                </a:solidFill>
+                <a:latin typeface="Courier"/>
+              </a:rPr>
+              <a:t>length_boxplot &lt;- grayling_df </a:t>
+            </a:r>
+            <a:r>
+              <a:rPr>
+                <a:solidFill>
+                  <a:srgbClr val="5E5E5E"/>
+                </a:solidFill>
+                <a:latin typeface="Courier"/>
+              </a:rPr>
+              <a:t>%&gt;%</a:t>
+            </a:r>
+            <a:br/>
+            <a:r>
+              <a:rPr>
+                <a:solidFill>
+                  <a:srgbClr val="003B4F"/>
+                </a:solidFill>
+                <a:latin typeface="Courier"/>
+              </a:rPr>
+              <a:t>  </a:t>
+            </a:r>
+            <a:r>
+              <a:rPr>
+                <a:solidFill>
+                  <a:srgbClr val="4758AB"/>
+                </a:solidFill>
+                <a:latin typeface="Courier"/>
+              </a:rPr>
+              <a:t>ggplot</a:t>
+            </a:r>
+            <a:r>
+              <a:rPr>
+                <a:solidFill>
+                  <a:srgbClr val="003B4F"/>
+                </a:solidFill>
+                <a:latin typeface="Courier"/>
+              </a:rPr>
+              <a:t>(</a:t>
+            </a:r>
+            <a:r>
+              <a:rPr>
+                <a:solidFill>
+                  <a:srgbClr val="4758AB"/>
+                </a:solidFill>
+                <a:latin typeface="Courier"/>
+              </a:rPr>
+              <a:t>aes</a:t>
+            </a:r>
+            <a:r>
+              <a:rPr>
+                <a:solidFill>
+                  <a:srgbClr val="003B4F"/>
+                </a:solidFill>
+                <a:latin typeface="Courier"/>
+              </a:rPr>
+              <a:t>(</a:t>
+            </a:r>
+            <a:r>
+              <a:rPr>
+                <a:solidFill>
+                  <a:srgbClr val="657422"/>
+                </a:solidFill>
+                <a:latin typeface="Courier"/>
+              </a:rPr>
+              <a:t>x =</a:t>
+            </a:r>
+            <a:r>
+              <a:rPr>
+                <a:solidFill>
+                  <a:srgbClr val="003B4F"/>
+                </a:solidFill>
+                <a:latin typeface="Courier"/>
+              </a:rPr>
+              <a:t> lake, </a:t>
+            </a:r>
+            <a:r>
+              <a:rPr>
+                <a:solidFill>
+                  <a:srgbClr val="657422"/>
+                </a:solidFill>
+                <a:latin typeface="Courier"/>
+              </a:rPr>
+              <a:t>y =</a:t>
+            </a:r>
+            <a:r>
+              <a:rPr>
+                <a:solidFill>
+                  <a:srgbClr val="003B4F"/>
+                </a:solidFill>
+                <a:latin typeface="Courier"/>
+              </a:rPr>
+              <a:t> total_length_mm, </a:t>
+            </a:r>
+            <a:r>
+              <a:rPr>
+                <a:solidFill>
+                  <a:srgbClr val="657422"/>
+                </a:solidFill>
+                <a:latin typeface="Courier"/>
+              </a:rPr>
+              <a:t>fill =</a:t>
+            </a:r>
+            <a:r>
+              <a:rPr>
+                <a:solidFill>
+                  <a:srgbClr val="003B4F"/>
+                </a:solidFill>
+                <a:latin typeface="Courier"/>
+              </a:rPr>
+              <a:t> lake)) </a:t>
+            </a:r>
+            <a:r>
+              <a:rPr>
+                <a:solidFill>
+                  <a:srgbClr val="5E5E5E"/>
+                </a:solidFill>
+                <a:latin typeface="Courier"/>
+              </a:rPr>
+              <a:t>+</a:t>
+            </a:r>
+            <a:br/>
+            <a:r>
+              <a:rPr>
+                <a:solidFill>
+                  <a:srgbClr val="003B4F"/>
+                </a:solidFill>
+                <a:latin typeface="Courier"/>
+              </a:rPr>
+              <a:t>  </a:t>
+            </a:r>
+            <a:r>
+              <a:rPr>
+                <a:solidFill>
+                  <a:srgbClr val="4758AB"/>
+                </a:solidFill>
+                <a:latin typeface="Courier"/>
+              </a:rPr>
+              <a:t>geom_boxplot</a:t>
+            </a:r>
+            <a:r>
+              <a:rPr>
+                <a:solidFill>
+                  <a:srgbClr val="003B4F"/>
+                </a:solidFill>
+                <a:latin typeface="Courier"/>
+              </a:rPr>
+              <a:t>() </a:t>
+            </a:r>
+            <a:r>
+              <a:rPr>
+                <a:solidFill>
+                  <a:srgbClr val="5E5E5E"/>
+                </a:solidFill>
+                <a:latin typeface="Courier"/>
+              </a:rPr>
+              <a:t>+</a:t>
+            </a:r>
+            <a:br/>
+            <a:r>
+              <a:rPr>
+                <a:solidFill>
+                  <a:srgbClr val="003B4F"/>
+                </a:solidFill>
+                <a:latin typeface="Courier"/>
+              </a:rPr>
+              <a:t>  </a:t>
+            </a:r>
+            <a:r>
+              <a:rPr>
+                <a:solidFill>
+                  <a:srgbClr val="4758AB"/>
+                </a:solidFill>
+                <a:latin typeface="Courier"/>
+              </a:rPr>
+              <a:t>labs</a:t>
+            </a:r>
+            <a:r>
+              <a:rPr>
+                <a:solidFill>
+                  <a:srgbClr val="003B4F"/>
+                </a:solidFill>
+                <a:latin typeface="Courier"/>
+              </a:rPr>
+              <a:t>(</a:t>
+            </a:r>
+            <a:r>
+              <a:rPr>
+                <a:solidFill>
+                  <a:srgbClr val="657422"/>
+                </a:solidFill>
+                <a:latin typeface="Courier"/>
+              </a:rPr>
+              <a:t>title =</a:t>
+            </a:r>
+            <a:r>
+              <a:rPr>
+                <a:solidFill>
+                  <a:srgbClr val="003B4F"/>
+                </a:solidFill>
+                <a:latin typeface="Courier"/>
+              </a:rPr>
+              <a:t> </a:t>
+            </a:r>
+            <a:r>
+              <a:rPr>
+                <a:solidFill>
+                  <a:srgbClr val="20794D"/>
+                </a:solidFill>
+                <a:latin typeface="Courier"/>
+              </a:rPr>
+              <a:t>"Fish Length by Lake"</a:t>
+            </a:r>
+            <a:r>
+              <a:rPr>
+                <a:solidFill>
+                  <a:srgbClr val="003B4F"/>
+                </a:solidFill>
+                <a:latin typeface="Courier"/>
+              </a:rPr>
+              <a:t>,</a:t>
+            </a:r>
+            <a:br/>
+            <a:r>
+              <a:rPr>
+                <a:solidFill>
+                  <a:srgbClr val="003B4F"/>
+                </a:solidFill>
+                <a:latin typeface="Courier"/>
+              </a:rPr>
+              <a:t>       </a:t>
+            </a:r>
+            <a:r>
+              <a:rPr>
+                <a:solidFill>
+                  <a:srgbClr val="657422"/>
+                </a:solidFill>
+                <a:latin typeface="Courier"/>
+              </a:rPr>
+              <a:t>x =</a:t>
+            </a:r>
+            <a:r>
+              <a:rPr>
+                <a:solidFill>
+                  <a:srgbClr val="003B4F"/>
+                </a:solidFill>
+                <a:latin typeface="Courier"/>
+              </a:rPr>
+              <a:t> </a:t>
+            </a:r>
+            <a:r>
+              <a:rPr>
+                <a:solidFill>
+                  <a:srgbClr val="20794D"/>
+                </a:solidFill>
+                <a:latin typeface="Courier"/>
+              </a:rPr>
+              <a:t>"Lake"</a:t>
+            </a:r>
+            <a:r>
+              <a:rPr>
+                <a:solidFill>
+                  <a:srgbClr val="003B4F"/>
+                </a:solidFill>
+                <a:latin typeface="Courier"/>
+              </a:rPr>
+              <a:t>,</a:t>
+            </a:r>
+            <a:br/>
+            <a:r>
+              <a:rPr>
+                <a:solidFill>
+                  <a:srgbClr val="003B4F"/>
+                </a:solidFill>
+                <a:latin typeface="Courier"/>
+              </a:rPr>
+              <a:t>       </a:t>
+            </a:r>
+            <a:r>
+              <a:rPr>
+                <a:solidFill>
+                  <a:srgbClr val="657422"/>
+                </a:solidFill>
+                <a:latin typeface="Courier"/>
+              </a:rPr>
+              <a:t>y =</a:t>
+            </a:r>
+            <a:r>
+              <a:rPr>
+                <a:solidFill>
+                  <a:srgbClr val="003B4F"/>
+                </a:solidFill>
+                <a:latin typeface="Courier"/>
+              </a:rPr>
+              <a:t> </a:t>
+            </a:r>
+            <a:r>
+              <a:rPr>
+                <a:solidFill>
+                  <a:srgbClr val="20794D"/>
+                </a:solidFill>
+                <a:latin typeface="Courier"/>
+              </a:rPr>
+              <a:t>"Length (mm)"</a:t>
+            </a:r>
+            <a:r>
+              <a:rPr>
+                <a:solidFill>
+                  <a:srgbClr val="003B4F"/>
+                </a:solidFill>
+                <a:latin typeface="Courier"/>
+              </a:rPr>
+              <a:t>) </a:t>
+            </a:r>
+            <a:r>
+              <a:rPr>
+                <a:solidFill>
+                  <a:srgbClr val="5E5E5E"/>
+                </a:solidFill>
+                <a:latin typeface="Courier"/>
+              </a:rPr>
+              <a:t>+</a:t>
+            </a:r>
+            <a:br/>
+            <a:r>
+              <a:rPr>
+                <a:solidFill>
+                  <a:srgbClr val="003B4F"/>
+                </a:solidFill>
+                <a:latin typeface="Courier"/>
+              </a:rPr>
+              <a:t>  </a:t>
+            </a:r>
+            <a:r>
+              <a:rPr>
+                <a:solidFill>
+                  <a:srgbClr val="4758AB"/>
+                </a:solidFill>
+                <a:latin typeface="Courier"/>
+              </a:rPr>
+              <a:t>theme_minimal</a:t>
+            </a:r>
+            <a:r>
+              <a:rPr>
+                <a:solidFill>
+                  <a:srgbClr val="003B4F"/>
+                </a:solidFill>
+                <a:latin typeface="Courier"/>
+              </a:rPr>
+              <a:t>()</a:t>
+            </a:r>
+            <a:br/>
+            <a:br/>
+            <a:r>
+              <a:rPr>
+                <a:solidFill>
+                  <a:srgbClr val="5E5E5E"/>
+                </a:solidFill>
+                <a:latin typeface="Courier"/>
+              </a:rPr>
+              <a:t># 2. Compare means with t-test</a:t>
+            </a:r>
+            <a:br/>
+            <a:r>
+              <a:rPr>
+                <a:solidFill>
+                  <a:srgbClr val="003B4F"/>
+                </a:solidFill>
+                <a:latin typeface="Courier"/>
+              </a:rPr>
+              <a:t>length_ttest &lt;- </a:t>
+            </a:r>
+            <a:r>
+              <a:rPr>
+                <a:solidFill>
+                  <a:srgbClr val="4758AB"/>
+                </a:solidFill>
+                <a:latin typeface="Courier"/>
+              </a:rPr>
+              <a:t>t.test</a:t>
+            </a:r>
+            <a:r>
+              <a:rPr>
+                <a:solidFill>
+                  <a:srgbClr val="003B4F"/>
+                </a:solidFill>
+                <a:latin typeface="Courier"/>
+              </a:rPr>
+              <a:t>(total_length_mm </a:t>
+            </a:r>
+            <a:r>
+              <a:rPr>
+                <a:solidFill>
+                  <a:srgbClr val="5E5E5E"/>
+                </a:solidFill>
+                <a:latin typeface="Courier"/>
+              </a:rPr>
+              <a:t>~</a:t>
+            </a:r>
+            <a:r>
+              <a:rPr>
+                <a:solidFill>
+                  <a:srgbClr val="003B4F"/>
+                </a:solidFill>
+                <a:latin typeface="Courier"/>
+              </a:rPr>
+              <a:t> lake, </a:t>
+            </a:r>
+            <a:r>
+              <a:rPr>
+                <a:solidFill>
+                  <a:srgbClr val="657422"/>
+                </a:solidFill>
+                <a:latin typeface="Courier"/>
+              </a:rPr>
+              <a:t>data =</a:t>
+            </a:r>
+            <a:r>
+              <a:rPr>
+                <a:solidFill>
+                  <a:srgbClr val="003B4F"/>
+                </a:solidFill>
+                <a:latin typeface="Courier"/>
+              </a:rPr>
+              <a:t> grayling_df)</a:t>
+            </a:r>
+            <a:br/>
+            <a:br/>
+            <a:r>
+              <a:rPr>
+                <a:solidFill>
+                  <a:srgbClr val="5E5E5E"/>
+                </a:solidFill>
+                <a:latin typeface="Courier"/>
+              </a:rPr>
+              <a:t># 3. Length-mass relationship</a:t>
+            </a:r>
+            <a:br/>
+            <a:r>
+              <a:rPr>
+                <a:solidFill>
+                  <a:srgbClr val="003B4F"/>
+                </a:solidFill>
+                <a:latin typeface="Courier"/>
+              </a:rPr>
+              <a:t>length_mass_model &lt;- </a:t>
+            </a:r>
+            <a:r>
+              <a:rPr>
+                <a:solidFill>
+                  <a:srgbClr val="4758AB"/>
+                </a:solidFill>
+                <a:latin typeface="Courier"/>
+              </a:rPr>
+              <a:t>lm</a:t>
+            </a:r>
+            <a:r>
+              <a:rPr>
+                <a:solidFill>
+                  <a:srgbClr val="003B4F"/>
+                </a:solidFill>
+                <a:latin typeface="Courier"/>
+              </a:rPr>
+              <a:t>(mass_g </a:t>
+            </a:r>
+            <a:r>
+              <a:rPr>
+                <a:solidFill>
+                  <a:srgbClr val="5E5E5E"/>
+                </a:solidFill>
+                <a:latin typeface="Courier"/>
+              </a:rPr>
+              <a:t>~</a:t>
+            </a:r>
+            <a:r>
+              <a:rPr>
+                <a:solidFill>
+                  <a:srgbClr val="003B4F"/>
+                </a:solidFill>
+                <a:latin typeface="Courier"/>
+              </a:rPr>
+              <a:t> total_length_mm </a:t>
+            </a:r>
+            <a:r>
+              <a:rPr>
+                <a:solidFill>
+                  <a:srgbClr val="5E5E5E"/>
+                </a:solidFill>
+                <a:latin typeface="Courier"/>
+              </a:rPr>
+              <a:t>*</a:t>
+            </a:r>
+            <a:r>
+              <a:rPr>
+                <a:solidFill>
+                  <a:srgbClr val="003B4F"/>
+                </a:solidFill>
+                <a:latin typeface="Courier"/>
+              </a:rPr>
+              <a:t> lake, </a:t>
+            </a:r>
+            <a:r>
+              <a:rPr>
+                <a:solidFill>
+                  <a:srgbClr val="657422"/>
+                </a:solidFill>
+                <a:latin typeface="Courier"/>
+              </a:rPr>
+              <a:t>data =</a:t>
+            </a:r>
+            <a:r>
+              <a:rPr>
+                <a:solidFill>
+                  <a:srgbClr val="003B4F"/>
+                </a:solidFill>
+                <a:latin typeface="Courier"/>
+              </a:rPr>
+              <a:t> grayling_df)</a:t>
+            </a:r>
+            <a:br/>
+            <a:r>
+              <a:rPr>
+                <a:solidFill>
+                  <a:srgbClr val="003B4F"/>
+                </a:solidFill>
+                <a:latin typeface="Courier"/>
+              </a:rPr>
+              <a:t>model_summary &lt;- </a:t>
+            </a:r>
+            <a:r>
+              <a:rPr>
+                <a:solidFill>
+                  <a:srgbClr val="4758AB"/>
+                </a:solidFill>
+                <a:latin typeface="Courier"/>
+              </a:rPr>
+              <a:t>summary</a:t>
+            </a:r>
+            <a:r>
+              <a:rPr>
+                <a:solidFill>
+                  <a:srgbClr val="003B4F"/>
+                </a:solidFill>
+                <a:latin typeface="Courier"/>
+              </a:rPr>
+              <a:t>(length_mass_model)</a:t>
+            </a:r>
+            <a:br/>
+            <a:br/>
+            <a:r>
+              <a:rPr>
+                <a:solidFill>
+                  <a:srgbClr val="5E5E5E"/>
+                </a:solidFill>
+                <a:latin typeface="Courier"/>
+              </a:rPr>
+              <a:t># 4. Display results</a:t>
+            </a:r>
+            <a:br/>
+            <a:r>
+              <a:rPr>
+                <a:solidFill>
+                  <a:srgbClr val="003B4F"/>
+                </a:solidFill>
+                <a:latin typeface="Courier"/>
+              </a:rPr>
+              <a:t>length_boxplot</a:t>
+            </a:r>
+          </a:p>
+          <a:p>
+            <a:pPr lvl="0" indent="0" marL="1270000">
+              <a:buNone/>
+            </a:pPr>
+          </a:p>
+          <a:p>
+            <a:pPr lvl="0" indent="0">
+              <a:buNone/>
+            </a:pPr>
+            <a:r>
+              <a:rPr>
+                <a:solidFill>
+                  <a:srgbClr val="003B4F"/>
+                </a:solidFill>
+                <a:latin typeface="Courier"/>
+              </a:rPr>
+              <a:t>length_ttest</a:t>
+            </a:r>
+          </a:p>
+          <a:p>
+            <a:pPr lvl="0" indent="0">
+              <a:buNone/>
+            </a:pPr>
+            <a:r>
+              <a:rPr sz="2000">
+                <a:latin typeface="Courier"/>
+              </a:rPr>
+              <a:t>
+    Welch Two Sample t-test
+data:  total_length_mm by lake
+t = -15.532, df = 161.63, p-value &lt; 2.2e-16
+alternative hypothesis: true difference in means between group I3 and group I8 is not equal to 0
+95 percent confidence interval:
+ -109.32342  -84.66053
+sample estimates:
+mean in group I3 mean in group I8 
+        265.6061         362.5980 </a:t>
+            </a:r>
+          </a:p>
+          <a:p>
+            <a:pPr lvl="0" indent="0">
+              <a:buNone/>
+            </a:pPr>
+            <a:r>
+              <a:rPr>
+                <a:solidFill>
+                  <a:srgbClr val="003B4F"/>
+                </a:solidFill>
+                <a:latin typeface="Courier"/>
+              </a:rPr>
+              <a:t>model_summary</a:t>
+            </a:r>
+          </a:p>
+          <a:p>
+            <a:pPr lvl="0" indent="0">
+              <a:buNone/>
+            </a:pPr>
+            <a:r>
+              <a:rPr sz="2000">
+                <a:latin typeface="Courier"/>
+              </a:rPr>
+              <a:t>
+Call:
+lm(formula = mass_g ~ total_length_mm * lake, data = grayling_df)
+Residuals:
+     Min       1Q   Median       3Q      Max 
+-151.223  -14.839   -0.764   10.670  153.130 
+Coefficients:
+                        Estimate Std. Error t value Pr(&gt;|t|)    
+(Intercept)            -219.3313    47.9087  -4.578 9.30e-06 ***
+total_length_mm           1.3924     0.1794   7.763 8.88e-13 ***
+lakeI8                 -522.5506    56.5882  -9.234  &lt; 2e-16 ***
+total_length_mm:lakeI8    1.9738     0.1972  10.009  &lt; 2e-16 ***
+---
+Signif. codes:  0 '***' 0.001 '**' 0.01 '*' 0.05 '.' 0.1 ' ' 1
+Residual standard error: 40.93 on 162 degrees of freedom
+  (2 observations deleted due to missingness)
+Multiple R-squared:  0.9644,    Adjusted R-squared:  0.9637 
+F-statistic:  1461 on 3 and 162 DF,  p-value: &lt; 2.2e-16</a:t>
+            </a:r>
+          </a:p>
+          <a:p>
+            <a:pPr lvl="0" indent="0">
+              <a:buNone/>
+            </a:pPr>
+            <a:r>
+              <a:rPr>
+                <a:solidFill>
+                  <a:srgbClr val="5E5E5E"/>
+                </a:solidFill>
+                <a:latin typeface="Courier"/>
+              </a:rPr>
+              <a:t># 5. Calculate 95% confidence intervals for each lake</a:t>
+            </a:r>
+            <a:br/>
+            <a:r>
+              <a:rPr>
+                <a:solidFill>
+                  <a:srgbClr val="003B4F"/>
+                </a:solidFill>
+                <a:latin typeface="Courier"/>
+              </a:rPr>
+              <a:t>ci_results &lt;- grayling_df </a:t>
+            </a:r>
+            <a:r>
+              <a:rPr>
+                <a:solidFill>
+                  <a:srgbClr val="5E5E5E"/>
+                </a:solidFill>
+                <a:latin typeface="Courier"/>
+              </a:rPr>
+              <a:t>%&gt;%</a:t>
+            </a:r>
+            <a:br/>
+            <a:r>
+              <a:rPr>
+                <a:solidFill>
+                  <a:srgbClr val="003B4F"/>
+                </a:solidFill>
+                <a:latin typeface="Courier"/>
+              </a:rPr>
+              <a:t>  </a:t>
+            </a:r>
+            <a:r>
+              <a:rPr>
+                <a:solidFill>
+                  <a:srgbClr val="4758AB"/>
+                </a:solidFill>
+                <a:latin typeface="Courier"/>
+              </a:rPr>
+              <a:t>group_by</a:t>
+            </a:r>
+            <a:r>
+              <a:rPr>
+                <a:solidFill>
+                  <a:srgbClr val="003B4F"/>
+                </a:solidFill>
+                <a:latin typeface="Courier"/>
+              </a:rPr>
+              <a:t>(lake) </a:t>
+            </a:r>
+            <a:r>
+              <a:rPr>
+                <a:solidFill>
+                  <a:srgbClr val="5E5E5E"/>
+                </a:solidFill>
+                <a:latin typeface="Courier"/>
+              </a:rPr>
+              <a:t>%&gt;%</a:t>
+            </a:r>
+            <a:br/>
+            <a:r>
+              <a:rPr>
+                <a:solidFill>
+                  <a:srgbClr val="003B4F"/>
+                </a:solidFill>
+                <a:latin typeface="Courier"/>
+              </a:rPr>
+              <a:t>  </a:t>
+            </a:r>
+            <a:r>
+              <a:rPr>
+                <a:solidFill>
+                  <a:srgbClr val="4758AB"/>
+                </a:solidFill>
+                <a:latin typeface="Courier"/>
+              </a:rPr>
+              <a:t>summarize</a:t>
+            </a:r>
+            <a:r>
+              <a:rPr>
+                <a:solidFill>
+                  <a:srgbClr val="003B4F"/>
+                </a:solidFill>
+                <a:latin typeface="Courier"/>
+              </a:rPr>
+              <a:t>(</a:t>
+            </a:r>
+            <a:br/>
+            <a:r>
+              <a:rPr>
+                <a:solidFill>
+                  <a:srgbClr val="003B4F"/>
+                </a:solidFill>
+                <a:latin typeface="Courier"/>
+              </a:rPr>
+              <a:t>    </a:t>
+            </a:r>
+            <a:r>
+              <a:rPr>
+                <a:solidFill>
+                  <a:srgbClr val="657422"/>
+                </a:solidFill>
+                <a:latin typeface="Courier"/>
+              </a:rPr>
+              <a:t>mean_length =</a:t>
+            </a:r>
+            <a:r>
+              <a:rPr>
+                <a:solidFill>
+                  <a:srgbClr val="003B4F"/>
+                </a:solidFill>
+                <a:latin typeface="Courier"/>
+              </a:rPr>
+              <a:t> </a:t>
+            </a:r>
+            <a:r>
+              <a:rPr>
+                <a:solidFill>
+                  <a:srgbClr val="4758AB"/>
+                </a:solidFill>
+                <a:latin typeface="Courier"/>
+              </a:rPr>
+              <a:t>mean</a:t>
+            </a:r>
+            <a:r>
+              <a:rPr>
+                <a:solidFill>
+                  <a:srgbClr val="003B4F"/>
+                </a:solidFill>
+                <a:latin typeface="Courier"/>
+              </a:rPr>
+              <a:t>(total_length_mm, </a:t>
+            </a:r>
+            <a:r>
+              <a:rPr>
+                <a:solidFill>
+                  <a:srgbClr val="657422"/>
+                </a:solidFill>
+                <a:latin typeface="Courier"/>
+              </a:rPr>
+              <a:t>na.rm =</a:t>
+            </a:r>
+            <a:r>
+              <a:rPr>
+                <a:solidFill>
+                  <a:srgbClr val="003B4F"/>
+                </a:solidFill>
+                <a:latin typeface="Courier"/>
+              </a:rPr>
+              <a:t> </a:t>
+            </a:r>
+            <a:r>
+              <a:rPr>
+                <a:solidFill>
+                  <a:srgbClr val="8F5902"/>
+                </a:solidFill>
+                <a:latin typeface="Courier"/>
+              </a:rPr>
+              <a:t>TRUE</a:t>
+            </a:r>
+            <a:r>
+              <a:rPr>
+                <a:solidFill>
+                  <a:srgbClr val="003B4F"/>
+                </a:solidFill>
+                <a:latin typeface="Courier"/>
+              </a:rPr>
+              <a:t>),</a:t>
+            </a:r>
+            <a:br/>
+            <a:r>
+              <a:rPr>
+                <a:solidFill>
+                  <a:srgbClr val="003B4F"/>
+                </a:solidFill>
+                <a:latin typeface="Courier"/>
+              </a:rPr>
+              <a:t>    </a:t>
+            </a:r>
+            <a:r>
+              <a:rPr>
+                <a:solidFill>
+                  <a:srgbClr val="657422"/>
+                </a:solidFill>
+                <a:latin typeface="Courier"/>
+              </a:rPr>
+              <a:t>sd_length =</a:t>
+            </a:r>
+            <a:r>
+              <a:rPr>
+                <a:solidFill>
+                  <a:srgbClr val="003B4F"/>
+                </a:solidFill>
+                <a:latin typeface="Courier"/>
+              </a:rPr>
+              <a:t> </a:t>
+            </a:r>
+            <a:r>
+              <a:rPr>
+                <a:solidFill>
+                  <a:srgbClr val="4758AB"/>
+                </a:solidFill>
+                <a:latin typeface="Courier"/>
+              </a:rPr>
+              <a:t>sd</a:t>
+            </a:r>
+            <a:r>
+              <a:rPr>
+                <a:solidFill>
+                  <a:srgbClr val="003B4F"/>
+                </a:solidFill>
+                <a:latin typeface="Courier"/>
+              </a:rPr>
+              <a:t>(total_length_mm, </a:t>
+            </a:r>
+            <a:r>
+              <a:rPr>
+                <a:solidFill>
+                  <a:srgbClr val="657422"/>
+                </a:solidFill>
+                <a:latin typeface="Courier"/>
+              </a:rPr>
+              <a:t>na.rm =</a:t>
+            </a:r>
+            <a:r>
+              <a:rPr>
+                <a:solidFill>
+                  <a:srgbClr val="003B4F"/>
+                </a:solidFill>
+                <a:latin typeface="Courier"/>
+              </a:rPr>
+              <a:t> </a:t>
+            </a:r>
+            <a:r>
+              <a:rPr>
+                <a:solidFill>
+                  <a:srgbClr val="8F5902"/>
+                </a:solidFill>
+                <a:latin typeface="Courier"/>
+              </a:rPr>
+              <a:t>TRUE</a:t>
+            </a:r>
+            <a:r>
+              <a:rPr>
+                <a:solidFill>
+                  <a:srgbClr val="003B4F"/>
+                </a:solidFill>
+                <a:latin typeface="Courier"/>
+              </a:rPr>
+              <a:t>),</a:t>
+            </a:r>
+            <a:br/>
+            <a:r>
+              <a:rPr>
+                <a:solidFill>
+                  <a:srgbClr val="003B4F"/>
+                </a:solidFill>
+                <a:latin typeface="Courier"/>
+              </a:rPr>
+              <a:t>    </a:t>
+            </a:r>
+            <a:r>
+              <a:rPr>
+                <a:solidFill>
+                  <a:srgbClr val="657422"/>
+                </a:solidFill>
+                <a:latin typeface="Courier"/>
+              </a:rPr>
+              <a:t>n =</a:t>
+            </a:r>
+            <a:r>
+              <a:rPr>
+                <a:solidFill>
+                  <a:srgbClr val="003B4F"/>
+                </a:solidFill>
+                <a:latin typeface="Courier"/>
+              </a:rPr>
+              <a:t> </a:t>
+            </a:r>
+            <a:r>
+              <a:rPr>
+                <a:solidFill>
+                  <a:srgbClr val="4758AB"/>
+                </a:solidFill>
+                <a:latin typeface="Courier"/>
+              </a:rPr>
+              <a:t>sum</a:t>
+            </a:r>
+            <a:r>
+              <a:rPr>
+                <a:solidFill>
+                  <a:srgbClr val="003B4F"/>
+                </a:solidFill>
+                <a:latin typeface="Courier"/>
+              </a:rPr>
+              <a:t>(</a:t>
+            </a:r>
+            <a:r>
+              <a:rPr>
+                <a:solidFill>
+                  <a:srgbClr val="5E5E5E"/>
+                </a:solidFill>
+                <a:latin typeface="Courier"/>
+              </a:rPr>
+              <a:t>!</a:t>
+            </a:r>
+            <a:r>
+              <a:rPr>
+                <a:solidFill>
+                  <a:srgbClr val="4758AB"/>
+                </a:solidFill>
+                <a:latin typeface="Courier"/>
+              </a:rPr>
+              <a:t>is.na</a:t>
+            </a:r>
+            <a:r>
+              <a:rPr>
+                <a:solidFill>
+                  <a:srgbClr val="003B4F"/>
+                </a:solidFill>
+                <a:latin typeface="Courier"/>
+              </a:rPr>
+              <a:t>(total_length_mm)),</a:t>
+            </a:r>
+            <a:br/>
+            <a:r>
+              <a:rPr>
+                <a:solidFill>
+                  <a:srgbClr val="003B4F"/>
+                </a:solidFill>
+                <a:latin typeface="Courier"/>
+              </a:rPr>
+              <a:t>    </a:t>
+            </a:r>
+            <a:r>
+              <a:rPr>
+                <a:solidFill>
+                  <a:srgbClr val="657422"/>
+                </a:solidFill>
+                <a:latin typeface="Courier"/>
+              </a:rPr>
+              <a:t>se_length =</a:t>
+            </a:r>
+            <a:r>
+              <a:rPr>
+                <a:solidFill>
+                  <a:srgbClr val="003B4F"/>
+                </a:solidFill>
+                <a:latin typeface="Courier"/>
+              </a:rPr>
+              <a:t> sd_length </a:t>
+            </a:r>
+            <a:r>
+              <a:rPr>
+                <a:solidFill>
+                  <a:srgbClr val="5E5E5E"/>
+                </a:solidFill>
+                <a:latin typeface="Courier"/>
+              </a:rPr>
+              <a:t>/</a:t>
+            </a:r>
+            <a:r>
+              <a:rPr>
+                <a:solidFill>
+                  <a:srgbClr val="003B4F"/>
+                </a:solidFill>
+                <a:latin typeface="Courier"/>
+              </a:rPr>
+              <a:t> </a:t>
+            </a:r>
+            <a:r>
+              <a:rPr>
+                <a:solidFill>
+                  <a:srgbClr val="4758AB"/>
+                </a:solidFill>
+                <a:latin typeface="Courier"/>
+              </a:rPr>
+              <a:t>sqrt</a:t>
+            </a:r>
+            <a:r>
+              <a:rPr>
+                <a:solidFill>
+                  <a:srgbClr val="003B4F"/>
+                </a:solidFill>
+                <a:latin typeface="Courier"/>
+              </a:rPr>
+              <a:t>(n),</a:t>
+            </a:r>
+            <a:br/>
+            <a:r>
+              <a:rPr>
+                <a:solidFill>
+                  <a:srgbClr val="003B4F"/>
+                </a:solidFill>
+                <a:latin typeface="Courier"/>
+              </a:rPr>
+              <a:t>    </a:t>
+            </a:r>
+            <a:r>
+              <a:rPr>
+                <a:solidFill>
+                  <a:srgbClr val="657422"/>
+                </a:solidFill>
+                <a:latin typeface="Courier"/>
+              </a:rPr>
+              <a:t>t_crit =</a:t>
+            </a:r>
+            <a:r>
+              <a:rPr>
+                <a:solidFill>
+                  <a:srgbClr val="003B4F"/>
+                </a:solidFill>
+                <a:latin typeface="Courier"/>
+              </a:rPr>
+              <a:t> </a:t>
+            </a:r>
+            <a:r>
+              <a:rPr>
+                <a:solidFill>
+                  <a:srgbClr val="4758AB"/>
+                </a:solidFill>
+                <a:latin typeface="Courier"/>
+              </a:rPr>
+              <a:t>qt</a:t>
+            </a:r>
+            <a:r>
+              <a:rPr>
+                <a:solidFill>
+                  <a:srgbClr val="003B4F"/>
+                </a:solidFill>
+                <a:latin typeface="Courier"/>
+              </a:rPr>
+              <a:t>(</a:t>
+            </a:r>
+            <a:r>
+              <a:rPr>
+                <a:solidFill>
+                  <a:srgbClr val="AD0000"/>
+                </a:solidFill>
+                <a:latin typeface="Courier"/>
+              </a:rPr>
+              <a:t>0.975</a:t>
+            </a:r>
+            <a:r>
+              <a:rPr>
+                <a:solidFill>
+                  <a:srgbClr val="003B4F"/>
+                </a:solidFill>
+                <a:latin typeface="Courier"/>
+              </a:rPr>
+              <a:t>, </a:t>
+            </a:r>
+            <a:r>
+              <a:rPr>
+                <a:solidFill>
+                  <a:srgbClr val="657422"/>
+                </a:solidFill>
+                <a:latin typeface="Courier"/>
+              </a:rPr>
+              <a:t>df =</a:t>
+            </a:r>
+            <a:r>
+              <a:rPr>
+                <a:solidFill>
+                  <a:srgbClr val="003B4F"/>
+                </a:solidFill>
+                <a:latin typeface="Courier"/>
+              </a:rPr>
+              <a:t> n </a:t>
+            </a:r>
+            <a:r>
+              <a:rPr>
+                <a:solidFill>
+                  <a:srgbClr val="5E5E5E"/>
+                </a:solidFill>
+                <a:latin typeface="Courier"/>
+              </a:rPr>
+              <a:t>-</a:t>
+            </a:r>
+            <a:r>
+              <a:rPr>
+                <a:solidFill>
+                  <a:srgbClr val="003B4F"/>
+                </a:solidFill>
+                <a:latin typeface="Courier"/>
+              </a:rPr>
+              <a:t> </a:t>
+            </a:r>
+            <a:r>
+              <a:rPr>
+                <a:solidFill>
+                  <a:srgbClr val="AD0000"/>
+                </a:solidFill>
+                <a:latin typeface="Courier"/>
+              </a:rPr>
+              <a:t>1</a:t>
+            </a:r>
+            <a:r>
+              <a:rPr>
+                <a:solidFill>
+                  <a:srgbClr val="003B4F"/>
+                </a:solidFill>
+                <a:latin typeface="Courier"/>
+              </a:rPr>
+              <a:t>),</a:t>
+            </a:r>
+            <a:br/>
+            <a:r>
+              <a:rPr>
+                <a:solidFill>
+                  <a:srgbClr val="003B4F"/>
+                </a:solidFill>
+                <a:latin typeface="Courier"/>
+              </a:rPr>
+              <a:t>    </a:t>
+            </a:r>
+            <a:r>
+              <a:rPr>
+                <a:solidFill>
+                  <a:srgbClr val="657422"/>
+                </a:solidFill>
+                <a:latin typeface="Courier"/>
+              </a:rPr>
+              <a:t>margin_error =</a:t>
+            </a:r>
+            <a:r>
+              <a:rPr>
+                <a:solidFill>
+                  <a:srgbClr val="003B4F"/>
+                </a:solidFill>
+                <a:latin typeface="Courier"/>
+              </a:rPr>
+              <a:t> t_crit </a:t>
+            </a:r>
+            <a:r>
+              <a:rPr>
+                <a:solidFill>
+                  <a:srgbClr val="5E5E5E"/>
+                </a:solidFill>
+                <a:latin typeface="Courier"/>
+              </a:rPr>
+              <a:t>*</a:t>
+            </a:r>
+            <a:r>
+              <a:rPr>
+                <a:solidFill>
+                  <a:srgbClr val="003B4F"/>
+                </a:solidFill>
+                <a:latin typeface="Courier"/>
+              </a:rPr>
+              <a:t> se_length,</a:t>
+            </a:r>
+            <a:br/>
+            <a:r>
+              <a:rPr>
+                <a:solidFill>
+                  <a:srgbClr val="003B4F"/>
+                </a:solidFill>
+                <a:latin typeface="Courier"/>
+              </a:rPr>
+              <a:t>    </a:t>
+            </a:r>
+            <a:r>
+              <a:rPr>
+                <a:solidFill>
+                  <a:srgbClr val="657422"/>
+                </a:solidFill>
+                <a:latin typeface="Courier"/>
+              </a:rPr>
+              <a:t>ci_lower =</a:t>
+            </a:r>
+            <a:r>
+              <a:rPr>
+                <a:solidFill>
+                  <a:srgbClr val="003B4F"/>
+                </a:solidFill>
+                <a:latin typeface="Courier"/>
+              </a:rPr>
+              <a:t> mean_length </a:t>
+            </a:r>
+            <a:r>
+              <a:rPr>
+                <a:solidFill>
+                  <a:srgbClr val="5E5E5E"/>
+                </a:solidFill>
+                <a:latin typeface="Courier"/>
+              </a:rPr>
+              <a:t>-</a:t>
+            </a:r>
+            <a:r>
+              <a:rPr>
+                <a:solidFill>
+                  <a:srgbClr val="003B4F"/>
+                </a:solidFill>
+                <a:latin typeface="Courier"/>
+              </a:rPr>
+              <a:t> margin_error,</a:t>
+            </a:r>
+            <a:br/>
+            <a:r>
+              <a:rPr>
+                <a:solidFill>
+                  <a:srgbClr val="003B4F"/>
+                </a:solidFill>
+                <a:latin typeface="Courier"/>
+              </a:rPr>
+              <a:t>    </a:t>
+            </a:r>
+            <a:r>
+              <a:rPr>
+                <a:solidFill>
+                  <a:srgbClr val="657422"/>
+                </a:solidFill>
+                <a:latin typeface="Courier"/>
+              </a:rPr>
+              <a:t>ci_upper =</a:t>
+            </a:r>
+            <a:r>
+              <a:rPr>
+                <a:solidFill>
+                  <a:srgbClr val="003B4F"/>
+                </a:solidFill>
+                <a:latin typeface="Courier"/>
+              </a:rPr>
+              <a:t> mean_length </a:t>
+            </a:r>
+            <a:r>
+              <a:rPr>
+                <a:solidFill>
+                  <a:srgbClr val="5E5E5E"/>
+                </a:solidFill>
+                <a:latin typeface="Courier"/>
+              </a:rPr>
+              <a:t>+</a:t>
+            </a:r>
+            <a:r>
+              <a:rPr>
+                <a:solidFill>
+                  <a:srgbClr val="003B4F"/>
+                </a:solidFill>
+                <a:latin typeface="Courier"/>
+              </a:rPr>
+              <a:t> margin_error,</a:t>
+            </a:r>
+            <a:br/>
+            <a:r>
+              <a:rPr>
+                <a:solidFill>
+                  <a:srgbClr val="003B4F"/>
+                </a:solidFill>
+                <a:latin typeface="Courier"/>
+              </a:rPr>
+              <a:t>    </a:t>
+            </a:r>
+            <a:r>
+              <a:rPr>
+                <a:solidFill>
+                  <a:srgbClr val="657422"/>
+                </a:solidFill>
+                <a:latin typeface="Courier"/>
+              </a:rPr>
+              <a:t>.groups =</a:t>
+            </a:r>
+            <a:r>
+              <a:rPr>
+                <a:solidFill>
+                  <a:srgbClr val="003B4F"/>
+                </a:solidFill>
+                <a:latin typeface="Courier"/>
+              </a:rPr>
+              <a:t> </a:t>
+            </a:r>
+            <a:r>
+              <a:rPr>
+                <a:solidFill>
+                  <a:srgbClr val="20794D"/>
+                </a:solidFill>
+                <a:latin typeface="Courier"/>
+              </a:rPr>
+              <a:t>"drop"</a:t>
+            </a:r>
+            <a:br/>
+            <a:r>
+              <a:rPr>
+                <a:solidFill>
+                  <a:srgbClr val="003B4F"/>
+                </a:solidFill>
+                <a:latin typeface="Courier"/>
+              </a:rPr>
+              <a:t>  )</a:t>
+            </a:r>
+            <a:br/>
+            <a:br/>
+            <a:r>
+              <a:rPr>
+                <a:solidFill>
+                  <a:srgbClr val="5E5E5E"/>
+                </a:solidFill>
+                <a:latin typeface="Courier"/>
+              </a:rPr>
+              <a:t># Display confidence intervals</a:t>
+            </a:r>
+            <a:br/>
+            <a:r>
+              <a:rPr>
+                <a:solidFill>
+                  <a:srgbClr val="003B4F"/>
+                </a:solidFill>
+                <a:latin typeface="Courier"/>
+              </a:rPr>
+              <a:t>ci_results</a:t>
+            </a:r>
+          </a:p>
+          <a:p>
+            <a:pPr lvl="0" indent="0">
+              <a:buNone/>
+            </a:pPr>
+            <a:r>
+              <a:rPr sz="2000">
+                <a:latin typeface="Courier"/>
+              </a:rPr>
+              <a:t># A tibble: 2 × 9
+  lake  mean_length sd_length     n se_length t_crit margin_error ci_lower
+  &lt;chr&gt;       &lt;dbl&gt;     &lt;dbl&gt; &lt;int&gt;     &lt;dbl&gt;  &lt;dbl&gt;        &lt;dbl&gt;    &lt;dbl&gt;
+1 I3           266.      28.3    66      3.48   2.00         6.96     259.
+2 I8           363.      52.3   102      5.18   1.98        10.3      352.
+# ℹ 1 more variable: ci_upper &lt;dbl&gt;</a:t>
+            </a:r>
+          </a:p>
+          <a:p>
+            <a:pPr lvl="0" indent="0">
+              <a:buNone/>
+            </a:pPr>
+            <a:r>
+              <a:rPr>
+                <a:solidFill>
+                  <a:srgbClr val="5E5E5E"/>
+                </a:solidFill>
+                <a:latin typeface="Courier"/>
+              </a:rPr>
+              <a:t># 6. Visualize regression with confidence intervals</a:t>
+            </a:r>
+            <a:br/>
+            <a:r>
+              <a:rPr>
+                <a:solidFill>
+                  <a:srgbClr val="003B4F"/>
+                </a:solidFill>
+                <a:latin typeface="Courier"/>
+              </a:rPr>
+              <a:t>regression_plot &lt;- grayling_df </a:t>
+            </a:r>
+            <a:r>
+              <a:rPr>
+                <a:solidFill>
+                  <a:srgbClr val="5E5E5E"/>
+                </a:solidFill>
+                <a:latin typeface="Courier"/>
+              </a:rPr>
+              <a:t>%&gt;%</a:t>
+            </a:r>
+            <a:br/>
+            <a:r>
+              <a:rPr>
+                <a:solidFill>
+                  <a:srgbClr val="003B4F"/>
+                </a:solidFill>
+                <a:latin typeface="Courier"/>
+              </a:rPr>
+              <a:t>  </a:t>
+            </a:r>
+            <a:r>
+              <a:rPr>
+                <a:solidFill>
+                  <a:srgbClr val="4758AB"/>
+                </a:solidFill>
+                <a:latin typeface="Courier"/>
+              </a:rPr>
+              <a:t>ggplot</a:t>
+            </a:r>
+            <a:r>
+              <a:rPr>
+                <a:solidFill>
+                  <a:srgbClr val="003B4F"/>
+                </a:solidFill>
+                <a:latin typeface="Courier"/>
+              </a:rPr>
+              <a:t>(</a:t>
+            </a:r>
+            <a:r>
+              <a:rPr>
+                <a:solidFill>
+                  <a:srgbClr val="4758AB"/>
+                </a:solidFill>
+                <a:latin typeface="Courier"/>
+              </a:rPr>
+              <a:t>aes</a:t>
+            </a:r>
+            <a:r>
+              <a:rPr>
+                <a:solidFill>
+                  <a:srgbClr val="003B4F"/>
+                </a:solidFill>
+                <a:latin typeface="Courier"/>
+              </a:rPr>
+              <a:t>(</a:t>
+            </a:r>
+            <a:r>
+              <a:rPr>
+                <a:solidFill>
+                  <a:srgbClr val="657422"/>
+                </a:solidFill>
+                <a:latin typeface="Courier"/>
+              </a:rPr>
+              <a:t>x =</a:t>
+            </a:r>
+            <a:r>
+              <a:rPr>
+                <a:solidFill>
+                  <a:srgbClr val="003B4F"/>
+                </a:solidFill>
+                <a:latin typeface="Courier"/>
+              </a:rPr>
+              <a:t> total_length_mm, </a:t>
+            </a:r>
+            <a:r>
+              <a:rPr>
+                <a:solidFill>
+                  <a:srgbClr val="657422"/>
+                </a:solidFill>
+                <a:latin typeface="Courier"/>
+              </a:rPr>
+              <a:t>y =</a:t>
+            </a:r>
+            <a:r>
+              <a:rPr>
+                <a:solidFill>
+                  <a:srgbClr val="003B4F"/>
+                </a:solidFill>
+                <a:latin typeface="Courier"/>
+              </a:rPr>
+              <a:t> mass_g, </a:t>
+            </a:r>
+            <a:r>
+              <a:rPr>
+                <a:solidFill>
+                  <a:srgbClr val="657422"/>
+                </a:solidFill>
+                <a:latin typeface="Courier"/>
+              </a:rPr>
+              <a:t>color =</a:t>
+            </a:r>
+            <a:r>
+              <a:rPr>
+                <a:solidFill>
+                  <a:srgbClr val="003B4F"/>
+                </a:solidFill>
+                <a:latin typeface="Courier"/>
+              </a:rPr>
+              <a:t> lake)) </a:t>
+            </a:r>
+            <a:r>
+              <a:rPr>
+                <a:solidFill>
+                  <a:srgbClr val="5E5E5E"/>
+                </a:solidFill>
+                <a:latin typeface="Courier"/>
+              </a:rPr>
+              <a:t>+</a:t>
+            </a:r>
+            <a:br/>
+            <a:r>
+              <a:rPr>
+                <a:solidFill>
+                  <a:srgbClr val="003B4F"/>
+                </a:solidFill>
+                <a:latin typeface="Courier"/>
+              </a:rPr>
+              <a:t>  </a:t>
+            </a:r>
+            <a:r>
+              <a:rPr>
+                <a:solidFill>
+                  <a:srgbClr val="4758AB"/>
+                </a:solidFill>
+                <a:latin typeface="Courier"/>
+              </a:rPr>
+              <a:t>geom_point</a:t>
+            </a:r>
+            <a:r>
+              <a:rPr>
+                <a:solidFill>
+                  <a:srgbClr val="003B4F"/>
+                </a:solidFill>
+                <a:latin typeface="Courier"/>
+              </a:rPr>
+              <a:t>(</a:t>
+            </a:r>
+            <a:r>
+              <a:rPr>
+                <a:solidFill>
+                  <a:srgbClr val="657422"/>
+                </a:solidFill>
+                <a:latin typeface="Courier"/>
+              </a:rPr>
+              <a:t>alpha =</a:t>
+            </a:r>
+            <a:r>
+              <a:rPr>
+                <a:solidFill>
+                  <a:srgbClr val="003B4F"/>
+                </a:solidFill>
+                <a:latin typeface="Courier"/>
+              </a:rPr>
+              <a:t> </a:t>
+            </a:r>
+            <a:r>
+              <a:rPr>
+                <a:solidFill>
+                  <a:srgbClr val="AD0000"/>
+                </a:solidFill>
+                <a:latin typeface="Courier"/>
+              </a:rPr>
+              <a:t>0.7</a:t>
+            </a:r>
+            <a:r>
+              <a:rPr>
+                <a:solidFill>
+                  <a:srgbClr val="003B4F"/>
+                </a:solidFill>
+                <a:latin typeface="Courier"/>
+              </a:rPr>
+              <a:t>) </a:t>
+            </a:r>
+            <a:r>
+              <a:rPr>
+                <a:solidFill>
+                  <a:srgbClr val="5E5E5E"/>
+                </a:solidFill>
+                <a:latin typeface="Courier"/>
+              </a:rPr>
+              <a:t>+</a:t>
+            </a:r>
+            <a:br/>
+            <a:r>
+              <a:rPr>
+                <a:solidFill>
+                  <a:srgbClr val="003B4F"/>
+                </a:solidFill>
+                <a:latin typeface="Courier"/>
+              </a:rPr>
+              <a:t>  </a:t>
+            </a:r>
+            <a:r>
+              <a:rPr>
+                <a:solidFill>
+                  <a:srgbClr val="4758AB"/>
+                </a:solidFill>
+                <a:latin typeface="Courier"/>
+              </a:rPr>
+              <a:t>geom_smooth</a:t>
+            </a:r>
+            <a:r>
+              <a:rPr>
+                <a:solidFill>
+                  <a:srgbClr val="003B4F"/>
+                </a:solidFill>
+                <a:latin typeface="Courier"/>
+              </a:rPr>
+              <a:t>(</a:t>
+            </a:r>
+            <a:r>
+              <a:rPr>
+                <a:solidFill>
+                  <a:srgbClr val="657422"/>
+                </a:solidFill>
+                <a:latin typeface="Courier"/>
+              </a:rPr>
+              <a:t>method =</a:t>
+            </a:r>
+            <a:r>
+              <a:rPr>
+                <a:solidFill>
+                  <a:srgbClr val="003B4F"/>
+                </a:solidFill>
+                <a:latin typeface="Courier"/>
+              </a:rPr>
+              <a:t> </a:t>
+            </a:r>
+            <a:r>
+              <a:rPr>
+                <a:solidFill>
+                  <a:srgbClr val="20794D"/>
+                </a:solidFill>
+                <a:latin typeface="Courier"/>
+              </a:rPr>
+              <a:t>"lm"</a:t>
+            </a:r>
+            <a:r>
+              <a:rPr>
+                <a:solidFill>
+                  <a:srgbClr val="003B4F"/>
+                </a:solidFill>
+                <a:latin typeface="Courier"/>
+              </a:rPr>
+              <a:t>, </a:t>
+            </a:r>
+            <a:r>
+              <a:rPr>
+                <a:solidFill>
+                  <a:srgbClr val="657422"/>
+                </a:solidFill>
+                <a:latin typeface="Courier"/>
+              </a:rPr>
+              <a:t>se =</a:t>
+            </a:r>
+            <a:r>
+              <a:rPr>
+                <a:solidFill>
+                  <a:srgbClr val="003B4F"/>
+                </a:solidFill>
+                <a:latin typeface="Courier"/>
+              </a:rPr>
+              <a:t> </a:t>
+            </a:r>
+            <a:r>
+              <a:rPr>
+                <a:solidFill>
+                  <a:srgbClr val="8F5902"/>
+                </a:solidFill>
+                <a:latin typeface="Courier"/>
+              </a:rPr>
+              <a:t>TRUE</a:t>
+            </a:r>
+            <a:r>
+              <a:rPr>
+                <a:solidFill>
+                  <a:srgbClr val="003B4F"/>
+                </a:solidFill>
+                <a:latin typeface="Courier"/>
+              </a:rPr>
+              <a:t>) </a:t>
+            </a:r>
+            <a:r>
+              <a:rPr>
+                <a:solidFill>
+                  <a:srgbClr val="5E5E5E"/>
+                </a:solidFill>
+                <a:latin typeface="Courier"/>
+              </a:rPr>
+              <a:t>+</a:t>
+            </a:r>
+            <a:br/>
+            <a:r>
+              <a:rPr>
+                <a:solidFill>
+                  <a:srgbClr val="003B4F"/>
+                </a:solidFill>
+                <a:latin typeface="Courier"/>
+              </a:rPr>
+              <a:t>  </a:t>
+            </a:r>
+            <a:r>
+              <a:rPr>
+                <a:solidFill>
+                  <a:srgbClr val="4758AB"/>
+                </a:solidFill>
+                <a:latin typeface="Courier"/>
+              </a:rPr>
+              <a:t>labs</a:t>
+            </a:r>
+            <a:r>
+              <a:rPr>
+                <a:solidFill>
+                  <a:srgbClr val="003B4F"/>
+                </a:solidFill>
+                <a:latin typeface="Courier"/>
+              </a:rPr>
+              <a:t>(</a:t>
+            </a:r>
+            <a:r>
+              <a:rPr>
+                <a:solidFill>
+                  <a:srgbClr val="657422"/>
+                </a:solidFill>
+                <a:latin typeface="Courier"/>
+              </a:rPr>
+              <a:t>title =</a:t>
+            </a:r>
+            <a:r>
+              <a:rPr>
+                <a:solidFill>
+                  <a:srgbClr val="003B4F"/>
+                </a:solidFill>
+                <a:latin typeface="Courier"/>
+              </a:rPr>
+              <a:t> </a:t>
+            </a:r>
+            <a:r>
+              <a:rPr>
+                <a:solidFill>
+                  <a:srgbClr val="20794D"/>
+                </a:solidFill>
+                <a:latin typeface="Courier"/>
+              </a:rPr>
+              <a:t>"Length-Mass Relationship by Lake"</a:t>
+            </a:r>
+            <a:r>
+              <a:rPr>
+                <a:solidFill>
+                  <a:srgbClr val="003B4F"/>
+                </a:solidFill>
+                <a:latin typeface="Courier"/>
+              </a:rPr>
+              <a:t>,</a:t>
+            </a:r>
+            <a:br/>
+            <a:r>
+              <a:rPr>
+                <a:solidFill>
+                  <a:srgbClr val="003B4F"/>
+                </a:solidFill>
+                <a:latin typeface="Courier"/>
+              </a:rPr>
+              <a:t>       </a:t>
+            </a:r>
+            <a:r>
+              <a:rPr>
+                <a:solidFill>
+                  <a:srgbClr val="657422"/>
+                </a:solidFill>
+                <a:latin typeface="Courier"/>
+              </a:rPr>
+              <a:t>x =</a:t>
+            </a:r>
+            <a:r>
+              <a:rPr>
+                <a:solidFill>
+                  <a:srgbClr val="003B4F"/>
+                </a:solidFill>
+                <a:latin typeface="Courier"/>
+              </a:rPr>
+              <a:t> </a:t>
+            </a:r>
+            <a:r>
+              <a:rPr>
+                <a:solidFill>
+                  <a:srgbClr val="20794D"/>
+                </a:solidFill>
+                <a:latin typeface="Courier"/>
+              </a:rPr>
+              <a:t>"Length (mm)"</a:t>
+            </a:r>
+            <a:r>
+              <a:rPr>
+                <a:solidFill>
+                  <a:srgbClr val="003B4F"/>
+                </a:solidFill>
+                <a:latin typeface="Courier"/>
+              </a:rPr>
+              <a:t>,</a:t>
+            </a:r>
+            <a:br/>
+            <a:r>
+              <a:rPr>
+                <a:solidFill>
+                  <a:srgbClr val="003B4F"/>
+                </a:solidFill>
+                <a:latin typeface="Courier"/>
+              </a:rPr>
+              <a:t>       </a:t>
+            </a:r>
+            <a:r>
+              <a:rPr>
+                <a:solidFill>
+                  <a:srgbClr val="657422"/>
+                </a:solidFill>
+                <a:latin typeface="Courier"/>
+              </a:rPr>
+              <a:t>y =</a:t>
+            </a:r>
+            <a:r>
+              <a:rPr>
+                <a:solidFill>
+                  <a:srgbClr val="003B4F"/>
+                </a:solidFill>
+                <a:latin typeface="Courier"/>
+              </a:rPr>
+              <a:t> </a:t>
+            </a:r>
+            <a:r>
+              <a:rPr>
+                <a:solidFill>
+                  <a:srgbClr val="20794D"/>
+                </a:solidFill>
+                <a:latin typeface="Courier"/>
+              </a:rPr>
+              <a:t>"Mass (g)"</a:t>
+            </a:r>
+            <a:r>
+              <a:rPr>
+                <a:solidFill>
+                  <a:srgbClr val="003B4F"/>
+                </a:solidFill>
+                <a:latin typeface="Courier"/>
+              </a:rPr>
+              <a:t>) </a:t>
+            </a:r>
+            <a:r>
+              <a:rPr>
+                <a:solidFill>
+                  <a:srgbClr val="5E5E5E"/>
+                </a:solidFill>
+                <a:latin typeface="Courier"/>
+              </a:rPr>
+              <a:t>+</a:t>
+            </a:r>
+            <a:br/>
+            <a:r>
+              <a:rPr>
+                <a:solidFill>
+                  <a:srgbClr val="003B4F"/>
+                </a:solidFill>
+                <a:latin typeface="Courier"/>
+              </a:rPr>
+              <a:t>  </a:t>
+            </a:r>
+            <a:r>
+              <a:rPr>
+                <a:solidFill>
+                  <a:srgbClr val="4758AB"/>
+                </a:solidFill>
+                <a:latin typeface="Courier"/>
+              </a:rPr>
+              <a:t>theme_minimal</a:t>
+            </a:r>
+            <a:r>
+              <a:rPr>
+                <a:solidFill>
+                  <a:srgbClr val="003B4F"/>
+                </a:solidFill>
+                <a:latin typeface="Courier"/>
+              </a:rPr>
+              <a:t>()</a:t>
+            </a:r>
+            <a:br/>
+            <a:br/>
+            <a:r>
+              <a:rPr>
+                <a:solidFill>
+                  <a:srgbClr val="003B4F"/>
+                </a:solidFill>
+                <a:latin typeface="Courier"/>
+              </a:rPr>
+              <a:t>regression_plot</a:t>
+            </a:r>
+          </a:p>
+          <a:p>
+            <a:pPr lvl="0" indent="0" marL="1270000">
+              <a:buNone/>
+            </a:pPr>
+          </a:p>
+          <a:p>
+            <a:pPr lvl="0" indent="0" marL="1270000">
+              <a:buNone/>
+            </a:pPr>
+            <a:r>
+              <a:rPr sz="2000"/>
+              <a:t>Based on this analysis: 1. Are there significant differences in fish length between the two lakes? 2. How does the length-mass relationship differ between lakes? 3. What conclusions can you draw about Arctic grayling in these two lakes?</a:t>
+            </a:r>
+          </a:p>
+        </p:txBody>
+      </p:sp>
+    </p:spTree>
+  </p:cSld>
+</p:sld>
+</file>
+
+<file path=ppt/slides/slide58.xml><?xml version="1.0" encoding="utf-8"?>
+<p:sld xmlns:a="http://schemas.openxmlformats.org/drawingml/2006/main" xmlns:r="http://schemas.openxmlformats.org/officeDocument/2006/relationships" xmlns:p="http://schemas.openxmlformats.org/presentationml/2006/main">
+  <p:cSld>
+    <p:spTree>
+      <p:nvGrpSpPr>
+        <p:cNvPr id="1" name=""/>
+        <p:cNvGrpSpPr/>
+        <p:nvPr/>
+      </p:nvGrpSpPr>
+      <p:grpSpPr>
+        <a:xfrm>
+          <a:off x="0" y="0"/>
+          <a:ext cx="0" cy="0"/>
+          <a:chOff x="0" y="0"/>
+          <a:chExt cx="0" cy="0"/>
+        </a:xfrm>
+      </p:grpSpPr>
+      <p:sp>
+        <p:nvSpPr>
+          <p:cNvPr id="2" name="Title 1"/>
+          <p:cNvSpPr>
+            <a:spLocks noGrp="1"/>
+          </p:cNvSpPr>
+          <p:nvPr>
+            <p:ph type="title"/>
+          </p:nvPr>
+        </p:nvSpPr>
+        <p:spPr>
+          <a:xfrm>
+            <a:off x="0" y="0"/>
+            <a:ext cx="9144000" cy="602780"/>
+          </a:xfrm>
+          <a:solidFill>
+            <a:srgbClr val="70121D"/>
+          </a:solidFill>
+        </p:spPr>
+        <p:txBody>
+          <a:bodyPr/>
+          <a:lstStyle/>
+          <a:p>
+            <a:pPr lvl="0" indent="0" marL="0">
+              <a:buNone/>
+            </a:pPr>
+            <a:r>
+              <a:rPr b="1"/>
+              <a:t>Lecture 5:</a:t>
+            </a:r>
+            <a:r>
+              <a:rPr/>
+              <a:t> Error Bars and Their Interpretation</a:t>
+            </a:r>
+          </a:p>
+        </p:txBody>
+      </p:sp>
+      <p:sp>
+        <p:nvSpPr>
+          <p:cNvPr id="3" name="Content Placeholder 2"/>
+          <p:cNvSpPr>
+            <a:spLocks noGrp="1"/>
+          </p:cNvSpPr>
+          <p:nvPr>
+            <p:ph idx="1" sz="half"/>
+          </p:nvPr>
+        </p:nvSpPr>
+        <p:spPr/>
+        <p:txBody>
+          <a:bodyPr/>
+          <a:lstStyle/>
+          <a:p>
+            <a:pPr lvl="0" indent="0" marL="0">
+              <a:buNone/>
+            </a:pPr>
+            <a:r>
+              <a:rPr/>
+              <a:t>Error bars are graphical representations of the variability of data that show:</a:t>
+            </a:r>
+          </a:p>
+          <a:p>
+            <a:pPr lvl="0"/>
+            <a:r>
+              <a:rPr/>
+              <a:t>The </a:t>
+            </a:r>
+            <a:r>
+              <a:rPr b="1"/>
+              <a:t>precision</a:t>
+            </a:r>
+            <a:r>
+              <a:rPr/>
+              <a:t> of a measurement</a:t>
+            </a:r>
+          </a:p>
+          <a:p>
+            <a:pPr lvl="0"/>
+            <a:r>
+              <a:rPr/>
+              <a:t>The </a:t>
+            </a:r>
+            <a:r>
+              <a:rPr b="1"/>
+              <a:t>uncertainty</a:t>
+            </a:r>
+            <a:r>
+              <a:rPr/>
+              <a:t> around an estimate</a:t>
+            </a:r>
+          </a:p>
+          <a:p>
+            <a:pPr lvl="0"/>
+            <a:r>
+              <a:rPr/>
+              <a:t>A </a:t>
+            </a:r>
+            <a:r>
+              <a:rPr b="1"/>
+              <a:t>confidence interval</a:t>
+            </a:r>
+            <a:r>
+              <a:rPr/>
+              <a:t> for a parameter</a:t>
+            </a:r>
+          </a:p>
+          <a:p>
+            <a:pPr lvl="0" indent="0" marL="0">
+              <a:buNone/>
+            </a:pPr>
+            <a:r>
+              <a:rPr/>
+              <a:t>Common types of error bars: 1. </a:t>
+            </a:r>
+            <a:r>
+              <a:rPr b="1"/>
+              <a:t>Standard Error (SE)</a:t>
+            </a:r>
+            <a:r>
+              <a:rPr/>
+              <a:t>: Shows precision of the mean 2. </a:t>
+            </a:r>
+            <a:r>
+              <a:rPr b="1"/>
+              <a:t>Standard Deviation (SD)</a:t>
+            </a:r>
+            <a:r>
+              <a:rPr/>
+              <a:t>: Shows variability in the data 3. </a:t>
+            </a:r>
+            <a:r>
+              <a:rPr b="1"/>
+              <a:t>Confidence Interval (CI)</a:t>
+            </a:r>
+            <a:r>
+              <a:rPr/>
+              <a:t>: Shows plausible range for parameter</a:t>
+            </a:r>
+          </a:p>
+          <a:p>
+            <a:pPr lvl="0" indent="0" marL="0">
+              <a:buNone/>
+            </a:pPr>
+            <a:r>
+              <a:rPr/>
+              <a:t>When interpreting graphs: - Always check what the error bars represent - Non-overlapping 95% CI bars suggest statistically significant differences - Error bars help assess both statistical and practical significance</a:t>
+            </a:r>
+          </a:p>
+        </p:txBody>
+      </p:sp>
+      <p:pic>
+        <p:nvPicPr>
+          <p:cNvPr descr="06_01_lecture_powerpoint_files/figure-pptx/unnamed-chunk-19-1.png" id="0" name="Picture 1"/>
+          <p:cNvPicPr>
+            <a:picLocks noGrp="1" noChangeAspect="1"/>
+          </p:cNvPicPr>
+          <p:nvPr/>
+        </p:nvPicPr>
+        <p:blipFill>
+          <a:blip r:embed="rId2"/>
+          <a:stretch>
+            <a:fillRect/>
+          </a:stretch>
+        </p:blipFill>
+        <p:spPr bwMode="auto">
+          <a:xfrm>
+            <a:off x="6121400" y="1155700"/>
+            <a:ext cx="2781300" cy="3479800"/>
+          </a:xfrm>
+          <a:prstGeom prst="rect">
+            <a:avLst/>
+          </a:prstGeom>
+          <a:noFill/>
+          <a:ln w="9525">
+            <a:noFill/>
+            <a:headEnd/>
+            <a:tailEnd/>
+          </a:ln>
+        </p:spPr>
+      </p:pic>
+    </p:spTree>
+  </p:cSld>
+</p:sld>
+</file>
+
+<file path=ppt/slides/slide59.xml><?xml version="1.0" encoding="utf-8"?>
+<p:sld xmlns:a="http://schemas.openxmlformats.org/drawingml/2006/main" xmlns:r="http://schemas.openxmlformats.org/officeDocument/2006/relationships" xmlns:p="http://schemas.openxmlformats.org/presentationml/2006/main">
+  <p:cSld>
+    <p:spTree>
+      <p:nvGrpSpPr>
+        <p:cNvPr id="1" name=""/>
+        <p:cNvGrpSpPr/>
+        <p:nvPr/>
+      </p:nvGrpSpPr>
+      <p:grpSpPr>
+        <a:xfrm>
+          <a:off x="0" y="0"/>
+          <a:ext cx="0" cy="0"/>
+          <a:chOff x="0" y="0"/>
+          <a:chExt cx="0" cy="0"/>
+        </a:xfrm>
+      </p:grpSpPr>
+      <p:sp>
+        <p:nvSpPr>
+          <p:cNvPr id="2" name="Title 1"/>
+          <p:cNvSpPr>
+            <a:spLocks noGrp="1"/>
+          </p:cNvSpPr>
+          <p:nvPr>
+            <p:ph type="title"/>
+          </p:nvPr>
+        </p:nvSpPr>
+        <p:spPr>
+          <a:xfrm>
+            <a:off x="0" y="0"/>
+            <a:ext cx="9144000" cy="602780"/>
+          </a:xfrm>
+          <a:solidFill>
+            <a:srgbClr val="70121D"/>
+          </a:solidFill>
+        </p:spPr>
+        <p:txBody>
+          <a:bodyPr/>
+          <a:lstStyle/>
+          <a:p>
+            <a:pPr lvl="0" indent="0" marL="0">
+              <a:buNone/>
+            </a:pPr>
+            <a:r>
+              <a:rPr b="1"/>
+              <a:t>Lecture 5:</a:t>
+            </a:r>
+            <a:r>
+              <a:rPr/>
+              <a:t> Sampling and Pseudoreplication</a:t>
+            </a:r>
+          </a:p>
+        </p:txBody>
+      </p:sp>
+      <p:sp>
+        <p:nvSpPr>
+          <p:cNvPr id="3" name="Content Placeholder 2"/>
+          <p:cNvSpPr>
+            <a:spLocks noGrp="1"/>
+          </p:cNvSpPr>
+          <p:nvPr>
+            <p:ph idx="1" sz="half"/>
+          </p:nvPr>
+        </p:nvSpPr>
+        <p:spPr/>
+        <p:txBody>
+          <a:bodyPr/>
+          <a:lstStyle/>
+          <a:p>
+            <a:pPr lvl="0" indent="0" marL="0">
+              <a:buNone/>
+            </a:pPr>
+            <a:r>
+              <a:rPr b="1"/>
+              <a:t>Pseudoreplication</a:t>
+            </a:r>
+            <a:r>
+              <a:rPr/>
+              <a:t> occurs when measurements that are not independent are analyzed as if they were independent.</a:t>
+            </a:r>
+          </a:p>
+          <a:p>
+            <a:pPr lvl="0"/>
+            <a:r>
+              <a:rPr/>
+              <a:t>A critical consideration in experimental design</a:t>
+            </a:r>
+          </a:p>
+          <a:p>
+            <a:pPr lvl="0"/>
+            <a:r>
+              <a:rPr/>
+              <a:t>Results in underestimated standard errors and confidence intervals</a:t>
+            </a:r>
+          </a:p>
+          <a:p>
+            <a:pPr lvl="0"/>
+            <a:r>
+              <a:rPr/>
+              <a:t>Leads to inflated Type I error rates (false positives)</a:t>
+            </a:r>
+          </a:p>
+          <a:p>
+            <a:pPr lvl="0" indent="0" marL="0">
+              <a:buNone/>
+            </a:pPr>
+            <a:r>
+              <a:rPr b="1"/>
+              <a:t>Examples of pseudoreplication:</a:t>
+            </a:r>
+            <a:r>
+              <a:rPr/>
+              <a:t> - Measuring the same individual multiple times - Treating multiple fish from the same tank as independent - Using multiple data points from a single site</a:t>
+            </a:r>
+          </a:p>
+          <a:p>
+            <a:pPr lvl="0" indent="0" marL="0">
+              <a:buNone/>
+            </a:pPr>
+            <a:r>
+              <a:rPr b="1"/>
+              <a:t>How to avoid pseudoreplication:</a:t>
+            </a:r>
+            <a:r>
+              <a:rPr/>
+              <a:t> - Identify the true experimental unit - Use appropriate statistical techniques (e.g., mixed models) - Be clear about the level of replication</a:t>
+            </a:r>
+          </a:p>
+        </p:txBody>
+      </p:sp>
+      <p:pic>
+        <p:nvPicPr>
+          <p:cNvPr descr="06_01_lecture_powerpoint_files/figure-pptx/unnamed-chunk-20-1.png" id="0" name="Picture 1"/>
+          <p:cNvPicPr>
+            <a:picLocks noGrp="1" noChangeAspect="1"/>
+          </p:cNvPicPr>
+          <p:nvPr/>
+        </p:nvPicPr>
+        <p:blipFill>
+          <a:blip r:embed="rId2"/>
+          <a:stretch>
+            <a:fillRect/>
+          </a:stretch>
+        </p:blipFill>
+        <p:spPr bwMode="auto">
+          <a:xfrm>
+            <a:off x="6121400" y="1155700"/>
+            <a:ext cx="2781300" cy="3479800"/>
+          </a:xfrm>
+          <a:prstGeom prst="rect">
+            <a:avLst/>
+          </a:prstGeom>
+          <a:noFill/>
+          <a:ln w="9525">
+            <a:noFill/>
+            <a:headEnd/>
+            <a:tailEnd/>
+          </a:ln>
+        </p:spPr>
+      </p:pic>
+    </p:spTree>
+  </p:cSld>
+</p:sld>
+</file>
+
 <file path=ppt/slides/slide6.xml><?xml version="1.0" encoding="utf-8"?>
 <p:sld xmlns:a="http://schemas.openxmlformats.org/drawingml/2006/main" xmlns:r="http://schemas.openxmlformats.org/officeDocument/2006/relationships" xmlns:p="http://schemas.openxmlformats.org/presentationml/2006/main">
   <p:cSld>
@@ -14551,6 +18597,1394 @@
           </a:ln>
         </p:spPr>
       </p:pic>
+    </p:spTree>
+  </p:cSld>
+</p:sld>
+</file>
+
+<file path=ppt/slides/slide60.xml><?xml version="1.0" encoding="utf-8"?>
+<p:sld xmlns:a="http://schemas.openxmlformats.org/drawingml/2006/main" xmlns:r="http://schemas.openxmlformats.org/officeDocument/2006/relationships" xmlns:p="http://schemas.openxmlformats.org/presentationml/2006/main">
+  <p:cSld>
+    <p:spTree>
+      <p:nvGrpSpPr>
+        <p:cNvPr id="1" name=""/>
+        <p:cNvGrpSpPr/>
+        <p:nvPr/>
+      </p:nvGrpSpPr>
+      <p:grpSpPr>
+        <a:xfrm>
+          <a:off x="0" y="0"/>
+          <a:ext cx="0" cy="0"/>
+          <a:chOff x="0" y="0"/>
+          <a:chExt cx="0" cy="0"/>
+        </a:xfrm>
+      </p:grpSpPr>
+      <p:sp>
+        <p:nvSpPr>
+          <p:cNvPr id="2" name="Title 1"/>
+          <p:cNvSpPr>
+            <a:spLocks noGrp="1"/>
+          </p:cNvSpPr>
+          <p:nvPr>
+            <p:ph type="title"/>
+          </p:nvPr>
+        </p:nvSpPr>
+        <p:spPr>
+          <a:xfrm>
+            <a:off x="0" y="0"/>
+            <a:ext cx="9144000" cy="602780"/>
+          </a:xfrm>
+          <a:solidFill>
+            <a:srgbClr val="70121D"/>
+          </a:solidFill>
+        </p:spPr>
+        <p:txBody>
+          <a:bodyPr/>
+          <a:lstStyle/>
+          <a:p>
+            <a:pPr lvl="0" indent="0" marL="0">
+              <a:buNone/>
+            </a:pPr>
+            <a:r>
+              <a:rPr b="1"/>
+              <a:t>Lecture 5:</a:t>
+            </a:r>
+            <a:r>
+              <a:rPr/>
+              <a:t> Practical Applications in Fish Biology</a:t>
+            </a:r>
+          </a:p>
+        </p:txBody>
+      </p:sp>
+      <p:sp>
+        <p:nvSpPr>
+          <p:cNvPr id="3" name="Content Placeholder 2"/>
+          <p:cNvSpPr>
+            <a:spLocks noGrp="1"/>
+          </p:cNvSpPr>
+          <p:nvPr>
+            <p:ph idx="1" sz="half"/>
+          </p:nvPr>
+        </p:nvSpPr>
+        <p:spPr/>
+        <p:txBody>
+          <a:bodyPr/>
+          <a:lstStyle/>
+          <a:p>
+            <a:pPr lvl="0" indent="0" marL="0">
+              <a:buNone/>
+            </a:pPr>
+            <a:r>
+              <a:rPr/>
+              <a:t>The statistical concepts we’ve covered today are essential for fisheries biologists and ecologists:</a:t>
+            </a:r>
+          </a:p>
+          <a:p>
+            <a:pPr lvl="0"/>
+            <a:r>
+              <a:rPr b="1"/>
+              <a:t>Z-scores</a:t>
+            </a:r>
+            <a:r>
+              <a:rPr/>
+              <a:t> help identify unusual fish sizes in a population</a:t>
+            </a:r>
+          </a:p>
+          <a:p>
+            <a:pPr lvl="0"/>
+            <a:r>
+              <a:rPr b="1"/>
+              <a:t>Standard error</a:t>
+            </a:r>
+            <a:r>
+              <a:rPr/>
+              <a:t> quantifies uncertainty in growth rate estimates</a:t>
+            </a:r>
+          </a:p>
+          <a:p>
+            <a:pPr lvl="0"/>
+            <a:r>
+              <a:rPr b="1"/>
+              <a:t>Confidence intervals</a:t>
+            </a:r>
+            <a:r>
+              <a:rPr/>
+              <a:t> provide plausible ranges for population parameters</a:t>
+            </a:r>
+          </a:p>
+          <a:p>
+            <a:pPr lvl="0"/>
+            <a:r>
+              <a:rPr b="1"/>
+              <a:t>Hypothesis testing</a:t>
+            </a:r>
+            <a:r>
+              <a:rPr/>
+              <a:t> evaluates effects of management practices</a:t>
+            </a:r>
+          </a:p>
+          <a:p>
+            <a:pPr lvl="0"/>
+            <a:r>
+              <a:rPr b="1"/>
+              <a:t>P-values</a:t>
+            </a:r>
+            <a:r>
+              <a:rPr/>
+              <a:t> determine significance of environmental impacts</a:t>
+            </a:r>
+          </a:p>
+          <a:p>
+            <a:pPr lvl="0" indent="0" marL="0">
+              <a:buNone/>
+            </a:pPr>
+            <a:r>
+              <a:rPr b="1"/>
+              <a:t>Real-world applications:</a:t>
+            </a:r>
+            <a:r>
+              <a:rPr/>
+              <a:t> - Assessing population health and structure - Evaluating effectiveness of fishing regulations - Quantifying relationships between fish size and habitat variables - Predicting impacts of climate change on fish populations - Designing effective conservation strategies</a:t>
+            </a:r>
+          </a:p>
+        </p:txBody>
+      </p:sp>
+      <p:pic>
+        <p:nvPicPr>
+          <p:cNvPr descr="06_01_lecture_powerpoint_files/figure-pptx/unnamed-chunk-21-1.png" id="0" name="Picture 1"/>
+          <p:cNvPicPr>
+            <a:picLocks noGrp="1" noChangeAspect="1"/>
+          </p:cNvPicPr>
+          <p:nvPr/>
+        </p:nvPicPr>
+        <p:blipFill>
+          <a:blip r:embed="rId2"/>
+          <a:stretch>
+            <a:fillRect/>
+          </a:stretch>
+        </p:blipFill>
+        <p:spPr bwMode="auto">
+          <a:xfrm>
+            <a:off x="6121400" y="1155700"/>
+            <a:ext cx="2781300" cy="3479800"/>
+          </a:xfrm>
+          <a:prstGeom prst="rect">
+            <a:avLst/>
+          </a:prstGeom>
+          <a:noFill/>
+          <a:ln w="9525">
+            <a:noFill/>
+            <a:headEnd/>
+            <a:tailEnd/>
+          </a:ln>
+        </p:spPr>
+      </p:pic>
+    </p:spTree>
+  </p:cSld>
+</p:sld>
+</file>
+
+<file path=ppt/slides/slide61.xml><?xml version="1.0" encoding="utf-8"?>
+<p:sld xmlns:a="http://schemas.openxmlformats.org/drawingml/2006/main" xmlns:r="http://schemas.openxmlformats.org/officeDocument/2006/relationships" xmlns:p="http://schemas.openxmlformats.org/presentationml/2006/main">
+  <p:cSld>
+    <p:spTree>
+      <p:nvGrpSpPr>
+        <p:cNvPr id="1" name=""/>
+        <p:cNvGrpSpPr/>
+        <p:nvPr/>
+      </p:nvGrpSpPr>
+      <p:grpSpPr>
+        <a:xfrm>
+          <a:off x="0" y="0"/>
+          <a:ext cx="0" cy="0"/>
+          <a:chOff x="0" y="0"/>
+          <a:chExt cx="0" cy="0"/>
+        </a:xfrm>
+      </p:grpSpPr>
+      <p:sp>
+        <p:nvSpPr>
+          <p:cNvPr id="2" name="Title 1"/>
+          <p:cNvSpPr>
+            <a:spLocks noGrp="1"/>
+          </p:cNvSpPr>
+          <p:nvPr>
+            <p:ph type="title"/>
+          </p:nvPr>
+        </p:nvSpPr>
+        <p:spPr>
+          <a:xfrm>
+            <a:off x="0" y="0"/>
+            <a:ext cx="9144000" cy="602780"/>
+          </a:xfrm>
+          <a:solidFill>
+            <a:srgbClr val="70121D"/>
+          </a:solidFill>
+        </p:spPr>
+        <p:txBody>
+          <a:bodyPr/>
+          <a:lstStyle/>
+          <a:p>
+            <a:pPr lvl="0" indent="0" marL="0">
+              <a:buNone/>
+            </a:pPr>
+            <a:r>
+              <a:rPr b="1"/>
+              <a:t>Lecture 5:</a:t>
+            </a:r>
+            <a:r>
+              <a:rPr/>
+              <a:t> Statistical hypothesis testing</a:t>
+            </a:r>
+          </a:p>
+        </p:txBody>
+      </p:sp>
+      <p:sp>
+        <p:nvSpPr>
+          <p:cNvPr id="3" name="Content Placeholder 2"/>
+          <p:cNvSpPr>
+            <a:spLocks noGrp="1"/>
+          </p:cNvSpPr>
+          <p:nvPr>
+            <p:ph idx="1" sz="half"/>
+          </p:nvPr>
+        </p:nvSpPr>
+        <p:spPr/>
+        <p:txBody>
+          <a:bodyPr/>
+          <a:lstStyle/>
+          <a:p>
+            <a:pPr lvl="0" indent="0" marL="0">
+              <a:buNone/>
+            </a:pPr>
+            <a:r>
+              <a:rPr/>
+              <a:t>Major goal of statistics:</a:t>
+            </a:r>
+          </a:p>
+          <a:p>
+            <a:pPr lvl="0" indent="0" marL="0">
+              <a:buNone/>
+            </a:pPr>
+            <a:r>
+              <a:rPr/>
+              <a:t>inferences about populations from samples assign degree of confidence to inferences</a:t>
+            </a:r>
+          </a:p>
+          <a:p>
+            <a:pPr lvl="0" indent="0" marL="0">
+              <a:buNone/>
+            </a:pPr>
+            <a:r>
+              <a:rPr/>
+              <a:t>Statistical H-testing:</a:t>
+            </a:r>
+          </a:p>
+          <a:p>
+            <a:pPr lvl="0" indent="0" marL="0">
+              <a:buNone/>
+            </a:pPr>
+            <a:r>
+              <a:rPr/>
+              <a:t>formalized approach to inference</a:t>
+            </a:r>
+          </a:p>
+          <a:p>
+            <a:pPr lvl="0"/>
+            <a:r>
+              <a:rPr/>
+              <a:t>hypotheses ask whether samples come from populations with certain properties</a:t>
+            </a:r>
+          </a:p>
+          <a:p>
+            <a:pPr lvl="0"/>
+            <a:r>
+              <a:rPr/>
+              <a:t>often interested in questions about population means (but not only)</a:t>
+            </a:r>
+          </a:p>
+        </p:txBody>
+      </p:sp>
+    </p:spTree>
+  </p:cSld>
+</p:sld>
+</file>
+
+<file path=ppt/slides/slide62.xml><?xml version="1.0" encoding="utf-8"?>
+<p:sld xmlns:a="http://schemas.openxmlformats.org/drawingml/2006/main" xmlns:r="http://schemas.openxmlformats.org/officeDocument/2006/relationships" xmlns:p="http://schemas.openxmlformats.org/presentationml/2006/main">
+  <p:cSld>
+    <p:spTree>
+      <p:nvGrpSpPr>
+        <p:cNvPr id="1" name=""/>
+        <p:cNvGrpSpPr/>
+        <p:nvPr/>
+      </p:nvGrpSpPr>
+      <p:grpSpPr>
+        <a:xfrm>
+          <a:off x="0" y="0"/>
+          <a:ext cx="0" cy="0"/>
+          <a:chOff x="0" y="0"/>
+          <a:chExt cx="0" cy="0"/>
+        </a:xfrm>
+      </p:grpSpPr>
+      <p:sp>
+        <p:nvSpPr>
+          <p:cNvPr id="2" name="Title 1"/>
+          <p:cNvSpPr>
+            <a:spLocks noGrp="1"/>
+          </p:cNvSpPr>
+          <p:nvPr>
+            <p:ph type="title"/>
+          </p:nvPr>
+        </p:nvSpPr>
+        <p:spPr>
+          <a:xfrm>
+            <a:off x="0" y="0"/>
+            <a:ext cx="9144000" cy="602780"/>
+          </a:xfrm>
+          <a:solidFill>
+            <a:srgbClr val="70121D"/>
+          </a:solidFill>
+        </p:spPr>
+        <p:txBody>
+          <a:bodyPr/>
+          <a:lstStyle/>
+          <a:p>
+            <a:pPr lvl="0" indent="0" marL="0">
+              <a:buNone/>
+            </a:pPr>
+            <a:r>
+              <a:rPr b="1"/>
+              <a:t>Lecture 5:</a:t>
+            </a:r>
+            <a:r>
+              <a:rPr/>
+              <a:t> Statistical hypothesis testing</a:t>
+            </a:r>
+          </a:p>
+        </p:txBody>
+      </p:sp>
+      <p:sp>
+        <p:nvSpPr>
+          <p:cNvPr id="3" name="Content Placeholder 2"/>
+          <p:cNvSpPr>
+            <a:spLocks noGrp="1"/>
+          </p:cNvSpPr>
+          <p:nvPr>
+            <p:ph idx="1" sz="half"/>
+          </p:nvPr>
+        </p:nvSpPr>
+        <p:spPr/>
+        <p:txBody>
+          <a:bodyPr/>
+          <a:lstStyle/>
+          <a:p>
+            <a:pPr lvl="0" indent="0" marL="0">
+              <a:buNone/>
+            </a:pPr>
+            <a:r>
+              <a:rPr/>
+              <a:t>Relies on specifying null hypothesis (Ho) and alternate hypothesis (Ha)</a:t>
+            </a:r>
+          </a:p>
+          <a:p>
+            <a:pPr lvl="0"/>
+            <a:r>
+              <a:rPr/>
+              <a:t>Ho is the hypothesis of “no effect”</a:t>
+            </a:r>
+          </a:p>
+          <a:p>
+            <a:pPr lvl="1"/>
+            <a:r>
+              <a:rPr/>
+              <a:t>(two samples from population with same mean, sample is from population of mean=0)</a:t>
+            </a:r>
+          </a:p>
+          <a:p>
+            <a:pPr lvl="0"/>
+            <a:r>
+              <a:rPr/>
+              <a:t>Ha (research hypothesis) the opposite of the Ho</a:t>
+            </a:r>
+          </a:p>
+        </p:txBody>
+      </p:sp>
+    </p:spTree>
+  </p:cSld>
+</p:sld>
+</file>
+
+<file path=ppt/slides/slide63.xml><?xml version="1.0" encoding="utf-8"?>
+<p:sld xmlns:a="http://schemas.openxmlformats.org/drawingml/2006/main" xmlns:r="http://schemas.openxmlformats.org/officeDocument/2006/relationships" xmlns:p="http://schemas.openxmlformats.org/presentationml/2006/main">
+  <p:cSld>
+    <p:spTree>
+      <p:nvGrpSpPr>
+        <p:cNvPr id="1" name=""/>
+        <p:cNvGrpSpPr/>
+        <p:nvPr/>
+      </p:nvGrpSpPr>
+      <p:grpSpPr>
+        <a:xfrm>
+          <a:off x="0" y="0"/>
+          <a:ext cx="0" cy="0"/>
+          <a:chOff x="0" y="0"/>
+          <a:chExt cx="0" cy="0"/>
+        </a:xfrm>
+      </p:grpSpPr>
+      <p:sp>
+        <p:nvSpPr>
+          <p:cNvPr id="3" name="Content Placeholder 2"/>
+          <p:cNvSpPr>
+            <a:spLocks noGrp="1"/>
+          </p:cNvSpPr>
+          <p:nvPr>
+            <p:ph idx="1"/>
+          </p:nvPr>
+        </p:nvSpPr>
+        <p:spPr/>
+        <p:txBody>
+          <a:bodyPr/>
+          <a:lstStyle/>
+          <a:p>
+            <a:pPr lvl="0" indent="0" marL="1270000">
+              <a:buNone/>
+            </a:pPr>
+            <a:r>
+              <a:rPr sz="2000" b="1"/>
+              <a:t>Practice Exercise 10: Formulating Hypotheses</a:t>
+            </a:r>
+          </a:p>
+          <a:p>
+            <a:pPr lvl="0" indent="0" marL="1270000">
+              <a:buNone/>
+            </a:pPr>
+            <a:r>
+              <a:rPr sz="2000"/>
+              <a:t>For the following scenarios, write out the null and alternative hypotheses:</a:t>
+            </a:r>
+          </a:p>
+          <a:p>
+            <a:pPr lvl="0" indent="-342900" marL="342900">
+              <a:buAutoNum type="arabicPeriod"/>
+            </a:pPr>
+            <a:r>
+              <a:rPr sz="2000"/>
+              <a:t>Testing if the mean fish length in Lake S 06 is greater than 50 mm.</a:t>
+            </a:r>
+          </a:p>
+          <a:p>
+            <a:pPr lvl="0" indent="-342900" marL="342900">
+              <a:buAutoNum type="arabicPeriod"/>
+            </a:pPr>
+            <a:r>
+              <a:rPr sz="2000"/>
+              <a:t>Testing if there is a difference in mean fish lengths between lakes Toolik and S 06.</a:t>
+            </a:r>
+          </a:p>
+          <a:p>
+            <a:pPr lvl="0" indent="-342900" marL="342900">
+              <a:buAutoNum type="arabicPeriod"/>
+            </a:pPr>
+            <a:r>
+              <a:rPr sz="2000"/>
+              <a:t>Testing if lake E 01 has a higher variance in fish lengths compared to Lake Toolik.</a:t>
+            </a:r>
+          </a:p>
+          <a:p>
+            <a:pPr lvl="0" indent="0" marL="1270000">
+              <a:buNone/>
+            </a:pPr>
+            <a:r>
+              <a:rPr sz="2000"/>
+              <a:t>For each scenario, remember that the null hypothesis typically represents “no effect” or “no difference”, while the alternative hypothesis represents what you are trying to demonstrate.</a:t>
+            </a:r>
+          </a:p>
+        </p:txBody>
+      </p:sp>
+    </p:spTree>
+  </p:cSld>
+</p:sld>
+</file>
+
+<file path=ppt/slides/slide64.xml><?xml version="1.0" encoding="utf-8"?>
+<p:sld xmlns:a="http://schemas.openxmlformats.org/drawingml/2006/main" xmlns:r="http://schemas.openxmlformats.org/officeDocument/2006/relationships" xmlns:p="http://schemas.openxmlformats.org/presentationml/2006/main">
+  <p:cSld>
+    <p:spTree>
+      <p:nvGrpSpPr>
+        <p:cNvPr id="1" name=""/>
+        <p:cNvGrpSpPr/>
+        <p:nvPr/>
+      </p:nvGrpSpPr>
+      <p:grpSpPr>
+        <a:xfrm>
+          <a:off x="0" y="0"/>
+          <a:ext cx="0" cy="0"/>
+          <a:chOff x="0" y="0"/>
+          <a:chExt cx="0" cy="0"/>
+        </a:xfrm>
+      </p:grpSpPr>
+      <p:sp>
+        <p:nvSpPr>
+          <p:cNvPr id="2" name="Title 1"/>
+          <p:cNvSpPr>
+            <a:spLocks noGrp="1"/>
+          </p:cNvSpPr>
+          <p:nvPr>
+            <p:ph type="title"/>
+          </p:nvPr>
+        </p:nvSpPr>
+        <p:spPr>
+          <a:xfrm>
+            <a:off x="0" y="0"/>
+            <a:ext cx="9144000" cy="602780"/>
+          </a:xfrm>
+          <a:solidFill>
+            <a:srgbClr val="70121D"/>
+          </a:solidFill>
+        </p:spPr>
+        <p:txBody>
+          <a:bodyPr/>
+          <a:lstStyle/>
+          <a:p>
+            <a:pPr lvl="0" indent="0" marL="0">
+              <a:buNone/>
+            </a:pPr>
+            <a:r>
+              <a:rPr b="1"/>
+              <a:t>Lecture 5:</a:t>
+            </a:r>
+            <a:r>
+              <a:rPr/>
+              <a:t> Statistical hypothesis testing</a:t>
+            </a:r>
+          </a:p>
+        </p:txBody>
+      </p:sp>
+      <p:sp>
+        <p:nvSpPr>
+          <p:cNvPr id="3" name="Content Placeholder 2"/>
+          <p:cNvSpPr>
+            <a:spLocks noGrp="1"/>
+          </p:cNvSpPr>
+          <p:nvPr>
+            <p:ph idx="1" sz="half"/>
+          </p:nvPr>
+        </p:nvSpPr>
+        <p:spPr/>
+        <p:txBody>
+          <a:bodyPr/>
+          <a:lstStyle/>
+          <a:p>
+            <a:pPr lvl="0"/>
+            <a:r>
+              <a:rPr/>
+              <a:t>p = 0.3 means that if study repeated 100 times</a:t>
+            </a:r>
+          </a:p>
+          <a:p>
+            <a:pPr lvl="1"/>
+            <a:r>
+              <a:rPr/>
+              <a:t>would get this (or more extreme) result due to chance 30 times</a:t>
+            </a:r>
+          </a:p>
+          <a:p>
+            <a:pPr lvl="0"/>
+            <a:r>
+              <a:rPr/>
+              <a:t>p = 0.03 means that if study repeated 100 times</a:t>
+            </a:r>
+          </a:p>
+          <a:p>
+            <a:pPr lvl="1"/>
+            <a:r>
+              <a:rPr/>
+              <a:t>would get this (or more extreme) result due to chance 3 times</a:t>
+            </a:r>
+          </a:p>
+          <a:p>
+            <a:pPr lvl="0" indent="0" marL="0">
+              <a:buNone/>
+            </a:pPr>
+            <a:r>
+              <a:rPr/>
+              <a:t>Which p-value suggests Ho likely false?</a:t>
+            </a:r>
+          </a:p>
+        </p:txBody>
+      </p:sp>
+    </p:spTree>
+  </p:cSld>
+</p:sld>
+</file>
+
+<file path=ppt/slides/slide65.xml><?xml version="1.0" encoding="utf-8"?>
+<p:sld xmlns:a="http://schemas.openxmlformats.org/drawingml/2006/main" xmlns:r="http://schemas.openxmlformats.org/officeDocument/2006/relationships" xmlns:p="http://schemas.openxmlformats.org/presentationml/2006/main">
+  <p:cSld>
+    <p:spTree>
+      <p:nvGrpSpPr>
+        <p:cNvPr id="1" name=""/>
+        <p:cNvGrpSpPr/>
+        <p:nvPr/>
+      </p:nvGrpSpPr>
+      <p:grpSpPr>
+        <a:xfrm>
+          <a:off x="0" y="0"/>
+          <a:ext cx="0" cy="0"/>
+          <a:chOff x="0" y="0"/>
+          <a:chExt cx="0" cy="0"/>
+        </a:xfrm>
+      </p:grpSpPr>
+      <p:sp>
+        <p:nvSpPr>
+          <p:cNvPr id="2" name="Title 1"/>
+          <p:cNvSpPr>
+            <a:spLocks noGrp="1"/>
+          </p:cNvSpPr>
+          <p:nvPr>
+            <p:ph type="title"/>
+          </p:nvPr>
+        </p:nvSpPr>
+        <p:spPr>
+          <a:xfrm>
+            <a:off x="0" y="0"/>
+            <a:ext cx="9144000" cy="602780"/>
+          </a:xfrm>
+          <a:solidFill>
+            <a:srgbClr val="70121D"/>
+          </a:solidFill>
+        </p:spPr>
+        <p:txBody>
+          <a:bodyPr/>
+          <a:lstStyle/>
+          <a:p>
+            <a:pPr lvl="0" indent="0" marL="0">
+              <a:buNone/>
+            </a:pPr>
+            <a:r>
+              <a:rPr b="1"/>
+              <a:t>Lecture 5:</a:t>
+            </a:r>
+            <a:r>
+              <a:rPr/>
+              <a:t> Statistical hypothesis testing</a:t>
+            </a:r>
+          </a:p>
+        </p:txBody>
+      </p:sp>
+      <p:sp>
+        <p:nvSpPr>
+          <p:cNvPr id="3" name="Content Placeholder 2"/>
+          <p:cNvSpPr>
+            <a:spLocks noGrp="1"/>
+          </p:cNvSpPr>
+          <p:nvPr>
+            <p:ph idx="1" sz="half"/>
+          </p:nvPr>
+        </p:nvSpPr>
+        <p:spPr/>
+        <p:txBody>
+          <a:bodyPr/>
+          <a:lstStyle/>
+          <a:p>
+            <a:pPr lvl="0" indent="0" marL="0">
+              <a:buNone/>
+            </a:pPr>
+            <a:r>
+              <a:rPr/>
+              <a:t>At what point reject Ho?</a:t>
+            </a:r>
+          </a:p>
+          <a:p>
+            <a:pPr lvl="0"/>
+            <a:r>
+              <a:rPr/>
+              <a:t>p &lt; 0.05 conventional “significance threshold” (α)</a:t>
+            </a:r>
+          </a:p>
+          <a:p>
+            <a:pPr lvl="0"/>
+            <a:r>
+              <a:rPr/>
+              <a:t>p &lt; 0.05 means:</a:t>
+            </a:r>
+          </a:p>
+          <a:p>
+            <a:pPr lvl="1"/>
+            <a:r>
+              <a:rPr/>
+              <a:t>if Ho is true - if study repeated 100 times</a:t>
+            </a:r>
+          </a:p>
+          <a:p>
+            <a:pPr lvl="2"/>
+            <a:r>
+              <a:rPr/>
+              <a:t>would get this (or more extreme) result less than 5 times due to chance</a:t>
+            </a:r>
+          </a:p>
+        </p:txBody>
+      </p:sp>
+    </p:spTree>
+  </p:cSld>
+</p:sld>
+</file>
+
+<file path=ppt/slides/slide66.xml><?xml version="1.0" encoding="utf-8"?>
+<p:sld xmlns:a="http://schemas.openxmlformats.org/drawingml/2006/main" xmlns:r="http://schemas.openxmlformats.org/officeDocument/2006/relationships" xmlns:p="http://schemas.openxmlformats.org/presentationml/2006/main">
+  <p:cSld>
+    <p:spTree>
+      <p:nvGrpSpPr>
+        <p:cNvPr id="1" name=""/>
+        <p:cNvGrpSpPr/>
+        <p:nvPr/>
+      </p:nvGrpSpPr>
+      <p:grpSpPr>
+        <a:xfrm>
+          <a:off x="0" y="0"/>
+          <a:ext cx="0" cy="0"/>
+          <a:chOff x="0" y="0"/>
+          <a:chExt cx="0" cy="0"/>
+        </a:xfrm>
+      </p:grpSpPr>
+      <p:sp>
+        <p:nvSpPr>
+          <p:cNvPr id="2" name="Title 1"/>
+          <p:cNvSpPr>
+            <a:spLocks noGrp="1"/>
+          </p:cNvSpPr>
+          <p:nvPr>
+            <p:ph type="title"/>
+          </p:nvPr>
+        </p:nvSpPr>
+        <p:spPr>
+          <a:xfrm>
+            <a:off x="0" y="0"/>
+            <a:ext cx="9144000" cy="602780"/>
+          </a:xfrm>
+          <a:solidFill>
+            <a:srgbClr val="70121D"/>
+          </a:solidFill>
+        </p:spPr>
+        <p:txBody>
+          <a:bodyPr/>
+          <a:lstStyle/>
+          <a:p>
+            <a:pPr lvl="0" indent="0" marL="0">
+              <a:buNone/>
+            </a:pPr>
+            <a:r>
+              <a:rPr b="1"/>
+              <a:t>Lecture 5:</a:t>
+            </a:r>
+            <a:r>
+              <a:rPr/>
+              <a:t> Statistical hypothesis testing</a:t>
+            </a:r>
+          </a:p>
+        </p:txBody>
+      </p:sp>
+      <p:sp>
+        <p:nvSpPr>
+          <p:cNvPr id="3" name="Content Placeholder 2"/>
+          <p:cNvSpPr>
+            <a:spLocks noGrp="1"/>
+          </p:cNvSpPr>
+          <p:nvPr>
+            <p:ph idx="1" sz="half"/>
+          </p:nvPr>
+        </p:nvSpPr>
+        <p:spPr/>
+        <p:txBody>
+          <a:bodyPr/>
+          <a:lstStyle/>
+          <a:p>
+            <a:pPr lvl="0"/>
+            <a:r>
+              <a:rPr/>
+              <a:t>α is the rate at which we will reject a true null hypothesis (Type I error rate)</a:t>
+            </a:r>
+          </a:p>
+          <a:p>
+            <a:pPr lvl="0"/>
+            <a:r>
+              <a:rPr/>
+              <a:t>Lowering α will lower likelihood of incorrectly rejecting a true null hypothesis (e.g., 0.01, 0.001)</a:t>
+            </a:r>
+          </a:p>
+          <a:p>
+            <a:pPr lvl="0"/>
+            <a:r>
+              <a:rPr/>
+              <a:t>Both hypotheses and α are specified </a:t>
+            </a:r>
+            <a:r>
+              <a:rPr i="1"/>
+              <a:t>BEFORE</a:t>
+            </a:r>
+            <a:r>
+              <a:rPr/>
+              <a:t> collection of data and analysis</a:t>
+            </a:r>
+          </a:p>
+        </p:txBody>
+      </p:sp>
+    </p:spTree>
+  </p:cSld>
+</p:sld>
+</file>
+
+<file path=ppt/slides/slide67.xml><?xml version="1.0" encoding="utf-8"?>
+<p:sld xmlns:a="http://schemas.openxmlformats.org/drawingml/2006/main" xmlns:r="http://schemas.openxmlformats.org/officeDocument/2006/relationships" xmlns:p="http://schemas.openxmlformats.org/presentationml/2006/main">
+  <p:cSld>
+    <p:spTree>
+      <p:nvGrpSpPr>
+        <p:cNvPr id="1" name=""/>
+        <p:cNvGrpSpPr/>
+        <p:nvPr/>
+      </p:nvGrpSpPr>
+      <p:grpSpPr>
+        <a:xfrm>
+          <a:off x="0" y="0"/>
+          <a:ext cx="0" cy="0"/>
+          <a:chOff x="0" y="0"/>
+          <a:chExt cx="0" cy="0"/>
+        </a:xfrm>
+      </p:grpSpPr>
+      <p:sp>
+        <p:nvSpPr>
+          <p:cNvPr id="2" name="Title 1"/>
+          <p:cNvSpPr>
+            <a:spLocks noGrp="1"/>
+          </p:cNvSpPr>
+          <p:nvPr>
+            <p:ph type="title"/>
+          </p:nvPr>
+        </p:nvSpPr>
+        <p:spPr>
+          <a:xfrm>
+            <a:off x="139485" y="78119"/>
+            <a:ext cx="8229600" cy="607682"/>
+          </a:xfrm>
+        </p:spPr>
+        <p:txBody>
+          <a:bodyPr/>
+          <a:lstStyle/>
+          <a:p>
+            <a:pPr lvl="0" indent="0" marL="0">
+              <a:buNone/>
+            </a:pPr>
+            <a:r>
+              <a:rPr b="1"/>
+              <a:t>Lecture 5:</a:t>
+            </a:r>
+            <a:r>
+              <a:rPr/>
+              <a:t> Statistical hypothesis testing</a:t>
+            </a:r>
+          </a:p>
+        </p:txBody>
+      </p:sp>
+      <p:sp>
+        <p:nvSpPr>
+          <p:cNvPr id="3" name="Text Placeholder 2"/>
+          <p:cNvSpPr>
+            <a:spLocks noGrp="1"/>
+          </p:cNvSpPr>
+          <p:nvPr>
+            <p:ph idx="1" type="body"/>
+          </p:nvPr>
+        </p:nvSpPr>
+        <p:spPr/>
+        <p:txBody>
+          <a:bodyPr/>
+          <a:lstStyle/>
+          <a:p>
+            <a:pPr lvl="0" indent="0" marL="0">
+              <a:buNone/>
+            </a:pPr>
+            <a:r>
+              <a:rPr/>
+              <a:t>Traditionally α=0.05 is used as a cut off for rejecting null hypothesis</a:t>
+            </a:r>
+          </a:p>
+          <a:p>
+            <a:pPr lvl="0" indent="0" marL="0">
+              <a:buNone/>
+            </a:pPr>
+            <a:r>
+              <a:rPr/>
+              <a:t>Nothing magical about 0.0 - actual p-values need to be reported.</a:t>
+            </a:r>
+          </a:p>
+        </p:txBody>
+      </p:sp>
+      <p:graphicFrame>
+        <p:nvGraphicFramePr>
+          <p:cNvPr id="6" name="Content Placeholder 5"/>
+          <p:cNvGraphicFramePr>
+            <a:graphicFrameLocks noGrp="1"/>
+          </p:cNvGraphicFramePr>
+          <p:nvPr>
+            <p:ph idx="1"/>
+          </p:nvPr>
+        </p:nvGraphicFramePr>
+        <p:xfrm>
+          <a:off x="127000" y="1270000"/>
+          <a:ext cx="4432300" cy="3302000"/>
+        </p:xfrm>
+        <a:graphic>
+          <a:graphicData uri="http://schemas.openxmlformats.org/drawingml/2006/table">
+            <a:tbl>
+              <a:tblPr firstRow="1" bandRow="1">
+                <a:tableStyleId>{5C22544A-7EE6-4342-B048-85BDC9FD1C3A}</a:tableStyleId>
+              </a:tblPr>
+              <a:tblGrid>
+                <a:gridCol w="2209800"/>
+                <a:gridCol w="2209800"/>
+              </a:tblGrid>
+              <a:tr h="0">
+                <a:tc>
+                  <a:txBody>
+                    <a:bodyPr/>
+                    <a:lstStyle/>
+                    <a:p>
+                      <a:pPr lvl="0" indent="0" marL="0">
+                        <a:buNone/>
+                      </a:pPr>
+                      <a:r>
+                        <a:rPr/>
+                        <a:t>p-value range</a:t>
+                      </a:r>
+                    </a:p>
+                  </a:txBody>
+                  <a:tcPr/>
+                </a:tc>
+                <a:tc>
+                  <a:txBody>
+                    <a:bodyPr/>
+                    <a:lstStyle/>
+                    <a:p>
+                      <a:pPr lvl="0" indent="0" marL="0">
+                        <a:buNone/>
+                      </a:pPr>
+                      <a:r>
+                        <a:rPr/>
+                        <a:t>Interpretation</a:t>
+                      </a:r>
+                    </a:p>
+                  </a:txBody>
+                  <a:tcPr/>
+                </a:tc>
+              </a:tr>
+              <a:tr h="0">
+                <a:tc>
+                  <a:txBody>
+                    <a:bodyPr/>
+                    <a:lstStyle/>
+                    <a:p>
+                      <a:pPr lvl="0" indent="0" marL="0">
+                        <a:buNone/>
+                      </a:pPr>
+                      <a:r>
+                        <a:rPr/>
+                        <a:t>P &gt; 0.10</a:t>
+                      </a:r>
+                    </a:p>
+                  </a:txBody>
+                </a:tc>
+                <a:tc>
+                  <a:txBody>
+                    <a:bodyPr/>
+                    <a:lstStyle/>
+                    <a:p>
+                      <a:pPr lvl="0" indent="0" marL="0">
+                        <a:buNone/>
+                      </a:pPr>
+                      <a:r>
+                        <a:rPr/>
+                        <a:t>No evidence against Ho - data appear consistent with Ho</a:t>
+                      </a:r>
+                    </a:p>
+                  </a:txBody>
+                </a:tc>
+              </a:tr>
+              <a:tr h="0">
+                <a:tc>
+                  <a:txBody>
+                    <a:bodyPr/>
+                    <a:lstStyle/>
+                    <a:p>
+                      <a:pPr lvl="0" indent="0" marL="0">
+                        <a:buNone/>
+                      </a:pPr>
+                      <a:r>
+                        <a:rPr/>
+                        <a:t>0.05 &lt; P &lt; 0.10</a:t>
+                      </a:r>
+                    </a:p>
+                  </a:txBody>
+                </a:tc>
+                <a:tc>
+                  <a:txBody>
+                    <a:bodyPr/>
+                    <a:lstStyle/>
+                    <a:p>
+                      <a:pPr lvl="0" indent="0" marL="0">
+                        <a:buNone/>
+                      </a:pPr>
+                      <a:r>
+                        <a:rPr/>
+                        <a:t>Weak evidence against the Ho in favor of Ha</a:t>
+                      </a:r>
+                    </a:p>
+                  </a:txBody>
+                </a:tc>
+              </a:tr>
+              <a:tr h="0">
+                <a:tc>
+                  <a:txBody>
+                    <a:bodyPr/>
+                    <a:lstStyle/>
+                    <a:p>
+                      <a:pPr lvl="0" indent="0" marL="0">
+                        <a:buNone/>
+                      </a:pPr>
+                      <a:r>
+                        <a:rPr/>
+                        <a:t>0.01 &lt; P &lt; 0.05</a:t>
+                      </a:r>
+                    </a:p>
+                  </a:txBody>
+                </a:tc>
+                <a:tc>
+                  <a:txBody>
+                    <a:bodyPr/>
+                    <a:lstStyle/>
+                    <a:p>
+                      <a:pPr lvl="0" indent="0" marL="0">
+                        <a:buNone/>
+                      </a:pPr>
+                      <a:r>
+                        <a:rPr/>
+                        <a:t>Moderate evidence against Ho in favor of Ha</a:t>
+                      </a:r>
+                    </a:p>
+                  </a:txBody>
+                </a:tc>
+              </a:tr>
+              <a:tr h="0">
+                <a:tc>
+                  <a:txBody>
+                    <a:bodyPr/>
+                    <a:lstStyle/>
+                    <a:p>
+                      <a:pPr lvl="0" indent="0" marL="0">
+                        <a:buNone/>
+                      </a:pPr>
+                      <a:r>
+                        <a:rPr/>
+                        <a:t>0.001 &lt; P &lt; 0.01</a:t>
+                      </a:r>
+                    </a:p>
+                  </a:txBody>
+                </a:tc>
+                <a:tc>
+                  <a:txBody>
+                    <a:bodyPr/>
+                    <a:lstStyle/>
+                    <a:p>
+                      <a:pPr lvl="0" indent="0" marL="0">
+                        <a:buNone/>
+                      </a:pPr>
+                      <a:r>
+                        <a:rPr/>
+                        <a:t>Strong evidence against Ho in favor of Ha</a:t>
+                      </a:r>
+                    </a:p>
+                  </a:txBody>
+                </a:tc>
+              </a:tr>
+              <a:tr h="0">
+                <a:tc>
+                  <a:txBody>
+                    <a:bodyPr/>
+                    <a:lstStyle/>
+                    <a:p>
+                      <a:pPr lvl="0" indent="0" marL="0">
+                        <a:buNone/>
+                      </a:pPr>
+                      <a:r>
+                        <a:rPr/>
+                        <a:t>P &lt; 0.001</a:t>
+                      </a:r>
+                    </a:p>
+                  </a:txBody>
+                </a:tc>
+                <a:tc>
+                  <a:txBody>
+                    <a:bodyPr/>
+                    <a:lstStyle/>
+                    <a:p>
+                      <a:pPr lvl="0" indent="0" marL="0">
+                        <a:buNone/>
+                      </a:pPr>
+                      <a:r>
+                        <a:rPr/>
+                        <a:t>Very strong evidence against Ho in favor of Ha</a:t>
+                      </a:r>
+                    </a:p>
+                  </a:txBody>
+                </a:tc>
+              </a:tr>
+            </a:tbl>
+          </a:graphicData>
+        </a:graphic>
+      </p:graphicFrame>
+    </p:spTree>
+  </p:cSld>
+</p:sld>
+</file>
+
+<file path=ppt/slides/slide68.xml><?xml version="1.0" encoding="utf-8"?>
+<p:sld xmlns:a="http://schemas.openxmlformats.org/drawingml/2006/main" xmlns:r="http://schemas.openxmlformats.org/officeDocument/2006/relationships" xmlns:p="http://schemas.openxmlformats.org/presentationml/2006/main">
+  <p:cSld>
+    <p:spTree>
+      <p:nvGrpSpPr>
+        <p:cNvPr id="1" name=""/>
+        <p:cNvGrpSpPr/>
+        <p:nvPr/>
+      </p:nvGrpSpPr>
+      <p:grpSpPr>
+        <a:xfrm>
+          <a:off x="0" y="0"/>
+          <a:ext cx="0" cy="0"/>
+          <a:chOff x="0" y="0"/>
+          <a:chExt cx="0" cy="0"/>
+        </a:xfrm>
+      </p:grpSpPr>
+      <p:sp>
+        <p:nvSpPr>
+          <p:cNvPr id="2" name="Title 1"/>
+          <p:cNvSpPr>
+            <a:spLocks noGrp="1"/>
+          </p:cNvSpPr>
+          <p:nvPr>
+            <p:ph type="title"/>
+          </p:nvPr>
+        </p:nvSpPr>
+        <p:spPr>
+          <a:xfrm>
+            <a:off x="0" y="0"/>
+            <a:ext cx="9144000" cy="602780"/>
+          </a:xfrm>
+          <a:solidFill>
+            <a:srgbClr val="70121D"/>
+          </a:solidFill>
+        </p:spPr>
+        <p:txBody>
+          <a:bodyPr/>
+          <a:lstStyle/>
+          <a:p>
+            <a:pPr lvl="0" indent="0" marL="0">
+              <a:buNone/>
+            </a:pPr>
+            <a:r>
+              <a:rPr b="1"/>
+              <a:t>Lecture 5:</a:t>
+            </a:r>
+            <a:r>
+              <a:rPr/>
+              <a:t> Statistical hypothesis testing</a:t>
+            </a:r>
+          </a:p>
+        </p:txBody>
+      </p:sp>
+      <p:sp>
+        <p:nvSpPr>
+          <p:cNvPr id="3" name="Content Placeholder 2"/>
+          <p:cNvSpPr>
+            <a:spLocks noGrp="1"/>
+          </p:cNvSpPr>
+          <p:nvPr>
+            <p:ph idx="1" sz="half"/>
+          </p:nvPr>
+        </p:nvSpPr>
+        <p:spPr/>
+        <p:txBody>
+          <a:bodyPr/>
+          <a:lstStyle/>
+          <a:p>
+            <a:pPr lvl="0" indent="0" marL="0">
+              <a:buNone/>
+            </a:pPr>
+            <a:r>
+              <a:rPr/>
+              <a:t>Fisher:</a:t>
+            </a:r>
+          </a:p>
+          <a:p>
+            <a:pPr lvl="0" indent="0" marL="0">
+              <a:buNone/>
+            </a:pPr>
+            <a:r>
+              <a:rPr/>
+              <a:t>p-value as informal measure of discrepancy betwen data and Ho</a:t>
+            </a:r>
+          </a:p>
+          <a:p>
+            <a:pPr lvl="0" indent="0" marL="0">
+              <a:buNone/>
+            </a:pPr>
+            <a:r>
+              <a:rPr/>
+              <a:t>“If p is between 0.1 and 0.9 there is certainly no reason to suspect the hypothesis tested. If it is below 0.02 it is strongly indicated that the hypothesis fails to account for the whole of the facts. We shall not often be astray if we draw a conventional line at .05 …”</a:t>
+            </a:r>
+          </a:p>
+        </p:txBody>
+      </p:sp>
+      <p:pic>
+        <p:nvPicPr>
+          <p:cNvPr descr="images/clipboard-694363384.png" id="0" name="Picture 1"/>
+          <p:cNvPicPr>
+            <a:picLocks noGrp="1" noChangeAspect="1"/>
+          </p:cNvPicPr>
+          <p:nvPr/>
+        </p:nvPicPr>
+        <p:blipFill>
+          <a:blip r:embed="rId2"/>
+          <a:stretch>
+            <a:fillRect/>
+          </a:stretch>
+        </p:blipFill>
+        <p:spPr bwMode="auto">
+          <a:xfrm>
+            <a:off x="6121400" y="1625600"/>
+            <a:ext cx="2781300" cy="2540000"/>
+          </a:xfrm>
+          <a:prstGeom prst="rect">
+            <a:avLst/>
+          </a:prstGeom>
+          <a:noFill/>
+          <a:ln w="9525">
+            <a:noFill/>
+            <a:headEnd/>
+            <a:tailEnd/>
+          </a:ln>
+        </p:spPr>
+      </p:pic>
+    </p:spTree>
+  </p:cSld>
+</p:sld>
+</file>
+
+<file path=ppt/slides/slide69.xml><?xml version="1.0" encoding="utf-8"?>
+<p:sld xmlns:a="http://schemas.openxmlformats.org/drawingml/2006/main" xmlns:r="http://schemas.openxmlformats.org/officeDocument/2006/relationships" xmlns:p="http://schemas.openxmlformats.org/presentationml/2006/main">
+  <p:cSld>
+    <p:spTree>
+      <p:nvGrpSpPr>
+        <p:cNvPr id="1" name=""/>
+        <p:cNvGrpSpPr/>
+        <p:nvPr/>
+      </p:nvGrpSpPr>
+      <p:grpSpPr>
+        <a:xfrm>
+          <a:off x="0" y="0"/>
+          <a:ext cx="0" cy="0"/>
+          <a:chOff x="0" y="0"/>
+          <a:chExt cx="0" cy="0"/>
+        </a:xfrm>
+      </p:grpSpPr>
+      <p:sp>
+        <p:nvSpPr>
+          <p:cNvPr id="2" name="Title 1"/>
+          <p:cNvSpPr>
+            <a:spLocks noGrp="1"/>
+          </p:cNvSpPr>
+          <p:nvPr>
+            <p:ph type="title"/>
+          </p:nvPr>
+        </p:nvSpPr>
+        <p:spPr>
+          <a:xfrm>
+            <a:off x="0" y="0"/>
+            <a:ext cx="9144000" cy="602780"/>
+          </a:xfrm>
+          <a:solidFill>
+            <a:srgbClr val="70121D"/>
+          </a:solidFill>
+        </p:spPr>
+        <p:txBody>
+          <a:bodyPr/>
+          <a:lstStyle/>
+          <a:p>
+            <a:pPr lvl="0" indent="0" marL="0">
+              <a:buNone/>
+            </a:pPr>
+            <a:r>
+              <a:rPr b="1"/>
+              <a:t>Lecture 5:</a:t>
+            </a:r>
+            <a:r>
+              <a:rPr/>
+              <a:t> Statistical hypothesis testing</a:t>
+            </a:r>
+          </a:p>
+        </p:txBody>
+      </p:sp>
+      <p:sp>
+        <p:nvSpPr>
+          <p:cNvPr id="3" name="Content Placeholder 2"/>
+          <p:cNvSpPr>
+            <a:spLocks noGrp="1"/>
+          </p:cNvSpPr>
+          <p:nvPr>
+            <p:ph idx="1" sz="half"/>
+          </p:nvPr>
+        </p:nvSpPr>
+        <p:spPr/>
+        <p:txBody>
+          <a:bodyPr/>
+          <a:lstStyle/>
+          <a:p>
+            <a:pPr lvl="0" indent="0" marL="0">
+              <a:buNone/>
+            </a:pPr>
+            <a:r>
+              <a:rPr/>
+              <a:t>General procedure for H testing:</a:t>
+            </a:r>
+          </a:p>
+          <a:p>
+            <a:pPr lvl="0"/>
+            <a:r>
+              <a:rPr/>
+              <a:t>Specify Null (Ho) and alternate (Ha)</a:t>
+            </a:r>
+          </a:p>
+          <a:p>
+            <a:pPr lvl="0"/>
+            <a:r>
+              <a:rPr/>
+              <a:t>Determine test (and test statistic) to be used</a:t>
+            </a:r>
+          </a:p>
+          <a:p>
+            <a:pPr lvl="0"/>
+            <a:r>
+              <a:rPr/>
+              <a:t>Test statistic is used to compare your data to expectation under Ho (null hypothesis)</a:t>
+            </a:r>
+          </a:p>
+          <a:p>
+            <a:pPr lvl="0"/>
+            <a:r>
+              <a:rPr/>
+              <a:t>Specify significance (α or p value) level below which Ho will be rejected</a:t>
+            </a:r>
+          </a:p>
+        </p:txBody>
+      </p:sp>
     </p:spTree>
   </p:cSld>
 </p:sld>
@@ -14684,6 +20118,348 @@
             <a:r>
               <a:rPr/>
               <a:t>-</a:t>
+            </a:r>
+          </a:p>
+        </p:txBody>
+      </p:sp>
+    </p:spTree>
+  </p:cSld>
+</p:sld>
+</file>
+
+<file path=ppt/slides/slide70.xml><?xml version="1.0" encoding="utf-8"?>
+<p:sld xmlns:a="http://schemas.openxmlformats.org/drawingml/2006/main" xmlns:r="http://schemas.openxmlformats.org/officeDocument/2006/relationships" xmlns:p="http://schemas.openxmlformats.org/presentationml/2006/main">
+  <p:cSld>
+    <p:spTree>
+      <p:nvGrpSpPr>
+        <p:cNvPr id="1" name=""/>
+        <p:cNvGrpSpPr/>
+        <p:nvPr/>
+      </p:nvGrpSpPr>
+      <p:grpSpPr>
+        <a:xfrm>
+          <a:off x="0" y="0"/>
+          <a:ext cx="0" cy="0"/>
+          <a:chOff x="0" y="0"/>
+          <a:chExt cx="0" cy="0"/>
+        </a:xfrm>
+      </p:grpSpPr>
+      <p:sp>
+        <p:nvSpPr>
+          <p:cNvPr id="2" name="Title 1"/>
+          <p:cNvSpPr>
+            <a:spLocks noGrp="1"/>
+          </p:cNvSpPr>
+          <p:nvPr>
+            <p:ph type="title"/>
+          </p:nvPr>
+        </p:nvSpPr>
+        <p:spPr>
+          <a:xfrm>
+            <a:off x="0" y="0"/>
+            <a:ext cx="9144000" cy="602780"/>
+          </a:xfrm>
+          <a:solidFill>
+            <a:srgbClr val="70121D"/>
+          </a:solidFill>
+        </p:spPr>
+        <p:txBody>
+          <a:bodyPr/>
+          <a:lstStyle/>
+          <a:p>
+            <a:pPr lvl="0" indent="0" marL="0">
+              <a:buNone/>
+            </a:pPr>
+            <a:r>
+              <a:rPr b="1"/>
+              <a:t>Lecture 5:</a:t>
+            </a:r>
+            <a:r>
+              <a:rPr/>
+              <a:t> Statistical hypothesis testing</a:t>
+            </a:r>
+          </a:p>
+        </p:txBody>
+      </p:sp>
+      <p:sp>
+        <p:nvSpPr>
+          <p:cNvPr id="3" name="Content Placeholder 2"/>
+          <p:cNvSpPr>
+            <a:spLocks noGrp="1"/>
+          </p:cNvSpPr>
+          <p:nvPr>
+            <p:ph idx="1" sz="half"/>
+          </p:nvPr>
+        </p:nvSpPr>
+        <p:spPr/>
+        <p:txBody>
+          <a:bodyPr/>
+          <a:lstStyle/>
+          <a:p>
+            <a:pPr lvl="0" indent="0" marL="0">
+              <a:buNone/>
+            </a:pPr>
+            <a:r>
+              <a:rPr/>
+              <a:t>General procedure for H testing:</a:t>
+            </a:r>
+          </a:p>
+          <a:p>
+            <a:pPr lvl="0"/>
+            <a:r>
+              <a:rPr/>
+              <a:t>Collect data - Perform test</a:t>
+            </a:r>
+          </a:p>
+          <a:p>
+            <a:pPr lvl="0"/>
+            <a:r>
+              <a:rPr/>
+              <a:t>If p-value &lt; α, conclude Ho is likely false and reject it</a:t>
+            </a:r>
+          </a:p>
+          <a:p>
+            <a:pPr lvl="0"/>
+            <a:r>
+              <a:rPr/>
+              <a:t>If p-value &gt; α, conclude no evidence Ho is false and retain it</a:t>
+            </a:r>
+          </a:p>
+        </p:txBody>
+      </p:sp>
+    </p:spTree>
+  </p:cSld>
+</p:sld>
+</file>
+
+<file path=ppt/slides/slide71.xml><?xml version="1.0" encoding="utf-8"?>
+<p:sld xmlns:a="http://schemas.openxmlformats.org/drawingml/2006/main" xmlns:r="http://schemas.openxmlformats.org/officeDocument/2006/relationships" xmlns:p="http://schemas.openxmlformats.org/presentationml/2006/main">
+  <p:cSld>
+    <p:spTree>
+      <p:nvGrpSpPr>
+        <p:cNvPr id="1" name=""/>
+        <p:cNvGrpSpPr/>
+        <p:nvPr/>
+      </p:nvGrpSpPr>
+      <p:grpSpPr>
+        <a:xfrm>
+          <a:off x="0" y="0"/>
+          <a:ext cx="0" cy="0"/>
+          <a:chOff x="0" y="0"/>
+          <a:chExt cx="0" cy="0"/>
+        </a:xfrm>
+      </p:grpSpPr>
+      <p:sp>
+        <p:nvSpPr>
+          <p:cNvPr id="3" name="Content Placeholder 2"/>
+          <p:cNvSpPr>
+            <a:spLocks noGrp="1"/>
+          </p:cNvSpPr>
+          <p:nvPr>
+            <p:ph idx="1"/>
+          </p:nvPr>
+        </p:nvSpPr>
+        <p:spPr/>
+        <p:txBody>
+          <a:bodyPr/>
+          <a:lstStyle/>
+          <a:p>
+            <a:pPr lvl="0" indent="0" marL="1270000">
+              <a:buNone/>
+            </a:pPr>
+            <a:r>
+              <a:rPr sz="2000" b="1"/>
+              <a:t>Tip</a:t>
+            </a:r>
+          </a:p>
+        </p:txBody>
+      </p:sp>
+    </p:spTree>
+  </p:cSld>
+</p:sld>
+</file>
+
+<file path=ppt/slides/slide72.xml><?xml version="1.0" encoding="utf-8"?>
+<p:sld xmlns:a="http://schemas.openxmlformats.org/drawingml/2006/main" xmlns:r="http://schemas.openxmlformats.org/officeDocument/2006/relationships" xmlns:p="http://schemas.openxmlformats.org/presentationml/2006/main">
+  <p:cSld>
+    <p:spTree>
+      <p:nvGrpSpPr>
+        <p:cNvPr id="1" name=""/>
+        <p:cNvGrpSpPr/>
+        <p:nvPr/>
+      </p:nvGrpSpPr>
+      <p:grpSpPr>
+        <a:xfrm>
+          <a:off x="0" y="0"/>
+          <a:ext cx="0" cy="0"/>
+          <a:chOff x="0" y="0"/>
+          <a:chExt cx="0" cy="0"/>
+        </a:xfrm>
+      </p:grpSpPr>
+      <p:sp>
+        <p:nvSpPr>
+          <p:cNvPr id="2" name="Title 1"/>
+          <p:cNvSpPr>
+            <a:spLocks noGrp="1"/>
+          </p:cNvSpPr>
+          <p:nvPr>
+            <p:ph type="title"/>
+          </p:nvPr>
+        </p:nvSpPr>
+        <p:spPr>
+          <a:xfrm>
+            <a:off x="0" y="0"/>
+            <a:ext cx="9144000" cy="582780"/>
+          </a:xfrm>
+        </p:spPr>
+        <p:txBody>
+          <a:bodyPr/>
+          <a:lstStyle/>
+          <a:p>
+            <a:pPr lvl="0" indent="0" marL="0">
+              <a:buNone/>
+            </a:pPr>
+            <a:r>
+              <a:rPr b="1"/>
+              <a:t>Lecture 5:</a:t>
+            </a:r>
+            <a:r>
+              <a:rPr/>
+              <a:t> Next Steps in Statistical Analysis</a:t>
+            </a:r>
+          </a:p>
+        </p:txBody>
+      </p:sp>
+      <p:sp>
+        <p:nvSpPr>
+          <p:cNvPr id="3" name="Content Placeholder 2"/>
+          <p:cNvSpPr>
+            <a:spLocks noGrp="1"/>
+          </p:cNvSpPr>
+          <p:nvPr>
+            <p:ph idx="1"/>
+          </p:nvPr>
+        </p:nvSpPr>
+        <p:spPr/>
+        <p:txBody>
+          <a:bodyPr/>
+          <a:lstStyle/>
+          <a:p>
+            <a:pPr lvl="0" indent="0" marL="0">
+              <a:buNone/>
+            </a:pPr>
+            <a:r>
+              <a:rPr/>
+              <a:t>In future lectures, we’ll explore:</a:t>
+            </a:r>
+          </a:p>
+          <a:p>
+            <a:pPr lvl="0"/>
+            <a:r>
+              <a:rPr/>
+              <a:t>One-sample and two-sample t-tests</a:t>
+            </a:r>
+          </a:p>
+          <a:p>
+            <a:pPr lvl="0"/>
+            <a:r>
+              <a:rPr/>
+              <a:t>Analysis of variance (ANOVA)</a:t>
+            </a:r>
+          </a:p>
+          <a:p>
+            <a:pPr lvl="0"/>
+            <a:r>
+              <a:rPr/>
+              <a:t>Linear regression and correlation</a:t>
+            </a:r>
+          </a:p>
+          <a:p>
+            <a:pPr lvl="0"/>
+            <a:r>
+              <a:rPr/>
+              <a:t>Chi-square tests</a:t>
+            </a:r>
+          </a:p>
+          <a:p>
+            <a:pPr lvl="0"/>
+            <a:r>
+              <a:rPr/>
+              <a:t>Non-parametric methods</a:t>
+            </a:r>
+          </a:p>
+          <a:p>
+            <a:pPr lvl="0"/>
+            <a:r>
+              <a:rPr/>
+              <a:t>Multiple regression and model selection</a:t>
+            </a:r>
+          </a:p>
+          <a:p>
+            <a:pPr lvl="0"/>
+            <a:r>
+              <a:rPr/>
+              <a:t>Mixed effects models</a:t>
+            </a:r>
+          </a:p>
+          <a:p>
+            <a:pPr lvl="0" indent="0" marL="0">
+              <a:buNone/>
+            </a:pPr>
+            <a:r>
+              <a:rPr/>
+              <a:t>Each method builds on the statistical foundation we’ve established today, applying probability concepts to make inferences from data.</a:t>
+            </a:r>
+          </a:p>
+          <a:p>
+            <a:pPr lvl="0" indent="0" marL="1270000">
+              <a:buNone/>
+            </a:pPr>
+            <a:r>
+              <a:rPr sz="2000" b="1"/>
+              <a:t>Learning Resources</a:t>
+            </a:r>
+          </a:p>
+          <a:p>
+            <a:pPr lvl="0"/>
+            <a:r>
+              <a:rPr sz="2000"/>
+              <a:t>Practice problems in the textbook (Chapter 4 &amp; 5)</a:t>
+            </a:r>
+          </a:p>
+          <a:p>
+            <a:pPr lvl="0"/>
+            <a:r>
+              <a:rPr sz="2000"/>
+              <a:t>Online resources:</a:t>
+            </a:r>
+          </a:p>
+          <a:p>
+            <a:pPr lvl="1"/>
+            <a:r>
+              <a:rPr sz="2000"/>
+              <a:t>Khan Academy: Probability and Statistics</a:t>
+            </a:r>
+          </a:p>
+          <a:p>
+            <a:pPr lvl="1"/>
+            <a:r>
+              <a:rPr sz="2000"/>
+              <a:t>StatQuest with Josh Starmer (YouTube channel)</a:t>
+            </a:r>
+          </a:p>
+          <a:p>
+            <a:pPr lvl="1"/>
+            <a:r>
+              <a:rPr sz="2000"/>
+              <a:t>R for Data Science (r4ds.had.co.nz)</a:t>
+            </a:r>
+          </a:p>
+          <a:p>
+            <a:pPr lvl="0"/>
+            <a:r>
+              <a:rPr sz="2000"/>
+              <a:t>Office hours: Wednesdays 2-4pm</a:t>
             </a:r>
           </a:p>
         </p:txBody>

--- a/docs/lectures/lecture_06/06_01_lecture_powerpoint.pptx
+++ b/docs/lectures/lecture_06/06_01_lecture_powerpoint.pptx
@@ -25,6 +25,8 @@
     <p:sldId id="273" r:id="rId19"/>
     <p:sldId id="274" r:id="rId20"/>
     <p:sldId id="275" r:id="rId21"/>
+    <p:sldId id="276" r:id="rId22"/>
+    <p:sldId id="277" r:id="rId23"/>
   </p:sldIdLst>
   <p:sldSz cx="9144000" cy="5143500" type="screen16x9"/>
   <p:notesSz cx="6858000" cy="9144000"/>
@@ -3920,28 +3922,6 @@
           <a:chExt cx="0" cy="0"/>
         </a:xfrm>
       </p:grpSpPr>
-    </p:spTree>
-  </p:cSld>
-</p:sld>
-</file>
-
-<file path=ppt/slides/slide13.xml><?xml version="1.0" encoding="utf-8"?>
-<p:sld xmlns:a="http://schemas.openxmlformats.org/drawingml/2006/main" xmlns:r="http://schemas.openxmlformats.org/officeDocument/2006/relationships" xmlns:p="http://schemas.openxmlformats.org/presentationml/2006/main">
-  <p:cSld>
-    <p:spTree>
-      <p:nvGrpSpPr>
-        <p:cNvPr id="1" name=""/>
-        <p:cNvGrpSpPr/>
-        <p:nvPr/>
-      </p:nvGrpSpPr>
-      <p:grpSpPr>
-        <a:xfrm>
-          <a:off x="0" y="0"/>
-          <a:ext cx="0" cy="0"/>
-          <a:chOff x="0" y="0"/>
-          <a:chExt cx="0" cy="0"/>
-        </a:xfrm>
-      </p:grpSpPr>
       <p:sp>
         <p:nvSpPr>
           <p:cNvPr id="2" name="Title 1"/>
@@ -4011,6 +3991,110 @@
 </p:sld>
 </file>
 
+<file path=ppt/slides/slide13.xml><?xml version="1.0" encoding="utf-8"?>
+<p:sld xmlns:a="http://schemas.openxmlformats.org/drawingml/2006/main" xmlns:r="http://schemas.openxmlformats.org/officeDocument/2006/relationships" xmlns:p="http://schemas.openxmlformats.org/presentationml/2006/main">
+  <p:cSld>
+    <p:spTree>
+      <p:nvGrpSpPr>
+        <p:cNvPr id="1" name=""/>
+        <p:cNvGrpSpPr/>
+        <p:nvPr/>
+      </p:nvGrpSpPr>
+      <p:grpSpPr>
+        <a:xfrm>
+          <a:off x="0" y="0"/>
+          <a:ext cx="0" cy="0"/>
+          <a:chOff x="0" y="0"/>
+          <a:chExt cx="0" cy="0"/>
+        </a:xfrm>
+      </p:grpSpPr>
+      <p:sp>
+        <p:nvSpPr>
+          <p:cNvPr id="2" name="Title 1"/>
+          <p:cNvSpPr>
+            <a:spLocks noGrp="1"/>
+          </p:cNvSpPr>
+          <p:nvPr>
+            <p:ph type="title"/>
+          </p:nvPr>
+        </p:nvSpPr>
+        <p:spPr>
+          <a:xfrm>
+            <a:off x="0" y="0"/>
+            <a:ext cx="9144000" cy="582780"/>
+          </a:xfrm>
+        </p:spPr>
+        <p:txBody>
+          <a:bodyPr/>
+          <a:lstStyle/>
+          <a:p>
+            <a:pPr lvl="0" indent="0" marL="0">
+              <a:buNone/>
+            </a:pPr>
+            <a:r>
+              <a:rPr b="1"/>
+              <a:t>Lecture 6:</a:t>
+            </a:r>
+            <a:r>
+              <a:rPr/>
+              <a:t> Statistical hypothesis testing</a:t>
+            </a:r>
+          </a:p>
+        </p:txBody>
+      </p:sp>
+      <p:sp>
+        <p:nvSpPr>
+          <p:cNvPr id="3" name="Content Placeholder 2"/>
+          <p:cNvSpPr>
+            <a:spLocks noGrp="1"/>
+          </p:cNvSpPr>
+          <p:nvPr>
+            <p:ph idx="1"/>
+          </p:nvPr>
+        </p:nvSpPr>
+        <p:spPr/>
+        <p:txBody>
+          <a:bodyPr/>
+          <a:lstStyle/>
+          <a:p>
+            <a:pPr lvl="0" indent="0" marL="0">
+              <a:buNone/>
+            </a:pPr>
+            <a:r>
+              <a:rPr/>
+              <a:t>Fisher:</a:t>
+            </a:r>
+          </a:p>
+          <a:p>
+            <a:pPr lvl="0" indent="0" marL="0">
+              <a:buNone/>
+            </a:pPr>
+            <a:r>
+              <a:rPr/>
+              <a:t>p-value as informal measure of discrepancy between data and Ho</a:t>
+            </a:r>
+          </a:p>
+          <a:p>
+            <a:pPr lvl="0" indent="0" marL="0">
+              <a:buNone/>
+            </a:pPr>
+            <a:r>
+              <a:rPr/>
+              <a:t>“If p is between 0.1 and 0.9 there is certainly no reason to suspect the hypothesis tested. If it is below 0.02 it is strongly indicated that the hypothesis fails to account for the whole of the facts. We shall not often be astray if we draw a conventional line at .05 …”</a:t>
+            </a:r>
+          </a:p>
+          <a:p>
+            <a:pPr lvl="0" indent="0" marL="0">
+              <a:buNone/>
+            </a:pPr>
+          </a:p>
+        </p:txBody>
+      </p:sp>
+    </p:spTree>
+  </p:cSld>
+</p:sld>
+</file>
+
 <file path=ppt/slides/slide14.xml><?xml version="1.0" encoding="utf-8"?>
 <p:sld xmlns:a="http://schemas.openxmlformats.org/drawingml/2006/main" xmlns:r="http://schemas.openxmlformats.org/officeDocument/2006/relationships" xmlns:p="http://schemas.openxmlformats.org/presentationml/2006/main">
   <p:cSld>
@@ -4056,11 +4140,7 @@
             </a:pPr>
             <a:r>
               <a:rPr b="1"/>
-              <a:t>Lecture 6:</a:t>
-            </a:r>
-            <a:r>
-              <a:rPr/>
-              <a:t> Statistical hypothesis testing</a:t>
+              <a:t>Decision errors</a:t>
             </a:r>
           </a:p>
         </p:txBody>
@@ -4080,37 +4160,38 @@
           <a:bodyPr/>
           <a:lstStyle/>
           <a:p>
-            <a:pPr lvl="0" indent="0" marL="0">
-              <a:buNone/>
-            </a:pPr>
-            <a:r>
-              <a:rPr/>
-              <a:t>Fisher:</a:t>
-            </a:r>
-          </a:p>
-          <a:p>
-            <a:pPr lvl="0" indent="0" marL="0">
-              <a:buNone/>
-            </a:pPr>
-            <a:r>
-              <a:rPr/>
-              <a:t>p-value as informal measure of discrepancy between data and Ho</a:t>
-            </a:r>
-          </a:p>
-          <a:p>
-            <a:pPr lvl="0" indent="0" marL="0">
-              <a:buNone/>
-            </a:pPr>
-            <a:r>
-              <a:rPr/>
-              <a:t>“If p is between 0.1 and 0.9 there is certainly no reason to suspect the hypothesis tested. If it is below 0.02 it is strongly indicated that the hypothesis fails to account for the whole of the facts. We shall not often be astray if we draw a conventional line at .05 …”</a:t>
+            <a:pPr lvl="0"/>
+            <a:r>
+              <a:rPr/>
+              <a:t>Even good studies can reach incorrect conclusions</a:t>
+            </a:r>
+          </a:p>
+          <a:p>
+            <a:pPr lvl="0"/>
+            <a:r>
+              <a:rPr/>
+              <a:t>“Decision errors”</a:t>
+            </a:r>
+          </a:p>
+          <a:p>
+            <a:pPr lvl="0"/>
+            <a:r>
+              <a:rPr/>
+              <a:t>Two types of decision errors</a:t>
+            </a:r>
+          </a:p>
+          <a:p>
+            <a:pPr lvl="0"/>
+            <a:r>
+              <a:rPr/>
+              <a:t>Want to know probability of making these errors</a:t>
             </a:r>
           </a:p>
         </p:txBody>
       </p:sp>
       <p:pic>
         <p:nvPicPr>
-          <p:cNvPr descr="images/clipboard-694363384.png" id="0" name="Picture 1"/>
+          <p:cNvPr descr="images/clipboard-1430957016.png" id="0" name="Picture 1"/>
           <p:cNvPicPr>
             <a:picLocks noGrp="1" noChangeAspect="1"/>
           </p:cNvPicPr>
@@ -4124,8 +4205,8 @@
         </p:blipFill>
         <p:spPr bwMode="auto">
           <a:xfrm>
-            <a:off x="6121400" y="1625600"/>
-            <a:ext cx="2781300" cy="2540000"/>
+            <a:off x="6121400" y="2070100"/>
+            <a:ext cx="2781300" cy="1651000"/>
           </a:xfrm>
           <a:prstGeom prst="rect">
             <a:avLst/>
@@ -4144,6 +4225,349 @@
 </file>
 
 <file path=ppt/slides/slide15.xml><?xml version="1.0" encoding="utf-8"?>
+<p:sld xmlns:a="http://schemas.openxmlformats.org/drawingml/2006/main" xmlns:r="http://schemas.openxmlformats.org/officeDocument/2006/relationships" xmlns:p="http://schemas.openxmlformats.org/presentationml/2006/main">
+  <p:cSld>
+    <p:spTree>
+      <p:nvGrpSpPr>
+        <p:cNvPr id="1" name=""/>
+        <p:cNvGrpSpPr/>
+        <p:nvPr/>
+      </p:nvGrpSpPr>
+      <p:grpSpPr>
+        <a:xfrm>
+          <a:off x="0" y="0"/>
+          <a:ext cx="0" cy="0"/>
+          <a:chOff x="0" y="0"/>
+          <a:chExt cx="0" cy="0"/>
+        </a:xfrm>
+      </p:grpSpPr>
+      <p:sp>
+        <p:nvSpPr>
+          <p:cNvPr id="2" name="Title 1"/>
+          <p:cNvSpPr>
+            <a:spLocks noGrp="1"/>
+          </p:cNvSpPr>
+          <p:nvPr>
+            <p:ph type="title"/>
+          </p:nvPr>
+        </p:nvSpPr>
+        <p:spPr>
+          <a:xfrm>
+            <a:off x="0" y="0"/>
+            <a:ext cx="9144000" cy="602780"/>
+          </a:xfrm>
+          <a:solidFill>
+            <a:srgbClr val="70121D"/>
+          </a:solidFill>
+        </p:spPr>
+        <p:txBody>
+          <a:bodyPr/>
+          <a:lstStyle/>
+          <a:p>
+            <a:pPr lvl="0" indent="0" marL="0">
+              <a:buNone/>
+            </a:pPr>
+            <a:r>
+              <a:rPr b="1"/>
+              <a:t>Type I and Type II Errors</a:t>
+            </a:r>
+          </a:p>
+        </p:txBody>
+      </p:sp>
+      <p:sp>
+        <p:nvSpPr>
+          <p:cNvPr id="3" name="Content Placeholder 2"/>
+          <p:cNvSpPr>
+            <a:spLocks noGrp="1"/>
+          </p:cNvSpPr>
+          <p:nvPr>
+            <p:ph idx="1" sz="half"/>
+          </p:nvPr>
+        </p:nvSpPr>
+        <p:spPr/>
+        <p:txBody>
+          <a:bodyPr/>
+          <a:lstStyle/>
+          <a:p>
+            <a:pPr lvl="0"/>
+            <a:r>
+              <a:rPr b="1"/>
+              <a:t>Type I error rate</a:t>
+            </a:r>
+          </a:p>
+          <a:p>
+            <a:pPr lvl="1"/>
+            <a:r>
+              <a:rPr b="1"/>
+              <a:t>α</a:t>
+            </a:r>
+            <a:r>
+              <a:rPr/>
+              <a:t>: wrongly reject H₀ when it’s true</a:t>
+            </a:r>
+          </a:p>
+          <a:p>
+            <a:pPr lvl="1"/>
+            <a:r>
+              <a:rPr/>
+              <a:t>α = 0.05 means a type I error rate of 5%</a:t>
+            </a:r>
+          </a:p>
+          <a:p>
+            <a:pPr lvl="0"/>
+            <a:r>
+              <a:rPr b="1"/>
+              <a:t>Type II error rate, β</a:t>
+            </a:r>
+          </a:p>
+          <a:p>
+            <a:pPr lvl="1"/>
+            <a:r>
+              <a:rPr/>
+              <a:t>wrongly fail to reject H₀ when it’s false</a:t>
+            </a:r>
+          </a:p>
+          <a:p>
+            <a:pPr lvl="0"/>
+            <a:r>
+              <a:rPr b="1"/>
+              <a:t>Power = 1-β</a:t>
+            </a:r>
+            <a:r>
+              <a:rPr/>
+              <a:t>: probability of correctly rejecting H₀ when H₁ is true</a:t>
+            </a:r>
+          </a:p>
+          <a:p>
+            <a:pPr lvl="0"/>
+            <a:r>
+              <a:rPr/>
+              <a:t>Inverse relationship between type I and type II error - but not straightforward</a:t>
+            </a:r>
+          </a:p>
+          <a:p>
+            <a:pPr lvl="0"/>
+            <a:r>
+              <a:rPr/>
+              <a:t>Result of chance - sample not representative of population</a:t>
+            </a:r>
+          </a:p>
+          <a:p>
+            <a:pPr lvl="0"/>
+            <a:r>
+              <a:rPr/>
+              <a:t>Which type of error is more dangerous?</a:t>
+            </a:r>
+          </a:p>
+        </p:txBody>
+      </p:sp>
+      <p:pic>
+        <p:nvPicPr>
+          <p:cNvPr descr="images/clipboard-4092094638.png" id="0" name="Picture 1"/>
+          <p:cNvPicPr>
+            <a:picLocks noGrp="1" noChangeAspect="1"/>
+          </p:cNvPicPr>
+          <p:nvPr/>
+        </p:nvPicPr>
+        <p:blipFill>
+          <a:blip r:embed="rId2"/>
+          <a:stretch>
+            <a:fillRect/>
+          </a:stretch>
+        </p:blipFill>
+        <p:spPr bwMode="auto">
+          <a:xfrm>
+            <a:off x="6121400" y="1905000"/>
+            <a:ext cx="2781300" cy="1968500"/>
+          </a:xfrm>
+          <a:prstGeom prst="rect">
+            <a:avLst/>
+          </a:prstGeom>
+          <a:noFill/>
+          <a:ln w="9525">
+            <a:noFill/>
+            <a:headEnd/>
+            <a:tailEnd/>
+          </a:ln>
+        </p:spPr>
+      </p:pic>
+    </p:spTree>
+  </p:cSld>
+</p:sld>
+</file>
+
+<file path=ppt/slides/slide16.xml><?xml version="1.0" encoding="utf-8"?>
+<p:sld xmlns:a="http://schemas.openxmlformats.org/drawingml/2006/main" xmlns:r="http://schemas.openxmlformats.org/officeDocument/2006/relationships" xmlns:p="http://schemas.openxmlformats.org/presentationml/2006/main">
+  <p:cSld>
+    <p:spTree>
+      <p:nvGrpSpPr>
+        <p:cNvPr id="1" name=""/>
+        <p:cNvGrpSpPr/>
+        <p:nvPr/>
+      </p:nvGrpSpPr>
+      <p:grpSpPr>
+        <a:xfrm>
+          <a:off x="0" y="0"/>
+          <a:ext cx="0" cy="0"/>
+          <a:chOff x="0" y="0"/>
+          <a:chExt cx="0" cy="0"/>
+        </a:xfrm>
+      </p:grpSpPr>
+      <p:sp>
+        <p:nvSpPr>
+          <p:cNvPr id="2" name="Title 1"/>
+          <p:cNvSpPr>
+            <a:spLocks noGrp="1"/>
+          </p:cNvSpPr>
+          <p:nvPr>
+            <p:ph type="title"/>
+          </p:nvPr>
+        </p:nvSpPr>
+        <p:spPr>
+          <a:xfrm>
+            <a:off x="0" y="0"/>
+            <a:ext cx="9144000" cy="602780"/>
+          </a:xfrm>
+          <a:solidFill>
+            <a:srgbClr val="70121D"/>
+          </a:solidFill>
+        </p:spPr>
+        <p:txBody>
+          <a:bodyPr/>
+          <a:lstStyle/>
+          <a:p>
+            <a:pPr lvl="0" indent="0" marL="0">
+              <a:buNone/>
+            </a:pPr>
+            <a:r>
+              <a:rPr b="1"/>
+              <a:t>Lecture 6:</a:t>
+            </a:r>
+            <a:r>
+              <a:rPr/>
+              <a:t> Type I and Type II Errors</a:t>
+            </a:r>
+          </a:p>
+        </p:txBody>
+      </p:sp>
+      <p:sp>
+        <p:nvSpPr>
+          <p:cNvPr id="3" name="Content Placeholder 2"/>
+          <p:cNvSpPr>
+            <a:spLocks noGrp="1"/>
+          </p:cNvSpPr>
+          <p:nvPr>
+            <p:ph idx="1" sz="half"/>
+          </p:nvPr>
+        </p:nvSpPr>
+        <p:spPr/>
+        <p:txBody>
+          <a:bodyPr/>
+          <a:lstStyle/>
+          <a:p>
+            <a:pPr lvl="0" indent="0" marL="0">
+              <a:buNone/>
+            </a:pPr>
+            <a:r>
+              <a:rPr/>
+              <a:t>When making decisions based on hypothesis tests, two types of errors can occur:</a:t>
+            </a:r>
+          </a:p>
+          <a:p>
+            <a:pPr lvl="0" indent="0" marL="0">
+              <a:buNone/>
+            </a:pPr>
+            <a:r>
+              <a:rPr b="1"/>
+              <a:t>Type I Error (False Positive)</a:t>
+            </a:r>
+            <a:r>
+              <a:rPr/>
+              <a:t> - Rejecting H₀ when it’s actually true - Probability = α (significance level) - “Finding an effect that isn’t real”</a:t>
+            </a:r>
+          </a:p>
+          <a:p>
+            <a:pPr lvl="0" indent="0" marL="0">
+              <a:buNone/>
+            </a:pPr>
+            <a:r>
+              <a:rPr b="1"/>
+              <a:t>Type II Error (False Negative)</a:t>
+            </a:r>
+            <a:r>
+              <a:rPr/>
+              <a:t> - Failing to reject H₀ when it’s actually false - Probability = β - “Missing an effect that is real”</a:t>
+            </a:r>
+          </a:p>
+          <a:p>
+            <a:pPr lvl="0" indent="0" marL="0">
+              <a:buNone/>
+            </a:pPr>
+            <a:r>
+              <a:rPr b="1"/>
+              <a:t>Statistical Power = 1 - β</a:t>
+            </a:r>
+            <a:r>
+              <a:rPr/>
+              <a:t> - Probability of correctly rejecting a false H₀ - Increases with: - Larger sample size - Larger effect size - Lower variability - Higher α level</a:t>
+            </a:r>
+          </a:p>
+          <a:p>
+            <a:pPr lvl="0" indent="0" marL="0">
+              <a:buNone/>
+            </a:pPr>
+            <a:r>
+              <a:rPr/>
+              <a:t>The red area represents the power in the experiment</a:t>
+            </a:r>
+          </a:p>
+          <a:p>
+            <a:pPr lvl="0" indent="0" marL="0">
+              <a:buNone/>
+            </a:pPr>
+            <a:r>
+              <a:rPr/>
+              <a:t>The farther part the means the lower the beta error is… or you have higher power.</a:t>
+            </a:r>
+          </a:p>
+        </p:txBody>
+      </p:sp>
+      <p:pic>
+        <p:nvPicPr>
+          <p:cNvPr descr="images/clipboard-3204206464.png" id="0" name="Picture 1"/>
+          <p:cNvPicPr>
+            <a:picLocks noGrp="1" noChangeAspect="1"/>
+          </p:cNvPicPr>
+          <p:nvPr/>
+        </p:nvPicPr>
+        <p:blipFill>
+          <a:blip r:embed="rId2"/>
+          <a:stretch>
+            <a:fillRect/>
+          </a:stretch>
+        </p:blipFill>
+        <p:spPr bwMode="auto">
+          <a:xfrm>
+            <a:off x="6121400" y="1854200"/>
+            <a:ext cx="2781300" cy="2082800"/>
+          </a:xfrm>
+          <a:prstGeom prst="rect">
+            <a:avLst/>
+          </a:prstGeom>
+          <a:noFill/>
+          <a:ln w="9525">
+            <a:noFill/>
+            <a:headEnd/>
+            <a:tailEnd/>
+          </a:ln>
+        </p:spPr>
+      </p:pic>
+    </p:spTree>
+  </p:cSld>
+</p:sld>
+</file>
+
+<file path=ppt/slides/slide17.xml><?xml version="1.0" encoding="utf-8"?>
 <p:sld xmlns:a="http://schemas.openxmlformats.org/drawingml/2006/main" xmlns:r="http://schemas.openxmlformats.org/officeDocument/2006/relationships" xmlns:p="http://schemas.openxmlformats.org/presentationml/2006/main">
   <p:cSld>
     <p:spTree>
@@ -4314,1312 +4738,6 @@
 </p:sld>
 </file>
 
-<file path=ppt/slides/slide16.xml><?xml version="1.0" encoding="utf-8"?>
-<p:sld xmlns:a="http://schemas.openxmlformats.org/drawingml/2006/main" xmlns:r="http://schemas.openxmlformats.org/officeDocument/2006/relationships" xmlns:p="http://schemas.openxmlformats.org/presentationml/2006/main">
-  <p:cSld>
-    <p:spTree>
-      <p:nvGrpSpPr>
-        <p:cNvPr id="1" name=""/>
-        <p:cNvGrpSpPr/>
-        <p:nvPr/>
-      </p:nvGrpSpPr>
-      <p:grpSpPr>
-        <a:xfrm>
-          <a:off x="0" y="0"/>
-          <a:ext cx="0" cy="0"/>
-          <a:chOff x="0" y="0"/>
-          <a:chExt cx="0" cy="0"/>
-        </a:xfrm>
-      </p:grpSpPr>
-      <p:sp>
-        <p:nvSpPr>
-          <p:cNvPr id="3" name="Content Placeholder 2"/>
-          <p:cNvSpPr>
-            <a:spLocks noGrp="1"/>
-          </p:cNvSpPr>
-          <p:nvPr>
-            <p:ph idx="1"/>
-          </p:nvPr>
-        </p:nvSpPr>
-        <p:spPr/>
-        <p:txBody>
-          <a:bodyPr/>
-          <a:lstStyle/>
-          <a:p>
-            <a:pPr lvl="0" indent="0" marL="1270000">
-              <a:buNone/>
-            </a:pPr>
-            <a:r>
-              <a:rPr sz="2000" b="1"/>
-              <a:t>Practice Exercise 6: Interpreting P-values and Errors</a:t>
-            </a:r>
-          </a:p>
-          <a:p>
-            <a:pPr lvl="0" indent="0" marL="1270000">
-              <a:buNone/>
-            </a:pPr>
-            <a:r>
-              <a:rPr sz="2000"/>
-              <a:t>Given the following scenarios, identify whether a Type I or Type II error might have occurred:</a:t>
-            </a:r>
-          </a:p>
-          <a:p>
-            <a:pPr lvl="0" indent="-342900" marL="342900">
-              <a:buAutoNum type="arabicPeriod"/>
-            </a:pPr>
-            <a:r>
-              <a:rPr sz="2000"/>
-              <a:t>A researcher concludes that a new fishing regulation increased grayling size, when in fact it had no effect.</a:t>
-            </a:r>
-          </a:p>
-          <a:p>
-            <a:pPr lvl="0" indent="-342900" marL="342900">
-              <a:buAutoNum type="arabicPeriod"/>
-            </a:pPr>
-            <a:r>
-              <a:rPr sz="2000"/>
-              <a:t>A study fails to detect a real decline in grayling population due to warming water, concluding there was no effect.</a:t>
-            </a:r>
-          </a:p>
-          <a:p>
-            <a:pPr lvl="0" indent="-342900" marL="342900">
-              <a:buAutoNum type="arabicPeriod"/>
-            </a:pPr>
-            <a:r>
-              <a:rPr sz="2000"/>
-              <a:t>Let’s calculate the power of our t-test to detect a 30 mm difference in length between lakes:</a:t>
-            </a:r>
-          </a:p>
-          <a:p>
-            <a:pPr lvl="0"/>
-            <a:r>
-              <a:rPr sz="2000"/>
-              <a:t>pooled standard deviation</a:t>
-            </a:r>
-          </a:p>
-          <a:p>
-            <a:pPr lvl="1"/>
-            <a:r>
-              <a:rPr sz="2000"/>
-              <a:t>This is the combined standard deviation of both groups weighted by respective degrees of freedom.</a:t>
-            </a:r>
-          </a:p>
-          <a:p>
-            <a:pPr lvl="0"/>
-            <a:r>
-              <a:rPr sz="2000"/>
-              <a:t>Cohen’s d</a:t>
-            </a:r>
-          </a:p>
-          <a:p>
-            <a:pPr lvl="1"/>
-            <a:r>
-              <a:rPr sz="2000"/>
-              <a:t>standardized difference between means - here assuming a difference of 30 units (mm)</a:t>
-            </a:r>
-          </a:p>
-          <a:p>
-            <a:pPr lvl="1"/>
-            <a:r>
-              <a:rPr sz="2000">
-                <a:latin typeface="Courier"/>
-              </a:rPr>
-              <a:t>delta = 0.6741298</a:t>
-            </a:r>
-            <a:r>
-              <a:rPr sz="2000"/>
-              <a:t>: The standardized effect size (Cohen’s d)</a:t>
-            </a:r>
-          </a:p>
-          <a:p>
-            <a:pPr lvl="0" indent="0">
-              <a:buNone/>
-            </a:pPr>
-            <a:r>
-              <a:rPr>
-                <a:solidFill>
-                  <a:srgbClr val="4758AB"/>
-                </a:solidFill>
-                <a:latin typeface="Courier"/>
-              </a:rPr>
-              <a:t>library</a:t>
-            </a:r>
-            <a:r>
-              <a:rPr>
-                <a:solidFill>
-                  <a:srgbClr val="003B4F"/>
-                </a:solidFill>
-                <a:latin typeface="Courier"/>
-              </a:rPr>
-              <a:t>(car)</a:t>
-            </a:r>
-            <a:br/>
-            <a:r>
-              <a:rPr>
-                <a:solidFill>
-                  <a:srgbClr val="4758AB"/>
-                </a:solidFill>
-                <a:latin typeface="Courier"/>
-              </a:rPr>
-              <a:t>library</a:t>
-            </a:r>
-            <a:r>
-              <a:rPr>
-                <a:solidFill>
-                  <a:srgbClr val="003B4F"/>
-                </a:solidFill>
-                <a:latin typeface="Courier"/>
-              </a:rPr>
-              <a:t>(patchwork)</a:t>
-            </a:r>
-            <a:br/>
-            <a:r>
-              <a:rPr>
-                <a:solidFill>
-                  <a:srgbClr val="4758AB"/>
-                </a:solidFill>
-                <a:latin typeface="Courier"/>
-              </a:rPr>
-              <a:t>library</a:t>
-            </a:r>
-            <a:r>
-              <a:rPr>
-                <a:solidFill>
-                  <a:srgbClr val="003B4F"/>
-                </a:solidFill>
-                <a:latin typeface="Courier"/>
-              </a:rPr>
-              <a:t>(tidyverse)</a:t>
-            </a:r>
-            <a:br/>
-            <a:br/>
-            <a:r>
-              <a:rPr>
-                <a:solidFill>
-                  <a:srgbClr val="003B4F"/>
-                </a:solidFill>
-                <a:latin typeface="Courier"/>
-              </a:rPr>
-              <a:t>grayling_df &lt;- </a:t>
-            </a:r>
-            <a:r>
-              <a:rPr>
-                <a:solidFill>
-                  <a:srgbClr val="4758AB"/>
-                </a:solidFill>
-                <a:latin typeface="Courier"/>
-              </a:rPr>
-              <a:t>read_csv</a:t>
-            </a:r>
-            <a:r>
-              <a:rPr>
-                <a:solidFill>
-                  <a:srgbClr val="003B4F"/>
-                </a:solidFill>
-                <a:latin typeface="Courier"/>
-              </a:rPr>
-              <a:t>(</a:t>
-            </a:r>
-            <a:r>
-              <a:rPr>
-                <a:solidFill>
-                  <a:srgbClr val="20794D"/>
-                </a:solidFill>
-                <a:latin typeface="Courier"/>
-              </a:rPr>
-              <a:t>"data/gray_I3_I8.csv"</a:t>
-            </a:r>
-            <a:r>
-              <a:rPr>
-                <a:solidFill>
-                  <a:srgbClr val="003B4F"/>
-                </a:solidFill>
-                <a:latin typeface="Courier"/>
-              </a:rPr>
-              <a:t>)</a:t>
-            </a:r>
-            <a:br/>
-            <a:r>
-              <a:rPr>
-                <a:solidFill>
-                  <a:srgbClr val="003B4F"/>
-                </a:solidFill>
-                <a:latin typeface="Courier"/>
-              </a:rPr>
-              <a:t>i3_df &lt;- grayling_df </a:t>
-            </a:r>
-            <a:r>
-              <a:rPr>
-                <a:solidFill>
-                  <a:srgbClr val="5E5E5E"/>
-                </a:solidFill>
-                <a:latin typeface="Courier"/>
-              </a:rPr>
-              <a:t>%&gt;%</a:t>
-            </a:r>
-            <a:r>
-              <a:rPr>
-                <a:solidFill>
-                  <a:srgbClr val="003B4F"/>
-                </a:solidFill>
-                <a:latin typeface="Courier"/>
-              </a:rPr>
-              <a:t> </a:t>
-            </a:r>
-            <a:r>
-              <a:rPr>
-                <a:solidFill>
-                  <a:srgbClr val="4758AB"/>
-                </a:solidFill>
-                <a:latin typeface="Courier"/>
-              </a:rPr>
-              <a:t>filter</a:t>
-            </a:r>
-            <a:r>
-              <a:rPr>
-                <a:solidFill>
-                  <a:srgbClr val="003B4F"/>
-                </a:solidFill>
-                <a:latin typeface="Courier"/>
-              </a:rPr>
-              <a:t>(lake</a:t>
-            </a:r>
-            <a:r>
-              <a:rPr>
-                <a:solidFill>
-                  <a:srgbClr val="5E5E5E"/>
-                </a:solidFill>
-                <a:latin typeface="Courier"/>
-              </a:rPr>
-              <a:t>==</a:t>
-            </a:r>
-            <a:r>
-              <a:rPr>
-                <a:solidFill>
-                  <a:srgbClr val="20794D"/>
-                </a:solidFill>
-                <a:latin typeface="Courier"/>
-              </a:rPr>
-              <a:t>"I3"</a:t>
-            </a:r>
-            <a:r>
-              <a:rPr>
-                <a:solidFill>
-                  <a:srgbClr val="003B4F"/>
-                </a:solidFill>
-                <a:latin typeface="Courier"/>
-              </a:rPr>
-              <a:t>)</a:t>
-            </a:r>
-            <a:br/>
-            <a:r>
-              <a:rPr>
-                <a:solidFill>
-                  <a:srgbClr val="003B4F"/>
-                </a:solidFill>
-                <a:latin typeface="Courier"/>
-              </a:rPr>
-              <a:t>i8_df &lt;- grayling_df </a:t>
-            </a:r>
-            <a:r>
-              <a:rPr>
-                <a:solidFill>
-                  <a:srgbClr val="5E5E5E"/>
-                </a:solidFill>
-                <a:latin typeface="Courier"/>
-              </a:rPr>
-              <a:t>%&gt;%</a:t>
-            </a:r>
-            <a:r>
-              <a:rPr>
-                <a:solidFill>
-                  <a:srgbClr val="003B4F"/>
-                </a:solidFill>
-                <a:latin typeface="Courier"/>
-              </a:rPr>
-              <a:t> </a:t>
-            </a:r>
-            <a:r>
-              <a:rPr>
-                <a:solidFill>
-                  <a:srgbClr val="4758AB"/>
-                </a:solidFill>
-                <a:latin typeface="Courier"/>
-              </a:rPr>
-              <a:t>filter</a:t>
-            </a:r>
-            <a:r>
-              <a:rPr>
-                <a:solidFill>
-                  <a:srgbClr val="003B4F"/>
-                </a:solidFill>
-                <a:latin typeface="Courier"/>
-              </a:rPr>
-              <a:t>(lake</a:t>
-            </a:r>
-            <a:r>
-              <a:rPr>
-                <a:solidFill>
-                  <a:srgbClr val="5E5E5E"/>
-                </a:solidFill>
-                <a:latin typeface="Courier"/>
-              </a:rPr>
-              <a:t>==</a:t>
-            </a:r>
-            <a:r>
-              <a:rPr>
-                <a:solidFill>
-                  <a:srgbClr val="20794D"/>
-                </a:solidFill>
-                <a:latin typeface="Courier"/>
-              </a:rPr>
-              <a:t>"I8"</a:t>
-            </a:r>
-            <a:r>
-              <a:rPr>
-                <a:solidFill>
-                  <a:srgbClr val="003B4F"/>
-                </a:solidFill>
-                <a:latin typeface="Courier"/>
-              </a:rPr>
-              <a:t>)</a:t>
-            </a:r>
-            <a:br/>
-            <a:r>
-              <a:rPr>
-                <a:solidFill>
-                  <a:srgbClr val="5E5E5E"/>
-                </a:solidFill>
-                <a:latin typeface="Courier"/>
-              </a:rPr>
-              <a:t># Calculate power for detecting a 30 mm difference</a:t>
-            </a:r>
-            <a:br/>
-            <a:br/>
-            <a:br/>
-            <a:br/>
-            <a:r>
-              <a:rPr>
-                <a:solidFill>
-                  <a:srgbClr val="003B4F"/>
-                </a:solidFill>
-                <a:latin typeface="Courier"/>
-              </a:rPr>
-              <a:t>n1 &lt;- </a:t>
-            </a:r>
-            <a:r>
-              <a:rPr>
-                <a:solidFill>
-                  <a:srgbClr val="4758AB"/>
-                </a:solidFill>
-                <a:latin typeface="Courier"/>
-              </a:rPr>
-              <a:t>nrow</a:t>
-            </a:r>
-            <a:r>
-              <a:rPr>
-                <a:solidFill>
-                  <a:srgbClr val="003B4F"/>
-                </a:solidFill>
-                <a:latin typeface="Courier"/>
-              </a:rPr>
-              <a:t>(i3_df)</a:t>
-            </a:r>
-            <a:br/>
-            <a:r>
-              <a:rPr>
-                <a:solidFill>
-                  <a:srgbClr val="003B4F"/>
-                </a:solidFill>
-                <a:latin typeface="Courier"/>
-              </a:rPr>
-              <a:t>n2 &lt;- </a:t>
-            </a:r>
-            <a:r>
-              <a:rPr>
-                <a:solidFill>
-                  <a:srgbClr val="4758AB"/>
-                </a:solidFill>
-                <a:latin typeface="Courier"/>
-              </a:rPr>
-              <a:t>nrow</a:t>
-            </a:r>
-            <a:r>
-              <a:rPr>
-                <a:solidFill>
-                  <a:srgbClr val="003B4F"/>
-                </a:solidFill>
-                <a:latin typeface="Courier"/>
-              </a:rPr>
-              <a:t>(i8_df)</a:t>
-            </a:r>
-            <a:br/>
-            <a:r>
-              <a:rPr>
-                <a:solidFill>
-                  <a:srgbClr val="003B4F"/>
-                </a:solidFill>
-                <a:latin typeface="Courier"/>
-              </a:rPr>
-              <a:t>sd_pooled &lt;- </a:t>
-            </a:r>
-            <a:r>
-              <a:rPr>
-                <a:solidFill>
-                  <a:srgbClr val="4758AB"/>
-                </a:solidFill>
-                <a:latin typeface="Courier"/>
-              </a:rPr>
-              <a:t>sqrt</a:t>
-            </a:r>
-            <a:r>
-              <a:rPr>
-                <a:solidFill>
-                  <a:srgbClr val="003B4F"/>
-                </a:solidFill>
-                <a:latin typeface="Courier"/>
-              </a:rPr>
-              <a:t>((</a:t>
-            </a:r>
-            <a:r>
-              <a:rPr>
-                <a:solidFill>
-                  <a:srgbClr val="4758AB"/>
-                </a:solidFill>
-                <a:latin typeface="Courier"/>
-              </a:rPr>
-              <a:t>var</a:t>
-            </a:r>
-            <a:r>
-              <a:rPr>
-                <a:solidFill>
-                  <a:srgbClr val="003B4F"/>
-                </a:solidFill>
-                <a:latin typeface="Courier"/>
-              </a:rPr>
-              <a:t>(i3_df</a:t>
-            </a:r>
-            <a:r>
-              <a:rPr>
-                <a:solidFill>
-                  <a:srgbClr val="5E5E5E"/>
-                </a:solidFill>
-                <a:latin typeface="Courier"/>
-              </a:rPr>
-              <a:t>$</a:t>
-            </a:r>
-            <a:r>
-              <a:rPr>
-                <a:solidFill>
-                  <a:srgbClr val="003B4F"/>
-                </a:solidFill>
-                <a:latin typeface="Courier"/>
-              </a:rPr>
-              <a:t>length_mm) </a:t>
-            </a:r>
-            <a:r>
-              <a:rPr>
-                <a:solidFill>
-                  <a:srgbClr val="5E5E5E"/>
-                </a:solidFill>
-                <a:latin typeface="Courier"/>
-              </a:rPr>
-              <a:t>*</a:t>
-            </a:r>
-            <a:r>
-              <a:rPr>
-                <a:solidFill>
-                  <a:srgbClr val="003B4F"/>
-                </a:solidFill>
-                <a:latin typeface="Courier"/>
-              </a:rPr>
-              <a:t> (n1</a:t>
-            </a:r>
-            <a:r>
-              <a:rPr>
-                <a:solidFill>
-                  <a:srgbClr val="AD0000"/>
-                </a:solidFill>
-                <a:latin typeface="Courier"/>
-              </a:rPr>
-              <a:t>-1</a:t>
-            </a:r>
-            <a:r>
-              <a:rPr>
-                <a:solidFill>
-                  <a:srgbClr val="003B4F"/>
-                </a:solidFill>
-                <a:latin typeface="Courier"/>
-              </a:rPr>
-              <a:t>) </a:t>
-            </a:r>
-            <a:r>
-              <a:rPr>
-                <a:solidFill>
-                  <a:srgbClr val="5E5E5E"/>
-                </a:solidFill>
-                <a:latin typeface="Courier"/>
-              </a:rPr>
-              <a:t>+</a:t>
-            </a:r>
-            <a:r>
-              <a:rPr>
-                <a:solidFill>
-                  <a:srgbClr val="003B4F"/>
-                </a:solidFill>
-                <a:latin typeface="Courier"/>
-              </a:rPr>
-              <a:t> </a:t>
-            </a:r>
-            <a:br/>
-            <a:r>
-              <a:rPr>
-                <a:solidFill>
-                  <a:srgbClr val="003B4F"/>
-                </a:solidFill>
-                <a:latin typeface="Courier"/>
-              </a:rPr>
-              <a:t>                  </a:t>
-            </a:r>
-            <a:r>
-              <a:rPr>
-                <a:solidFill>
-                  <a:srgbClr val="4758AB"/>
-                </a:solidFill>
-                <a:latin typeface="Courier"/>
-              </a:rPr>
-              <a:t>var</a:t>
-            </a:r>
-            <a:r>
-              <a:rPr>
-                <a:solidFill>
-                  <a:srgbClr val="003B4F"/>
-                </a:solidFill>
-                <a:latin typeface="Courier"/>
-              </a:rPr>
-              <a:t>(i8_df</a:t>
-            </a:r>
-            <a:r>
-              <a:rPr>
-                <a:solidFill>
-                  <a:srgbClr val="5E5E5E"/>
-                </a:solidFill>
-                <a:latin typeface="Courier"/>
-              </a:rPr>
-              <a:t>$</a:t>
-            </a:r>
-            <a:r>
-              <a:rPr>
-                <a:solidFill>
-                  <a:srgbClr val="003B4F"/>
-                </a:solidFill>
-                <a:latin typeface="Courier"/>
-              </a:rPr>
-              <a:t>length_mm) </a:t>
-            </a:r>
-            <a:r>
-              <a:rPr>
-                <a:solidFill>
-                  <a:srgbClr val="5E5E5E"/>
-                </a:solidFill>
-                <a:latin typeface="Courier"/>
-              </a:rPr>
-              <a:t>*</a:t>
-            </a:r>
-            <a:r>
-              <a:rPr>
-                <a:solidFill>
-                  <a:srgbClr val="003B4F"/>
-                </a:solidFill>
-                <a:latin typeface="Courier"/>
-              </a:rPr>
-              <a:t> (n2</a:t>
-            </a:r>
-            <a:r>
-              <a:rPr>
-                <a:solidFill>
-                  <a:srgbClr val="AD0000"/>
-                </a:solidFill>
-                <a:latin typeface="Courier"/>
-              </a:rPr>
-              <a:t>-1</a:t>
-            </a:r>
-            <a:r>
-              <a:rPr>
-                <a:solidFill>
-                  <a:srgbClr val="003B4F"/>
-                </a:solidFill>
-                <a:latin typeface="Courier"/>
-              </a:rPr>
-              <a:t>)) </a:t>
-            </a:r>
-            <a:r>
-              <a:rPr>
-                <a:solidFill>
-                  <a:srgbClr val="5E5E5E"/>
-                </a:solidFill>
-                <a:latin typeface="Courier"/>
-              </a:rPr>
-              <a:t>/</a:t>
-            </a:r>
-            <a:r>
-              <a:rPr>
-                <a:solidFill>
-                  <a:srgbClr val="003B4F"/>
-                </a:solidFill>
-                <a:latin typeface="Courier"/>
-              </a:rPr>
-              <a:t> </a:t>
-            </a:r>
-            <a:br/>
-            <a:r>
-              <a:rPr>
-                <a:solidFill>
-                  <a:srgbClr val="003B4F"/>
-                </a:solidFill>
-                <a:latin typeface="Courier"/>
-              </a:rPr>
-              <a:t>                  (n1 </a:t>
-            </a:r>
-            <a:r>
-              <a:rPr>
-                <a:solidFill>
-                  <a:srgbClr val="5E5E5E"/>
-                </a:solidFill>
-                <a:latin typeface="Courier"/>
-              </a:rPr>
-              <a:t>+</a:t>
-            </a:r>
-            <a:r>
-              <a:rPr>
-                <a:solidFill>
-                  <a:srgbClr val="003B4F"/>
-                </a:solidFill>
-                <a:latin typeface="Courier"/>
-              </a:rPr>
-              <a:t> n2 </a:t>
-            </a:r>
-            <a:r>
-              <a:rPr>
-                <a:solidFill>
-                  <a:srgbClr val="5E5E5E"/>
-                </a:solidFill>
-                <a:latin typeface="Courier"/>
-              </a:rPr>
-              <a:t>-</a:t>
-            </a:r>
-            <a:r>
-              <a:rPr>
-                <a:solidFill>
-                  <a:srgbClr val="003B4F"/>
-                </a:solidFill>
-                <a:latin typeface="Courier"/>
-              </a:rPr>
-              <a:t> </a:t>
-            </a:r>
-            <a:r>
-              <a:rPr>
-                <a:solidFill>
-                  <a:srgbClr val="AD0000"/>
-                </a:solidFill>
-                <a:latin typeface="Courier"/>
-              </a:rPr>
-              <a:t>2</a:t>
-            </a:r>
-            <a:r>
-              <a:rPr>
-                <a:solidFill>
-                  <a:srgbClr val="003B4F"/>
-                </a:solidFill>
-                <a:latin typeface="Courier"/>
-              </a:rPr>
-              <a:t>))</a:t>
-            </a:r>
-            <a:br/>
-            <a:br/>
-            <a:r>
-              <a:rPr>
-                <a:solidFill>
-                  <a:srgbClr val="5E5E5E"/>
-                </a:solidFill>
-                <a:latin typeface="Courier"/>
-              </a:rPr>
-              <a:t># Calculate power</a:t>
-            </a:r>
-            <a:br/>
-            <a:r>
-              <a:rPr>
-                <a:solidFill>
-                  <a:srgbClr val="003B4F"/>
-                </a:solidFill>
-                <a:latin typeface="Courier"/>
-              </a:rPr>
-              <a:t>effect_size &lt;- </a:t>
-            </a:r>
-            <a:r>
-              <a:rPr>
-                <a:solidFill>
-                  <a:srgbClr val="AD0000"/>
-                </a:solidFill>
-                <a:latin typeface="Courier"/>
-              </a:rPr>
-              <a:t>30</a:t>
-            </a:r>
-            <a:r>
-              <a:rPr>
-                <a:solidFill>
-                  <a:srgbClr val="003B4F"/>
-                </a:solidFill>
-                <a:latin typeface="Courier"/>
-              </a:rPr>
-              <a:t> </a:t>
-            </a:r>
-            <a:r>
-              <a:rPr>
-                <a:solidFill>
-                  <a:srgbClr val="5E5E5E"/>
-                </a:solidFill>
-                <a:latin typeface="Courier"/>
-              </a:rPr>
-              <a:t>/</a:t>
-            </a:r>
-            <a:r>
-              <a:rPr>
-                <a:solidFill>
-                  <a:srgbClr val="003B4F"/>
-                </a:solidFill>
-                <a:latin typeface="Courier"/>
-              </a:rPr>
-              <a:t> sd_pooled  </a:t>
-            </a:r>
-            <a:r>
-              <a:rPr>
-                <a:solidFill>
-                  <a:srgbClr val="5E5E5E"/>
-                </a:solidFill>
-                <a:latin typeface="Courier"/>
-              </a:rPr>
-              <a:t># Cohen's d</a:t>
-            </a:r>
-            <a:br/>
-            <a:r>
-              <a:rPr>
-                <a:solidFill>
-                  <a:srgbClr val="003B4F"/>
-                </a:solidFill>
-                <a:latin typeface="Courier"/>
-              </a:rPr>
-              <a:t>df &lt;- n1 </a:t>
-            </a:r>
-            <a:r>
-              <a:rPr>
-                <a:solidFill>
-                  <a:srgbClr val="5E5E5E"/>
-                </a:solidFill>
-                <a:latin typeface="Courier"/>
-              </a:rPr>
-              <a:t>+</a:t>
-            </a:r>
-            <a:r>
-              <a:rPr>
-                <a:solidFill>
-                  <a:srgbClr val="003B4F"/>
-                </a:solidFill>
-                <a:latin typeface="Courier"/>
-              </a:rPr>
-              <a:t> n2 </a:t>
-            </a:r>
-            <a:r>
-              <a:rPr>
-                <a:solidFill>
-                  <a:srgbClr val="5E5E5E"/>
-                </a:solidFill>
-                <a:latin typeface="Courier"/>
-              </a:rPr>
-              <a:t>-</a:t>
-            </a:r>
-            <a:r>
-              <a:rPr>
-                <a:solidFill>
-                  <a:srgbClr val="003B4F"/>
-                </a:solidFill>
-                <a:latin typeface="Courier"/>
-              </a:rPr>
-              <a:t> </a:t>
-            </a:r>
-            <a:r>
-              <a:rPr>
-                <a:solidFill>
-                  <a:srgbClr val="AD0000"/>
-                </a:solidFill>
-                <a:latin typeface="Courier"/>
-              </a:rPr>
-              <a:t>2</a:t>
-            </a:r>
-            <a:br/>
-            <a:r>
-              <a:rPr>
-                <a:solidFill>
-                  <a:srgbClr val="003B4F"/>
-                </a:solidFill>
-                <a:latin typeface="Courier"/>
-              </a:rPr>
-              <a:t>alpha &lt;- </a:t>
-            </a:r>
-            <a:r>
-              <a:rPr>
-                <a:solidFill>
-                  <a:srgbClr val="AD0000"/>
-                </a:solidFill>
-                <a:latin typeface="Courier"/>
-              </a:rPr>
-              <a:t>0.05</a:t>
-            </a:r>
-            <a:br/>
-            <a:r>
-              <a:rPr>
-                <a:solidFill>
-                  <a:srgbClr val="003B4F"/>
-                </a:solidFill>
-                <a:latin typeface="Courier"/>
-              </a:rPr>
-              <a:t>power &lt;- </a:t>
-            </a:r>
-            <a:r>
-              <a:rPr>
-                <a:solidFill>
-                  <a:srgbClr val="4758AB"/>
-                </a:solidFill>
-                <a:latin typeface="Courier"/>
-              </a:rPr>
-              <a:t>power.t.test</a:t>
-            </a:r>
-            <a:r>
-              <a:rPr>
-                <a:solidFill>
-                  <a:srgbClr val="003B4F"/>
-                </a:solidFill>
-                <a:latin typeface="Courier"/>
-              </a:rPr>
-              <a:t>(</a:t>
-            </a:r>
-            <a:r>
-              <a:rPr>
-                <a:solidFill>
-                  <a:srgbClr val="657422"/>
-                </a:solidFill>
-                <a:latin typeface="Courier"/>
-              </a:rPr>
-              <a:t>n =</a:t>
-            </a:r>
-            <a:r>
-              <a:rPr>
-                <a:solidFill>
-                  <a:srgbClr val="003B4F"/>
-                </a:solidFill>
-                <a:latin typeface="Courier"/>
-              </a:rPr>
-              <a:t> </a:t>
-            </a:r>
-            <a:r>
-              <a:rPr>
-                <a:solidFill>
-                  <a:srgbClr val="4758AB"/>
-                </a:solidFill>
-                <a:latin typeface="Courier"/>
-              </a:rPr>
-              <a:t>min</a:t>
-            </a:r>
-            <a:r>
-              <a:rPr>
-                <a:solidFill>
-                  <a:srgbClr val="003B4F"/>
-                </a:solidFill>
-                <a:latin typeface="Courier"/>
-              </a:rPr>
-              <a:t>(n1, n2), </a:t>
-            </a:r>
-            <a:br/>
-            <a:r>
-              <a:rPr>
-                <a:solidFill>
-                  <a:srgbClr val="003B4F"/>
-                </a:solidFill>
-                <a:latin typeface="Courier"/>
-              </a:rPr>
-              <a:t>                     </a:t>
-            </a:r>
-            <a:r>
-              <a:rPr>
-                <a:solidFill>
-                  <a:srgbClr val="657422"/>
-                </a:solidFill>
-                <a:latin typeface="Courier"/>
-              </a:rPr>
-              <a:t>delta =</a:t>
-            </a:r>
-            <a:r>
-              <a:rPr>
-                <a:solidFill>
-                  <a:srgbClr val="003B4F"/>
-                </a:solidFill>
-                <a:latin typeface="Courier"/>
-              </a:rPr>
-              <a:t> effect_size,</a:t>
-            </a:r>
-            <a:br/>
-            <a:r>
-              <a:rPr>
-                <a:solidFill>
-                  <a:srgbClr val="003B4F"/>
-                </a:solidFill>
-                <a:latin typeface="Courier"/>
-              </a:rPr>
-              <a:t>                     </a:t>
-            </a:r>
-            <a:r>
-              <a:rPr>
-                <a:solidFill>
-                  <a:srgbClr val="657422"/>
-                </a:solidFill>
-                <a:latin typeface="Courier"/>
-              </a:rPr>
-              <a:t>sd =</a:t>
-            </a:r>
-            <a:r>
-              <a:rPr>
-                <a:solidFill>
-                  <a:srgbClr val="003B4F"/>
-                </a:solidFill>
-                <a:latin typeface="Courier"/>
-              </a:rPr>
-              <a:t> </a:t>
-            </a:r>
-            <a:r>
-              <a:rPr>
-                <a:solidFill>
-                  <a:srgbClr val="AD0000"/>
-                </a:solidFill>
-                <a:latin typeface="Courier"/>
-              </a:rPr>
-              <a:t>1</a:t>
-            </a:r>
-            <a:r>
-              <a:rPr>
-                <a:solidFill>
-                  <a:srgbClr val="003B4F"/>
-                </a:solidFill>
-                <a:latin typeface="Courier"/>
-              </a:rPr>
-              <a:t>,  </a:t>
-            </a:r>
-            <a:r>
-              <a:rPr>
-                <a:solidFill>
-                  <a:srgbClr val="5E5E5E"/>
-                </a:solidFill>
-                <a:latin typeface="Courier"/>
-              </a:rPr>
-              <a:t># Using standardized effect size</a:t>
-            </a:r>
-            <a:br/>
-            <a:r>
-              <a:rPr>
-                <a:solidFill>
-                  <a:srgbClr val="003B4F"/>
-                </a:solidFill>
-                <a:latin typeface="Courier"/>
-              </a:rPr>
-              <a:t>                     </a:t>
-            </a:r>
-            <a:r>
-              <a:rPr>
-                <a:solidFill>
-                  <a:srgbClr val="657422"/>
-                </a:solidFill>
-                <a:latin typeface="Courier"/>
-              </a:rPr>
-              <a:t>sig.level =</a:t>
-            </a:r>
-            <a:r>
-              <a:rPr>
-                <a:solidFill>
-                  <a:srgbClr val="003B4F"/>
-                </a:solidFill>
-                <a:latin typeface="Courier"/>
-              </a:rPr>
-              <a:t> alpha,</a:t>
-            </a:r>
-            <a:br/>
-            <a:r>
-              <a:rPr>
-                <a:solidFill>
-                  <a:srgbClr val="003B4F"/>
-                </a:solidFill>
-                <a:latin typeface="Courier"/>
-              </a:rPr>
-              <a:t>                     </a:t>
-            </a:r>
-            <a:r>
-              <a:rPr>
-                <a:solidFill>
-                  <a:srgbClr val="657422"/>
-                </a:solidFill>
-                <a:latin typeface="Courier"/>
-              </a:rPr>
-              <a:t>type =</a:t>
-            </a:r>
-            <a:r>
-              <a:rPr>
-                <a:solidFill>
-                  <a:srgbClr val="003B4F"/>
-                </a:solidFill>
-                <a:latin typeface="Courier"/>
-              </a:rPr>
-              <a:t> </a:t>
-            </a:r>
-            <a:r>
-              <a:rPr>
-                <a:solidFill>
-                  <a:srgbClr val="20794D"/>
-                </a:solidFill>
-                <a:latin typeface="Courier"/>
-              </a:rPr>
-              <a:t>"two.sample"</a:t>
-            </a:r>
-            <a:r>
-              <a:rPr>
-                <a:solidFill>
-                  <a:srgbClr val="003B4F"/>
-                </a:solidFill>
-                <a:latin typeface="Courier"/>
-              </a:rPr>
-              <a:t>,</a:t>
-            </a:r>
-            <a:br/>
-            <a:r>
-              <a:rPr>
-                <a:solidFill>
-                  <a:srgbClr val="003B4F"/>
-                </a:solidFill>
-                <a:latin typeface="Courier"/>
-              </a:rPr>
-              <a:t>                     </a:t>
-            </a:r>
-            <a:r>
-              <a:rPr>
-                <a:solidFill>
-                  <a:srgbClr val="657422"/>
-                </a:solidFill>
-                <a:latin typeface="Courier"/>
-              </a:rPr>
-              <a:t>alternative =</a:t>
-            </a:r>
-            <a:r>
-              <a:rPr>
-                <a:solidFill>
-                  <a:srgbClr val="003B4F"/>
-                </a:solidFill>
-                <a:latin typeface="Courier"/>
-              </a:rPr>
-              <a:t> </a:t>
-            </a:r>
-            <a:r>
-              <a:rPr>
-                <a:solidFill>
-                  <a:srgbClr val="20794D"/>
-                </a:solidFill>
-                <a:latin typeface="Courier"/>
-              </a:rPr>
-              <a:t>"two.sided"</a:t>
-            </a:r>
-            <a:r>
-              <a:rPr>
-                <a:solidFill>
-                  <a:srgbClr val="003B4F"/>
-                </a:solidFill>
-                <a:latin typeface="Courier"/>
-              </a:rPr>
-              <a:t>)</a:t>
-            </a:r>
-            <a:br/>
-            <a:br/>
-            <a:r>
-              <a:rPr>
-                <a:solidFill>
-                  <a:srgbClr val="5E5E5E"/>
-                </a:solidFill>
-                <a:latin typeface="Courier"/>
-              </a:rPr>
-              <a:t># Display results</a:t>
-            </a:r>
-            <a:br/>
-            <a:r>
-              <a:rPr>
-                <a:solidFill>
-                  <a:srgbClr val="003B4F"/>
-                </a:solidFill>
-                <a:latin typeface="Courier"/>
-              </a:rPr>
-              <a:t>power</a:t>
-            </a:r>
-          </a:p>
-          <a:p>
-            <a:pPr lvl="0" indent="0">
-              <a:buNone/>
-            </a:pPr>
-            <a:r>
-              <a:rPr sz="2000">
-                <a:latin typeface="Courier"/>
-              </a:rPr>
-              <a:t>
-     Two-sample t test power calculation 
-              n = 66
-          delta = 0.6741298
-             sd = 1
-      sig.level = 0.05
-          power = 0.9702076
-    alternative = two.sided
-NOTE: n is number in *each* group</a:t>
-            </a:r>
-          </a:p>
-        </p:txBody>
-      </p:sp>
-    </p:spTree>
-  </p:cSld>
-</p:sld>
-</file>
-
-<file path=ppt/slides/slide17.xml><?xml version="1.0" encoding="utf-8"?>
-<p:sld xmlns:a="http://schemas.openxmlformats.org/drawingml/2006/main" xmlns:r="http://schemas.openxmlformats.org/officeDocument/2006/relationships" xmlns:p="http://schemas.openxmlformats.org/presentationml/2006/main">
-  <p:cSld>
-    <p:spTree>
-      <p:nvGrpSpPr>
-        <p:cNvPr id="1" name=""/>
-        <p:cNvGrpSpPr/>
-        <p:nvPr/>
-      </p:nvGrpSpPr>
-      <p:grpSpPr>
-        <a:xfrm>
-          <a:off x="0" y="0"/>
-          <a:ext cx="0" cy="0"/>
-          <a:chOff x="0" y="0"/>
-          <a:chExt cx="0" cy="0"/>
-        </a:xfrm>
-      </p:grpSpPr>
-      <p:sp>
-        <p:nvSpPr>
-          <p:cNvPr id="2" name="Title 1"/>
-          <p:cNvSpPr>
-            <a:spLocks noGrp="1"/>
-          </p:cNvSpPr>
-          <p:nvPr>
-            <p:ph type="title"/>
-          </p:nvPr>
-        </p:nvSpPr>
-        <p:spPr>
-          <a:xfrm>
-            <a:off x="0" y="0"/>
-            <a:ext cx="9144000" cy="582780"/>
-          </a:xfrm>
-        </p:spPr>
-        <p:txBody>
-          <a:bodyPr/>
-          <a:lstStyle/>
-          <a:p>
-            <a:pPr lvl="0" indent="0" marL="0">
-              <a:buNone/>
-            </a:pPr>
-            <a:r>
-              <a:rPr/>
-              <a:t>What is Power</a:t>
-            </a:r>
-          </a:p>
-        </p:txBody>
-      </p:sp>
-      <p:sp>
-        <p:nvSpPr>
-          <p:cNvPr id="3" name="Content Placeholder 2"/>
-          <p:cNvSpPr>
-            <a:spLocks noGrp="1"/>
-          </p:cNvSpPr>
-          <p:nvPr>
-            <p:ph idx="1"/>
-          </p:nvPr>
-        </p:nvSpPr>
-        <p:spPr/>
-        <p:txBody>
-          <a:bodyPr/>
-          <a:lstStyle/>
-          <a:p>
-            <a:pPr lvl="0" indent="0" marL="0">
-              <a:buNone/>
-            </a:pPr>
-            <a:r>
-              <a:rPr/>
-              <a:t>Statistical power represents the probability of detecting a true effect (rejecting the null hypothesis when it is false). In this case, with a power of 97%, there’s a 97% chance of detecting a true difference of 30 units between the means of the two groups if such a difference actually exists.</a:t>
-            </a:r>
-          </a:p>
-          <a:p>
-            <a:pPr lvl="0" indent="0" marL="0">
-              <a:buNone/>
-            </a:pPr>
-            <a:r>
-              <a:rPr/>
-              <a:t>A power analysis like this is typically done for one of these purposes:</a:t>
-            </a:r>
-          </a:p>
-          <a:p>
-            <a:pPr lvl="0" indent="-342900" marL="342900">
-              <a:buAutoNum type="arabicPeriod"/>
-            </a:pPr>
-            <a:r>
-              <a:rPr/>
-              <a:t>Before data collection to determine required sample size</a:t>
-            </a:r>
-          </a:p>
-          <a:p>
-            <a:pPr lvl="0" indent="-342900" marL="342900">
-              <a:buAutoNum type="arabicPeriod"/>
-            </a:pPr>
-            <a:r>
-              <a:rPr/>
-              <a:t>After a study to evaluate if the sample size was adequate</a:t>
-            </a:r>
-          </a:p>
-          <a:p>
-            <a:pPr lvl="0" indent="-342900" marL="342900">
-              <a:buAutoNum type="arabicPeriod"/>
-            </a:pPr>
-            <a:r>
-              <a:rPr/>
-              <a:t>To determine the minimum detectable effect size with the given sample</a:t>
-            </a:r>
-          </a:p>
-          <a:p>
-            <a:pPr lvl="0" indent="0" marL="0">
-              <a:buNone/>
-            </a:pPr>
-            <a:r>
-              <a:rPr/>
-              <a:t>With 97% power, this test has excellent ability to detect the specified effect size. Generally, </a:t>
-            </a:r>
-            <a:r>
-              <a:rPr b="1"/>
-              <a:t>80% power is considered acceptable</a:t>
-            </a:r>
-            <a:r>
-              <a:rPr/>
-              <a:t>, so 97% indicates a very well-powered study for detecting a difference of 30mm between the groups.</a:t>
-            </a:r>
-          </a:p>
-        </p:txBody>
-      </p:sp>
-    </p:spTree>
-  </p:cSld>
-</p:sld>
-</file>
-
 <file path=ppt/slides/slide18.xml><?xml version="1.0" encoding="utf-8"?>
 <p:sld xmlns:a="http://schemas.openxmlformats.org/drawingml/2006/main" xmlns:r="http://schemas.openxmlformats.org/officeDocument/2006/relationships" xmlns:p="http://schemas.openxmlformats.org/presentationml/2006/main">
   <p:cSld>
@@ -5639,116 +4757,34 @@
       </p:grpSpPr>
       <p:sp>
         <p:nvSpPr>
-          <p:cNvPr id="2" name="Title 1"/>
-          <p:cNvSpPr>
-            <a:spLocks noGrp="1"/>
-          </p:cNvSpPr>
-          <p:nvPr>
-            <p:ph type="title"/>
-          </p:nvPr>
-        </p:nvSpPr>
-        <p:spPr>
-          <a:xfrm>
-            <a:off x="0" y="0"/>
-            <a:ext cx="9144000" cy="602780"/>
-          </a:xfrm>
-          <a:solidFill>
-            <a:srgbClr val="70121D"/>
-          </a:solidFill>
-        </p:spPr>
+          <p:cNvPr id="3" name="Content Placeholder 2"/>
+          <p:cNvSpPr>
+            <a:spLocks noGrp="1"/>
+          </p:cNvSpPr>
+          <p:nvPr>
+            <p:ph idx="1"/>
+          </p:nvPr>
+        </p:nvSpPr>
+        <p:spPr/>
         <p:txBody>
           <a:bodyPr/>
           <a:lstStyle/>
           <a:p>
-            <a:pPr lvl="0" indent="0" marL="0">
+            <a:pPr lvl="0" indent="0" marL="1270000">
               <a:buNone/>
             </a:pPr>
             <a:r>
-              <a:rPr b="1"/>
-              <a:t>Lecture 5:</a:t>
-            </a:r>
-            <a:r>
-              <a:rPr/>
-              <a:t> Error Bars and Their Interpretation</a:t>
-            </a:r>
-          </a:p>
-        </p:txBody>
-      </p:sp>
-      <p:sp>
-        <p:nvSpPr>
-          <p:cNvPr id="3" name="Content Placeholder 2"/>
-          <p:cNvSpPr>
-            <a:spLocks noGrp="1"/>
-          </p:cNvSpPr>
-          <p:nvPr>
-            <p:ph idx="1" sz="half"/>
-          </p:nvPr>
-        </p:nvSpPr>
-        <p:spPr/>
-        <p:txBody>
-          <a:bodyPr/>
-          <a:lstStyle/>
-          <a:p>
-            <a:pPr lvl="0" indent="0" marL="0">
+              <a:rPr sz="2000" b="1"/>
+              <a:t>Practice Exercise 6: Interpreting P-values and Errors</a:t>
+            </a:r>
+          </a:p>
+          <a:p>
+            <a:pPr lvl="0" indent="0" marL="1270000">
               <a:buNone/>
             </a:pPr>
             <a:r>
-              <a:rPr/>
-              <a:t>Error bars are graphical representations of the variability of data that show:</a:t>
-            </a:r>
-          </a:p>
-          <a:p>
-            <a:pPr lvl="0"/>
-            <a:r>
-              <a:rPr/>
-              <a:t>The </a:t>
-            </a:r>
-            <a:r>
-              <a:rPr b="1"/>
-              <a:t>precision</a:t>
-            </a:r>
-            <a:r>
-              <a:rPr/>
-              <a:t> of a measurement</a:t>
-            </a:r>
-          </a:p>
-          <a:p>
-            <a:pPr lvl="0"/>
-            <a:r>
-              <a:rPr/>
-              <a:t>The </a:t>
-            </a:r>
-            <a:r>
-              <a:rPr b="1"/>
-              <a:t>uncertainty</a:t>
-            </a:r>
-            <a:r>
-              <a:rPr/>
-              <a:t> around an estimate</a:t>
-            </a:r>
-          </a:p>
-          <a:p>
-            <a:pPr lvl="0"/>
-            <a:r>
-              <a:rPr/>
-              <a:t>A </a:t>
-            </a:r>
-            <a:r>
-              <a:rPr b="1"/>
-              <a:t>confidence interval</a:t>
-            </a:r>
-            <a:r>
-              <a:rPr/>
-              <a:t> for a parameter</a:t>
-            </a:r>
-          </a:p>
-          <a:p>
-            <a:pPr lvl="0" indent="0" marL="0">
-              <a:buNone/>
-            </a:pPr>
-            <a:r>
-              <a:rPr/>
-              <a:t>Common types of error bars:</a:t>
+              <a:rPr sz="2000"/>
+              <a:t>Given the following scenarios, identify whether a Type I or Type II error might have occurred:</a:t>
             </a:r>
           </a:p>
           <a:p>
@@ -5756,12 +4792,8 @@
               <a:buAutoNum type="arabicPeriod"/>
             </a:pPr>
             <a:r>
-              <a:rPr b="1"/>
-              <a:t>Standard Error (SE)</a:t>
-            </a:r>
-            <a:r>
-              <a:rPr/>
-              <a:t>: Shows precision of the mean</a:t>
+              <a:rPr sz="2000"/>
+              <a:t>A researcher concludes that a new fishing regulation increased grayling size, when in fact it had no effect.</a:t>
             </a:r>
           </a:p>
           <a:p>
@@ -5769,12 +4801,8 @@
               <a:buAutoNum type="arabicPeriod"/>
             </a:pPr>
             <a:r>
-              <a:rPr b="1"/>
-              <a:t>Standard Deviation (SD)</a:t>
-            </a:r>
-            <a:r>
-              <a:rPr/>
-              <a:t>: Shows variability in the data</a:t>
+              <a:rPr sz="2000"/>
+              <a:t>A study fails to detect a real decline in grayling population due to warming water, concluding there was no effect.</a:t>
             </a:r>
           </a:p>
           <a:p>
@@ -5782,76 +4810,1105 @@
               <a:buAutoNum type="arabicPeriod"/>
             </a:pPr>
             <a:r>
-              <a:rPr b="1"/>
-              <a:t>Confidence Interval (CI)</a:t>
-            </a:r>
-            <a:r>
-              <a:rPr/>
-              <a:t>: Shows plausible range for parameter</a:t>
-            </a:r>
-          </a:p>
-          <a:p>
-            <a:pPr lvl="0" indent="0" marL="0">
+              <a:rPr sz="2000"/>
+              <a:t>Let’s calculate the power of our t-test to detect a 30 mm difference in length between lakes:</a:t>
+            </a:r>
+          </a:p>
+          <a:p>
+            <a:pPr lvl="0"/>
+            <a:r>
+              <a:rPr sz="2000"/>
+              <a:t>pooled standard deviation</a:t>
+            </a:r>
+          </a:p>
+          <a:p>
+            <a:pPr lvl="1"/>
+            <a:r>
+              <a:rPr sz="2000"/>
+              <a:t>This is the combined standard deviation of both groups weighted by respective degrees of freedom.</a:t>
+            </a:r>
+          </a:p>
+          <a:p>
+            <a:pPr lvl="0"/>
+            <a:r>
+              <a:rPr sz="2000"/>
+              <a:t>Cohen’s d</a:t>
+            </a:r>
+          </a:p>
+          <a:p>
+            <a:pPr lvl="1"/>
+            <a:r>
+              <a:rPr sz="2000"/>
+              <a:t>standardized difference between means - here assuming a difference of 30 units (mm)</a:t>
+            </a:r>
+          </a:p>
+          <a:p>
+            <a:pPr lvl="1"/>
+            <a:r>
+              <a:rPr sz="2000">
+                <a:latin typeface="Courier"/>
+              </a:rPr>
+              <a:t>delta = 0.6741298</a:t>
+            </a:r>
+            <a:r>
+              <a:rPr sz="2000"/>
+              <a:t>: The standardized effect size (Cohen’s d)</a:t>
+            </a:r>
+          </a:p>
+          <a:p>
+            <a:pPr lvl="0" indent="0">
               <a:buNone/>
             </a:pPr>
             <a:r>
-              <a:rPr/>
-              <a:t>When interpreting graphs:</a:t>
-            </a:r>
-          </a:p>
-          <a:p>
-            <a:pPr lvl="0"/>
-            <a:r>
-              <a:rPr/>
-              <a:t>Always check what the error bars represent</a:t>
-            </a:r>
-          </a:p>
-          <a:p>
-            <a:pPr lvl="0"/>
-            <a:r>
-              <a:rPr/>
-              <a:t>Non-overlapping 95% CI bars suggest statistically significant differences</a:t>
-            </a:r>
-          </a:p>
-          <a:p>
-            <a:pPr lvl="0"/>
-            <a:r>
-              <a:rPr/>
-              <a:t>Error bars help assess both statistical and practical significance</a:t>
-            </a:r>
-          </a:p>
-        </p:txBody>
-      </p:sp>
-      <p:pic>
-        <p:nvPicPr>
-          <p:cNvPr descr="06_01_lecture_powerpoint_files/figure-pptx/unnamed-chunk-4-1.png" id="0" name="Picture 1"/>
-          <p:cNvPicPr>
-            <a:picLocks noGrp="1" noChangeAspect="1"/>
-          </p:cNvPicPr>
-          <p:nvPr/>
-        </p:nvPicPr>
-        <p:blipFill>
-          <a:blip r:embed="rId2"/>
-          <a:stretch>
-            <a:fillRect/>
-          </a:stretch>
-        </p:blipFill>
-        <p:spPr bwMode="auto">
-          <a:xfrm>
-            <a:off x="6121400" y="1498600"/>
-            <a:ext cx="2781300" cy="2781300"/>
-          </a:xfrm>
-          <a:prstGeom prst="rect">
-            <a:avLst/>
-          </a:prstGeom>
-          <a:noFill/>
-          <a:ln w="9525">
-            <a:noFill/>
-            <a:headEnd/>
-            <a:tailEnd/>
-          </a:ln>
-        </p:spPr>
-      </p:pic>
+              <a:rPr>
+                <a:solidFill>
+                  <a:srgbClr val="4758AB"/>
+                </a:solidFill>
+                <a:latin typeface="Courier"/>
+              </a:rPr>
+              <a:t>library</a:t>
+            </a:r>
+            <a:r>
+              <a:rPr>
+                <a:solidFill>
+                  <a:srgbClr val="003B4F"/>
+                </a:solidFill>
+                <a:latin typeface="Courier"/>
+              </a:rPr>
+              <a:t>(car)</a:t>
+            </a:r>
+            <a:br/>
+            <a:r>
+              <a:rPr>
+                <a:solidFill>
+                  <a:srgbClr val="4758AB"/>
+                </a:solidFill>
+                <a:latin typeface="Courier"/>
+              </a:rPr>
+              <a:t>library</a:t>
+            </a:r>
+            <a:r>
+              <a:rPr>
+                <a:solidFill>
+                  <a:srgbClr val="003B4F"/>
+                </a:solidFill>
+                <a:latin typeface="Courier"/>
+              </a:rPr>
+              <a:t>(patchwork)</a:t>
+            </a:r>
+            <a:br/>
+            <a:r>
+              <a:rPr>
+                <a:solidFill>
+                  <a:srgbClr val="4758AB"/>
+                </a:solidFill>
+                <a:latin typeface="Courier"/>
+              </a:rPr>
+              <a:t>library</a:t>
+            </a:r>
+            <a:r>
+              <a:rPr>
+                <a:solidFill>
+                  <a:srgbClr val="003B4F"/>
+                </a:solidFill>
+                <a:latin typeface="Courier"/>
+              </a:rPr>
+              <a:t>(tidyverse)</a:t>
+            </a:r>
+            <a:br/>
+            <a:br/>
+            <a:r>
+              <a:rPr>
+                <a:solidFill>
+                  <a:srgbClr val="003B4F"/>
+                </a:solidFill>
+                <a:latin typeface="Courier"/>
+              </a:rPr>
+              <a:t>grayling_df &lt;- </a:t>
+            </a:r>
+            <a:r>
+              <a:rPr>
+                <a:solidFill>
+                  <a:srgbClr val="4758AB"/>
+                </a:solidFill>
+                <a:latin typeface="Courier"/>
+              </a:rPr>
+              <a:t>read_csv</a:t>
+            </a:r>
+            <a:r>
+              <a:rPr>
+                <a:solidFill>
+                  <a:srgbClr val="003B4F"/>
+                </a:solidFill>
+                <a:latin typeface="Courier"/>
+              </a:rPr>
+              <a:t>(</a:t>
+            </a:r>
+            <a:r>
+              <a:rPr>
+                <a:solidFill>
+                  <a:srgbClr val="20794D"/>
+                </a:solidFill>
+                <a:latin typeface="Courier"/>
+              </a:rPr>
+              <a:t>"data/gray_I3_I8.csv"</a:t>
+            </a:r>
+            <a:r>
+              <a:rPr>
+                <a:solidFill>
+                  <a:srgbClr val="003B4F"/>
+                </a:solidFill>
+                <a:latin typeface="Courier"/>
+              </a:rPr>
+              <a:t>)</a:t>
+            </a:r>
+            <a:br/>
+            <a:r>
+              <a:rPr>
+                <a:solidFill>
+                  <a:srgbClr val="003B4F"/>
+                </a:solidFill>
+                <a:latin typeface="Courier"/>
+              </a:rPr>
+              <a:t>i3_df &lt;- grayling_df </a:t>
+            </a:r>
+            <a:r>
+              <a:rPr>
+                <a:solidFill>
+                  <a:srgbClr val="5E5E5E"/>
+                </a:solidFill>
+                <a:latin typeface="Courier"/>
+              </a:rPr>
+              <a:t>%&gt;%</a:t>
+            </a:r>
+            <a:r>
+              <a:rPr>
+                <a:solidFill>
+                  <a:srgbClr val="003B4F"/>
+                </a:solidFill>
+                <a:latin typeface="Courier"/>
+              </a:rPr>
+              <a:t> </a:t>
+            </a:r>
+            <a:r>
+              <a:rPr>
+                <a:solidFill>
+                  <a:srgbClr val="4758AB"/>
+                </a:solidFill>
+                <a:latin typeface="Courier"/>
+              </a:rPr>
+              <a:t>filter</a:t>
+            </a:r>
+            <a:r>
+              <a:rPr>
+                <a:solidFill>
+                  <a:srgbClr val="003B4F"/>
+                </a:solidFill>
+                <a:latin typeface="Courier"/>
+              </a:rPr>
+              <a:t>(lake</a:t>
+            </a:r>
+            <a:r>
+              <a:rPr>
+                <a:solidFill>
+                  <a:srgbClr val="5E5E5E"/>
+                </a:solidFill>
+                <a:latin typeface="Courier"/>
+              </a:rPr>
+              <a:t>==</a:t>
+            </a:r>
+            <a:r>
+              <a:rPr>
+                <a:solidFill>
+                  <a:srgbClr val="20794D"/>
+                </a:solidFill>
+                <a:latin typeface="Courier"/>
+              </a:rPr>
+              <a:t>"I3"</a:t>
+            </a:r>
+            <a:r>
+              <a:rPr>
+                <a:solidFill>
+                  <a:srgbClr val="003B4F"/>
+                </a:solidFill>
+                <a:latin typeface="Courier"/>
+              </a:rPr>
+              <a:t>)</a:t>
+            </a:r>
+            <a:br/>
+            <a:r>
+              <a:rPr>
+                <a:solidFill>
+                  <a:srgbClr val="003B4F"/>
+                </a:solidFill>
+                <a:latin typeface="Courier"/>
+              </a:rPr>
+              <a:t>i8_df &lt;- grayling_df </a:t>
+            </a:r>
+            <a:r>
+              <a:rPr>
+                <a:solidFill>
+                  <a:srgbClr val="5E5E5E"/>
+                </a:solidFill>
+                <a:latin typeface="Courier"/>
+              </a:rPr>
+              <a:t>%&gt;%</a:t>
+            </a:r>
+            <a:r>
+              <a:rPr>
+                <a:solidFill>
+                  <a:srgbClr val="003B4F"/>
+                </a:solidFill>
+                <a:latin typeface="Courier"/>
+              </a:rPr>
+              <a:t> </a:t>
+            </a:r>
+            <a:r>
+              <a:rPr>
+                <a:solidFill>
+                  <a:srgbClr val="4758AB"/>
+                </a:solidFill>
+                <a:latin typeface="Courier"/>
+              </a:rPr>
+              <a:t>filter</a:t>
+            </a:r>
+            <a:r>
+              <a:rPr>
+                <a:solidFill>
+                  <a:srgbClr val="003B4F"/>
+                </a:solidFill>
+                <a:latin typeface="Courier"/>
+              </a:rPr>
+              <a:t>(lake</a:t>
+            </a:r>
+            <a:r>
+              <a:rPr>
+                <a:solidFill>
+                  <a:srgbClr val="5E5E5E"/>
+                </a:solidFill>
+                <a:latin typeface="Courier"/>
+              </a:rPr>
+              <a:t>==</a:t>
+            </a:r>
+            <a:r>
+              <a:rPr>
+                <a:solidFill>
+                  <a:srgbClr val="20794D"/>
+                </a:solidFill>
+                <a:latin typeface="Courier"/>
+              </a:rPr>
+              <a:t>"I8"</a:t>
+            </a:r>
+            <a:r>
+              <a:rPr>
+                <a:solidFill>
+                  <a:srgbClr val="003B4F"/>
+                </a:solidFill>
+                <a:latin typeface="Courier"/>
+              </a:rPr>
+              <a:t>)</a:t>
+            </a:r>
+            <a:br/>
+            <a:r>
+              <a:rPr>
+                <a:solidFill>
+                  <a:srgbClr val="5E5E5E"/>
+                </a:solidFill>
+                <a:latin typeface="Courier"/>
+              </a:rPr>
+              <a:t># Calculate power for detecting a 30 mm difference</a:t>
+            </a:r>
+            <a:br/>
+            <a:br/>
+            <a:br/>
+            <a:br/>
+            <a:r>
+              <a:rPr>
+                <a:solidFill>
+                  <a:srgbClr val="003B4F"/>
+                </a:solidFill>
+                <a:latin typeface="Courier"/>
+              </a:rPr>
+              <a:t>n1 &lt;- </a:t>
+            </a:r>
+            <a:r>
+              <a:rPr>
+                <a:solidFill>
+                  <a:srgbClr val="4758AB"/>
+                </a:solidFill>
+                <a:latin typeface="Courier"/>
+              </a:rPr>
+              <a:t>nrow</a:t>
+            </a:r>
+            <a:r>
+              <a:rPr>
+                <a:solidFill>
+                  <a:srgbClr val="003B4F"/>
+                </a:solidFill>
+                <a:latin typeface="Courier"/>
+              </a:rPr>
+              <a:t>(i3_df)</a:t>
+            </a:r>
+            <a:br/>
+            <a:r>
+              <a:rPr>
+                <a:solidFill>
+                  <a:srgbClr val="003B4F"/>
+                </a:solidFill>
+                <a:latin typeface="Courier"/>
+              </a:rPr>
+              <a:t>n2 &lt;- </a:t>
+            </a:r>
+            <a:r>
+              <a:rPr>
+                <a:solidFill>
+                  <a:srgbClr val="4758AB"/>
+                </a:solidFill>
+                <a:latin typeface="Courier"/>
+              </a:rPr>
+              <a:t>nrow</a:t>
+            </a:r>
+            <a:r>
+              <a:rPr>
+                <a:solidFill>
+                  <a:srgbClr val="003B4F"/>
+                </a:solidFill>
+                <a:latin typeface="Courier"/>
+              </a:rPr>
+              <a:t>(i8_df)</a:t>
+            </a:r>
+            <a:br/>
+            <a:r>
+              <a:rPr>
+                <a:solidFill>
+                  <a:srgbClr val="003B4F"/>
+                </a:solidFill>
+                <a:latin typeface="Courier"/>
+              </a:rPr>
+              <a:t>sd_pooled &lt;- </a:t>
+            </a:r>
+            <a:r>
+              <a:rPr>
+                <a:solidFill>
+                  <a:srgbClr val="4758AB"/>
+                </a:solidFill>
+                <a:latin typeface="Courier"/>
+              </a:rPr>
+              <a:t>sqrt</a:t>
+            </a:r>
+            <a:r>
+              <a:rPr>
+                <a:solidFill>
+                  <a:srgbClr val="003B4F"/>
+                </a:solidFill>
+                <a:latin typeface="Courier"/>
+              </a:rPr>
+              <a:t>((</a:t>
+            </a:r>
+            <a:r>
+              <a:rPr>
+                <a:solidFill>
+                  <a:srgbClr val="4758AB"/>
+                </a:solidFill>
+                <a:latin typeface="Courier"/>
+              </a:rPr>
+              <a:t>var</a:t>
+            </a:r>
+            <a:r>
+              <a:rPr>
+                <a:solidFill>
+                  <a:srgbClr val="003B4F"/>
+                </a:solidFill>
+                <a:latin typeface="Courier"/>
+              </a:rPr>
+              <a:t>(i3_df</a:t>
+            </a:r>
+            <a:r>
+              <a:rPr>
+                <a:solidFill>
+                  <a:srgbClr val="5E5E5E"/>
+                </a:solidFill>
+                <a:latin typeface="Courier"/>
+              </a:rPr>
+              <a:t>$</a:t>
+            </a:r>
+            <a:r>
+              <a:rPr>
+                <a:solidFill>
+                  <a:srgbClr val="003B4F"/>
+                </a:solidFill>
+                <a:latin typeface="Courier"/>
+              </a:rPr>
+              <a:t>length_mm) </a:t>
+            </a:r>
+            <a:r>
+              <a:rPr>
+                <a:solidFill>
+                  <a:srgbClr val="5E5E5E"/>
+                </a:solidFill>
+                <a:latin typeface="Courier"/>
+              </a:rPr>
+              <a:t>*</a:t>
+            </a:r>
+            <a:r>
+              <a:rPr>
+                <a:solidFill>
+                  <a:srgbClr val="003B4F"/>
+                </a:solidFill>
+                <a:latin typeface="Courier"/>
+              </a:rPr>
+              <a:t> (n1</a:t>
+            </a:r>
+            <a:r>
+              <a:rPr>
+                <a:solidFill>
+                  <a:srgbClr val="AD0000"/>
+                </a:solidFill>
+                <a:latin typeface="Courier"/>
+              </a:rPr>
+              <a:t>-1</a:t>
+            </a:r>
+            <a:r>
+              <a:rPr>
+                <a:solidFill>
+                  <a:srgbClr val="003B4F"/>
+                </a:solidFill>
+                <a:latin typeface="Courier"/>
+              </a:rPr>
+              <a:t>) </a:t>
+            </a:r>
+            <a:r>
+              <a:rPr>
+                <a:solidFill>
+                  <a:srgbClr val="5E5E5E"/>
+                </a:solidFill>
+                <a:latin typeface="Courier"/>
+              </a:rPr>
+              <a:t>+</a:t>
+            </a:r>
+            <a:r>
+              <a:rPr>
+                <a:solidFill>
+                  <a:srgbClr val="003B4F"/>
+                </a:solidFill>
+                <a:latin typeface="Courier"/>
+              </a:rPr>
+              <a:t> </a:t>
+            </a:r>
+            <a:br/>
+            <a:r>
+              <a:rPr>
+                <a:solidFill>
+                  <a:srgbClr val="003B4F"/>
+                </a:solidFill>
+                <a:latin typeface="Courier"/>
+              </a:rPr>
+              <a:t>                  </a:t>
+            </a:r>
+            <a:r>
+              <a:rPr>
+                <a:solidFill>
+                  <a:srgbClr val="4758AB"/>
+                </a:solidFill>
+                <a:latin typeface="Courier"/>
+              </a:rPr>
+              <a:t>var</a:t>
+            </a:r>
+            <a:r>
+              <a:rPr>
+                <a:solidFill>
+                  <a:srgbClr val="003B4F"/>
+                </a:solidFill>
+                <a:latin typeface="Courier"/>
+              </a:rPr>
+              <a:t>(i8_df</a:t>
+            </a:r>
+            <a:r>
+              <a:rPr>
+                <a:solidFill>
+                  <a:srgbClr val="5E5E5E"/>
+                </a:solidFill>
+                <a:latin typeface="Courier"/>
+              </a:rPr>
+              <a:t>$</a:t>
+            </a:r>
+            <a:r>
+              <a:rPr>
+                <a:solidFill>
+                  <a:srgbClr val="003B4F"/>
+                </a:solidFill>
+                <a:latin typeface="Courier"/>
+              </a:rPr>
+              <a:t>length_mm) </a:t>
+            </a:r>
+            <a:r>
+              <a:rPr>
+                <a:solidFill>
+                  <a:srgbClr val="5E5E5E"/>
+                </a:solidFill>
+                <a:latin typeface="Courier"/>
+              </a:rPr>
+              <a:t>*</a:t>
+            </a:r>
+            <a:r>
+              <a:rPr>
+                <a:solidFill>
+                  <a:srgbClr val="003B4F"/>
+                </a:solidFill>
+                <a:latin typeface="Courier"/>
+              </a:rPr>
+              <a:t> (n2</a:t>
+            </a:r>
+            <a:r>
+              <a:rPr>
+                <a:solidFill>
+                  <a:srgbClr val="AD0000"/>
+                </a:solidFill>
+                <a:latin typeface="Courier"/>
+              </a:rPr>
+              <a:t>-1</a:t>
+            </a:r>
+            <a:r>
+              <a:rPr>
+                <a:solidFill>
+                  <a:srgbClr val="003B4F"/>
+                </a:solidFill>
+                <a:latin typeface="Courier"/>
+              </a:rPr>
+              <a:t>)) </a:t>
+            </a:r>
+            <a:r>
+              <a:rPr>
+                <a:solidFill>
+                  <a:srgbClr val="5E5E5E"/>
+                </a:solidFill>
+                <a:latin typeface="Courier"/>
+              </a:rPr>
+              <a:t>/</a:t>
+            </a:r>
+            <a:r>
+              <a:rPr>
+                <a:solidFill>
+                  <a:srgbClr val="003B4F"/>
+                </a:solidFill>
+                <a:latin typeface="Courier"/>
+              </a:rPr>
+              <a:t> </a:t>
+            </a:r>
+            <a:br/>
+            <a:r>
+              <a:rPr>
+                <a:solidFill>
+                  <a:srgbClr val="003B4F"/>
+                </a:solidFill>
+                <a:latin typeface="Courier"/>
+              </a:rPr>
+              <a:t>                  (n1 </a:t>
+            </a:r>
+            <a:r>
+              <a:rPr>
+                <a:solidFill>
+                  <a:srgbClr val="5E5E5E"/>
+                </a:solidFill>
+                <a:latin typeface="Courier"/>
+              </a:rPr>
+              <a:t>+</a:t>
+            </a:r>
+            <a:r>
+              <a:rPr>
+                <a:solidFill>
+                  <a:srgbClr val="003B4F"/>
+                </a:solidFill>
+                <a:latin typeface="Courier"/>
+              </a:rPr>
+              <a:t> n2 </a:t>
+            </a:r>
+            <a:r>
+              <a:rPr>
+                <a:solidFill>
+                  <a:srgbClr val="5E5E5E"/>
+                </a:solidFill>
+                <a:latin typeface="Courier"/>
+              </a:rPr>
+              <a:t>-</a:t>
+            </a:r>
+            <a:r>
+              <a:rPr>
+                <a:solidFill>
+                  <a:srgbClr val="003B4F"/>
+                </a:solidFill>
+                <a:latin typeface="Courier"/>
+              </a:rPr>
+              <a:t> </a:t>
+            </a:r>
+            <a:r>
+              <a:rPr>
+                <a:solidFill>
+                  <a:srgbClr val="AD0000"/>
+                </a:solidFill>
+                <a:latin typeface="Courier"/>
+              </a:rPr>
+              <a:t>2</a:t>
+            </a:r>
+            <a:r>
+              <a:rPr>
+                <a:solidFill>
+                  <a:srgbClr val="003B4F"/>
+                </a:solidFill>
+                <a:latin typeface="Courier"/>
+              </a:rPr>
+              <a:t>))</a:t>
+            </a:r>
+            <a:br/>
+            <a:br/>
+            <a:r>
+              <a:rPr>
+                <a:solidFill>
+                  <a:srgbClr val="5E5E5E"/>
+                </a:solidFill>
+                <a:latin typeface="Courier"/>
+              </a:rPr>
+              <a:t># Calculate power</a:t>
+            </a:r>
+            <a:br/>
+            <a:r>
+              <a:rPr>
+                <a:solidFill>
+                  <a:srgbClr val="003B4F"/>
+                </a:solidFill>
+                <a:latin typeface="Courier"/>
+              </a:rPr>
+              <a:t>effect_size &lt;- </a:t>
+            </a:r>
+            <a:r>
+              <a:rPr>
+                <a:solidFill>
+                  <a:srgbClr val="AD0000"/>
+                </a:solidFill>
+                <a:latin typeface="Courier"/>
+              </a:rPr>
+              <a:t>30</a:t>
+            </a:r>
+            <a:r>
+              <a:rPr>
+                <a:solidFill>
+                  <a:srgbClr val="003B4F"/>
+                </a:solidFill>
+                <a:latin typeface="Courier"/>
+              </a:rPr>
+              <a:t> </a:t>
+            </a:r>
+            <a:r>
+              <a:rPr>
+                <a:solidFill>
+                  <a:srgbClr val="5E5E5E"/>
+                </a:solidFill>
+                <a:latin typeface="Courier"/>
+              </a:rPr>
+              <a:t>/</a:t>
+            </a:r>
+            <a:r>
+              <a:rPr>
+                <a:solidFill>
+                  <a:srgbClr val="003B4F"/>
+                </a:solidFill>
+                <a:latin typeface="Courier"/>
+              </a:rPr>
+              <a:t> sd_pooled  </a:t>
+            </a:r>
+            <a:r>
+              <a:rPr>
+                <a:solidFill>
+                  <a:srgbClr val="5E5E5E"/>
+                </a:solidFill>
+                <a:latin typeface="Courier"/>
+              </a:rPr>
+              <a:t># Cohen's d</a:t>
+            </a:r>
+            <a:br/>
+            <a:r>
+              <a:rPr>
+                <a:solidFill>
+                  <a:srgbClr val="003B4F"/>
+                </a:solidFill>
+                <a:latin typeface="Courier"/>
+              </a:rPr>
+              <a:t>df &lt;- n1 </a:t>
+            </a:r>
+            <a:r>
+              <a:rPr>
+                <a:solidFill>
+                  <a:srgbClr val="5E5E5E"/>
+                </a:solidFill>
+                <a:latin typeface="Courier"/>
+              </a:rPr>
+              <a:t>+</a:t>
+            </a:r>
+            <a:r>
+              <a:rPr>
+                <a:solidFill>
+                  <a:srgbClr val="003B4F"/>
+                </a:solidFill>
+                <a:latin typeface="Courier"/>
+              </a:rPr>
+              <a:t> n2 </a:t>
+            </a:r>
+            <a:r>
+              <a:rPr>
+                <a:solidFill>
+                  <a:srgbClr val="5E5E5E"/>
+                </a:solidFill>
+                <a:latin typeface="Courier"/>
+              </a:rPr>
+              <a:t>-</a:t>
+            </a:r>
+            <a:r>
+              <a:rPr>
+                <a:solidFill>
+                  <a:srgbClr val="003B4F"/>
+                </a:solidFill>
+                <a:latin typeface="Courier"/>
+              </a:rPr>
+              <a:t> </a:t>
+            </a:r>
+            <a:r>
+              <a:rPr>
+                <a:solidFill>
+                  <a:srgbClr val="AD0000"/>
+                </a:solidFill>
+                <a:latin typeface="Courier"/>
+              </a:rPr>
+              <a:t>2</a:t>
+            </a:r>
+            <a:br/>
+            <a:r>
+              <a:rPr>
+                <a:solidFill>
+                  <a:srgbClr val="003B4F"/>
+                </a:solidFill>
+                <a:latin typeface="Courier"/>
+              </a:rPr>
+              <a:t>alpha &lt;- </a:t>
+            </a:r>
+            <a:r>
+              <a:rPr>
+                <a:solidFill>
+                  <a:srgbClr val="AD0000"/>
+                </a:solidFill>
+                <a:latin typeface="Courier"/>
+              </a:rPr>
+              <a:t>0.05</a:t>
+            </a:r>
+            <a:br/>
+            <a:r>
+              <a:rPr>
+                <a:solidFill>
+                  <a:srgbClr val="003B4F"/>
+                </a:solidFill>
+                <a:latin typeface="Courier"/>
+              </a:rPr>
+              <a:t>power &lt;- </a:t>
+            </a:r>
+            <a:r>
+              <a:rPr>
+                <a:solidFill>
+                  <a:srgbClr val="4758AB"/>
+                </a:solidFill>
+                <a:latin typeface="Courier"/>
+              </a:rPr>
+              <a:t>power.t.test</a:t>
+            </a:r>
+            <a:r>
+              <a:rPr>
+                <a:solidFill>
+                  <a:srgbClr val="003B4F"/>
+                </a:solidFill>
+                <a:latin typeface="Courier"/>
+              </a:rPr>
+              <a:t>(</a:t>
+            </a:r>
+            <a:r>
+              <a:rPr>
+                <a:solidFill>
+                  <a:srgbClr val="657422"/>
+                </a:solidFill>
+                <a:latin typeface="Courier"/>
+              </a:rPr>
+              <a:t>n =</a:t>
+            </a:r>
+            <a:r>
+              <a:rPr>
+                <a:solidFill>
+                  <a:srgbClr val="003B4F"/>
+                </a:solidFill>
+                <a:latin typeface="Courier"/>
+              </a:rPr>
+              <a:t> </a:t>
+            </a:r>
+            <a:r>
+              <a:rPr>
+                <a:solidFill>
+                  <a:srgbClr val="4758AB"/>
+                </a:solidFill>
+                <a:latin typeface="Courier"/>
+              </a:rPr>
+              <a:t>min</a:t>
+            </a:r>
+            <a:r>
+              <a:rPr>
+                <a:solidFill>
+                  <a:srgbClr val="003B4F"/>
+                </a:solidFill>
+                <a:latin typeface="Courier"/>
+              </a:rPr>
+              <a:t>(n1, n2), </a:t>
+            </a:r>
+            <a:br/>
+            <a:r>
+              <a:rPr>
+                <a:solidFill>
+                  <a:srgbClr val="003B4F"/>
+                </a:solidFill>
+                <a:latin typeface="Courier"/>
+              </a:rPr>
+              <a:t>                     </a:t>
+            </a:r>
+            <a:r>
+              <a:rPr>
+                <a:solidFill>
+                  <a:srgbClr val="657422"/>
+                </a:solidFill>
+                <a:latin typeface="Courier"/>
+              </a:rPr>
+              <a:t>delta =</a:t>
+            </a:r>
+            <a:r>
+              <a:rPr>
+                <a:solidFill>
+                  <a:srgbClr val="003B4F"/>
+                </a:solidFill>
+                <a:latin typeface="Courier"/>
+              </a:rPr>
+              <a:t> effect_size,</a:t>
+            </a:r>
+            <a:br/>
+            <a:r>
+              <a:rPr>
+                <a:solidFill>
+                  <a:srgbClr val="003B4F"/>
+                </a:solidFill>
+                <a:latin typeface="Courier"/>
+              </a:rPr>
+              <a:t>                     </a:t>
+            </a:r>
+            <a:r>
+              <a:rPr>
+                <a:solidFill>
+                  <a:srgbClr val="657422"/>
+                </a:solidFill>
+                <a:latin typeface="Courier"/>
+              </a:rPr>
+              <a:t>sd =</a:t>
+            </a:r>
+            <a:r>
+              <a:rPr>
+                <a:solidFill>
+                  <a:srgbClr val="003B4F"/>
+                </a:solidFill>
+                <a:latin typeface="Courier"/>
+              </a:rPr>
+              <a:t> </a:t>
+            </a:r>
+            <a:r>
+              <a:rPr>
+                <a:solidFill>
+                  <a:srgbClr val="AD0000"/>
+                </a:solidFill>
+                <a:latin typeface="Courier"/>
+              </a:rPr>
+              <a:t>1</a:t>
+            </a:r>
+            <a:r>
+              <a:rPr>
+                <a:solidFill>
+                  <a:srgbClr val="003B4F"/>
+                </a:solidFill>
+                <a:latin typeface="Courier"/>
+              </a:rPr>
+              <a:t>,  </a:t>
+            </a:r>
+            <a:r>
+              <a:rPr>
+                <a:solidFill>
+                  <a:srgbClr val="5E5E5E"/>
+                </a:solidFill>
+                <a:latin typeface="Courier"/>
+              </a:rPr>
+              <a:t># Using standardized effect size</a:t>
+            </a:r>
+            <a:br/>
+            <a:r>
+              <a:rPr>
+                <a:solidFill>
+                  <a:srgbClr val="003B4F"/>
+                </a:solidFill>
+                <a:latin typeface="Courier"/>
+              </a:rPr>
+              <a:t>                     </a:t>
+            </a:r>
+            <a:r>
+              <a:rPr>
+                <a:solidFill>
+                  <a:srgbClr val="657422"/>
+                </a:solidFill>
+                <a:latin typeface="Courier"/>
+              </a:rPr>
+              <a:t>sig.level =</a:t>
+            </a:r>
+            <a:r>
+              <a:rPr>
+                <a:solidFill>
+                  <a:srgbClr val="003B4F"/>
+                </a:solidFill>
+                <a:latin typeface="Courier"/>
+              </a:rPr>
+              <a:t> alpha,</a:t>
+            </a:r>
+            <a:br/>
+            <a:r>
+              <a:rPr>
+                <a:solidFill>
+                  <a:srgbClr val="003B4F"/>
+                </a:solidFill>
+                <a:latin typeface="Courier"/>
+              </a:rPr>
+              <a:t>                     </a:t>
+            </a:r>
+            <a:r>
+              <a:rPr>
+                <a:solidFill>
+                  <a:srgbClr val="657422"/>
+                </a:solidFill>
+                <a:latin typeface="Courier"/>
+              </a:rPr>
+              <a:t>type =</a:t>
+            </a:r>
+            <a:r>
+              <a:rPr>
+                <a:solidFill>
+                  <a:srgbClr val="003B4F"/>
+                </a:solidFill>
+                <a:latin typeface="Courier"/>
+              </a:rPr>
+              <a:t> </a:t>
+            </a:r>
+            <a:r>
+              <a:rPr>
+                <a:solidFill>
+                  <a:srgbClr val="20794D"/>
+                </a:solidFill>
+                <a:latin typeface="Courier"/>
+              </a:rPr>
+              <a:t>"two.sample"</a:t>
+            </a:r>
+            <a:r>
+              <a:rPr>
+                <a:solidFill>
+                  <a:srgbClr val="003B4F"/>
+                </a:solidFill>
+                <a:latin typeface="Courier"/>
+              </a:rPr>
+              <a:t>,</a:t>
+            </a:r>
+            <a:br/>
+            <a:r>
+              <a:rPr>
+                <a:solidFill>
+                  <a:srgbClr val="003B4F"/>
+                </a:solidFill>
+                <a:latin typeface="Courier"/>
+              </a:rPr>
+              <a:t>                     </a:t>
+            </a:r>
+            <a:r>
+              <a:rPr>
+                <a:solidFill>
+                  <a:srgbClr val="657422"/>
+                </a:solidFill>
+                <a:latin typeface="Courier"/>
+              </a:rPr>
+              <a:t>alternative =</a:t>
+            </a:r>
+            <a:r>
+              <a:rPr>
+                <a:solidFill>
+                  <a:srgbClr val="003B4F"/>
+                </a:solidFill>
+                <a:latin typeface="Courier"/>
+              </a:rPr>
+              <a:t> </a:t>
+            </a:r>
+            <a:r>
+              <a:rPr>
+                <a:solidFill>
+                  <a:srgbClr val="20794D"/>
+                </a:solidFill>
+                <a:latin typeface="Courier"/>
+              </a:rPr>
+              <a:t>"two.sided"</a:t>
+            </a:r>
+            <a:r>
+              <a:rPr>
+                <a:solidFill>
+                  <a:srgbClr val="003B4F"/>
+                </a:solidFill>
+                <a:latin typeface="Courier"/>
+              </a:rPr>
+              <a:t>)</a:t>
+            </a:r>
+            <a:br/>
+            <a:br/>
+            <a:r>
+              <a:rPr>
+                <a:solidFill>
+                  <a:srgbClr val="5E5E5E"/>
+                </a:solidFill>
+                <a:latin typeface="Courier"/>
+              </a:rPr>
+              <a:t># Display results</a:t>
+            </a:r>
+            <a:br/>
+            <a:r>
+              <a:rPr>
+                <a:solidFill>
+                  <a:srgbClr val="003B4F"/>
+                </a:solidFill>
+                <a:latin typeface="Courier"/>
+              </a:rPr>
+              <a:t>power</a:t>
+            </a:r>
+          </a:p>
+          <a:p>
+            <a:pPr lvl="0" indent="0">
+              <a:buNone/>
+            </a:pPr>
+            <a:r>
+              <a:rPr sz="2000">
+                <a:latin typeface="Courier"/>
+              </a:rPr>
+              <a:t>
+     Two-sample t test power calculation 
+              n = 66
+          delta = 0.6741298
+             sd = 1
+      sig.level = 0.05
+          power = 0.9702076
+    alternative = two.sided
+NOTE: n is number in *each* group</a:t>
+            </a:r>
+          </a:p>
+        </p:txBody>
+      </p:sp>
     </p:spTree>
   </p:cSld>
 </p:sld>
@@ -5887,11 +5944,8 @@
         <p:spPr>
           <a:xfrm>
             <a:off x="0" y="0"/>
-            <a:ext cx="9144000" cy="602780"/>
+            <a:ext cx="9144000" cy="582780"/>
           </a:xfrm>
-          <a:solidFill>
-            <a:srgbClr val="70121D"/>
-          </a:solidFill>
         </p:spPr>
         <p:txBody>
           <a:bodyPr/>
@@ -5901,12 +5955,8 @@
               <a:buNone/>
             </a:pPr>
             <a:r>
-              <a:rPr b="1"/>
-              <a:t>Lecture 5:</a:t>
-            </a:r>
-            <a:r>
-              <a:rPr/>
-              <a:t> Sampling and Pseudoreplication</a:t>
+              <a:rPr/>
+              <a:t>What is Power</a:t>
             </a:r>
           </a:p>
         </p:txBody>
@@ -5918,7 +5968,7 @@
             <a:spLocks noGrp="1"/>
           </p:cNvSpPr>
           <p:nvPr>
-            <p:ph idx="1" sz="half"/>
+            <p:ph idx="1"/>
           </p:nvPr>
         </p:nvSpPr>
         <p:spPr/>
@@ -5930,127 +5980,65 @@
               <a:buNone/>
             </a:pPr>
             <a:r>
+              <a:rPr/>
+              <a:t>Statistical power represents the probability of detecting a true effect (rejecting the null hypothesis when it is false). In this case, with a power of 97%, there’s a 97% chance of detecting a true difference of 30 units between the means of the two groups if such a difference actually exists.</a:t>
+            </a:r>
+          </a:p>
+          <a:p>
+            <a:pPr lvl="0" indent="0" marL="0">
+              <a:buNone/>
+            </a:pPr>
+            <a:r>
+              <a:rPr/>
+              <a:t>A power analysis like this is typically done for one of these purposes:</a:t>
+            </a:r>
+          </a:p>
+          <a:p>
+            <a:pPr lvl="0" indent="-342900" marL="342900">
+              <a:buAutoNum type="arabicPeriod"/>
+            </a:pPr>
+            <a:r>
+              <a:rPr/>
+              <a:t>Before data collection to determine required sample size</a:t>
+            </a:r>
+          </a:p>
+          <a:p>
+            <a:pPr lvl="0" indent="-342900" marL="342900">
+              <a:buAutoNum type="arabicPeriod"/>
+            </a:pPr>
+            <a:r>
+              <a:rPr/>
+              <a:t>After a study to evaluate if the sample size was adequate</a:t>
+            </a:r>
+          </a:p>
+          <a:p>
+            <a:pPr lvl="0" indent="-342900" marL="342900">
+              <a:buAutoNum type="arabicPeriod"/>
+            </a:pPr>
+            <a:r>
+              <a:rPr/>
+              <a:t>To determine the minimum detectable effect size with the given sample</a:t>
+            </a:r>
+          </a:p>
+          <a:p>
+            <a:pPr lvl="0" indent="0" marL="0">
+              <a:buNone/>
+            </a:pPr>
+            <a:r>
+              <a:rPr/>
+              <a:t>With 97% power, this test has excellent ability to detect the specified effect size. Generally, </a:t>
+            </a:r>
+            <a:r>
               <a:rPr b="1"/>
-              <a:t>Pseudoreplication</a:t>
-            </a:r>
-            <a:r>
-              <a:rPr/>
-              <a:t> occurs when measurements that are not independent are analyzed as if they were independent.</a:t>
-            </a:r>
-          </a:p>
-          <a:p>
-            <a:pPr lvl="0"/>
-            <a:r>
-              <a:rPr/>
-              <a:t>A critical consideration in experimental design</a:t>
-            </a:r>
-          </a:p>
-          <a:p>
-            <a:pPr lvl="0"/>
-            <a:r>
-              <a:rPr/>
-              <a:t>Results in underestimated standard errors and confidence intervals</a:t>
-            </a:r>
-          </a:p>
-          <a:p>
-            <a:pPr lvl="0"/>
-            <a:r>
-              <a:rPr/>
-              <a:t>Leads to inflated Type I error rates (false positives)</a:t>
-            </a:r>
-          </a:p>
-          <a:p>
-            <a:pPr lvl="0" indent="0" marL="0">
-              <a:buNone/>
-            </a:pPr>
-            <a:r>
-              <a:rPr b="1"/>
-              <a:t>Examples of pseudoreplication:</a:t>
-            </a:r>
-          </a:p>
-          <a:p>
-            <a:pPr lvl="0"/>
-            <a:r>
-              <a:rPr/>
-              <a:t>Measuring the same individual multiple times</a:t>
-            </a:r>
-          </a:p>
-          <a:p>
-            <a:pPr lvl="0"/>
-            <a:r>
-              <a:rPr/>
-              <a:t>Treating multiple fish from the same tank as independent</a:t>
-            </a:r>
-          </a:p>
-          <a:p>
-            <a:pPr lvl="0"/>
-            <a:r>
-              <a:rPr/>
-              <a:t>Using multiple data points from a single site</a:t>
-            </a:r>
-          </a:p>
-          <a:p>
-            <a:pPr lvl="0" indent="0" marL="0">
-              <a:buNone/>
-            </a:pPr>
-            <a:r>
-              <a:rPr b="1"/>
-              <a:t>How to avoid pseudoreplication:</a:t>
-            </a:r>
-          </a:p>
-          <a:p>
-            <a:pPr lvl="0"/>
-            <a:r>
-              <a:rPr/>
-              <a:t>Identify the true experimental unit</a:t>
-            </a:r>
-          </a:p>
-          <a:p>
-            <a:pPr lvl="0"/>
-            <a:r>
-              <a:rPr/>
-              <a:t>Use appropriate statistical techniques (e.g., mixed models)</a:t>
-            </a:r>
-          </a:p>
-          <a:p>
-            <a:pPr lvl="0"/>
-            <a:r>
-              <a:rPr/>
-              <a:t>Be clear about the level of replication</a:t>
-            </a:r>
-          </a:p>
-        </p:txBody>
-      </p:sp>
-      <p:pic>
-        <p:nvPicPr>
-          <p:cNvPr descr="06_01_lecture_powerpoint_files/figure-pptx/unnamed-chunk-5-1.png" id="0" name="Picture 1"/>
-          <p:cNvPicPr>
-            <a:picLocks noGrp="1" noChangeAspect="1"/>
-          </p:cNvPicPr>
-          <p:nvPr/>
-        </p:nvPicPr>
-        <p:blipFill>
-          <a:blip r:embed="rId2"/>
-          <a:stretch>
-            <a:fillRect/>
-          </a:stretch>
-        </p:blipFill>
-        <p:spPr bwMode="auto">
-          <a:xfrm>
-            <a:off x="6121400" y="1739900"/>
-            <a:ext cx="2781300" cy="2311400"/>
-          </a:xfrm>
-          <a:prstGeom prst="rect">
-            <a:avLst/>
-          </a:prstGeom>
-          <a:noFill/>
-          <a:ln w="9525">
-            <a:noFill/>
-            <a:headEnd/>
-            <a:tailEnd/>
-          </a:ln>
-        </p:spPr>
-      </p:pic>
+              <a:t>80% power is considered acceptable</a:t>
+            </a:r>
+            <a:r>
+              <a:rPr/>
+              <a:t>, so 97% indicates a very well-powered study for detecting a difference of 30mm between the groups.</a:t>
+            </a:r>
+          </a:p>
+        </p:txBody>
+      </p:sp>
     </p:spTree>
   </p:cSld>
 </p:sld>
@@ -6250,6 +6238,442 @@
             </a:r>
             <a:r>
               <a:rPr/>
+              <a:t> Error Bars and Their Interpretation</a:t>
+            </a:r>
+          </a:p>
+        </p:txBody>
+      </p:sp>
+      <p:sp>
+        <p:nvSpPr>
+          <p:cNvPr id="3" name="Content Placeholder 2"/>
+          <p:cNvSpPr>
+            <a:spLocks noGrp="1"/>
+          </p:cNvSpPr>
+          <p:nvPr>
+            <p:ph idx="1" sz="half"/>
+          </p:nvPr>
+        </p:nvSpPr>
+        <p:spPr/>
+        <p:txBody>
+          <a:bodyPr/>
+          <a:lstStyle/>
+          <a:p>
+            <a:pPr lvl="0" indent="0" marL="0">
+              <a:buNone/>
+            </a:pPr>
+            <a:r>
+              <a:rPr/>
+              <a:t>Error bars are graphical representations of the variability of data that show:</a:t>
+            </a:r>
+          </a:p>
+          <a:p>
+            <a:pPr lvl="0"/>
+            <a:r>
+              <a:rPr/>
+              <a:t>The </a:t>
+            </a:r>
+            <a:r>
+              <a:rPr b="1"/>
+              <a:t>precision</a:t>
+            </a:r>
+            <a:r>
+              <a:rPr/>
+              <a:t> of a measurement</a:t>
+            </a:r>
+          </a:p>
+          <a:p>
+            <a:pPr lvl="0"/>
+            <a:r>
+              <a:rPr/>
+              <a:t>The </a:t>
+            </a:r>
+            <a:r>
+              <a:rPr b="1"/>
+              <a:t>uncertainty</a:t>
+            </a:r>
+            <a:r>
+              <a:rPr/>
+              <a:t> around an estimate</a:t>
+            </a:r>
+          </a:p>
+          <a:p>
+            <a:pPr lvl="0"/>
+            <a:r>
+              <a:rPr/>
+              <a:t>A </a:t>
+            </a:r>
+            <a:r>
+              <a:rPr b="1"/>
+              <a:t>confidence interval</a:t>
+            </a:r>
+            <a:r>
+              <a:rPr/>
+              <a:t> for a parameter</a:t>
+            </a:r>
+          </a:p>
+          <a:p>
+            <a:pPr lvl="0" indent="0" marL="0">
+              <a:buNone/>
+            </a:pPr>
+            <a:r>
+              <a:rPr/>
+              <a:t>Common types of error bars:</a:t>
+            </a:r>
+          </a:p>
+          <a:p>
+            <a:pPr lvl="0" indent="-342900" marL="342900">
+              <a:buAutoNum type="arabicPeriod"/>
+            </a:pPr>
+            <a:r>
+              <a:rPr b="1"/>
+              <a:t>Standard Error (SE)</a:t>
+            </a:r>
+            <a:r>
+              <a:rPr/>
+              <a:t>: Shows precision of the mean</a:t>
+            </a:r>
+          </a:p>
+          <a:p>
+            <a:pPr lvl="0" indent="-342900" marL="342900">
+              <a:buAutoNum type="arabicPeriod"/>
+            </a:pPr>
+            <a:r>
+              <a:rPr b="1"/>
+              <a:t>Standard Deviation (SD)</a:t>
+            </a:r>
+            <a:r>
+              <a:rPr/>
+              <a:t>: Shows variability in the data</a:t>
+            </a:r>
+          </a:p>
+          <a:p>
+            <a:pPr lvl="0" indent="-342900" marL="342900">
+              <a:buAutoNum type="arabicPeriod"/>
+            </a:pPr>
+            <a:r>
+              <a:rPr b="1"/>
+              <a:t>Confidence Interval (CI)</a:t>
+            </a:r>
+            <a:r>
+              <a:rPr/>
+              <a:t>: Shows plausible range for parameter</a:t>
+            </a:r>
+          </a:p>
+          <a:p>
+            <a:pPr lvl="0" indent="0" marL="0">
+              <a:buNone/>
+            </a:pPr>
+            <a:r>
+              <a:rPr/>
+              <a:t>When interpreting graphs:</a:t>
+            </a:r>
+          </a:p>
+          <a:p>
+            <a:pPr lvl="0"/>
+            <a:r>
+              <a:rPr/>
+              <a:t>Always check what the error bars represent</a:t>
+            </a:r>
+          </a:p>
+          <a:p>
+            <a:pPr lvl="0"/>
+            <a:r>
+              <a:rPr/>
+              <a:t>Non-overlapping 95% CI bars suggest statistically significant differences</a:t>
+            </a:r>
+          </a:p>
+          <a:p>
+            <a:pPr lvl="0"/>
+            <a:r>
+              <a:rPr/>
+              <a:t>Error bars help assess both statistical and practical significance</a:t>
+            </a:r>
+          </a:p>
+        </p:txBody>
+      </p:sp>
+      <p:pic>
+        <p:nvPicPr>
+          <p:cNvPr descr="06_01_lecture_powerpoint_files/figure-pptx/unnamed-chunk-4-1.png" id="0" name="Picture 1"/>
+          <p:cNvPicPr>
+            <a:picLocks noGrp="1" noChangeAspect="1"/>
+          </p:cNvPicPr>
+          <p:nvPr/>
+        </p:nvPicPr>
+        <p:blipFill>
+          <a:blip r:embed="rId2"/>
+          <a:stretch>
+            <a:fillRect/>
+          </a:stretch>
+        </p:blipFill>
+        <p:spPr bwMode="auto">
+          <a:xfrm>
+            <a:off x="6121400" y="1498600"/>
+            <a:ext cx="2781300" cy="2781300"/>
+          </a:xfrm>
+          <a:prstGeom prst="rect">
+            <a:avLst/>
+          </a:prstGeom>
+          <a:noFill/>
+          <a:ln w="9525">
+            <a:noFill/>
+            <a:headEnd/>
+            <a:tailEnd/>
+          </a:ln>
+        </p:spPr>
+      </p:pic>
+    </p:spTree>
+  </p:cSld>
+</p:sld>
+</file>
+
+<file path=ppt/slides/slide21.xml><?xml version="1.0" encoding="utf-8"?>
+<p:sld xmlns:a="http://schemas.openxmlformats.org/drawingml/2006/main" xmlns:r="http://schemas.openxmlformats.org/officeDocument/2006/relationships" xmlns:p="http://schemas.openxmlformats.org/presentationml/2006/main">
+  <p:cSld>
+    <p:spTree>
+      <p:nvGrpSpPr>
+        <p:cNvPr id="1" name=""/>
+        <p:cNvGrpSpPr/>
+        <p:nvPr/>
+      </p:nvGrpSpPr>
+      <p:grpSpPr>
+        <a:xfrm>
+          <a:off x="0" y="0"/>
+          <a:ext cx="0" cy="0"/>
+          <a:chOff x="0" y="0"/>
+          <a:chExt cx="0" cy="0"/>
+        </a:xfrm>
+      </p:grpSpPr>
+      <p:sp>
+        <p:nvSpPr>
+          <p:cNvPr id="2" name="Title 1"/>
+          <p:cNvSpPr>
+            <a:spLocks noGrp="1"/>
+          </p:cNvSpPr>
+          <p:nvPr>
+            <p:ph type="title"/>
+          </p:nvPr>
+        </p:nvSpPr>
+        <p:spPr>
+          <a:xfrm>
+            <a:off x="0" y="0"/>
+            <a:ext cx="9144000" cy="602780"/>
+          </a:xfrm>
+          <a:solidFill>
+            <a:srgbClr val="70121D"/>
+          </a:solidFill>
+        </p:spPr>
+        <p:txBody>
+          <a:bodyPr/>
+          <a:lstStyle/>
+          <a:p>
+            <a:pPr lvl="0" indent="0" marL="0">
+              <a:buNone/>
+            </a:pPr>
+            <a:r>
+              <a:rPr b="1"/>
+              <a:t>Lecture 5:</a:t>
+            </a:r>
+            <a:r>
+              <a:rPr/>
+              <a:t> Sampling and Pseudoreplication</a:t>
+            </a:r>
+          </a:p>
+        </p:txBody>
+      </p:sp>
+      <p:sp>
+        <p:nvSpPr>
+          <p:cNvPr id="3" name="Content Placeholder 2"/>
+          <p:cNvSpPr>
+            <a:spLocks noGrp="1"/>
+          </p:cNvSpPr>
+          <p:nvPr>
+            <p:ph idx="1" sz="half"/>
+          </p:nvPr>
+        </p:nvSpPr>
+        <p:spPr/>
+        <p:txBody>
+          <a:bodyPr/>
+          <a:lstStyle/>
+          <a:p>
+            <a:pPr lvl="0" indent="0" marL="0">
+              <a:buNone/>
+            </a:pPr>
+            <a:r>
+              <a:rPr b="1"/>
+              <a:t>Pseudoreplication</a:t>
+            </a:r>
+            <a:r>
+              <a:rPr/>
+              <a:t> occurs when measurements that are not independent are analyzed as if they were independent.</a:t>
+            </a:r>
+          </a:p>
+          <a:p>
+            <a:pPr lvl="0"/>
+            <a:r>
+              <a:rPr/>
+              <a:t>A critical consideration in experimental design</a:t>
+            </a:r>
+          </a:p>
+          <a:p>
+            <a:pPr lvl="0"/>
+            <a:r>
+              <a:rPr/>
+              <a:t>Results in underestimated standard errors and confidence intervals</a:t>
+            </a:r>
+          </a:p>
+          <a:p>
+            <a:pPr lvl="0"/>
+            <a:r>
+              <a:rPr/>
+              <a:t>Leads to inflated Type I error rates (false positives)</a:t>
+            </a:r>
+          </a:p>
+          <a:p>
+            <a:pPr lvl="0" indent="0" marL="0">
+              <a:buNone/>
+            </a:pPr>
+            <a:r>
+              <a:rPr b="1"/>
+              <a:t>Examples of pseudoreplication:</a:t>
+            </a:r>
+          </a:p>
+          <a:p>
+            <a:pPr lvl="0"/>
+            <a:r>
+              <a:rPr/>
+              <a:t>Measuring the same individual multiple times</a:t>
+            </a:r>
+          </a:p>
+          <a:p>
+            <a:pPr lvl="0"/>
+            <a:r>
+              <a:rPr/>
+              <a:t>Treating multiple fish from the same tank as independent</a:t>
+            </a:r>
+          </a:p>
+          <a:p>
+            <a:pPr lvl="0"/>
+            <a:r>
+              <a:rPr/>
+              <a:t>Using multiple data points from a single site</a:t>
+            </a:r>
+          </a:p>
+          <a:p>
+            <a:pPr lvl="0" indent="0" marL="0">
+              <a:buNone/>
+            </a:pPr>
+            <a:r>
+              <a:rPr b="1"/>
+              <a:t>How to avoid pseudoreplication:</a:t>
+            </a:r>
+          </a:p>
+          <a:p>
+            <a:pPr lvl="0"/>
+            <a:r>
+              <a:rPr/>
+              <a:t>Identify the true experimental unit</a:t>
+            </a:r>
+          </a:p>
+          <a:p>
+            <a:pPr lvl="0"/>
+            <a:r>
+              <a:rPr/>
+              <a:t>Use appropriate statistical techniques (e.g., mixed models)</a:t>
+            </a:r>
+          </a:p>
+          <a:p>
+            <a:pPr lvl="0"/>
+            <a:r>
+              <a:rPr/>
+              <a:t>Be clear about the level of replication</a:t>
+            </a:r>
+          </a:p>
+        </p:txBody>
+      </p:sp>
+      <p:pic>
+        <p:nvPicPr>
+          <p:cNvPr descr="06_01_lecture_powerpoint_files/figure-pptx/unnamed-chunk-5-1.png" id="0" name="Picture 1"/>
+          <p:cNvPicPr>
+            <a:picLocks noGrp="1" noChangeAspect="1"/>
+          </p:cNvPicPr>
+          <p:nvPr/>
+        </p:nvPicPr>
+        <p:blipFill>
+          <a:blip r:embed="rId2"/>
+          <a:stretch>
+            <a:fillRect/>
+          </a:stretch>
+        </p:blipFill>
+        <p:spPr bwMode="auto">
+          <a:xfrm>
+            <a:off x="6121400" y="1739900"/>
+            <a:ext cx="2781300" cy="2311400"/>
+          </a:xfrm>
+          <a:prstGeom prst="rect">
+            <a:avLst/>
+          </a:prstGeom>
+          <a:noFill/>
+          <a:ln w="9525">
+            <a:noFill/>
+            <a:headEnd/>
+            <a:tailEnd/>
+          </a:ln>
+        </p:spPr>
+      </p:pic>
+    </p:spTree>
+  </p:cSld>
+</p:sld>
+</file>
+
+<file path=ppt/slides/slide22.xml><?xml version="1.0" encoding="utf-8"?>
+<p:sld xmlns:a="http://schemas.openxmlformats.org/drawingml/2006/main" xmlns:r="http://schemas.openxmlformats.org/officeDocument/2006/relationships" xmlns:p="http://schemas.openxmlformats.org/presentationml/2006/main">
+  <p:cSld>
+    <p:spTree>
+      <p:nvGrpSpPr>
+        <p:cNvPr id="1" name=""/>
+        <p:cNvGrpSpPr/>
+        <p:nvPr/>
+      </p:nvGrpSpPr>
+      <p:grpSpPr>
+        <a:xfrm>
+          <a:off x="0" y="0"/>
+          <a:ext cx="0" cy="0"/>
+          <a:chOff x="0" y="0"/>
+          <a:chExt cx="0" cy="0"/>
+        </a:xfrm>
+      </p:grpSpPr>
+      <p:sp>
+        <p:nvSpPr>
+          <p:cNvPr id="2" name="Title 1"/>
+          <p:cNvSpPr>
+            <a:spLocks noGrp="1"/>
+          </p:cNvSpPr>
+          <p:nvPr>
+            <p:ph type="title"/>
+          </p:nvPr>
+        </p:nvSpPr>
+        <p:spPr>
+          <a:xfrm>
+            <a:off x="0" y="0"/>
+            <a:ext cx="9144000" cy="602780"/>
+          </a:xfrm>
+          <a:solidFill>
+            <a:srgbClr val="70121D"/>
+          </a:solidFill>
+        </p:spPr>
+        <p:txBody>
+          <a:bodyPr/>
+          <a:lstStyle/>
+          <a:p>
+            <a:pPr lvl="0" indent="0" marL="0">
+              <a:buNone/>
+            </a:pPr>
+            <a:r>
+              <a:rPr b="1"/>
+              <a:t>Lecture 5:</a:t>
+            </a:r>
+            <a:r>
+              <a:rPr/>
               <a:t> Practical Applications in Fish Biology</a:t>
             </a:r>
           </a:p>
@@ -7172,31 +7596,36 @@
           </a:p>
         </p:txBody>
       </p:sp>
-      <p:sp>
-        <p:nvSpPr>
-          <p:cNvPr id="4" name="Content Placeholder 3"/>
-          <p:cNvSpPr>
-            <a:spLocks noGrp="1"/>
-          </p:cNvSpPr>
-          <p:nvPr>
-            <p:ph idx="2" sz="half"/>
-          </p:nvPr>
-        </p:nvSpPr>
-        <p:spPr/>
-        <p:txBody>
-          <a:bodyPr/>
-          <a:lstStyle/>
-          <a:p>
-            <a:pPr lvl="0" indent="0" marL="0">
-              <a:buNone/>
-            </a:pPr>
-            <a:r>
-              <a:rPr/>
-              <a:t>-</a:t>
-            </a:r>
-          </a:p>
-        </p:txBody>
-      </p:sp>
+      <p:pic>
+        <p:nvPicPr>
+          <p:cNvPr descr="images/two_branches.jpg" id="0" name="Picture 1"/>
+          <p:cNvPicPr>
+            <a:picLocks noGrp="1" noChangeAspect="1"/>
+          </p:cNvPicPr>
+          <p:nvPr/>
+        </p:nvPicPr>
+        <p:blipFill>
+          <a:blip r:embed="rId2"/>
+          <a:stretch>
+            <a:fillRect/>
+          </a:stretch>
+        </p:blipFill>
+        <p:spPr bwMode="auto">
+          <a:xfrm>
+            <a:off x="6121400" y="1498600"/>
+            <a:ext cx="2781300" cy="2781300"/>
+          </a:xfrm>
+          <a:prstGeom prst="rect">
+            <a:avLst/>
+          </a:prstGeom>
+          <a:noFill/>
+          <a:ln w="9525">
+            <a:noFill/>
+            <a:headEnd/>
+            <a:tailEnd/>
+          </a:ln>
+        </p:spPr>
+      </p:pic>
     </p:spTree>
   </p:cSld>
 </p:sld>
@@ -7351,31 +7780,36 @@
           </a:p>
         </p:txBody>
       </p:sp>
-      <p:sp>
-        <p:nvSpPr>
-          <p:cNvPr id="4" name="Content Placeholder 3"/>
-          <p:cNvSpPr>
-            <a:spLocks noGrp="1"/>
-          </p:cNvSpPr>
-          <p:nvPr>
-            <p:ph idx="2" sz="half"/>
-          </p:nvPr>
-        </p:nvSpPr>
-        <p:spPr/>
-        <p:txBody>
-          <a:bodyPr/>
-          <a:lstStyle/>
-          <a:p>
-            <a:pPr lvl="0" indent="0" marL="0">
-              <a:buNone/>
-            </a:pPr>
-            <a:r>
-              <a:rPr/>
-              <a:t>-</a:t>
-            </a:r>
-          </a:p>
-        </p:txBody>
-      </p:sp>
+      <p:pic>
+        <p:nvPicPr>
+          <p:cNvPr descr="images/two_branches.jpg" id="0" name="Picture 1"/>
+          <p:cNvPicPr>
+            <a:picLocks noGrp="1" noChangeAspect="1"/>
+          </p:cNvPicPr>
+          <p:nvPr/>
+        </p:nvPicPr>
+        <p:blipFill>
+          <a:blip r:embed="rId2"/>
+          <a:stretch>
+            <a:fillRect/>
+          </a:stretch>
+        </p:blipFill>
+        <p:spPr bwMode="auto">
+          <a:xfrm>
+            <a:off x="6121400" y="1498600"/>
+            <a:ext cx="2781300" cy="2781300"/>
+          </a:xfrm>
+          <a:prstGeom prst="rect">
+            <a:avLst/>
+          </a:prstGeom>
+          <a:noFill/>
+          <a:ln w="9525">
+            <a:noFill/>
+            <a:headEnd/>
+            <a:tailEnd/>
+          </a:ln>
+        </p:spPr>
+      </p:pic>
     </p:spTree>
   </p:cSld>
 </p:sld>
@@ -7411,11 +7845,8 @@
         <p:spPr>
           <a:xfrm>
             <a:off x="0" y="0"/>
-            <a:ext cx="9144000" cy="602780"/>
+            <a:ext cx="9144000" cy="582780"/>
           </a:xfrm>
-          <a:solidFill>
-            <a:srgbClr val="70121D"/>
-          </a:solidFill>
         </p:spPr>
         <p:txBody>
           <a:bodyPr/>
@@ -7442,7 +7873,7 @@
             <a:spLocks noGrp="1"/>
           </p:cNvSpPr>
           <p:nvPr>
-            <p:ph idx="1" sz="half"/>
+            <p:ph idx="1"/>
           </p:nvPr>
         </p:nvSpPr>
         <p:spPr/>
@@ -7459,18 +7890,14 @@
             </a:r>
           </a:p>
           <a:p>
-            <a:pPr lvl="0" indent="0" marL="0">
-              <a:buNone/>
-            </a:pPr>
+            <a:pPr lvl="0"/>
             <a:r>
               <a:rPr/>
               <a:t>p = 0.3 means that if I repeated the study 100 times, I would get this (or more extreme) result due to chance 30 times</a:t>
             </a:r>
           </a:p>
           <a:p>
-            <a:pPr lvl="0" indent="0" marL="0">
-              <a:buNone/>
-            </a:pPr>
+            <a:pPr lvl="0"/>
             <a:r>
               <a:rPr/>
               <a:t>p = 0.03 means that if I repeated the study 100 times, I would get this (or more extreme) result due to chance 3 times</a:t>
@@ -7485,22 +7912,6 @@
               <a:t>Which p-value suggests Ho likely false?</a:t>
             </a:r>
           </a:p>
-        </p:txBody>
-      </p:sp>
-      <p:sp>
-        <p:nvSpPr>
-          <p:cNvPr id="4" name="Content Placeholder 3"/>
-          <p:cNvSpPr>
-            <a:spLocks noGrp="1"/>
-          </p:cNvSpPr>
-          <p:nvPr>
-            <p:ph idx="2" sz="half"/>
-          </p:nvPr>
-        </p:nvSpPr>
-        <p:spPr/>
-        <p:txBody>
-          <a:bodyPr/>
-          <a:lstStyle/>
           <a:p>
             <a:pPr lvl="0" indent="0" marL="0">
               <a:buNone/>
